--- a/Project/aipresentation.pptx
+++ b/Project/aipresentation.pptx
@@ -3275,7 +3275,7 @@
           <p:nvPr>
             <p:extLst>
               <p:ext uri="{D42A27DB-BD31-4B8C-83A1-F6EECF244321}">
-                <p14:modId xmlns:p14="http://schemas.microsoft.com/office/powerpoint/2010/main" val="642659412"/>
+                <p14:modId xmlns:p14="http://schemas.microsoft.com/office/powerpoint/2010/main" val="120038103"/>
               </p:ext>
             </p:extLst>
           </p:nvPr>
@@ -3335,16 +3335,6 @@
                     <a:p>
                       <a:pPr algn="l" fontAlgn="b"/>
                       <a:r>
-                        <a:rPr lang="en-US" sz="1200" b="0" i="0" u="none" strike="noStrike" dirty="0">
-                          <a:solidFill>
-                            <a:srgbClr val="000000"/>
-                          </a:solidFill>
-                          <a:effectLst/>
-                          <a:latin typeface="Calibri" charset="0"/>
-                        </a:rPr>
-                        <a:t>train </a:t>
-                      </a:r>
-                      <a:r>
                         <a:rPr lang="en-US" sz="1200" b="0" i="0" u="none" strike="noStrike" dirty="0" smtClean="0">
                           <a:solidFill>
                             <a:srgbClr val="000000"/>
@@ -3352,7 +3342,17 @@
                           <a:effectLst/>
                           <a:latin typeface="Calibri" charset="0"/>
                         </a:rPr>
-                        <a:t>time (s)</a:t>
+                        <a:t>Training Time</a:t>
+                      </a:r>
+                      <a:r>
+                        <a:rPr lang="en-US" sz="1200" b="0" i="0" u="none" strike="noStrike" baseline="0" dirty="0" smtClean="0">
+                          <a:solidFill>
+                            <a:srgbClr val="000000"/>
+                          </a:solidFill>
+                          <a:effectLst/>
+                          <a:latin typeface="Calibri" charset="0"/>
+                        </a:rPr>
+                        <a:t> (s)</a:t>
                       </a:r>
                       <a:endParaRPr lang="en-US" sz="1200" b="0" i="0" u="none" strike="noStrike" dirty="0">
                         <a:solidFill>
@@ -3385,16 +3385,6 @@
                     <a:p>
                       <a:pPr algn="l" fontAlgn="b"/>
                       <a:r>
-                        <a:rPr lang="en-US" sz="1200" b="0" i="0" u="none" strike="noStrike" dirty="0">
-                          <a:solidFill>
-                            <a:srgbClr val="000000"/>
-                          </a:solidFill>
-                          <a:effectLst/>
-                          <a:latin typeface="Calibri" charset="0"/>
-                        </a:rPr>
-                        <a:t>test </a:t>
-                      </a:r>
-                      <a:r>
                         <a:rPr lang="en-US" sz="1200" b="0" i="0" u="none" strike="noStrike" dirty="0" smtClean="0">
                           <a:solidFill>
                             <a:srgbClr val="000000"/>
@@ -3402,7 +3392,7 @@
                           <a:effectLst/>
                           <a:latin typeface="Calibri" charset="0"/>
                         </a:rPr>
-                        <a:t>time (s)</a:t>
+                        <a:t>Testing Time (s)</a:t>
                       </a:r>
                       <a:endParaRPr lang="en-US" sz="1200" b="0" i="0" u="none" strike="noStrike" dirty="0">
                         <a:solidFill>

--- a/Project/aipresentation.pptx
+++ b/Project/aipresentation.pptx
@@ -4,16 +4,20 @@
   <p:sldMasterIdLst>
     <p:sldMasterId id="2147483648" r:id="rId1"/>
   </p:sldMasterIdLst>
+  <p:notesMasterIdLst>
+    <p:notesMasterId r:id="rId12"/>
+  </p:notesMasterIdLst>
   <p:sldIdLst>
     <p:sldId id="256" r:id="rId2"/>
     <p:sldId id="259" r:id="rId3"/>
     <p:sldId id="257" r:id="rId4"/>
     <p:sldId id="260" r:id="rId5"/>
-    <p:sldId id="261" r:id="rId6"/>
-    <p:sldId id="262" r:id="rId7"/>
-    <p:sldId id="258" r:id="rId8"/>
-    <p:sldId id="263" r:id="rId9"/>
-    <p:sldId id="265" r:id="rId10"/>
+    <p:sldId id="266" r:id="rId6"/>
+    <p:sldId id="261" r:id="rId7"/>
+    <p:sldId id="262" r:id="rId8"/>
+    <p:sldId id="258" r:id="rId9"/>
+    <p:sldId id="263" r:id="rId10"/>
+    <p:sldId id="265" r:id="rId11"/>
   </p:sldIdLst>
   <p:sldSz cx="12192000" cy="6858000"/>
   <p:notesSz cx="6858000" cy="9144000"/>
@@ -112,7 +116,475 @@
       </a:defRPr>
     </a:lvl9pPr>
   </p:defaultTextStyle>
+  <p:extLst>
+    <p:ext uri="{EFAFB233-063F-42B5-8137-9DF3F51BA10A}">
+      <p15:sldGuideLst xmlns:p15="http://schemas.microsoft.com/office/powerpoint/2012/main"/>
+    </p:ext>
+  </p:extLst>
 </p:presentation>
+</file>
+
+<file path=ppt/notesMasters/notesMaster1.xml><?xml version="1.0" encoding="utf-8"?>
+<p:notesMaster xmlns:a="http://schemas.openxmlformats.org/drawingml/2006/main" xmlns:r="http://schemas.openxmlformats.org/officeDocument/2006/relationships" xmlns:p="http://schemas.openxmlformats.org/presentationml/2006/main">
+  <p:cSld>
+    <p:bg>
+      <p:bgRef idx="1001">
+        <a:schemeClr val="bg1"/>
+      </p:bgRef>
+    </p:bg>
+    <p:spTree>
+      <p:nvGrpSpPr>
+        <p:cNvPr id="1" name=""/>
+        <p:cNvGrpSpPr/>
+        <p:nvPr/>
+      </p:nvGrpSpPr>
+      <p:grpSpPr>
+        <a:xfrm>
+          <a:off x="0" y="0"/>
+          <a:ext cx="0" cy="0"/>
+          <a:chOff x="0" y="0"/>
+          <a:chExt cx="0" cy="0"/>
+        </a:xfrm>
+      </p:grpSpPr>
+      <p:sp>
+        <p:nvSpPr>
+          <p:cNvPr id="2" name="Header Placeholder 1"/>
+          <p:cNvSpPr>
+            <a:spLocks noGrp="1"/>
+          </p:cNvSpPr>
+          <p:nvPr>
+            <p:ph type="hdr" sz="quarter"/>
+          </p:nvPr>
+        </p:nvSpPr>
+        <p:spPr>
+          <a:xfrm>
+            <a:off x="0" y="0"/>
+            <a:ext cx="2971800" cy="458788"/>
+          </a:xfrm>
+          <a:prstGeom prst="rect">
+            <a:avLst/>
+          </a:prstGeom>
+        </p:spPr>
+        <p:txBody>
+          <a:bodyPr vert="horz" lIns="91440" tIns="45720" rIns="91440" bIns="45720" rtlCol="0"/>
+          <a:lstStyle>
+            <a:lvl1pPr algn="l">
+              <a:defRPr sz="1200"/>
+            </a:lvl1pPr>
+          </a:lstStyle>
+          <a:p>
+            <a:endParaRPr lang="en-US"/>
+          </a:p>
+        </p:txBody>
+      </p:sp>
+      <p:sp>
+        <p:nvSpPr>
+          <p:cNvPr id="3" name="Date Placeholder 2"/>
+          <p:cNvSpPr>
+            <a:spLocks noGrp="1"/>
+          </p:cNvSpPr>
+          <p:nvPr>
+            <p:ph type="dt" idx="1"/>
+          </p:nvPr>
+        </p:nvSpPr>
+        <p:spPr>
+          <a:xfrm>
+            <a:off x="3884613" y="0"/>
+            <a:ext cx="2971800" cy="458788"/>
+          </a:xfrm>
+          <a:prstGeom prst="rect">
+            <a:avLst/>
+          </a:prstGeom>
+        </p:spPr>
+        <p:txBody>
+          <a:bodyPr vert="horz" lIns="91440" tIns="45720" rIns="91440" bIns="45720" rtlCol="0"/>
+          <a:lstStyle>
+            <a:lvl1pPr algn="r">
+              <a:defRPr sz="1200"/>
+            </a:lvl1pPr>
+          </a:lstStyle>
+          <a:p>
+            <a:fld id="{733748CD-C831-7746-AB52-40B68965D4FC}" type="datetimeFigureOut">
+              <a:rPr lang="en-US" smtClean="0"/>
+              <a:t>8/6/17</a:t>
+            </a:fld>
+            <a:endParaRPr lang="en-US"/>
+          </a:p>
+        </p:txBody>
+      </p:sp>
+      <p:sp>
+        <p:nvSpPr>
+          <p:cNvPr id="4" name="Slide Image Placeholder 3"/>
+          <p:cNvSpPr>
+            <a:spLocks noGrp="1" noRot="1" noChangeAspect="1"/>
+          </p:cNvSpPr>
+          <p:nvPr>
+            <p:ph type="sldImg" idx="2"/>
+          </p:nvPr>
+        </p:nvSpPr>
+        <p:spPr>
+          <a:xfrm>
+            <a:off x="685800" y="1143000"/>
+            <a:ext cx="5486400" cy="3086100"/>
+          </a:xfrm>
+          <a:prstGeom prst="rect">
+            <a:avLst/>
+          </a:prstGeom>
+          <a:noFill/>
+          <a:ln w="12700">
+            <a:solidFill>
+              <a:prstClr val="black"/>
+            </a:solidFill>
+          </a:ln>
+        </p:spPr>
+        <p:txBody>
+          <a:bodyPr vert="horz" lIns="91440" tIns="45720" rIns="91440" bIns="45720" rtlCol="0" anchor="ctr"/>
+          <a:lstStyle/>
+          <a:p>
+            <a:endParaRPr lang="en-US"/>
+          </a:p>
+        </p:txBody>
+      </p:sp>
+      <p:sp>
+        <p:nvSpPr>
+          <p:cNvPr id="5" name="Notes Placeholder 4"/>
+          <p:cNvSpPr>
+            <a:spLocks noGrp="1"/>
+          </p:cNvSpPr>
+          <p:nvPr>
+            <p:ph type="body" sz="quarter" idx="3"/>
+          </p:nvPr>
+        </p:nvSpPr>
+        <p:spPr>
+          <a:xfrm>
+            <a:off x="685800" y="4400550"/>
+            <a:ext cx="5486400" cy="3600450"/>
+          </a:xfrm>
+          <a:prstGeom prst="rect">
+            <a:avLst/>
+          </a:prstGeom>
+        </p:spPr>
+        <p:txBody>
+          <a:bodyPr vert="horz" lIns="91440" tIns="45720" rIns="91440" bIns="45720" rtlCol="0"/>
+          <a:lstStyle/>
+          <a:p>
+            <a:pPr lvl="0"/>
+            <a:r>
+              <a:rPr lang="en-US" smtClean="0"/>
+              <a:t>Click to edit Master text styles</a:t>
+            </a:r>
+          </a:p>
+          <a:p>
+            <a:pPr lvl="1"/>
+            <a:r>
+              <a:rPr lang="en-US" smtClean="0"/>
+              <a:t>Second level</a:t>
+            </a:r>
+          </a:p>
+          <a:p>
+            <a:pPr lvl="2"/>
+            <a:r>
+              <a:rPr lang="en-US" smtClean="0"/>
+              <a:t>Third level</a:t>
+            </a:r>
+          </a:p>
+          <a:p>
+            <a:pPr lvl="3"/>
+            <a:r>
+              <a:rPr lang="en-US" smtClean="0"/>
+              <a:t>Fourth level</a:t>
+            </a:r>
+          </a:p>
+          <a:p>
+            <a:pPr lvl="4"/>
+            <a:r>
+              <a:rPr lang="en-US" smtClean="0"/>
+              <a:t>Fifth level</a:t>
+            </a:r>
+            <a:endParaRPr lang="en-US"/>
+          </a:p>
+        </p:txBody>
+      </p:sp>
+      <p:sp>
+        <p:nvSpPr>
+          <p:cNvPr id="6" name="Footer Placeholder 5"/>
+          <p:cNvSpPr>
+            <a:spLocks noGrp="1"/>
+          </p:cNvSpPr>
+          <p:nvPr>
+            <p:ph type="ftr" sz="quarter" idx="4"/>
+          </p:nvPr>
+        </p:nvSpPr>
+        <p:spPr>
+          <a:xfrm>
+            <a:off x="0" y="8685213"/>
+            <a:ext cx="2971800" cy="458787"/>
+          </a:xfrm>
+          <a:prstGeom prst="rect">
+            <a:avLst/>
+          </a:prstGeom>
+        </p:spPr>
+        <p:txBody>
+          <a:bodyPr vert="horz" lIns="91440" tIns="45720" rIns="91440" bIns="45720" rtlCol="0" anchor="b"/>
+          <a:lstStyle>
+            <a:lvl1pPr algn="l">
+              <a:defRPr sz="1200"/>
+            </a:lvl1pPr>
+          </a:lstStyle>
+          <a:p>
+            <a:endParaRPr lang="en-US"/>
+          </a:p>
+        </p:txBody>
+      </p:sp>
+      <p:sp>
+        <p:nvSpPr>
+          <p:cNvPr id="7" name="Slide Number Placeholder 6"/>
+          <p:cNvSpPr>
+            <a:spLocks noGrp="1"/>
+          </p:cNvSpPr>
+          <p:nvPr>
+            <p:ph type="sldNum" sz="quarter" idx="5"/>
+          </p:nvPr>
+        </p:nvSpPr>
+        <p:spPr>
+          <a:xfrm>
+            <a:off x="3884613" y="8685213"/>
+            <a:ext cx="2971800" cy="458787"/>
+          </a:xfrm>
+          <a:prstGeom prst="rect">
+            <a:avLst/>
+          </a:prstGeom>
+        </p:spPr>
+        <p:txBody>
+          <a:bodyPr vert="horz" lIns="91440" tIns="45720" rIns="91440" bIns="45720" rtlCol="0" anchor="b"/>
+          <a:lstStyle>
+            <a:lvl1pPr algn="r">
+              <a:defRPr sz="1200"/>
+            </a:lvl1pPr>
+          </a:lstStyle>
+          <a:p>
+            <a:fld id="{24A6CD3F-3A72-AA4D-A876-4F0BF2DA7416}" type="slidenum">
+              <a:rPr lang="en-US" smtClean="0"/>
+              <a:t>‹#›</a:t>
+            </a:fld>
+            <a:endParaRPr lang="en-US"/>
+          </a:p>
+        </p:txBody>
+      </p:sp>
+    </p:spTree>
+    <p:extLst>
+      <p:ext uri="{BB962C8B-B14F-4D97-AF65-F5344CB8AC3E}">
+        <p14:creationId xmlns:p14="http://schemas.microsoft.com/office/powerpoint/2010/main" val="1744218743"/>
+      </p:ext>
+    </p:extLst>
+  </p:cSld>
+  <p:clrMap bg1="lt1" tx1="dk1" bg2="lt2" tx2="dk2" accent1="accent1" accent2="accent2" accent3="accent3" accent4="accent4" accent5="accent5" accent6="accent6" hlink="hlink" folHlink="folHlink"/>
+  <p:notesStyle>
+    <a:lvl1pPr marL="0" algn="l" defTabSz="914400" rtl="0" eaLnBrk="1" latinLnBrk="0" hangingPunct="1">
+      <a:defRPr sz="1200" kern="1200">
+        <a:solidFill>
+          <a:schemeClr val="tx1"/>
+        </a:solidFill>
+        <a:latin typeface="+mn-lt"/>
+        <a:ea typeface="+mn-ea"/>
+        <a:cs typeface="+mn-cs"/>
+      </a:defRPr>
+    </a:lvl1pPr>
+    <a:lvl2pPr marL="457200" algn="l" defTabSz="914400" rtl="0" eaLnBrk="1" latinLnBrk="0" hangingPunct="1">
+      <a:defRPr sz="1200" kern="1200">
+        <a:solidFill>
+          <a:schemeClr val="tx1"/>
+        </a:solidFill>
+        <a:latin typeface="+mn-lt"/>
+        <a:ea typeface="+mn-ea"/>
+        <a:cs typeface="+mn-cs"/>
+      </a:defRPr>
+    </a:lvl2pPr>
+    <a:lvl3pPr marL="914400" algn="l" defTabSz="914400" rtl="0" eaLnBrk="1" latinLnBrk="0" hangingPunct="1">
+      <a:defRPr sz="1200" kern="1200">
+        <a:solidFill>
+          <a:schemeClr val="tx1"/>
+        </a:solidFill>
+        <a:latin typeface="+mn-lt"/>
+        <a:ea typeface="+mn-ea"/>
+        <a:cs typeface="+mn-cs"/>
+      </a:defRPr>
+    </a:lvl3pPr>
+    <a:lvl4pPr marL="1371600" algn="l" defTabSz="914400" rtl="0" eaLnBrk="1" latinLnBrk="0" hangingPunct="1">
+      <a:defRPr sz="1200" kern="1200">
+        <a:solidFill>
+          <a:schemeClr val="tx1"/>
+        </a:solidFill>
+        <a:latin typeface="+mn-lt"/>
+        <a:ea typeface="+mn-ea"/>
+        <a:cs typeface="+mn-cs"/>
+      </a:defRPr>
+    </a:lvl4pPr>
+    <a:lvl5pPr marL="1828800" algn="l" defTabSz="914400" rtl="0" eaLnBrk="1" latinLnBrk="0" hangingPunct="1">
+      <a:defRPr sz="1200" kern="1200">
+        <a:solidFill>
+          <a:schemeClr val="tx1"/>
+        </a:solidFill>
+        <a:latin typeface="+mn-lt"/>
+        <a:ea typeface="+mn-ea"/>
+        <a:cs typeface="+mn-cs"/>
+      </a:defRPr>
+    </a:lvl5pPr>
+    <a:lvl6pPr marL="2286000" algn="l" defTabSz="914400" rtl="0" eaLnBrk="1" latinLnBrk="0" hangingPunct="1">
+      <a:defRPr sz="1200" kern="1200">
+        <a:solidFill>
+          <a:schemeClr val="tx1"/>
+        </a:solidFill>
+        <a:latin typeface="+mn-lt"/>
+        <a:ea typeface="+mn-ea"/>
+        <a:cs typeface="+mn-cs"/>
+      </a:defRPr>
+    </a:lvl6pPr>
+    <a:lvl7pPr marL="2743200" algn="l" defTabSz="914400" rtl="0" eaLnBrk="1" latinLnBrk="0" hangingPunct="1">
+      <a:defRPr sz="1200" kern="1200">
+        <a:solidFill>
+          <a:schemeClr val="tx1"/>
+        </a:solidFill>
+        <a:latin typeface="+mn-lt"/>
+        <a:ea typeface="+mn-ea"/>
+        <a:cs typeface="+mn-cs"/>
+      </a:defRPr>
+    </a:lvl7pPr>
+    <a:lvl8pPr marL="3200400" algn="l" defTabSz="914400" rtl="0" eaLnBrk="1" latinLnBrk="0" hangingPunct="1">
+      <a:defRPr sz="1200" kern="1200">
+        <a:solidFill>
+          <a:schemeClr val="tx1"/>
+        </a:solidFill>
+        <a:latin typeface="+mn-lt"/>
+        <a:ea typeface="+mn-ea"/>
+        <a:cs typeface="+mn-cs"/>
+      </a:defRPr>
+    </a:lvl8pPr>
+    <a:lvl9pPr marL="3657600" algn="l" defTabSz="914400" rtl="0" eaLnBrk="1" latinLnBrk="0" hangingPunct="1">
+      <a:defRPr sz="1200" kern="1200">
+        <a:solidFill>
+          <a:schemeClr val="tx1"/>
+        </a:solidFill>
+        <a:latin typeface="+mn-lt"/>
+        <a:ea typeface="+mn-ea"/>
+        <a:cs typeface="+mn-cs"/>
+      </a:defRPr>
+    </a:lvl9pPr>
+  </p:notesStyle>
+</p:notesMaster>
+</file>
+
+<file path=ppt/notesSlides/notesSlide1.xml><?xml version="1.0" encoding="utf-8"?>
+<p:notes xmlns:a="http://schemas.openxmlformats.org/drawingml/2006/main" xmlns:r="http://schemas.openxmlformats.org/officeDocument/2006/relationships" xmlns:p="http://schemas.openxmlformats.org/presentationml/2006/main">
+  <p:cSld>
+    <p:spTree>
+      <p:nvGrpSpPr>
+        <p:cNvPr id="1" name=""/>
+        <p:cNvGrpSpPr/>
+        <p:nvPr/>
+      </p:nvGrpSpPr>
+      <p:grpSpPr>
+        <a:xfrm>
+          <a:off x="0" y="0"/>
+          <a:ext cx="0" cy="0"/>
+          <a:chOff x="0" y="0"/>
+          <a:chExt cx="0" cy="0"/>
+        </a:xfrm>
+      </p:grpSpPr>
+      <p:sp>
+        <p:nvSpPr>
+          <p:cNvPr id="2" name="Slide Image Placeholder 1"/>
+          <p:cNvSpPr>
+            <a:spLocks noGrp="1" noRot="1" noChangeAspect="1"/>
+          </p:cNvSpPr>
+          <p:nvPr>
+            <p:ph type="sldImg"/>
+          </p:nvPr>
+        </p:nvSpPr>
+        <p:spPr/>
+      </p:sp>
+      <p:sp>
+        <p:nvSpPr>
+          <p:cNvPr id="3" name="Notes Placeholder 2"/>
+          <p:cNvSpPr>
+            <a:spLocks noGrp="1"/>
+          </p:cNvSpPr>
+          <p:nvPr>
+            <p:ph type="body" idx="1"/>
+          </p:nvPr>
+        </p:nvSpPr>
+        <p:spPr/>
+        <p:txBody>
+          <a:bodyPr/>
+          <a:lstStyle/>
+          <a:p>
+            <a:r>
+              <a:rPr lang="en-US" sz="1200" dirty="0" smtClean="0"/>
+              <a:t>140.47 seconds to 223.79 seconds</a:t>
+            </a:r>
+          </a:p>
+          <a:p>
+            <a:pPr marL="0" marR="0" lvl="1" indent="0" algn="l" defTabSz="914400" rtl="0" eaLnBrk="1" fontAlgn="auto" latinLnBrk="0" hangingPunct="1">
+              <a:lnSpc>
+                <a:spcPct val="100000"/>
+              </a:lnSpc>
+              <a:spcBef>
+                <a:spcPts val="0"/>
+              </a:spcBef>
+              <a:spcAft>
+                <a:spcPts val="0"/>
+              </a:spcAft>
+              <a:buClrTx/>
+              <a:buSzTx/>
+              <a:buFontTx/>
+              <a:buNone/>
+              <a:tabLst/>
+              <a:defRPr/>
+            </a:pPr>
+            <a:r>
+              <a:rPr lang="en-US" sz="2000" dirty="0" smtClean="0"/>
+              <a:t>70.31 seconds to 76.09 seconds.</a:t>
+            </a:r>
+          </a:p>
+          <a:p>
+            <a:endParaRPr lang="en-US" dirty="0"/>
+          </a:p>
+        </p:txBody>
+      </p:sp>
+      <p:sp>
+        <p:nvSpPr>
+          <p:cNvPr id="4" name="Slide Number Placeholder 3"/>
+          <p:cNvSpPr>
+            <a:spLocks noGrp="1"/>
+          </p:cNvSpPr>
+          <p:nvPr>
+            <p:ph type="sldNum" sz="quarter" idx="10"/>
+          </p:nvPr>
+        </p:nvSpPr>
+        <p:spPr/>
+        <p:txBody>
+          <a:bodyPr/>
+          <a:lstStyle/>
+          <a:p>
+            <a:fld id="{24A6CD3F-3A72-AA4D-A876-4F0BF2DA7416}" type="slidenum">
+              <a:rPr lang="en-US" smtClean="0"/>
+              <a:t>5</a:t>
+            </a:fld>
+            <a:endParaRPr lang="en-US"/>
+          </a:p>
+        </p:txBody>
+      </p:sp>
+    </p:spTree>
+    <p:extLst>
+      <p:ext uri="{BB962C8B-B14F-4D97-AF65-F5344CB8AC3E}">
+        <p14:creationId xmlns:p14="http://schemas.microsoft.com/office/powerpoint/2010/main" val="1932632051"/>
+      </p:ext>
+    </p:extLst>
+  </p:cSld>
+  <p:clrMapOvr>
+    <a:masterClrMapping/>
+  </p:clrMapOvr>
+</p:notes>
 </file>
 
 <file path=ppt/slideLayouts/slideLayout1.xml><?xml version="1.0" encoding="utf-8"?>
@@ -246,7 +718,7 @@
           <a:p>
             <a:fld id="{843B00C5-B3C5-8B4B-828D-C2B77BD8183B}" type="datetimeFigureOut">
               <a:rPr lang="en-US" smtClean="0"/>
-              <a:t>8/4/17</a:t>
+              <a:t>8/6/17</a:t>
             </a:fld>
             <a:endParaRPr lang="en-US"/>
           </a:p>
@@ -416,7 +888,7 @@
           <a:p>
             <a:fld id="{843B00C5-B3C5-8B4B-828D-C2B77BD8183B}" type="datetimeFigureOut">
               <a:rPr lang="en-US" smtClean="0"/>
-              <a:t>8/5/17</a:t>
+              <a:t>8/6/17</a:t>
             </a:fld>
             <a:endParaRPr lang="en-US"/>
           </a:p>
@@ -596,7 +1068,7 @@
           <a:p>
             <a:fld id="{843B00C5-B3C5-8B4B-828D-C2B77BD8183B}" type="datetimeFigureOut">
               <a:rPr lang="en-US" smtClean="0"/>
-              <a:t>8/5/17</a:t>
+              <a:t>8/6/17</a:t>
             </a:fld>
             <a:endParaRPr lang="en-US"/>
           </a:p>
@@ -766,7 +1238,7 @@
           <a:p>
             <a:fld id="{843B00C5-B3C5-8B4B-828D-C2B77BD8183B}" type="datetimeFigureOut">
               <a:rPr lang="en-US" smtClean="0"/>
-              <a:t>8/5/17</a:t>
+              <a:t>8/6/17</a:t>
             </a:fld>
             <a:endParaRPr lang="en-US"/>
           </a:p>
@@ -1012,7 +1484,7 @@
           <a:p>
             <a:fld id="{843B00C5-B3C5-8B4B-828D-C2B77BD8183B}" type="datetimeFigureOut">
               <a:rPr lang="en-US" smtClean="0"/>
-              <a:t>8/5/17</a:t>
+              <a:t>8/6/17</a:t>
             </a:fld>
             <a:endParaRPr lang="en-US"/>
           </a:p>
@@ -1244,7 +1716,7 @@
           <a:p>
             <a:fld id="{843B00C5-B3C5-8B4B-828D-C2B77BD8183B}" type="datetimeFigureOut">
               <a:rPr lang="en-US" smtClean="0"/>
-              <a:t>8/5/17</a:t>
+              <a:t>8/6/17</a:t>
             </a:fld>
             <a:endParaRPr lang="en-US"/>
           </a:p>
@@ -1611,7 +2083,7 @@
           <a:p>
             <a:fld id="{843B00C5-B3C5-8B4B-828D-C2B77BD8183B}" type="datetimeFigureOut">
               <a:rPr lang="en-US" smtClean="0"/>
-              <a:t>8/5/17</a:t>
+              <a:t>8/6/17</a:t>
             </a:fld>
             <a:endParaRPr lang="en-US"/>
           </a:p>
@@ -1729,7 +2201,7 @@
           <a:p>
             <a:fld id="{843B00C5-B3C5-8B4B-828D-C2B77BD8183B}" type="datetimeFigureOut">
               <a:rPr lang="en-US" smtClean="0"/>
-              <a:t>8/5/17</a:t>
+              <a:t>8/6/17</a:t>
             </a:fld>
             <a:endParaRPr lang="en-US"/>
           </a:p>
@@ -1824,7 +2296,7 @@
           <a:p>
             <a:fld id="{843B00C5-B3C5-8B4B-828D-C2B77BD8183B}" type="datetimeFigureOut">
               <a:rPr lang="en-US" smtClean="0"/>
-              <a:t>8/5/17</a:t>
+              <a:t>8/6/17</a:t>
             </a:fld>
             <a:endParaRPr lang="en-US"/>
           </a:p>
@@ -2101,7 +2573,7 @@
           <a:p>
             <a:fld id="{843B00C5-B3C5-8B4B-828D-C2B77BD8183B}" type="datetimeFigureOut">
               <a:rPr lang="en-US" smtClean="0"/>
-              <a:t>8/5/17</a:t>
+              <a:t>8/6/17</a:t>
             </a:fld>
             <a:endParaRPr lang="en-US"/>
           </a:p>
@@ -2354,7 +2826,7 @@
           <a:p>
             <a:fld id="{843B00C5-B3C5-8B4B-828D-C2B77BD8183B}" type="datetimeFigureOut">
               <a:rPr lang="en-US" smtClean="0"/>
-              <a:t>8/5/17</a:t>
+              <a:t>8/6/17</a:t>
             </a:fld>
             <a:endParaRPr lang="en-US"/>
           </a:p>
@@ -2567,7 +3039,7 @@
           <a:p>
             <a:fld id="{843B00C5-B3C5-8B4B-828D-C2B77BD8183B}" type="datetimeFigureOut">
               <a:rPr lang="en-US" smtClean="0"/>
-              <a:t>8/4/17</a:t>
+              <a:t>8/6/17</a:t>
             </a:fld>
             <a:endParaRPr lang="en-US"/>
           </a:p>
@@ -3008,6 +3480,89 @@
 </p:sld>
 </file>
 
+<file path=ppt/slides/slide10.xml><?xml version="1.0" encoding="utf-8"?>
+<p:sld xmlns:a="http://schemas.openxmlformats.org/drawingml/2006/main" xmlns:r="http://schemas.openxmlformats.org/officeDocument/2006/relationships" xmlns:p="http://schemas.openxmlformats.org/presentationml/2006/main">
+  <p:cSld>
+    <p:spTree>
+      <p:nvGrpSpPr>
+        <p:cNvPr id="1" name=""/>
+        <p:cNvGrpSpPr/>
+        <p:nvPr/>
+      </p:nvGrpSpPr>
+      <p:grpSpPr>
+        <a:xfrm>
+          <a:off x="0" y="0"/>
+          <a:ext cx="0" cy="0"/>
+          <a:chOff x="0" y="0"/>
+          <a:chExt cx="0" cy="0"/>
+        </a:xfrm>
+      </p:grpSpPr>
+      <p:sp>
+        <p:nvSpPr>
+          <p:cNvPr id="2" name="Title 1"/>
+          <p:cNvSpPr>
+            <a:spLocks noGrp="1"/>
+          </p:cNvSpPr>
+          <p:nvPr>
+            <p:ph type="title"/>
+          </p:nvPr>
+        </p:nvSpPr>
+        <p:spPr/>
+        <p:txBody>
+          <a:bodyPr/>
+          <a:lstStyle/>
+          <a:p>
+            <a:r>
+              <a:rPr lang="en-US" dirty="0" smtClean="0"/>
+              <a:t>Observations (CIFAR10)</a:t>
+            </a:r>
+            <a:endParaRPr lang="en-US" dirty="0"/>
+          </a:p>
+        </p:txBody>
+      </p:sp>
+      <p:pic>
+        <p:nvPicPr>
+          <p:cNvPr id="5" name="Picture 4"/>
+          <p:cNvPicPr>
+            <a:picLocks noChangeAspect="1"/>
+          </p:cNvPicPr>
+          <p:nvPr/>
+        </p:nvPicPr>
+        <p:blipFill>
+          <a:blip r:embed="rId2">
+            <a:extLst>
+              <a:ext uri="{28A0092B-C50C-407E-A947-70E740481C1C}">
+                <a14:useLocalDpi xmlns:a14="http://schemas.microsoft.com/office/drawing/2010/main" val="0"/>
+              </a:ext>
+            </a:extLst>
+          </a:blip>
+          <a:stretch>
+            <a:fillRect/>
+          </a:stretch>
+        </p:blipFill>
+        <p:spPr>
+          <a:xfrm>
+            <a:off x="2308050" y="1690688"/>
+            <a:ext cx="7575900" cy="4552113"/>
+          </a:xfrm>
+          <a:prstGeom prst="rect">
+            <a:avLst/>
+          </a:prstGeom>
+        </p:spPr>
+      </p:pic>
+    </p:spTree>
+    <p:extLst>
+      <p:ext uri="{BB962C8B-B14F-4D97-AF65-F5344CB8AC3E}">
+        <p14:creationId xmlns:p14="http://schemas.microsoft.com/office/powerpoint/2010/main" val="1726553305"/>
+      </p:ext>
+    </p:extLst>
+  </p:cSld>
+  <p:clrMapOvr>
+    <a:masterClrMapping/>
+  </p:clrMapOvr>
+</p:sld>
+</file>
+
 <file path=ppt/slides/slide2.xml><?xml version="1.0" encoding="utf-8"?>
 <p:sld xmlns:a="http://schemas.openxmlformats.org/drawingml/2006/main" xmlns:r="http://schemas.openxmlformats.org/officeDocument/2006/relationships" xmlns:p="http://schemas.openxmlformats.org/presentationml/2006/main">
   <p:cSld>
@@ -3061,26 +3616,85 @@
         <p:spPr/>
         <p:txBody>
           <a:bodyPr>
-            <a:normAutofit lnSpcReduction="10000"/>
+            <a:normAutofit/>
           </a:bodyPr>
           <a:lstStyle/>
           <a:p>
             <a:r>
               <a:rPr lang="en-US" dirty="0" smtClean="0"/>
-              <a:t>Features, as you all know, are the attributes of an input, or example. With the MNIST data set, each example is composed of 784 pixels, each one of which are considered the features.</a:t>
-            </a:r>
-            <a:endParaRPr lang="en-US" dirty="0"/>
-          </a:p>
-          <a:p>
+              <a:t>To train the Boundary:</a:t>
+            </a:r>
+          </a:p>
+          <a:p>
+            <a:pPr lvl="1"/>
+            <a:r>
+              <a:rPr lang="en-US" smtClean="0"/>
+              <a:t>Query </a:t>
+            </a:r>
             <a:r>
               <a:rPr lang="en-US" dirty="0" smtClean="0"/>
-              <a:t>The Boundary Tree is trained by querying the existing tree using the example as an input, looking for the closest node (using a Euclidean distance as the distance function). When it finds the closest node, if the example is not the same as the closest node, it will add a new node to the tree containing the example.</a:t>
-            </a:r>
-          </a:p>
-          <a:p>
+              <a:t>the existing tree using the </a:t>
+            </a:r>
             <a:r>
               <a:rPr lang="en-US" dirty="0" smtClean="0"/>
-              <a:t>Testing the Boundary Tree involves simply querying the existing tree using an example from the test set. The Boundary Tree determines the class of the example by the class associated with the closest node.</a:t>
+              <a:t>examples from the training set as </a:t>
+            </a:r>
+            <a:r>
+              <a:rPr lang="en-US" dirty="0" smtClean="0"/>
+              <a:t>an input, looking for the closest node (using a Euclidean distance as the distance function</a:t>
+            </a:r>
+            <a:r>
+              <a:rPr lang="en-US" dirty="0" smtClean="0"/>
+              <a:t>).</a:t>
+            </a:r>
+          </a:p>
+          <a:p>
+            <a:pPr lvl="1"/>
+            <a:r>
+              <a:rPr lang="en-US" dirty="0" smtClean="0"/>
+              <a:t>When </a:t>
+            </a:r>
+            <a:r>
+              <a:rPr lang="en-US" dirty="0" smtClean="0"/>
+              <a:t>it finds the closest node, if the example is not the same as the closest node, it will add a new node to the tree containing the </a:t>
+            </a:r>
+            <a:r>
+              <a:rPr lang="en-US" dirty="0" smtClean="0"/>
+              <a:t>example, along with its classification.</a:t>
+            </a:r>
+            <a:endParaRPr lang="en-US" dirty="0" smtClean="0"/>
+          </a:p>
+          <a:p>
+            <a:r>
+              <a:rPr lang="en-US" dirty="0" smtClean="0"/>
+              <a:t>To test the </a:t>
+            </a:r>
+            <a:r>
+              <a:rPr lang="en-US" dirty="0" smtClean="0"/>
+              <a:t>Boundary </a:t>
+            </a:r>
+            <a:r>
+              <a:rPr lang="en-US" dirty="0" smtClean="0"/>
+              <a:t>Tree: </a:t>
+            </a:r>
+          </a:p>
+          <a:p>
+            <a:pPr lvl="1"/>
+            <a:r>
+              <a:rPr lang="en-US" dirty="0" smtClean="0"/>
+              <a:t>Query </a:t>
+            </a:r>
+            <a:r>
+              <a:rPr lang="en-US" dirty="0" smtClean="0"/>
+              <a:t>the existing tree </a:t>
+            </a:r>
+            <a:r>
+              <a:rPr lang="en-US" dirty="0" smtClean="0"/>
+              <a:t>using examples </a:t>
+            </a:r>
+            <a:r>
+              <a:rPr lang="en-US" dirty="0" smtClean="0"/>
+              <a:t>from the test set. The Boundary Tree determines the class of the example by the class associated with the closest node.</a:t>
             </a:r>
             <a:endParaRPr lang="en-US" dirty="0"/>
           </a:p>
@@ -3133,7 +3747,7 @@
           <a:p>
             <a:r>
               <a:rPr lang="en-US" dirty="0" smtClean="0"/>
-              <a:t>Observations (MNIST)</a:t>
+              <a:t>Observations</a:t>
             </a:r>
             <a:endParaRPr lang="en-US" dirty="0"/>
           </a:p>
@@ -3156,7 +3770,15 @@
           <a:p>
             <a:r>
               <a:rPr lang="en-US" dirty="0" smtClean="0"/>
-              <a:t>In testing the Boundary Trees with the MNIST data set, we noticed a few things.</a:t>
+              <a:t>In testing the Boundary Trees with the </a:t>
+            </a:r>
+            <a:r>
+              <a:rPr lang="en-US" dirty="0" smtClean="0"/>
+              <a:t>MNIST and CIFAR10 </a:t>
+            </a:r>
+            <a:r>
+              <a:rPr lang="en-US" dirty="0" smtClean="0"/>
+              <a:t>data set, we noticed a few things.</a:t>
             </a:r>
           </a:p>
           <a:p>
@@ -3169,14 +3791,47 @@
             <a:pPr lvl="1"/>
             <a:r>
               <a:rPr lang="en-US" dirty="0" smtClean="0"/>
-              <a:t>Changing the maximum branching factor, k, played a large role in both accuracy as well as the speed of training and querying. As the branching factor grows, it takes longer to train and query, although the accuracy is higher, so it may be worth it depending on the use case.</a:t>
-            </a:r>
+              <a:t>Changing the maximum branching factor, k, played a large role in both accuracy as well as the speed of training and </a:t>
+            </a:r>
+            <a:r>
+              <a:rPr lang="en-US" dirty="0" smtClean="0"/>
+              <a:t>querying.</a:t>
+            </a:r>
+          </a:p>
+          <a:p>
+            <a:pPr marL="457200" lvl="1" indent="0">
+              <a:buNone/>
+            </a:pPr>
+            <a:endParaRPr lang="en-US" dirty="0" smtClean="0"/>
           </a:p>
           <a:p>
             <a:pPr lvl="1"/>
             <a:r>
               <a:rPr lang="en-US" dirty="0" smtClean="0"/>
-              <a:t>While accuracy and testing time plateaued, the time it took to train grew linearly with more examples.</a:t>
+              <a:t>While accuracy and testing time </a:t>
+            </a:r>
+            <a:r>
+              <a:rPr lang="en-US" dirty="0" smtClean="0"/>
+              <a:t>plateaued, the </a:t>
+            </a:r>
+            <a:r>
+              <a:rPr lang="en-US" dirty="0" smtClean="0"/>
+              <a:t>time it took to train grew linearly with more examples</a:t>
+            </a:r>
+            <a:r>
+              <a:rPr lang="en-US" dirty="0" smtClean="0"/>
+              <a:t>.</a:t>
+            </a:r>
+          </a:p>
+          <a:p>
+            <a:pPr lvl="1"/>
+            <a:endParaRPr lang="en-US" dirty="0"/>
+          </a:p>
+          <a:p>
+            <a:pPr lvl="1"/>
+            <a:r>
+              <a:rPr lang="en-US" dirty="0" smtClean="0"/>
+              <a:t>This implementation works far better with the MNIST dataset compared to the CIFAR10 dataset in terms of accuracy.</a:t>
             </a:r>
             <a:endParaRPr lang="en-US" dirty="0"/>
           </a:p>
@@ -3254,13 +3909,15 @@
           <a:p>
             <a:r>
               <a:rPr lang="en-US" sz="2400" dirty="0" smtClean="0"/>
-              <a:t>Setting the branching factor to 5-10 seemed to be the best if both time and accuracy is a concern, as anything less than 5 will result in lower accuracy while taking about the same amount of time to train and test.	</a:t>
-            </a:r>
-          </a:p>
-          <a:p>
+              <a:t>Generally, as the </a:t>
+            </a:r>
+            <a:r>
+              <a:rPr lang="en-US" sz="2400" dirty="0"/>
+              <a:t>branching factor grows, it takes longer to train and query, although the accuracy is higher, so it may be worth it depending on the use case</a:t>
+            </a:r>
             <a:r>
               <a:rPr lang="en-US" sz="2400" dirty="0" smtClean="0"/>
-              <a:t>With larger branching factors, the training time varies by quite a bit, ranging from 140.47 seconds to 223.79 seconds, whereas tests ran with a lower branching factor resulted in fairly consistent training times.</a:t>
+              <a:t>.</a:t>
             </a:r>
             <a:endParaRPr lang="en-US" sz="2400" dirty="0"/>
           </a:p>
@@ -3275,26 +3932,26 @@
           <p:nvPr>
             <p:extLst>
               <p:ext uri="{D42A27DB-BD31-4B8C-83A1-F6EECF244321}">
-                <p14:modId xmlns:p14="http://schemas.microsoft.com/office/powerpoint/2010/main" val="120038103"/>
+                <p14:modId xmlns:p14="http://schemas.microsoft.com/office/powerpoint/2010/main" val="1892801518"/>
               </p:ext>
             </p:extLst>
           </p:nvPr>
         </p:nvGraphicFramePr>
         <p:xfrm>
-          <a:off x="4203540" y="4490720"/>
-          <a:ext cx="3784920" cy="1821180"/>
+          <a:off x="2345802" y="3148314"/>
+          <a:ext cx="7500395" cy="2618168"/>
         </p:xfrm>
         <a:graphic>
           <a:graphicData uri="http://schemas.openxmlformats.org/drawingml/2006/table">
             <a:tbl>
               <a:tblPr/>
               <a:tblGrid>
-                <a:gridCol w="590309"/>
-                <a:gridCol w="1215341"/>
-                <a:gridCol w="1145894"/>
-                <a:gridCol w="833376"/>
+                <a:gridCol w="1169787"/>
+                <a:gridCol w="2408383"/>
+                <a:gridCol w="2270764"/>
+                <a:gridCol w="1651461"/>
               </a:tblGrid>
-              <a:tr h="0">
+              <a:tr h="322008">
                 <a:tc>
                   <a:txBody>
                     <a:bodyPr/>
@@ -3302,7 +3959,7 @@
                     <a:p>
                       <a:pPr algn="l" fontAlgn="b"/>
                       <a:r>
-                        <a:rPr lang="en-US" sz="1200" b="0" i="0" u="none" strike="noStrike">
+                        <a:rPr lang="en-US" sz="1800" b="0" i="0" u="none" strike="noStrike" dirty="0">
                           <a:solidFill>
                             <a:srgbClr val="000000"/>
                           </a:solidFill>
@@ -3314,17 +3971,41 @@
                     </a:p>
                   </a:txBody>
                   <a:tcPr marL="12700" marR="12700" marT="12700" marB="0" anchor="b">
-                    <a:lnL>
-                      <a:noFill/>
+                    <a:lnL w="12700" cap="flat" cmpd="sng" algn="ctr">
+                      <a:solidFill>
+                        <a:schemeClr val="tx1"/>
+                      </a:solidFill>
+                      <a:prstDash val="solid"/>
+                      <a:round/>
+                      <a:headEnd type="none" w="med" len="med"/>
+                      <a:tailEnd type="none" w="med" len="med"/>
                     </a:lnL>
-                    <a:lnR>
-                      <a:noFill/>
+                    <a:lnR w="12700" cap="flat" cmpd="sng" algn="ctr">
+                      <a:solidFill>
+                        <a:schemeClr val="tx1"/>
+                      </a:solidFill>
+                      <a:prstDash val="solid"/>
+                      <a:round/>
+                      <a:headEnd type="none" w="med" len="med"/>
+                      <a:tailEnd type="none" w="med" len="med"/>
                     </a:lnR>
-                    <a:lnT>
-                      <a:noFill/>
+                    <a:lnT w="12700" cap="flat" cmpd="sng" algn="ctr">
+                      <a:solidFill>
+                        <a:schemeClr val="tx1"/>
+                      </a:solidFill>
+                      <a:prstDash val="solid"/>
+                      <a:round/>
+                      <a:headEnd type="none" w="med" len="med"/>
+                      <a:tailEnd type="none" w="med" len="med"/>
                     </a:lnT>
-                    <a:lnB>
-                      <a:noFill/>
+                    <a:lnB w="12700" cap="flat" cmpd="sng" algn="ctr">
+                      <a:solidFill>
+                        <a:schemeClr val="tx1"/>
+                      </a:solidFill>
+                      <a:prstDash val="solid"/>
+                      <a:round/>
+                      <a:headEnd type="none" w="med" len="med"/>
+                      <a:tailEnd type="none" w="med" len="med"/>
                     </a:lnB>
                   </a:tcPr>
                 </a:tc>
@@ -3335,7 +4016,7 @@
                     <a:p>
                       <a:pPr algn="l" fontAlgn="b"/>
                       <a:r>
-                        <a:rPr lang="en-US" sz="1200" b="0" i="0" u="none" strike="noStrike" dirty="0" smtClean="0">
+                        <a:rPr lang="en-US" sz="1800" b="0" i="0" u="none" strike="noStrike" dirty="0" smtClean="0">
                           <a:solidFill>
                             <a:srgbClr val="000000"/>
                           </a:solidFill>
@@ -3345,7 +4026,7 @@
                         <a:t>Training Time</a:t>
                       </a:r>
                       <a:r>
-                        <a:rPr lang="en-US" sz="1200" b="0" i="0" u="none" strike="noStrike" baseline="0" dirty="0" smtClean="0">
+                        <a:rPr lang="en-US" sz="1800" b="0" i="0" u="none" strike="noStrike" baseline="0" dirty="0" smtClean="0">
                           <a:solidFill>
                             <a:srgbClr val="000000"/>
                           </a:solidFill>
@@ -3354,7 +4035,7 @@
                         </a:rPr>
                         <a:t> (s)</a:t>
                       </a:r>
-                      <a:endParaRPr lang="en-US" sz="1200" b="0" i="0" u="none" strike="noStrike" dirty="0">
+                      <a:endParaRPr lang="en-US" sz="1800" b="0" i="0" u="none" strike="noStrike" dirty="0">
                         <a:solidFill>
                           <a:srgbClr val="000000"/>
                         </a:solidFill>
@@ -3364,17 +4045,41 @@
                     </a:p>
                   </a:txBody>
                   <a:tcPr marL="12700" marR="12700" marT="12700" marB="0" anchor="b">
-                    <a:lnL>
-                      <a:noFill/>
+                    <a:lnL w="12700" cap="flat" cmpd="sng" algn="ctr">
+                      <a:solidFill>
+                        <a:schemeClr val="tx1"/>
+                      </a:solidFill>
+                      <a:prstDash val="solid"/>
+                      <a:round/>
+                      <a:headEnd type="none" w="med" len="med"/>
+                      <a:tailEnd type="none" w="med" len="med"/>
                     </a:lnL>
-                    <a:lnR>
-                      <a:noFill/>
+                    <a:lnR w="12700" cap="flat" cmpd="sng" algn="ctr">
+                      <a:solidFill>
+                        <a:schemeClr val="tx1"/>
+                      </a:solidFill>
+                      <a:prstDash val="solid"/>
+                      <a:round/>
+                      <a:headEnd type="none" w="med" len="med"/>
+                      <a:tailEnd type="none" w="med" len="med"/>
                     </a:lnR>
-                    <a:lnT>
-                      <a:noFill/>
+                    <a:lnT w="12700" cap="flat" cmpd="sng" algn="ctr">
+                      <a:solidFill>
+                        <a:schemeClr val="tx1"/>
+                      </a:solidFill>
+                      <a:prstDash val="solid"/>
+                      <a:round/>
+                      <a:headEnd type="none" w="med" len="med"/>
+                      <a:tailEnd type="none" w="med" len="med"/>
                     </a:lnT>
-                    <a:lnB>
-                      <a:noFill/>
+                    <a:lnB w="12700" cap="flat" cmpd="sng" algn="ctr">
+                      <a:solidFill>
+                        <a:schemeClr val="tx1"/>
+                      </a:solidFill>
+                      <a:prstDash val="solid"/>
+                      <a:round/>
+                      <a:headEnd type="none" w="med" len="med"/>
+                      <a:tailEnd type="none" w="med" len="med"/>
                     </a:lnB>
                   </a:tcPr>
                 </a:tc>
@@ -3385,7 +4090,7 @@
                     <a:p>
                       <a:pPr algn="l" fontAlgn="b"/>
                       <a:r>
-                        <a:rPr lang="en-US" sz="1200" b="0" i="0" u="none" strike="noStrike" dirty="0" smtClean="0">
+                        <a:rPr lang="en-US" sz="1800" b="0" i="0" u="none" strike="noStrike" dirty="0" smtClean="0">
                           <a:solidFill>
                             <a:srgbClr val="000000"/>
                           </a:solidFill>
@@ -3394,7 +4099,7 @@
                         </a:rPr>
                         <a:t>Testing Time (s)</a:t>
                       </a:r>
-                      <a:endParaRPr lang="en-US" sz="1200" b="0" i="0" u="none" strike="noStrike" dirty="0">
+                      <a:endParaRPr lang="en-US" sz="1800" b="0" i="0" u="none" strike="noStrike" dirty="0">
                         <a:solidFill>
                           <a:srgbClr val="000000"/>
                         </a:solidFill>
@@ -3404,17 +4109,41 @@
                     </a:p>
                   </a:txBody>
                   <a:tcPr marL="12700" marR="12700" marT="12700" marB="0" anchor="b">
-                    <a:lnL>
-                      <a:noFill/>
+                    <a:lnL w="12700" cap="flat" cmpd="sng" algn="ctr">
+                      <a:solidFill>
+                        <a:schemeClr val="tx1"/>
+                      </a:solidFill>
+                      <a:prstDash val="solid"/>
+                      <a:round/>
+                      <a:headEnd type="none" w="med" len="med"/>
+                      <a:tailEnd type="none" w="med" len="med"/>
                     </a:lnL>
-                    <a:lnR>
-                      <a:noFill/>
+                    <a:lnR w="12700" cap="flat" cmpd="sng" algn="ctr">
+                      <a:solidFill>
+                        <a:schemeClr val="tx1"/>
+                      </a:solidFill>
+                      <a:prstDash val="solid"/>
+                      <a:round/>
+                      <a:headEnd type="none" w="med" len="med"/>
+                      <a:tailEnd type="none" w="med" len="med"/>
                     </a:lnR>
-                    <a:lnT>
-                      <a:noFill/>
+                    <a:lnT w="12700" cap="flat" cmpd="sng" algn="ctr">
+                      <a:solidFill>
+                        <a:schemeClr val="tx1"/>
+                      </a:solidFill>
+                      <a:prstDash val="solid"/>
+                      <a:round/>
+                      <a:headEnd type="none" w="med" len="med"/>
+                      <a:tailEnd type="none" w="med" len="med"/>
                     </a:lnT>
-                    <a:lnB>
-                      <a:noFill/>
+                    <a:lnB w="12700" cap="flat" cmpd="sng" algn="ctr">
+                      <a:solidFill>
+                        <a:schemeClr val="tx1"/>
+                      </a:solidFill>
+                      <a:prstDash val="solid"/>
+                      <a:round/>
+                      <a:headEnd type="none" w="med" len="med"/>
+                      <a:tailEnd type="none" w="med" len="med"/>
                     </a:lnB>
                   </a:tcPr>
                 </a:tc>
@@ -3425,7 +4154,7 @@
                     <a:p>
                       <a:pPr algn="l" fontAlgn="b"/>
                       <a:r>
-                        <a:rPr lang="en-US" sz="1200" b="0" i="0" u="none" strike="noStrike" dirty="0" smtClean="0">
+                        <a:rPr lang="en-US" sz="1800" b="0" i="0" u="none" strike="noStrike" dirty="0" smtClean="0">
                           <a:solidFill>
                             <a:srgbClr val="000000"/>
                           </a:solidFill>
@@ -3434,7 +4163,7 @@
                         </a:rPr>
                         <a:t>Accuracy (%)</a:t>
                       </a:r>
-                      <a:endParaRPr lang="en-US" sz="1200" b="0" i="0" u="none" strike="noStrike" dirty="0">
+                      <a:endParaRPr lang="en-US" sz="1800" b="0" i="0" u="none" strike="noStrike" dirty="0">
                         <a:solidFill>
                           <a:srgbClr val="000000"/>
                         </a:solidFill>
@@ -3444,17 +4173,41 @@
                     </a:p>
                   </a:txBody>
                   <a:tcPr marL="12700" marR="12700" marT="12700" marB="0" anchor="b">
-                    <a:lnL>
-                      <a:noFill/>
+                    <a:lnL w="12700" cap="flat" cmpd="sng" algn="ctr">
+                      <a:solidFill>
+                        <a:schemeClr val="tx1"/>
+                      </a:solidFill>
+                      <a:prstDash val="solid"/>
+                      <a:round/>
+                      <a:headEnd type="none" w="med" len="med"/>
+                      <a:tailEnd type="none" w="med" len="med"/>
                     </a:lnL>
-                    <a:lnR>
-                      <a:noFill/>
+                    <a:lnR w="12700" cap="flat" cmpd="sng" algn="ctr">
+                      <a:solidFill>
+                        <a:schemeClr val="tx1"/>
+                      </a:solidFill>
+                      <a:prstDash val="solid"/>
+                      <a:round/>
+                      <a:headEnd type="none" w="med" len="med"/>
+                      <a:tailEnd type="none" w="med" len="med"/>
                     </a:lnR>
-                    <a:lnT>
-                      <a:noFill/>
+                    <a:lnT w="12700" cap="flat" cmpd="sng" algn="ctr">
+                      <a:solidFill>
+                        <a:schemeClr val="tx1"/>
+                      </a:solidFill>
+                      <a:prstDash val="solid"/>
+                      <a:round/>
+                      <a:headEnd type="none" w="med" len="med"/>
+                      <a:tailEnd type="none" w="med" len="med"/>
                     </a:lnT>
-                    <a:lnB>
-                      <a:noFill/>
+                    <a:lnB w="12700" cap="flat" cmpd="sng" algn="ctr">
+                      <a:solidFill>
+                        <a:schemeClr val="tx1"/>
+                      </a:solidFill>
+                      <a:prstDash val="solid"/>
+                      <a:round/>
+                      <a:headEnd type="none" w="med" len="med"/>
+                      <a:tailEnd type="none" w="med" len="med"/>
                     </a:lnB>
                   </a:tcPr>
                 </a:tc>
@@ -3467,7 +4220,7 @@
                     <a:p>
                       <a:pPr algn="r" fontAlgn="b"/>
                       <a:r>
-                        <a:rPr lang="is-IS" sz="1200" b="0" i="0" u="none" strike="noStrike" dirty="0">
+                        <a:rPr lang="is-IS" sz="1800" b="0" i="0" u="none" strike="noStrike" dirty="0">
                           <a:solidFill>
                             <a:srgbClr val="000000"/>
                           </a:solidFill>
@@ -3479,17 +4232,41 @@
                     </a:p>
                   </a:txBody>
                   <a:tcPr marL="12700" marR="12700" marT="12700" marB="0" anchor="b">
-                    <a:lnL>
-                      <a:noFill/>
+                    <a:lnL w="12700" cap="flat" cmpd="sng" algn="ctr">
+                      <a:solidFill>
+                        <a:schemeClr val="tx1"/>
+                      </a:solidFill>
+                      <a:prstDash val="solid"/>
+                      <a:round/>
+                      <a:headEnd type="none" w="med" len="med"/>
+                      <a:tailEnd type="none" w="med" len="med"/>
                     </a:lnL>
-                    <a:lnR>
-                      <a:noFill/>
+                    <a:lnR w="12700" cap="flat" cmpd="sng" algn="ctr">
+                      <a:solidFill>
+                        <a:schemeClr val="tx1"/>
+                      </a:solidFill>
+                      <a:prstDash val="solid"/>
+                      <a:round/>
+                      <a:headEnd type="none" w="med" len="med"/>
+                      <a:tailEnd type="none" w="med" len="med"/>
                     </a:lnR>
-                    <a:lnT>
-                      <a:noFill/>
+                    <a:lnT w="12700" cap="flat" cmpd="sng" algn="ctr">
+                      <a:solidFill>
+                        <a:schemeClr val="tx1"/>
+                      </a:solidFill>
+                      <a:prstDash val="solid"/>
+                      <a:round/>
+                      <a:headEnd type="none" w="med" len="med"/>
+                      <a:tailEnd type="none" w="med" len="med"/>
                     </a:lnT>
-                    <a:lnB>
-                      <a:noFill/>
+                    <a:lnB w="12700" cap="flat" cmpd="sng" algn="ctr">
+                      <a:solidFill>
+                        <a:schemeClr val="tx1"/>
+                      </a:solidFill>
+                      <a:prstDash val="solid"/>
+                      <a:round/>
+                      <a:headEnd type="none" w="med" len="med"/>
+                      <a:tailEnd type="none" w="med" len="med"/>
                     </a:lnB>
                   </a:tcPr>
                 </a:tc>
@@ -3500,7 +4277,7 @@
                     <a:p>
                       <a:pPr algn="r" fontAlgn="b"/>
                       <a:r>
-                        <a:rPr lang="nb-NO" sz="1200" b="0" i="0" u="none" strike="noStrike">
+                        <a:rPr lang="nb-NO" sz="1800" b="0" i="0" u="none" strike="noStrike">
                           <a:solidFill>
                             <a:srgbClr val="000000"/>
                           </a:solidFill>
@@ -3512,17 +4289,41 @@
                     </a:p>
                   </a:txBody>
                   <a:tcPr marL="12700" marR="12700" marT="12700" marB="0" anchor="b">
-                    <a:lnL>
-                      <a:noFill/>
+                    <a:lnL w="12700" cap="flat" cmpd="sng" algn="ctr">
+                      <a:solidFill>
+                        <a:schemeClr val="tx1"/>
+                      </a:solidFill>
+                      <a:prstDash val="solid"/>
+                      <a:round/>
+                      <a:headEnd type="none" w="med" len="med"/>
+                      <a:tailEnd type="none" w="med" len="med"/>
                     </a:lnL>
-                    <a:lnR>
-                      <a:noFill/>
+                    <a:lnR w="12700" cap="flat" cmpd="sng" algn="ctr">
+                      <a:solidFill>
+                        <a:schemeClr val="tx1"/>
+                      </a:solidFill>
+                      <a:prstDash val="solid"/>
+                      <a:round/>
+                      <a:headEnd type="none" w="med" len="med"/>
+                      <a:tailEnd type="none" w="med" len="med"/>
                     </a:lnR>
-                    <a:lnT>
-                      <a:noFill/>
+                    <a:lnT w="12700" cap="flat" cmpd="sng" algn="ctr">
+                      <a:solidFill>
+                        <a:schemeClr val="tx1"/>
+                      </a:solidFill>
+                      <a:prstDash val="solid"/>
+                      <a:round/>
+                      <a:headEnd type="none" w="med" len="med"/>
+                      <a:tailEnd type="none" w="med" len="med"/>
                     </a:lnT>
-                    <a:lnB>
-                      <a:noFill/>
+                    <a:lnB w="12700" cap="flat" cmpd="sng" algn="ctr">
+                      <a:solidFill>
+                        <a:schemeClr val="tx1"/>
+                      </a:solidFill>
+                      <a:prstDash val="solid"/>
+                      <a:round/>
+                      <a:headEnd type="none" w="med" len="med"/>
+                      <a:tailEnd type="none" w="med" len="med"/>
                     </a:lnB>
                   </a:tcPr>
                 </a:tc>
@@ -3533,7 +4334,7 @@
                     <a:p>
                       <a:pPr algn="r" fontAlgn="b"/>
                       <a:r>
-                        <a:rPr lang="is-IS" sz="1200" b="0" i="0" u="none" strike="noStrike" dirty="0">
+                        <a:rPr lang="is-IS" sz="1800" b="0" i="0" u="none" strike="noStrike" dirty="0">
                           <a:solidFill>
                             <a:srgbClr val="000000"/>
                           </a:solidFill>
@@ -3545,17 +4346,41 @@
                     </a:p>
                   </a:txBody>
                   <a:tcPr marL="12700" marR="12700" marT="12700" marB="0" anchor="b">
-                    <a:lnL>
-                      <a:noFill/>
+                    <a:lnL w="12700" cap="flat" cmpd="sng" algn="ctr">
+                      <a:solidFill>
+                        <a:schemeClr val="tx1"/>
+                      </a:solidFill>
+                      <a:prstDash val="solid"/>
+                      <a:round/>
+                      <a:headEnd type="none" w="med" len="med"/>
+                      <a:tailEnd type="none" w="med" len="med"/>
                     </a:lnL>
-                    <a:lnR>
-                      <a:noFill/>
+                    <a:lnR w="12700" cap="flat" cmpd="sng" algn="ctr">
+                      <a:solidFill>
+                        <a:schemeClr val="tx1"/>
+                      </a:solidFill>
+                      <a:prstDash val="solid"/>
+                      <a:round/>
+                      <a:headEnd type="none" w="med" len="med"/>
+                      <a:tailEnd type="none" w="med" len="med"/>
                     </a:lnR>
-                    <a:lnT>
-                      <a:noFill/>
+                    <a:lnT w="12700" cap="flat" cmpd="sng" algn="ctr">
+                      <a:solidFill>
+                        <a:schemeClr val="tx1"/>
+                      </a:solidFill>
+                      <a:prstDash val="solid"/>
+                      <a:round/>
+                      <a:headEnd type="none" w="med" len="med"/>
+                      <a:tailEnd type="none" w="med" len="med"/>
                     </a:lnT>
-                    <a:lnB>
-                      <a:noFill/>
+                    <a:lnB w="12700" cap="flat" cmpd="sng" algn="ctr">
+                      <a:solidFill>
+                        <a:schemeClr val="tx1"/>
+                      </a:solidFill>
+                      <a:prstDash val="solid"/>
+                      <a:round/>
+                      <a:headEnd type="none" w="med" len="med"/>
+                      <a:tailEnd type="none" w="med" len="med"/>
                     </a:lnB>
                   </a:tcPr>
                 </a:tc>
@@ -3566,7 +4391,7 @@
                     <a:p>
                       <a:pPr algn="r" fontAlgn="b"/>
                       <a:r>
-                        <a:rPr lang="is-IS" sz="1200" b="0" i="0" u="none" strike="noStrike" dirty="0">
+                        <a:rPr lang="is-IS" sz="1800" b="0" i="0" u="none" strike="noStrike" dirty="0">
                           <a:solidFill>
                             <a:srgbClr val="000000"/>
                           </a:solidFill>
@@ -3578,17 +4403,41 @@
                     </a:p>
                   </a:txBody>
                   <a:tcPr marL="12700" marR="12700" marT="12700" marB="0" anchor="b">
-                    <a:lnL>
-                      <a:noFill/>
+                    <a:lnL w="12700" cap="flat" cmpd="sng" algn="ctr">
+                      <a:solidFill>
+                        <a:schemeClr val="tx1"/>
+                      </a:solidFill>
+                      <a:prstDash val="solid"/>
+                      <a:round/>
+                      <a:headEnd type="none" w="med" len="med"/>
+                      <a:tailEnd type="none" w="med" len="med"/>
                     </a:lnL>
-                    <a:lnR>
-                      <a:noFill/>
+                    <a:lnR w="12700" cap="flat" cmpd="sng" algn="ctr">
+                      <a:solidFill>
+                        <a:schemeClr val="tx1"/>
+                      </a:solidFill>
+                      <a:prstDash val="solid"/>
+                      <a:round/>
+                      <a:headEnd type="none" w="med" len="med"/>
+                      <a:tailEnd type="none" w="med" len="med"/>
                     </a:lnR>
-                    <a:lnT>
-                      <a:noFill/>
+                    <a:lnT w="12700" cap="flat" cmpd="sng" algn="ctr">
+                      <a:solidFill>
+                        <a:schemeClr val="tx1"/>
+                      </a:solidFill>
+                      <a:prstDash val="solid"/>
+                      <a:round/>
+                      <a:headEnd type="none" w="med" len="med"/>
+                      <a:tailEnd type="none" w="med" len="med"/>
                     </a:lnT>
-                    <a:lnB>
-                      <a:noFill/>
+                    <a:lnB w="12700" cap="flat" cmpd="sng" algn="ctr">
+                      <a:solidFill>
+                        <a:schemeClr val="tx1"/>
+                      </a:solidFill>
+                      <a:prstDash val="solid"/>
+                      <a:round/>
+                      <a:headEnd type="none" w="med" len="med"/>
+                      <a:tailEnd type="none" w="med" len="med"/>
                     </a:lnB>
                   </a:tcPr>
                 </a:tc>
@@ -3601,7 +4450,7 @@
                     <a:p>
                       <a:pPr algn="r" fontAlgn="b"/>
                       <a:r>
-                        <a:rPr lang="en-US" sz="1200" b="0" i="0" u="none" strike="noStrike">
+                        <a:rPr lang="en-US" sz="1800" b="0" i="0" u="none" strike="noStrike">
                           <a:solidFill>
                             <a:srgbClr val="000000"/>
                           </a:solidFill>
@@ -3613,17 +4462,41 @@
                     </a:p>
                   </a:txBody>
                   <a:tcPr marL="12700" marR="12700" marT="12700" marB="0" anchor="b">
-                    <a:lnL>
-                      <a:noFill/>
+                    <a:lnL w="12700" cap="flat" cmpd="sng" algn="ctr">
+                      <a:solidFill>
+                        <a:schemeClr val="tx1"/>
+                      </a:solidFill>
+                      <a:prstDash val="solid"/>
+                      <a:round/>
+                      <a:headEnd type="none" w="med" len="med"/>
+                      <a:tailEnd type="none" w="med" len="med"/>
                     </a:lnL>
-                    <a:lnR>
-                      <a:noFill/>
+                    <a:lnR w="12700" cap="flat" cmpd="sng" algn="ctr">
+                      <a:solidFill>
+                        <a:schemeClr val="tx1"/>
+                      </a:solidFill>
+                      <a:prstDash val="solid"/>
+                      <a:round/>
+                      <a:headEnd type="none" w="med" len="med"/>
+                      <a:tailEnd type="none" w="med" len="med"/>
                     </a:lnR>
-                    <a:lnT>
-                      <a:noFill/>
+                    <a:lnT w="12700" cap="flat" cmpd="sng" algn="ctr">
+                      <a:solidFill>
+                        <a:schemeClr val="tx1"/>
+                      </a:solidFill>
+                      <a:prstDash val="solid"/>
+                      <a:round/>
+                      <a:headEnd type="none" w="med" len="med"/>
+                      <a:tailEnd type="none" w="med" len="med"/>
                     </a:lnT>
-                    <a:lnB>
-                      <a:noFill/>
+                    <a:lnB w="12700" cap="flat" cmpd="sng" algn="ctr">
+                      <a:solidFill>
+                        <a:schemeClr val="tx1"/>
+                      </a:solidFill>
+                      <a:prstDash val="solid"/>
+                      <a:round/>
+                      <a:headEnd type="none" w="med" len="med"/>
+                      <a:tailEnd type="none" w="med" len="med"/>
                     </a:lnB>
                   </a:tcPr>
                 </a:tc>
@@ -3634,7 +4507,7 @@
                     <a:p>
                       <a:pPr algn="r" fontAlgn="b"/>
                       <a:r>
-                        <a:rPr lang="hr-HR" sz="1200" b="0" i="0" u="none" strike="noStrike">
+                        <a:rPr lang="hr-HR" sz="1800" b="0" i="0" u="none" strike="noStrike" dirty="0">
                           <a:solidFill>
                             <a:srgbClr val="000000"/>
                           </a:solidFill>
@@ -3646,17 +4519,41 @@
                     </a:p>
                   </a:txBody>
                   <a:tcPr marL="12700" marR="12700" marT="12700" marB="0" anchor="b">
-                    <a:lnL>
-                      <a:noFill/>
+                    <a:lnL w="12700" cap="flat" cmpd="sng" algn="ctr">
+                      <a:solidFill>
+                        <a:schemeClr val="tx1"/>
+                      </a:solidFill>
+                      <a:prstDash val="solid"/>
+                      <a:round/>
+                      <a:headEnd type="none" w="med" len="med"/>
+                      <a:tailEnd type="none" w="med" len="med"/>
                     </a:lnL>
-                    <a:lnR>
-                      <a:noFill/>
+                    <a:lnR w="12700" cap="flat" cmpd="sng" algn="ctr">
+                      <a:solidFill>
+                        <a:schemeClr val="tx1"/>
+                      </a:solidFill>
+                      <a:prstDash val="solid"/>
+                      <a:round/>
+                      <a:headEnd type="none" w="med" len="med"/>
+                      <a:tailEnd type="none" w="med" len="med"/>
                     </a:lnR>
-                    <a:lnT>
-                      <a:noFill/>
+                    <a:lnT w="12700" cap="flat" cmpd="sng" algn="ctr">
+                      <a:solidFill>
+                        <a:schemeClr val="tx1"/>
+                      </a:solidFill>
+                      <a:prstDash val="solid"/>
+                      <a:round/>
+                      <a:headEnd type="none" w="med" len="med"/>
+                      <a:tailEnd type="none" w="med" len="med"/>
                     </a:lnT>
-                    <a:lnB>
-                      <a:noFill/>
+                    <a:lnB w="12700" cap="flat" cmpd="sng" algn="ctr">
+                      <a:solidFill>
+                        <a:schemeClr val="tx1"/>
+                      </a:solidFill>
+                      <a:prstDash val="solid"/>
+                      <a:round/>
+                      <a:headEnd type="none" w="med" len="med"/>
+                      <a:tailEnd type="none" w="med" len="med"/>
                     </a:lnB>
                   </a:tcPr>
                 </a:tc>
@@ -3667,7 +4564,7 @@
                     <a:p>
                       <a:pPr algn="r" fontAlgn="b"/>
                       <a:r>
-                        <a:rPr lang="is-IS" sz="1200" b="0" i="0" u="none" strike="noStrike">
+                        <a:rPr lang="is-IS" sz="1800" b="0" i="0" u="none" strike="noStrike">
                           <a:solidFill>
                             <a:srgbClr val="000000"/>
                           </a:solidFill>
@@ -3679,17 +4576,41 @@
                     </a:p>
                   </a:txBody>
                   <a:tcPr marL="12700" marR="12700" marT="12700" marB="0" anchor="b">
-                    <a:lnL>
-                      <a:noFill/>
+                    <a:lnL w="12700" cap="flat" cmpd="sng" algn="ctr">
+                      <a:solidFill>
+                        <a:schemeClr val="tx1"/>
+                      </a:solidFill>
+                      <a:prstDash val="solid"/>
+                      <a:round/>
+                      <a:headEnd type="none" w="med" len="med"/>
+                      <a:tailEnd type="none" w="med" len="med"/>
                     </a:lnL>
-                    <a:lnR>
-                      <a:noFill/>
+                    <a:lnR w="12700" cap="flat" cmpd="sng" algn="ctr">
+                      <a:solidFill>
+                        <a:schemeClr val="tx1"/>
+                      </a:solidFill>
+                      <a:prstDash val="solid"/>
+                      <a:round/>
+                      <a:headEnd type="none" w="med" len="med"/>
+                      <a:tailEnd type="none" w="med" len="med"/>
                     </a:lnR>
-                    <a:lnT>
-                      <a:noFill/>
+                    <a:lnT w="12700" cap="flat" cmpd="sng" algn="ctr">
+                      <a:solidFill>
+                        <a:schemeClr val="tx1"/>
+                      </a:solidFill>
+                      <a:prstDash val="solid"/>
+                      <a:round/>
+                      <a:headEnd type="none" w="med" len="med"/>
+                      <a:tailEnd type="none" w="med" len="med"/>
                     </a:lnT>
-                    <a:lnB>
-                      <a:noFill/>
+                    <a:lnB w="12700" cap="flat" cmpd="sng" algn="ctr">
+                      <a:solidFill>
+                        <a:schemeClr val="tx1"/>
+                      </a:solidFill>
+                      <a:prstDash val="solid"/>
+                      <a:round/>
+                      <a:headEnd type="none" w="med" len="med"/>
+                      <a:tailEnd type="none" w="med" len="med"/>
                     </a:lnB>
                   </a:tcPr>
                 </a:tc>
@@ -3700,7 +4621,7 @@
                     <a:p>
                       <a:pPr algn="r" fontAlgn="b"/>
                       <a:r>
-                        <a:rPr lang="hr-HR" sz="1200" b="0" i="0" u="none" strike="noStrike" dirty="0">
+                        <a:rPr lang="hr-HR" sz="1800" b="0" i="0" u="none" strike="noStrike" dirty="0">
                           <a:solidFill>
                             <a:srgbClr val="000000"/>
                           </a:solidFill>
@@ -3712,17 +4633,41 @@
                     </a:p>
                   </a:txBody>
                   <a:tcPr marL="12700" marR="12700" marT="12700" marB="0" anchor="b">
-                    <a:lnL>
-                      <a:noFill/>
+                    <a:lnL w="12700" cap="flat" cmpd="sng" algn="ctr">
+                      <a:solidFill>
+                        <a:schemeClr val="tx1"/>
+                      </a:solidFill>
+                      <a:prstDash val="solid"/>
+                      <a:round/>
+                      <a:headEnd type="none" w="med" len="med"/>
+                      <a:tailEnd type="none" w="med" len="med"/>
                     </a:lnL>
-                    <a:lnR>
-                      <a:noFill/>
+                    <a:lnR w="12700" cap="flat" cmpd="sng" algn="ctr">
+                      <a:solidFill>
+                        <a:schemeClr val="tx1"/>
+                      </a:solidFill>
+                      <a:prstDash val="solid"/>
+                      <a:round/>
+                      <a:headEnd type="none" w="med" len="med"/>
+                      <a:tailEnd type="none" w="med" len="med"/>
                     </a:lnR>
-                    <a:lnT>
-                      <a:noFill/>
+                    <a:lnT w="12700" cap="flat" cmpd="sng" algn="ctr">
+                      <a:solidFill>
+                        <a:schemeClr val="tx1"/>
+                      </a:solidFill>
+                      <a:prstDash val="solid"/>
+                      <a:round/>
+                      <a:headEnd type="none" w="med" len="med"/>
+                      <a:tailEnd type="none" w="med" len="med"/>
                     </a:lnT>
-                    <a:lnB>
-                      <a:noFill/>
+                    <a:lnB w="12700" cap="flat" cmpd="sng" algn="ctr">
+                      <a:solidFill>
+                        <a:schemeClr val="tx1"/>
+                      </a:solidFill>
+                      <a:prstDash val="solid"/>
+                      <a:round/>
+                      <a:headEnd type="none" w="med" len="med"/>
+                      <a:tailEnd type="none" w="med" len="med"/>
                     </a:lnB>
                   </a:tcPr>
                 </a:tc>
@@ -3735,7 +4680,7 @@
                     <a:p>
                       <a:pPr algn="r" fontAlgn="b"/>
                       <a:r>
-                        <a:rPr lang="en-US" sz="1200" b="0" i="0" u="none" strike="noStrike">
+                        <a:rPr lang="en-US" sz="1800" b="0" i="0" u="none" strike="noStrike">
                           <a:solidFill>
                             <a:srgbClr val="000000"/>
                           </a:solidFill>
@@ -3747,17 +4692,41 @@
                     </a:p>
                   </a:txBody>
                   <a:tcPr marL="12700" marR="12700" marT="12700" marB="0" anchor="b">
-                    <a:lnL>
-                      <a:noFill/>
+                    <a:lnL w="12700" cap="flat" cmpd="sng" algn="ctr">
+                      <a:solidFill>
+                        <a:schemeClr val="tx1"/>
+                      </a:solidFill>
+                      <a:prstDash val="solid"/>
+                      <a:round/>
+                      <a:headEnd type="none" w="med" len="med"/>
+                      <a:tailEnd type="none" w="med" len="med"/>
                     </a:lnL>
-                    <a:lnR>
-                      <a:noFill/>
+                    <a:lnR w="12700" cap="flat" cmpd="sng" algn="ctr">
+                      <a:solidFill>
+                        <a:schemeClr val="tx1"/>
+                      </a:solidFill>
+                      <a:prstDash val="solid"/>
+                      <a:round/>
+                      <a:headEnd type="none" w="med" len="med"/>
+                      <a:tailEnd type="none" w="med" len="med"/>
                     </a:lnR>
-                    <a:lnT>
-                      <a:noFill/>
+                    <a:lnT w="12700" cap="flat" cmpd="sng" algn="ctr">
+                      <a:solidFill>
+                        <a:schemeClr val="tx1"/>
+                      </a:solidFill>
+                      <a:prstDash val="solid"/>
+                      <a:round/>
+                      <a:headEnd type="none" w="med" len="med"/>
+                      <a:tailEnd type="none" w="med" len="med"/>
                     </a:lnT>
-                    <a:lnB>
-                      <a:noFill/>
+                    <a:lnB w="12700" cap="flat" cmpd="sng" algn="ctr">
+                      <a:solidFill>
+                        <a:schemeClr val="tx1"/>
+                      </a:solidFill>
+                      <a:prstDash val="solid"/>
+                      <a:round/>
+                      <a:headEnd type="none" w="med" len="med"/>
+                      <a:tailEnd type="none" w="med" len="med"/>
                     </a:lnB>
                   </a:tcPr>
                 </a:tc>
@@ -3768,7 +4737,7 @@
                     <a:p>
                       <a:pPr algn="r" fontAlgn="b"/>
                       <a:r>
-                        <a:rPr lang="hr-HR" sz="1200" b="0" i="0" u="none" strike="noStrike">
+                        <a:rPr lang="hr-HR" sz="1800" b="0" i="0" u="none" strike="noStrike" dirty="0">
                           <a:solidFill>
                             <a:srgbClr val="000000"/>
                           </a:solidFill>
@@ -3780,17 +4749,41 @@
                     </a:p>
                   </a:txBody>
                   <a:tcPr marL="12700" marR="12700" marT="12700" marB="0" anchor="b">
-                    <a:lnL>
-                      <a:noFill/>
+                    <a:lnL w="12700" cap="flat" cmpd="sng" algn="ctr">
+                      <a:solidFill>
+                        <a:schemeClr val="tx1"/>
+                      </a:solidFill>
+                      <a:prstDash val="solid"/>
+                      <a:round/>
+                      <a:headEnd type="none" w="med" len="med"/>
+                      <a:tailEnd type="none" w="med" len="med"/>
                     </a:lnL>
-                    <a:lnR>
-                      <a:noFill/>
+                    <a:lnR w="12700" cap="flat" cmpd="sng" algn="ctr">
+                      <a:solidFill>
+                        <a:schemeClr val="tx1"/>
+                      </a:solidFill>
+                      <a:prstDash val="solid"/>
+                      <a:round/>
+                      <a:headEnd type="none" w="med" len="med"/>
+                      <a:tailEnd type="none" w="med" len="med"/>
                     </a:lnR>
-                    <a:lnT>
-                      <a:noFill/>
+                    <a:lnT w="12700" cap="flat" cmpd="sng" algn="ctr">
+                      <a:solidFill>
+                        <a:schemeClr val="tx1"/>
+                      </a:solidFill>
+                      <a:prstDash val="solid"/>
+                      <a:round/>
+                      <a:headEnd type="none" w="med" len="med"/>
+                      <a:tailEnd type="none" w="med" len="med"/>
                     </a:lnT>
-                    <a:lnB>
-                      <a:noFill/>
+                    <a:lnB w="12700" cap="flat" cmpd="sng" algn="ctr">
+                      <a:solidFill>
+                        <a:schemeClr val="tx1"/>
+                      </a:solidFill>
+                      <a:prstDash val="solid"/>
+                      <a:round/>
+                      <a:headEnd type="none" w="med" len="med"/>
+                      <a:tailEnd type="none" w="med" len="med"/>
                     </a:lnB>
                   </a:tcPr>
                 </a:tc>
@@ -3801,7 +4794,7 @@
                     <a:p>
                       <a:pPr algn="r" fontAlgn="b"/>
                       <a:r>
-                        <a:rPr lang="is-IS" sz="1200" b="0" i="0" u="none" strike="noStrike" dirty="0">
+                        <a:rPr lang="is-IS" sz="1800" b="0" i="0" u="none" strike="noStrike" dirty="0">
                           <a:solidFill>
                             <a:srgbClr val="000000"/>
                           </a:solidFill>
@@ -3813,17 +4806,41 @@
                     </a:p>
                   </a:txBody>
                   <a:tcPr marL="12700" marR="12700" marT="12700" marB="0" anchor="b">
-                    <a:lnL>
-                      <a:noFill/>
+                    <a:lnL w="12700" cap="flat" cmpd="sng" algn="ctr">
+                      <a:solidFill>
+                        <a:schemeClr val="tx1"/>
+                      </a:solidFill>
+                      <a:prstDash val="solid"/>
+                      <a:round/>
+                      <a:headEnd type="none" w="med" len="med"/>
+                      <a:tailEnd type="none" w="med" len="med"/>
                     </a:lnL>
-                    <a:lnR>
-                      <a:noFill/>
+                    <a:lnR w="12700" cap="flat" cmpd="sng" algn="ctr">
+                      <a:solidFill>
+                        <a:schemeClr val="tx1"/>
+                      </a:solidFill>
+                      <a:prstDash val="solid"/>
+                      <a:round/>
+                      <a:headEnd type="none" w="med" len="med"/>
+                      <a:tailEnd type="none" w="med" len="med"/>
                     </a:lnR>
-                    <a:lnT>
-                      <a:noFill/>
+                    <a:lnT w="12700" cap="flat" cmpd="sng" algn="ctr">
+                      <a:solidFill>
+                        <a:schemeClr val="tx1"/>
+                      </a:solidFill>
+                      <a:prstDash val="solid"/>
+                      <a:round/>
+                      <a:headEnd type="none" w="med" len="med"/>
+                      <a:tailEnd type="none" w="med" len="med"/>
                     </a:lnT>
-                    <a:lnB>
-                      <a:noFill/>
+                    <a:lnB w="12700" cap="flat" cmpd="sng" algn="ctr">
+                      <a:solidFill>
+                        <a:schemeClr val="tx1"/>
+                      </a:solidFill>
+                      <a:prstDash val="solid"/>
+                      <a:round/>
+                      <a:headEnd type="none" w="med" len="med"/>
+                      <a:tailEnd type="none" w="med" len="med"/>
                     </a:lnB>
                   </a:tcPr>
                 </a:tc>
@@ -3834,7 +4851,7 @@
                     <a:p>
                       <a:pPr algn="r" fontAlgn="b"/>
                       <a:r>
-                        <a:rPr lang="hr-HR" sz="1200" b="0" i="0" u="none" strike="noStrike">
+                        <a:rPr lang="hr-HR" sz="1800" b="0" i="0" u="none" strike="noStrike">
                           <a:solidFill>
                             <a:srgbClr val="000000"/>
                           </a:solidFill>
@@ -3846,17 +4863,41 @@
                     </a:p>
                   </a:txBody>
                   <a:tcPr marL="12700" marR="12700" marT="12700" marB="0" anchor="b">
-                    <a:lnL>
-                      <a:noFill/>
+                    <a:lnL w="12700" cap="flat" cmpd="sng" algn="ctr">
+                      <a:solidFill>
+                        <a:schemeClr val="tx1"/>
+                      </a:solidFill>
+                      <a:prstDash val="solid"/>
+                      <a:round/>
+                      <a:headEnd type="none" w="med" len="med"/>
+                      <a:tailEnd type="none" w="med" len="med"/>
                     </a:lnL>
-                    <a:lnR>
-                      <a:noFill/>
+                    <a:lnR w="12700" cap="flat" cmpd="sng" algn="ctr">
+                      <a:solidFill>
+                        <a:schemeClr val="tx1"/>
+                      </a:solidFill>
+                      <a:prstDash val="solid"/>
+                      <a:round/>
+                      <a:headEnd type="none" w="med" len="med"/>
+                      <a:tailEnd type="none" w="med" len="med"/>
                     </a:lnR>
-                    <a:lnT>
-                      <a:noFill/>
+                    <a:lnT w="12700" cap="flat" cmpd="sng" algn="ctr">
+                      <a:solidFill>
+                        <a:schemeClr val="tx1"/>
+                      </a:solidFill>
+                      <a:prstDash val="solid"/>
+                      <a:round/>
+                      <a:headEnd type="none" w="med" len="med"/>
+                      <a:tailEnd type="none" w="med" len="med"/>
                     </a:lnT>
-                    <a:lnB>
-                      <a:noFill/>
+                    <a:lnB w="12700" cap="flat" cmpd="sng" algn="ctr">
+                      <a:solidFill>
+                        <a:schemeClr val="tx1"/>
+                      </a:solidFill>
+                      <a:prstDash val="solid"/>
+                      <a:round/>
+                      <a:headEnd type="none" w="med" len="med"/>
+                      <a:tailEnd type="none" w="med" len="med"/>
                     </a:lnB>
                   </a:tcPr>
                 </a:tc>
@@ -3869,7 +4910,7 @@
                     <a:p>
                       <a:pPr algn="r" fontAlgn="b"/>
                       <a:r>
-                        <a:rPr lang="en-US" sz="1200" b="0" i="0" u="none" strike="noStrike">
+                        <a:rPr lang="en-US" sz="1800" b="0" i="0" u="none" strike="noStrike">
                           <a:solidFill>
                             <a:srgbClr val="000000"/>
                           </a:solidFill>
@@ -3881,17 +4922,41 @@
                     </a:p>
                   </a:txBody>
                   <a:tcPr marL="12700" marR="12700" marT="12700" marB="0" anchor="b">
-                    <a:lnL>
-                      <a:noFill/>
+                    <a:lnL w="12700" cap="flat" cmpd="sng" algn="ctr">
+                      <a:solidFill>
+                        <a:schemeClr val="tx1"/>
+                      </a:solidFill>
+                      <a:prstDash val="solid"/>
+                      <a:round/>
+                      <a:headEnd type="none" w="med" len="med"/>
+                      <a:tailEnd type="none" w="med" len="med"/>
                     </a:lnL>
-                    <a:lnR>
-                      <a:noFill/>
+                    <a:lnR w="12700" cap="flat" cmpd="sng" algn="ctr">
+                      <a:solidFill>
+                        <a:schemeClr val="tx1"/>
+                      </a:solidFill>
+                      <a:prstDash val="solid"/>
+                      <a:round/>
+                      <a:headEnd type="none" w="med" len="med"/>
+                      <a:tailEnd type="none" w="med" len="med"/>
                     </a:lnR>
-                    <a:lnT>
-                      <a:noFill/>
+                    <a:lnT w="12700" cap="flat" cmpd="sng" algn="ctr">
+                      <a:solidFill>
+                        <a:schemeClr val="tx1"/>
+                      </a:solidFill>
+                      <a:prstDash val="solid"/>
+                      <a:round/>
+                      <a:headEnd type="none" w="med" len="med"/>
+                      <a:tailEnd type="none" w="med" len="med"/>
                     </a:lnT>
-                    <a:lnB>
-                      <a:noFill/>
+                    <a:lnB w="12700" cap="flat" cmpd="sng" algn="ctr">
+                      <a:solidFill>
+                        <a:schemeClr val="tx1"/>
+                      </a:solidFill>
+                      <a:prstDash val="solid"/>
+                      <a:round/>
+                      <a:headEnd type="none" w="med" len="med"/>
+                      <a:tailEnd type="none" w="med" len="med"/>
                     </a:lnB>
                   </a:tcPr>
                 </a:tc>
@@ -3902,7 +4967,7 @@
                     <a:p>
                       <a:pPr algn="r" fontAlgn="b"/>
                       <a:r>
-                        <a:rPr lang="is-IS" sz="1200" b="0" i="0" u="none" strike="noStrike">
+                        <a:rPr lang="is-IS" sz="1800" b="0" i="0" u="none" strike="noStrike" dirty="0">
                           <a:solidFill>
                             <a:srgbClr val="000000"/>
                           </a:solidFill>
@@ -3914,17 +4979,41 @@
                     </a:p>
                   </a:txBody>
                   <a:tcPr marL="12700" marR="12700" marT="12700" marB="0" anchor="b">
-                    <a:lnL>
-                      <a:noFill/>
+                    <a:lnL w="12700" cap="flat" cmpd="sng" algn="ctr">
+                      <a:solidFill>
+                        <a:schemeClr val="tx1"/>
+                      </a:solidFill>
+                      <a:prstDash val="solid"/>
+                      <a:round/>
+                      <a:headEnd type="none" w="med" len="med"/>
+                      <a:tailEnd type="none" w="med" len="med"/>
                     </a:lnL>
-                    <a:lnR>
-                      <a:noFill/>
+                    <a:lnR w="12700" cap="flat" cmpd="sng" algn="ctr">
+                      <a:solidFill>
+                        <a:schemeClr val="tx1"/>
+                      </a:solidFill>
+                      <a:prstDash val="solid"/>
+                      <a:round/>
+                      <a:headEnd type="none" w="med" len="med"/>
+                      <a:tailEnd type="none" w="med" len="med"/>
                     </a:lnR>
-                    <a:lnT>
-                      <a:noFill/>
+                    <a:lnT w="12700" cap="flat" cmpd="sng" algn="ctr">
+                      <a:solidFill>
+                        <a:schemeClr val="tx1"/>
+                      </a:solidFill>
+                      <a:prstDash val="solid"/>
+                      <a:round/>
+                      <a:headEnd type="none" w="med" len="med"/>
+                      <a:tailEnd type="none" w="med" len="med"/>
                     </a:lnT>
-                    <a:lnB>
-                      <a:noFill/>
+                    <a:lnB w="12700" cap="flat" cmpd="sng" algn="ctr">
+                      <a:solidFill>
+                        <a:schemeClr val="tx1"/>
+                      </a:solidFill>
+                      <a:prstDash val="solid"/>
+                      <a:round/>
+                      <a:headEnd type="none" w="med" len="med"/>
+                      <a:tailEnd type="none" w="med" len="med"/>
                     </a:lnB>
                   </a:tcPr>
                 </a:tc>
@@ -3935,7 +5024,7 @@
                     <a:p>
                       <a:pPr algn="r" fontAlgn="b"/>
                       <a:r>
-                        <a:rPr lang="is-IS" sz="1200" b="0" i="0" u="none" strike="noStrike">
+                        <a:rPr lang="is-IS" sz="1800" b="0" i="0" u="none" strike="noStrike">
                           <a:solidFill>
                             <a:srgbClr val="000000"/>
                           </a:solidFill>
@@ -3947,17 +5036,41 @@
                     </a:p>
                   </a:txBody>
                   <a:tcPr marL="12700" marR="12700" marT="12700" marB="0" anchor="b">
-                    <a:lnL>
-                      <a:noFill/>
+                    <a:lnL w="12700" cap="flat" cmpd="sng" algn="ctr">
+                      <a:solidFill>
+                        <a:schemeClr val="tx1"/>
+                      </a:solidFill>
+                      <a:prstDash val="solid"/>
+                      <a:round/>
+                      <a:headEnd type="none" w="med" len="med"/>
+                      <a:tailEnd type="none" w="med" len="med"/>
                     </a:lnL>
-                    <a:lnR>
-                      <a:noFill/>
+                    <a:lnR w="12700" cap="flat" cmpd="sng" algn="ctr">
+                      <a:solidFill>
+                        <a:schemeClr val="tx1"/>
+                      </a:solidFill>
+                      <a:prstDash val="solid"/>
+                      <a:round/>
+                      <a:headEnd type="none" w="med" len="med"/>
+                      <a:tailEnd type="none" w="med" len="med"/>
                     </a:lnR>
-                    <a:lnT>
-                      <a:noFill/>
+                    <a:lnT w="12700" cap="flat" cmpd="sng" algn="ctr">
+                      <a:solidFill>
+                        <a:schemeClr val="tx1"/>
+                      </a:solidFill>
+                      <a:prstDash val="solid"/>
+                      <a:round/>
+                      <a:headEnd type="none" w="med" len="med"/>
+                      <a:tailEnd type="none" w="med" len="med"/>
                     </a:lnT>
-                    <a:lnB>
-                      <a:noFill/>
+                    <a:lnB w="12700" cap="flat" cmpd="sng" algn="ctr">
+                      <a:solidFill>
+                        <a:schemeClr val="tx1"/>
+                      </a:solidFill>
+                      <a:prstDash val="solid"/>
+                      <a:round/>
+                      <a:headEnd type="none" w="med" len="med"/>
+                      <a:tailEnd type="none" w="med" len="med"/>
                     </a:lnB>
                   </a:tcPr>
                 </a:tc>
@@ -3968,7 +5081,7 @@
                     <a:p>
                       <a:pPr algn="r" fontAlgn="b"/>
                       <a:r>
-                        <a:rPr lang="fi-FI" sz="1200" b="0" i="0" u="none" strike="noStrike">
+                        <a:rPr lang="fi-FI" sz="1800" b="0" i="0" u="none" strike="noStrike">
                           <a:solidFill>
                             <a:srgbClr val="000000"/>
                           </a:solidFill>
@@ -3980,17 +5093,41 @@
                     </a:p>
                   </a:txBody>
                   <a:tcPr marL="12700" marR="12700" marT="12700" marB="0" anchor="b">
-                    <a:lnL>
-                      <a:noFill/>
+                    <a:lnL w="12700" cap="flat" cmpd="sng" algn="ctr">
+                      <a:solidFill>
+                        <a:schemeClr val="tx1"/>
+                      </a:solidFill>
+                      <a:prstDash val="solid"/>
+                      <a:round/>
+                      <a:headEnd type="none" w="med" len="med"/>
+                      <a:tailEnd type="none" w="med" len="med"/>
                     </a:lnL>
-                    <a:lnR>
-                      <a:noFill/>
+                    <a:lnR w="12700" cap="flat" cmpd="sng" algn="ctr">
+                      <a:solidFill>
+                        <a:schemeClr val="tx1"/>
+                      </a:solidFill>
+                      <a:prstDash val="solid"/>
+                      <a:round/>
+                      <a:headEnd type="none" w="med" len="med"/>
+                      <a:tailEnd type="none" w="med" len="med"/>
                     </a:lnR>
-                    <a:lnT>
-                      <a:noFill/>
+                    <a:lnT w="12700" cap="flat" cmpd="sng" algn="ctr">
+                      <a:solidFill>
+                        <a:schemeClr val="tx1"/>
+                      </a:solidFill>
+                      <a:prstDash val="solid"/>
+                      <a:round/>
+                      <a:headEnd type="none" w="med" len="med"/>
+                      <a:tailEnd type="none" w="med" len="med"/>
                     </a:lnT>
-                    <a:lnB>
-                      <a:noFill/>
+                    <a:lnB w="12700" cap="flat" cmpd="sng" algn="ctr">
+                      <a:solidFill>
+                        <a:schemeClr val="tx1"/>
+                      </a:solidFill>
+                      <a:prstDash val="solid"/>
+                      <a:round/>
+                      <a:headEnd type="none" w="med" len="med"/>
+                      <a:tailEnd type="none" w="med" len="med"/>
                     </a:lnB>
                   </a:tcPr>
                 </a:tc>
@@ -4003,7 +5140,7 @@
                     <a:p>
                       <a:pPr algn="r" fontAlgn="b"/>
                       <a:r>
-                        <a:rPr lang="is-IS" sz="1200" b="0" i="0" u="none" strike="noStrike">
+                        <a:rPr lang="is-IS" sz="1800" b="0" i="0" u="none" strike="noStrike">
                           <a:solidFill>
                             <a:srgbClr val="000000"/>
                           </a:solidFill>
@@ -4015,17 +5152,41 @@
                     </a:p>
                   </a:txBody>
                   <a:tcPr marL="12700" marR="12700" marT="12700" marB="0" anchor="b">
-                    <a:lnL>
-                      <a:noFill/>
+                    <a:lnL w="12700" cap="flat" cmpd="sng" algn="ctr">
+                      <a:solidFill>
+                        <a:schemeClr val="tx1"/>
+                      </a:solidFill>
+                      <a:prstDash val="solid"/>
+                      <a:round/>
+                      <a:headEnd type="none" w="med" len="med"/>
+                      <a:tailEnd type="none" w="med" len="med"/>
                     </a:lnL>
-                    <a:lnR>
-                      <a:noFill/>
+                    <a:lnR w="12700" cap="flat" cmpd="sng" algn="ctr">
+                      <a:solidFill>
+                        <a:schemeClr val="tx1"/>
+                      </a:solidFill>
+                      <a:prstDash val="solid"/>
+                      <a:round/>
+                      <a:headEnd type="none" w="med" len="med"/>
+                      <a:tailEnd type="none" w="med" len="med"/>
                     </a:lnR>
-                    <a:lnT>
-                      <a:noFill/>
+                    <a:lnT w="12700" cap="flat" cmpd="sng" algn="ctr">
+                      <a:solidFill>
+                        <a:schemeClr val="tx1"/>
+                      </a:solidFill>
+                      <a:prstDash val="solid"/>
+                      <a:round/>
+                      <a:headEnd type="none" w="med" len="med"/>
+                      <a:tailEnd type="none" w="med" len="med"/>
                     </a:lnT>
-                    <a:lnB>
-                      <a:noFill/>
+                    <a:lnB w="12700" cap="flat" cmpd="sng" algn="ctr">
+                      <a:solidFill>
+                        <a:schemeClr val="tx1"/>
+                      </a:solidFill>
+                      <a:prstDash val="solid"/>
+                      <a:round/>
+                      <a:headEnd type="none" w="med" len="med"/>
+                      <a:tailEnd type="none" w="med" len="med"/>
                     </a:lnB>
                   </a:tcPr>
                 </a:tc>
@@ -4036,7 +5197,7 @@
                     <a:p>
                       <a:pPr algn="r" fontAlgn="b"/>
                       <a:r>
-                        <a:rPr lang="hr-HR" sz="1200" b="0" i="0" u="none" strike="noStrike">
+                        <a:rPr lang="hr-HR" sz="1800" b="0" i="0" u="none" strike="noStrike">
                           <a:solidFill>
                             <a:srgbClr val="000000"/>
                           </a:solidFill>
@@ -4048,17 +5209,41 @@
                     </a:p>
                   </a:txBody>
                   <a:tcPr marL="12700" marR="12700" marT="12700" marB="0" anchor="b">
-                    <a:lnL>
-                      <a:noFill/>
+                    <a:lnL w="12700" cap="flat" cmpd="sng" algn="ctr">
+                      <a:solidFill>
+                        <a:schemeClr val="tx1"/>
+                      </a:solidFill>
+                      <a:prstDash val="solid"/>
+                      <a:round/>
+                      <a:headEnd type="none" w="med" len="med"/>
+                      <a:tailEnd type="none" w="med" len="med"/>
                     </a:lnL>
-                    <a:lnR>
-                      <a:noFill/>
+                    <a:lnR w="12700" cap="flat" cmpd="sng" algn="ctr">
+                      <a:solidFill>
+                        <a:schemeClr val="tx1"/>
+                      </a:solidFill>
+                      <a:prstDash val="solid"/>
+                      <a:round/>
+                      <a:headEnd type="none" w="med" len="med"/>
+                      <a:tailEnd type="none" w="med" len="med"/>
                     </a:lnR>
-                    <a:lnT>
-                      <a:noFill/>
+                    <a:lnT w="12700" cap="flat" cmpd="sng" algn="ctr">
+                      <a:solidFill>
+                        <a:schemeClr val="tx1"/>
+                      </a:solidFill>
+                      <a:prstDash val="solid"/>
+                      <a:round/>
+                      <a:headEnd type="none" w="med" len="med"/>
+                      <a:tailEnd type="none" w="med" len="med"/>
                     </a:lnT>
-                    <a:lnB>
-                      <a:noFill/>
+                    <a:lnB w="12700" cap="flat" cmpd="sng" algn="ctr">
+                      <a:solidFill>
+                        <a:schemeClr val="tx1"/>
+                      </a:solidFill>
+                      <a:prstDash val="solid"/>
+                      <a:round/>
+                      <a:headEnd type="none" w="med" len="med"/>
+                      <a:tailEnd type="none" w="med" len="med"/>
                     </a:lnB>
                   </a:tcPr>
                 </a:tc>
@@ -4069,7 +5254,7 @@
                     <a:p>
                       <a:pPr algn="r" fontAlgn="b"/>
                       <a:r>
-                        <a:rPr lang="fi-FI" sz="1200" b="0" i="0" u="none" strike="noStrike">
+                        <a:rPr lang="fi-FI" sz="1800" b="0" i="0" u="none" strike="noStrike">
                           <a:solidFill>
                             <a:srgbClr val="000000"/>
                           </a:solidFill>
@@ -4081,17 +5266,41 @@
                     </a:p>
                   </a:txBody>
                   <a:tcPr marL="12700" marR="12700" marT="12700" marB="0" anchor="b">
-                    <a:lnL>
-                      <a:noFill/>
+                    <a:lnL w="12700" cap="flat" cmpd="sng" algn="ctr">
+                      <a:solidFill>
+                        <a:schemeClr val="tx1"/>
+                      </a:solidFill>
+                      <a:prstDash val="solid"/>
+                      <a:round/>
+                      <a:headEnd type="none" w="med" len="med"/>
+                      <a:tailEnd type="none" w="med" len="med"/>
                     </a:lnL>
-                    <a:lnR>
-                      <a:noFill/>
+                    <a:lnR w="12700" cap="flat" cmpd="sng" algn="ctr">
+                      <a:solidFill>
+                        <a:schemeClr val="tx1"/>
+                      </a:solidFill>
+                      <a:prstDash val="solid"/>
+                      <a:round/>
+                      <a:headEnd type="none" w="med" len="med"/>
+                      <a:tailEnd type="none" w="med" len="med"/>
                     </a:lnR>
-                    <a:lnT>
-                      <a:noFill/>
+                    <a:lnT w="12700" cap="flat" cmpd="sng" algn="ctr">
+                      <a:solidFill>
+                        <a:schemeClr val="tx1"/>
+                      </a:solidFill>
+                      <a:prstDash val="solid"/>
+                      <a:round/>
+                      <a:headEnd type="none" w="med" len="med"/>
+                      <a:tailEnd type="none" w="med" len="med"/>
                     </a:lnT>
-                    <a:lnB>
-                      <a:noFill/>
+                    <a:lnB w="12700" cap="flat" cmpd="sng" algn="ctr">
+                      <a:solidFill>
+                        <a:schemeClr val="tx1"/>
+                      </a:solidFill>
+                      <a:prstDash val="solid"/>
+                      <a:round/>
+                      <a:headEnd type="none" w="med" len="med"/>
+                      <a:tailEnd type="none" w="med" len="med"/>
                     </a:lnB>
                   </a:tcPr>
                 </a:tc>
@@ -4102,7 +5311,7 @@
                     <a:p>
                       <a:pPr algn="r" fontAlgn="b"/>
                       <a:r>
-                        <a:rPr lang="hr-HR" sz="1200" b="0" i="0" u="none" strike="noStrike">
+                        <a:rPr lang="hr-HR" sz="1800" b="0" i="0" u="none" strike="noStrike">
                           <a:solidFill>
                             <a:srgbClr val="000000"/>
                           </a:solidFill>
@@ -4114,17 +5323,41 @@
                     </a:p>
                   </a:txBody>
                   <a:tcPr marL="12700" marR="12700" marT="12700" marB="0" anchor="b">
-                    <a:lnL>
-                      <a:noFill/>
+                    <a:lnL w="12700" cap="flat" cmpd="sng" algn="ctr">
+                      <a:solidFill>
+                        <a:schemeClr val="tx1"/>
+                      </a:solidFill>
+                      <a:prstDash val="solid"/>
+                      <a:round/>
+                      <a:headEnd type="none" w="med" len="med"/>
+                      <a:tailEnd type="none" w="med" len="med"/>
                     </a:lnL>
-                    <a:lnR>
-                      <a:noFill/>
+                    <a:lnR w="12700" cap="flat" cmpd="sng" algn="ctr">
+                      <a:solidFill>
+                        <a:schemeClr val="tx1"/>
+                      </a:solidFill>
+                      <a:prstDash val="solid"/>
+                      <a:round/>
+                      <a:headEnd type="none" w="med" len="med"/>
+                      <a:tailEnd type="none" w="med" len="med"/>
                     </a:lnR>
-                    <a:lnT>
-                      <a:noFill/>
+                    <a:lnT w="12700" cap="flat" cmpd="sng" algn="ctr">
+                      <a:solidFill>
+                        <a:schemeClr val="tx1"/>
+                      </a:solidFill>
+                      <a:prstDash val="solid"/>
+                      <a:round/>
+                      <a:headEnd type="none" w="med" len="med"/>
+                      <a:tailEnd type="none" w="med" len="med"/>
                     </a:lnT>
-                    <a:lnB>
-                      <a:noFill/>
+                    <a:lnB w="12700" cap="flat" cmpd="sng" algn="ctr">
+                      <a:solidFill>
+                        <a:schemeClr val="tx1"/>
+                      </a:solidFill>
+                      <a:prstDash val="solid"/>
+                      <a:round/>
+                      <a:headEnd type="none" w="med" len="med"/>
+                      <a:tailEnd type="none" w="med" len="med"/>
                     </a:lnB>
                   </a:tcPr>
                 </a:tc>
@@ -4137,7 +5370,7 @@
                     <a:p>
                       <a:pPr algn="r" fontAlgn="b"/>
                       <a:r>
-                        <a:rPr lang="en-US" sz="1200" b="0" i="0" u="none" strike="noStrike">
+                        <a:rPr lang="en-US" sz="1800" b="0" i="0" u="none" strike="noStrike">
                           <a:solidFill>
                             <a:srgbClr val="000000"/>
                           </a:solidFill>
@@ -4149,17 +5382,41 @@
                     </a:p>
                   </a:txBody>
                   <a:tcPr marL="12700" marR="12700" marT="12700" marB="0" anchor="b">
-                    <a:lnL>
-                      <a:noFill/>
+                    <a:lnL w="12700" cap="flat" cmpd="sng" algn="ctr">
+                      <a:solidFill>
+                        <a:schemeClr val="tx1"/>
+                      </a:solidFill>
+                      <a:prstDash val="solid"/>
+                      <a:round/>
+                      <a:headEnd type="none" w="med" len="med"/>
+                      <a:tailEnd type="none" w="med" len="med"/>
                     </a:lnL>
-                    <a:lnR>
-                      <a:noFill/>
+                    <a:lnR w="12700" cap="flat" cmpd="sng" algn="ctr">
+                      <a:solidFill>
+                        <a:schemeClr val="tx1"/>
+                      </a:solidFill>
+                      <a:prstDash val="solid"/>
+                      <a:round/>
+                      <a:headEnd type="none" w="med" len="med"/>
+                      <a:tailEnd type="none" w="med" len="med"/>
                     </a:lnR>
-                    <a:lnT>
-                      <a:noFill/>
+                    <a:lnT w="12700" cap="flat" cmpd="sng" algn="ctr">
+                      <a:solidFill>
+                        <a:schemeClr val="tx1"/>
+                      </a:solidFill>
+                      <a:prstDash val="solid"/>
+                      <a:round/>
+                      <a:headEnd type="none" w="med" len="med"/>
+                      <a:tailEnd type="none" w="med" len="med"/>
                     </a:lnT>
-                    <a:lnB>
-                      <a:noFill/>
+                    <a:lnB w="12700" cap="flat" cmpd="sng" algn="ctr">
+                      <a:solidFill>
+                        <a:schemeClr val="tx1"/>
+                      </a:solidFill>
+                      <a:prstDash val="solid"/>
+                      <a:round/>
+                      <a:headEnd type="none" w="med" len="med"/>
+                      <a:tailEnd type="none" w="med" len="med"/>
                     </a:lnB>
                   </a:tcPr>
                 </a:tc>
@@ -4170,7 +5427,7 @@
                     <a:p>
                       <a:pPr algn="r" fontAlgn="b"/>
                       <a:r>
-                        <a:rPr lang="is-IS" sz="1200" b="0" i="0" u="none" strike="noStrike">
+                        <a:rPr lang="is-IS" sz="1800" b="0" i="0" u="none" strike="noStrike">
                           <a:solidFill>
                             <a:srgbClr val="000000"/>
                           </a:solidFill>
@@ -4182,17 +5439,41 @@
                     </a:p>
                   </a:txBody>
                   <a:tcPr marL="12700" marR="12700" marT="12700" marB="0" anchor="b">
-                    <a:lnL>
-                      <a:noFill/>
+                    <a:lnL w="12700" cap="flat" cmpd="sng" algn="ctr">
+                      <a:solidFill>
+                        <a:schemeClr val="tx1"/>
+                      </a:solidFill>
+                      <a:prstDash val="solid"/>
+                      <a:round/>
+                      <a:headEnd type="none" w="med" len="med"/>
+                      <a:tailEnd type="none" w="med" len="med"/>
                     </a:lnL>
-                    <a:lnR>
-                      <a:noFill/>
+                    <a:lnR w="12700" cap="flat" cmpd="sng" algn="ctr">
+                      <a:solidFill>
+                        <a:schemeClr val="tx1"/>
+                      </a:solidFill>
+                      <a:prstDash val="solid"/>
+                      <a:round/>
+                      <a:headEnd type="none" w="med" len="med"/>
+                      <a:tailEnd type="none" w="med" len="med"/>
                     </a:lnR>
-                    <a:lnT>
-                      <a:noFill/>
+                    <a:lnT w="12700" cap="flat" cmpd="sng" algn="ctr">
+                      <a:solidFill>
+                        <a:schemeClr val="tx1"/>
+                      </a:solidFill>
+                      <a:prstDash val="solid"/>
+                      <a:round/>
+                      <a:headEnd type="none" w="med" len="med"/>
+                      <a:tailEnd type="none" w="med" len="med"/>
                     </a:lnT>
-                    <a:lnB>
-                      <a:noFill/>
+                    <a:lnB w="12700" cap="flat" cmpd="sng" algn="ctr">
+                      <a:solidFill>
+                        <a:schemeClr val="tx1"/>
+                      </a:solidFill>
+                      <a:prstDash val="solid"/>
+                      <a:round/>
+                      <a:headEnd type="none" w="med" len="med"/>
+                      <a:tailEnd type="none" w="med" len="med"/>
                     </a:lnB>
                   </a:tcPr>
                 </a:tc>
@@ -4203,7 +5484,7 @@
                     <a:p>
                       <a:pPr algn="r" fontAlgn="b"/>
                       <a:r>
-                        <a:rPr lang="hr-HR" sz="1200" b="0" i="0" u="none" strike="noStrike">
+                        <a:rPr lang="hr-HR" sz="1800" b="0" i="0" u="none" strike="noStrike">
                           <a:solidFill>
                             <a:srgbClr val="000000"/>
                           </a:solidFill>
@@ -4215,17 +5496,41 @@
                     </a:p>
                   </a:txBody>
                   <a:tcPr marL="12700" marR="12700" marT="12700" marB="0" anchor="b">
-                    <a:lnL>
-                      <a:noFill/>
+                    <a:lnL w="12700" cap="flat" cmpd="sng" algn="ctr">
+                      <a:solidFill>
+                        <a:schemeClr val="tx1"/>
+                      </a:solidFill>
+                      <a:prstDash val="solid"/>
+                      <a:round/>
+                      <a:headEnd type="none" w="med" len="med"/>
+                      <a:tailEnd type="none" w="med" len="med"/>
                     </a:lnL>
-                    <a:lnR>
-                      <a:noFill/>
+                    <a:lnR w="12700" cap="flat" cmpd="sng" algn="ctr">
+                      <a:solidFill>
+                        <a:schemeClr val="tx1"/>
+                      </a:solidFill>
+                      <a:prstDash val="solid"/>
+                      <a:round/>
+                      <a:headEnd type="none" w="med" len="med"/>
+                      <a:tailEnd type="none" w="med" len="med"/>
                     </a:lnR>
-                    <a:lnT>
-                      <a:noFill/>
+                    <a:lnT w="12700" cap="flat" cmpd="sng" algn="ctr">
+                      <a:solidFill>
+                        <a:schemeClr val="tx1"/>
+                      </a:solidFill>
+                      <a:prstDash val="solid"/>
+                      <a:round/>
+                      <a:headEnd type="none" w="med" len="med"/>
+                      <a:tailEnd type="none" w="med" len="med"/>
                     </a:lnT>
-                    <a:lnB>
-                      <a:noFill/>
+                    <a:lnB w="12700" cap="flat" cmpd="sng" algn="ctr">
+                      <a:solidFill>
+                        <a:schemeClr val="tx1"/>
+                      </a:solidFill>
+                      <a:prstDash val="solid"/>
+                      <a:round/>
+                      <a:headEnd type="none" w="med" len="med"/>
+                      <a:tailEnd type="none" w="med" len="med"/>
                     </a:lnB>
                   </a:tcPr>
                 </a:tc>
@@ -4236,7 +5541,7 @@
                     <a:p>
                       <a:pPr algn="r" fontAlgn="b"/>
                       <a:r>
-                        <a:rPr lang="hr-HR" sz="1200" b="0" i="0" u="none" strike="noStrike">
+                        <a:rPr lang="hr-HR" sz="1800" b="0" i="0" u="none" strike="noStrike">
                           <a:solidFill>
                             <a:srgbClr val="000000"/>
                           </a:solidFill>
@@ -4248,17 +5553,41 @@
                     </a:p>
                   </a:txBody>
                   <a:tcPr marL="12700" marR="12700" marT="12700" marB="0" anchor="b">
-                    <a:lnL>
-                      <a:noFill/>
+                    <a:lnL w="12700" cap="flat" cmpd="sng" algn="ctr">
+                      <a:solidFill>
+                        <a:schemeClr val="tx1"/>
+                      </a:solidFill>
+                      <a:prstDash val="solid"/>
+                      <a:round/>
+                      <a:headEnd type="none" w="med" len="med"/>
+                      <a:tailEnd type="none" w="med" len="med"/>
                     </a:lnL>
-                    <a:lnR>
-                      <a:noFill/>
+                    <a:lnR w="12700" cap="flat" cmpd="sng" algn="ctr">
+                      <a:solidFill>
+                        <a:schemeClr val="tx1"/>
+                      </a:solidFill>
+                      <a:prstDash val="solid"/>
+                      <a:round/>
+                      <a:headEnd type="none" w="med" len="med"/>
+                      <a:tailEnd type="none" w="med" len="med"/>
                     </a:lnR>
-                    <a:lnT>
-                      <a:noFill/>
+                    <a:lnT w="12700" cap="flat" cmpd="sng" algn="ctr">
+                      <a:solidFill>
+                        <a:schemeClr val="tx1"/>
+                      </a:solidFill>
+                      <a:prstDash val="solid"/>
+                      <a:round/>
+                      <a:headEnd type="none" w="med" len="med"/>
+                      <a:tailEnd type="none" w="med" len="med"/>
                     </a:lnT>
-                    <a:lnB>
-                      <a:noFill/>
+                    <a:lnB w="12700" cap="flat" cmpd="sng" algn="ctr">
+                      <a:solidFill>
+                        <a:schemeClr val="tx1"/>
+                      </a:solidFill>
+                      <a:prstDash val="solid"/>
+                      <a:round/>
+                      <a:headEnd type="none" w="med" len="med"/>
+                      <a:tailEnd type="none" w="med" len="med"/>
                     </a:lnB>
                   </a:tcPr>
                 </a:tc>
@@ -4271,7 +5600,7 @@
                     <a:p>
                       <a:pPr algn="r" fontAlgn="b"/>
                       <a:r>
-                        <a:rPr lang="is-IS" sz="1200" b="0" i="0" u="none" strike="noStrike">
+                        <a:rPr lang="is-IS" sz="1800" b="0" i="0" u="none" strike="noStrike">
                           <a:solidFill>
                             <a:srgbClr val="000000"/>
                           </a:solidFill>
@@ -4283,17 +5612,41 @@
                     </a:p>
                   </a:txBody>
                   <a:tcPr marL="12700" marR="12700" marT="12700" marB="0" anchor="b">
-                    <a:lnL>
-                      <a:noFill/>
+                    <a:lnL w="12700" cap="flat" cmpd="sng" algn="ctr">
+                      <a:solidFill>
+                        <a:schemeClr val="tx1"/>
+                      </a:solidFill>
+                      <a:prstDash val="solid"/>
+                      <a:round/>
+                      <a:headEnd type="none" w="med" len="med"/>
+                      <a:tailEnd type="none" w="med" len="med"/>
                     </a:lnL>
-                    <a:lnR>
-                      <a:noFill/>
+                    <a:lnR w="12700" cap="flat" cmpd="sng" algn="ctr">
+                      <a:solidFill>
+                        <a:schemeClr val="tx1"/>
+                      </a:solidFill>
+                      <a:prstDash val="solid"/>
+                      <a:round/>
+                      <a:headEnd type="none" w="med" len="med"/>
+                      <a:tailEnd type="none" w="med" len="med"/>
                     </a:lnR>
-                    <a:lnT>
-                      <a:noFill/>
+                    <a:lnT w="12700" cap="flat" cmpd="sng" algn="ctr">
+                      <a:solidFill>
+                        <a:schemeClr val="tx1"/>
+                      </a:solidFill>
+                      <a:prstDash val="solid"/>
+                      <a:round/>
+                      <a:headEnd type="none" w="med" len="med"/>
+                      <a:tailEnd type="none" w="med" len="med"/>
                     </a:lnT>
-                    <a:lnB>
-                      <a:noFill/>
+                    <a:lnB w="12700" cap="flat" cmpd="sng" algn="ctr">
+                      <a:solidFill>
+                        <a:schemeClr val="tx1"/>
+                      </a:solidFill>
+                      <a:prstDash val="solid"/>
+                      <a:round/>
+                      <a:headEnd type="none" w="med" len="med"/>
+                      <a:tailEnd type="none" w="med" len="med"/>
                     </a:lnB>
                   </a:tcPr>
                 </a:tc>
@@ -4304,7 +5657,7 @@
                     <a:p>
                       <a:pPr algn="r" fontAlgn="b"/>
                       <a:r>
-                        <a:rPr lang="is-IS" sz="1200" b="0" i="0" u="none" strike="noStrike">
+                        <a:rPr lang="is-IS" sz="1800" b="0" i="0" u="none" strike="noStrike">
                           <a:solidFill>
                             <a:srgbClr val="000000"/>
                           </a:solidFill>
@@ -4316,17 +5669,41 @@
                     </a:p>
                   </a:txBody>
                   <a:tcPr marL="12700" marR="12700" marT="12700" marB="0" anchor="b">
-                    <a:lnL>
-                      <a:noFill/>
+                    <a:lnL w="12700" cap="flat" cmpd="sng" algn="ctr">
+                      <a:solidFill>
+                        <a:schemeClr val="tx1"/>
+                      </a:solidFill>
+                      <a:prstDash val="solid"/>
+                      <a:round/>
+                      <a:headEnd type="none" w="med" len="med"/>
+                      <a:tailEnd type="none" w="med" len="med"/>
                     </a:lnL>
-                    <a:lnR>
-                      <a:noFill/>
+                    <a:lnR w="12700" cap="flat" cmpd="sng" algn="ctr">
+                      <a:solidFill>
+                        <a:schemeClr val="tx1"/>
+                      </a:solidFill>
+                      <a:prstDash val="solid"/>
+                      <a:round/>
+                      <a:headEnd type="none" w="med" len="med"/>
+                      <a:tailEnd type="none" w="med" len="med"/>
                     </a:lnR>
-                    <a:lnT>
-                      <a:noFill/>
+                    <a:lnT w="12700" cap="flat" cmpd="sng" algn="ctr">
+                      <a:solidFill>
+                        <a:schemeClr val="tx1"/>
+                      </a:solidFill>
+                      <a:prstDash val="solid"/>
+                      <a:round/>
+                      <a:headEnd type="none" w="med" len="med"/>
+                      <a:tailEnd type="none" w="med" len="med"/>
                     </a:lnT>
-                    <a:lnB>
-                      <a:noFill/>
+                    <a:lnB w="12700" cap="flat" cmpd="sng" algn="ctr">
+                      <a:solidFill>
+                        <a:schemeClr val="tx1"/>
+                      </a:solidFill>
+                      <a:prstDash val="solid"/>
+                      <a:round/>
+                      <a:headEnd type="none" w="med" len="med"/>
+                      <a:tailEnd type="none" w="med" len="med"/>
                     </a:lnB>
                   </a:tcPr>
                 </a:tc>
@@ -4337,7 +5714,7 @@
                     <a:p>
                       <a:pPr algn="r" fontAlgn="b"/>
                       <a:r>
-                        <a:rPr lang="is-IS" sz="1200" b="0" i="0" u="none" strike="noStrike">
+                        <a:rPr lang="is-IS" sz="1800" b="0" i="0" u="none" strike="noStrike">
                           <a:solidFill>
                             <a:srgbClr val="000000"/>
                           </a:solidFill>
@@ -4349,17 +5726,41 @@
                     </a:p>
                   </a:txBody>
                   <a:tcPr marL="12700" marR="12700" marT="12700" marB="0" anchor="b">
-                    <a:lnL>
-                      <a:noFill/>
+                    <a:lnL w="12700" cap="flat" cmpd="sng" algn="ctr">
+                      <a:solidFill>
+                        <a:schemeClr val="tx1"/>
+                      </a:solidFill>
+                      <a:prstDash val="solid"/>
+                      <a:round/>
+                      <a:headEnd type="none" w="med" len="med"/>
+                      <a:tailEnd type="none" w="med" len="med"/>
                     </a:lnL>
-                    <a:lnR>
-                      <a:noFill/>
+                    <a:lnR w="12700" cap="flat" cmpd="sng" algn="ctr">
+                      <a:solidFill>
+                        <a:schemeClr val="tx1"/>
+                      </a:solidFill>
+                      <a:prstDash val="solid"/>
+                      <a:round/>
+                      <a:headEnd type="none" w="med" len="med"/>
+                      <a:tailEnd type="none" w="med" len="med"/>
                     </a:lnR>
-                    <a:lnT>
-                      <a:noFill/>
+                    <a:lnT w="12700" cap="flat" cmpd="sng" algn="ctr">
+                      <a:solidFill>
+                        <a:schemeClr val="tx1"/>
+                      </a:solidFill>
+                      <a:prstDash val="solid"/>
+                      <a:round/>
+                      <a:headEnd type="none" w="med" len="med"/>
+                      <a:tailEnd type="none" w="med" len="med"/>
                     </a:lnT>
-                    <a:lnB>
-                      <a:noFill/>
+                    <a:lnB w="12700" cap="flat" cmpd="sng" algn="ctr">
+                      <a:solidFill>
+                        <a:schemeClr val="tx1"/>
+                      </a:solidFill>
+                      <a:prstDash val="solid"/>
+                      <a:round/>
+                      <a:headEnd type="none" w="med" len="med"/>
+                      <a:tailEnd type="none" w="med" len="med"/>
                     </a:lnB>
                   </a:tcPr>
                 </a:tc>
@@ -4370,7 +5771,7 @@
                     <a:p>
                       <a:pPr algn="r" fontAlgn="b"/>
                       <a:r>
-                        <a:rPr lang="fi-FI" sz="1200" b="0" i="0" u="none" strike="noStrike">
+                        <a:rPr lang="fi-FI" sz="1800" b="0" i="0" u="none" strike="noStrike">
                           <a:solidFill>
                             <a:srgbClr val="000000"/>
                           </a:solidFill>
@@ -4382,17 +5783,41 @@
                     </a:p>
                   </a:txBody>
                   <a:tcPr marL="12700" marR="12700" marT="12700" marB="0" anchor="b">
-                    <a:lnL>
-                      <a:noFill/>
+                    <a:lnL w="12700" cap="flat" cmpd="sng" algn="ctr">
+                      <a:solidFill>
+                        <a:schemeClr val="tx1"/>
+                      </a:solidFill>
+                      <a:prstDash val="solid"/>
+                      <a:round/>
+                      <a:headEnd type="none" w="med" len="med"/>
+                      <a:tailEnd type="none" w="med" len="med"/>
                     </a:lnL>
-                    <a:lnR>
-                      <a:noFill/>
+                    <a:lnR w="12700" cap="flat" cmpd="sng" algn="ctr">
+                      <a:solidFill>
+                        <a:schemeClr val="tx1"/>
+                      </a:solidFill>
+                      <a:prstDash val="solid"/>
+                      <a:round/>
+                      <a:headEnd type="none" w="med" len="med"/>
+                      <a:tailEnd type="none" w="med" len="med"/>
                     </a:lnR>
-                    <a:lnT>
-                      <a:noFill/>
+                    <a:lnT w="12700" cap="flat" cmpd="sng" algn="ctr">
+                      <a:solidFill>
+                        <a:schemeClr val="tx1"/>
+                      </a:solidFill>
+                      <a:prstDash val="solid"/>
+                      <a:round/>
+                      <a:headEnd type="none" w="med" len="med"/>
+                      <a:tailEnd type="none" w="med" len="med"/>
                     </a:lnT>
-                    <a:lnB>
-                      <a:noFill/>
+                    <a:lnB w="12700" cap="flat" cmpd="sng" algn="ctr">
+                      <a:solidFill>
+                        <a:schemeClr val="tx1"/>
+                      </a:solidFill>
+                      <a:prstDash val="solid"/>
+                      <a:round/>
+                      <a:headEnd type="none" w="med" len="med"/>
+                      <a:tailEnd type="none" w="med" len="med"/>
                     </a:lnB>
                   </a:tcPr>
                 </a:tc>
@@ -4405,7 +5830,7 @@
                     <a:p>
                       <a:pPr algn="l" fontAlgn="b"/>
                       <a:r>
-                        <a:rPr lang="en-US" sz="1200" b="0" i="0" u="none" strike="noStrike" dirty="0">
+                        <a:rPr lang="en-US" sz="1800" b="0" i="0" u="none" strike="noStrike" dirty="0">
                           <a:solidFill>
                             <a:srgbClr val="000000"/>
                           </a:solidFill>
@@ -4417,17 +5842,41 @@
                     </a:p>
                   </a:txBody>
                   <a:tcPr marL="12700" marR="12700" marT="12700" marB="0" anchor="b">
-                    <a:lnL>
-                      <a:noFill/>
+                    <a:lnL w="12700" cap="flat" cmpd="sng" algn="ctr">
+                      <a:solidFill>
+                        <a:schemeClr val="tx1"/>
+                      </a:solidFill>
+                      <a:prstDash val="solid"/>
+                      <a:round/>
+                      <a:headEnd type="none" w="med" len="med"/>
+                      <a:tailEnd type="none" w="med" len="med"/>
                     </a:lnL>
-                    <a:lnR>
-                      <a:noFill/>
+                    <a:lnR w="12700" cap="flat" cmpd="sng" algn="ctr">
+                      <a:solidFill>
+                        <a:schemeClr val="tx1"/>
+                      </a:solidFill>
+                      <a:prstDash val="solid"/>
+                      <a:round/>
+                      <a:headEnd type="none" w="med" len="med"/>
+                      <a:tailEnd type="none" w="med" len="med"/>
                     </a:lnR>
-                    <a:lnT>
-                      <a:noFill/>
+                    <a:lnT w="12700" cap="flat" cmpd="sng" algn="ctr">
+                      <a:solidFill>
+                        <a:schemeClr val="tx1"/>
+                      </a:solidFill>
+                      <a:prstDash val="solid"/>
+                      <a:round/>
+                      <a:headEnd type="none" w="med" len="med"/>
+                      <a:tailEnd type="none" w="med" len="med"/>
                     </a:lnT>
-                    <a:lnB>
-                      <a:noFill/>
+                    <a:lnB w="12700" cap="flat" cmpd="sng" algn="ctr">
+                      <a:solidFill>
+                        <a:schemeClr val="tx1"/>
+                      </a:solidFill>
+                      <a:prstDash val="solid"/>
+                      <a:round/>
+                      <a:headEnd type="none" w="med" len="med"/>
+                      <a:tailEnd type="none" w="med" len="med"/>
                     </a:lnB>
                   </a:tcPr>
                 </a:tc>
@@ -4438,7 +5887,7 @@
                     <a:p>
                       <a:pPr algn="r" fontAlgn="b"/>
                       <a:r>
-                        <a:rPr lang="is-IS" sz="1200" b="0" i="0" u="none" strike="noStrike">
+                        <a:rPr lang="is-IS" sz="1800" b="0" i="0" u="none" strike="noStrike" dirty="0">
                           <a:solidFill>
                             <a:srgbClr val="000000"/>
                           </a:solidFill>
@@ -4450,17 +5899,41 @@
                     </a:p>
                   </a:txBody>
                   <a:tcPr marL="12700" marR="12700" marT="12700" marB="0" anchor="b">
-                    <a:lnL>
-                      <a:noFill/>
+                    <a:lnL w="12700" cap="flat" cmpd="sng" algn="ctr">
+                      <a:solidFill>
+                        <a:schemeClr val="tx1"/>
+                      </a:solidFill>
+                      <a:prstDash val="solid"/>
+                      <a:round/>
+                      <a:headEnd type="none" w="med" len="med"/>
+                      <a:tailEnd type="none" w="med" len="med"/>
                     </a:lnL>
-                    <a:lnR>
-                      <a:noFill/>
+                    <a:lnR w="12700" cap="flat" cmpd="sng" algn="ctr">
+                      <a:solidFill>
+                        <a:schemeClr val="tx1"/>
+                      </a:solidFill>
+                      <a:prstDash val="solid"/>
+                      <a:round/>
+                      <a:headEnd type="none" w="med" len="med"/>
+                      <a:tailEnd type="none" w="med" len="med"/>
                     </a:lnR>
-                    <a:lnT>
-                      <a:noFill/>
+                    <a:lnT w="12700" cap="flat" cmpd="sng" algn="ctr">
+                      <a:solidFill>
+                        <a:schemeClr val="tx1"/>
+                      </a:solidFill>
+                      <a:prstDash val="solid"/>
+                      <a:round/>
+                      <a:headEnd type="none" w="med" len="med"/>
+                      <a:tailEnd type="none" w="med" len="med"/>
                     </a:lnT>
-                    <a:lnB>
-                      <a:noFill/>
+                    <a:lnB w="12700" cap="flat" cmpd="sng" algn="ctr">
+                      <a:solidFill>
+                        <a:schemeClr val="tx1"/>
+                      </a:solidFill>
+                      <a:prstDash val="solid"/>
+                      <a:round/>
+                      <a:headEnd type="none" w="med" len="med"/>
+                      <a:tailEnd type="none" w="med" len="med"/>
                     </a:lnB>
                   </a:tcPr>
                 </a:tc>
@@ -4471,7 +5944,7 @@
                     <a:p>
                       <a:pPr algn="r" fontAlgn="b"/>
                       <a:r>
-                        <a:rPr lang="fi-FI" sz="1200" b="0" i="0" u="none" strike="noStrike">
+                        <a:rPr lang="fi-FI" sz="1800" b="0" i="0" u="none" strike="noStrike" dirty="0">
                           <a:solidFill>
                             <a:srgbClr val="000000"/>
                           </a:solidFill>
@@ -4483,17 +5956,41 @@
                     </a:p>
                   </a:txBody>
                   <a:tcPr marL="12700" marR="12700" marT="12700" marB="0" anchor="b">
-                    <a:lnL>
-                      <a:noFill/>
+                    <a:lnL w="12700" cap="flat" cmpd="sng" algn="ctr">
+                      <a:solidFill>
+                        <a:schemeClr val="tx1"/>
+                      </a:solidFill>
+                      <a:prstDash val="solid"/>
+                      <a:round/>
+                      <a:headEnd type="none" w="med" len="med"/>
+                      <a:tailEnd type="none" w="med" len="med"/>
                     </a:lnL>
-                    <a:lnR>
-                      <a:noFill/>
+                    <a:lnR w="12700" cap="flat" cmpd="sng" algn="ctr">
+                      <a:solidFill>
+                        <a:schemeClr val="tx1"/>
+                      </a:solidFill>
+                      <a:prstDash val="solid"/>
+                      <a:round/>
+                      <a:headEnd type="none" w="med" len="med"/>
+                      <a:tailEnd type="none" w="med" len="med"/>
                     </a:lnR>
-                    <a:lnT>
-                      <a:noFill/>
+                    <a:lnT w="12700" cap="flat" cmpd="sng" algn="ctr">
+                      <a:solidFill>
+                        <a:schemeClr val="tx1"/>
+                      </a:solidFill>
+                      <a:prstDash val="solid"/>
+                      <a:round/>
+                      <a:headEnd type="none" w="med" len="med"/>
+                      <a:tailEnd type="none" w="med" len="med"/>
                     </a:lnT>
-                    <a:lnB>
-                      <a:noFill/>
+                    <a:lnB w="12700" cap="flat" cmpd="sng" algn="ctr">
+                      <a:solidFill>
+                        <a:schemeClr val="tx1"/>
+                      </a:solidFill>
+                      <a:prstDash val="solid"/>
+                      <a:round/>
+                      <a:headEnd type="none" w="med" len="med"/>
+                      <a:tailEnd type="none" w="med" len="med"/>
                     </a:lnB>
                   </a:tcPr>
                 </a:tc>
@@ -4504,7 +6001,7 @@
                     <a:p>
                       <a:pPr algn="r" fontAlgn="b"/>
                       <a:r>
-                        <a:rPr lang="fi-FI" sz="1200" b="0" i="0" u="none" strike="noStrike" dirty="0">
+                        <a:rPr lang="fi-FI" sz="1800" b="0" i="0" u="none" strike="noStrike" dirty="0">
                           <a:solidFill>
                             <a:srgbClr val="000000"/>
                           </a:solidFill>
@@ -4516,17 +6013,41 @@
                     </a:p>
                   </a:txBody>
                   <a:tcPr marL="12700" marR="12700" marT="12700" marB="0" anchor="b">
-                    <a:lnL>
-                      <a:noFill/>
+                    <a:lnL w="12700" cap="flat" cmpd="sng" algn="ctr">
+                      <a:solidFill>
+                        <a:schemeClr val="tx1"/>
+                      </a:solidFill>
+                      <a:prstDash val="solid"/>
+                      <a:round/>
+                      <a:headEnd type="none" w="med" len="med"/>
+                      <a:tailEnd type="none" w="med" len="med"/>
                     </a:lnL>
-                    <a:lnR>
-                      <a:noFill/>
+                    <a:lnR w="12700" cap="flat" cmpd="sng" algn="ctr">
+                      <a:solidFill>
+                        <a:schemeClr val="tx1"/>
+                      </a:solidFill>
+                      <a:prstDash val="solid"/>
+                      <a:round/>
+                      <a:headEnd type="none" w="med" len="med"/>
+                      <a:tailEnd type="none" w="med" len="med"/>
                     </a:lnR>
-                    <a:lnT>
-                      <a:noFill/>
+                    <a:lnT w="12700" cap="flat" cmpd="sng" algn="ctr">
+                      <a:solidFill>
+                        <a:schemeClr val="tx1"/>
+                      </a:solidFill>
+                      <a:prstDash val="solid"/>
+                      <a:round/>
+                      <a:headEnd type="none" w="med" len="med"/>
+                      <a:tailEnd type="none" w="med" len="med"/>
                     </a:lnT>
-                    <a:lnB>
-                      <a:noFill/>
+                    <a:lnB w="12700" cap="flat" cmpd="sng" algn="ctr">
+                      <a:solidFill>
+                        <a:schemeClr val="tx1"/>
+                      </a:solidFill>
+                      <a:prstDash val="solid"/>
+                      <a:round/>
+                      <a:headEnd type="none" w="med" len="med"/>
+                      <a:tailEnd type="none" w="med" len="med"/>
                     </a:lnB>
                   </a:tcPr>
                 </a:tc>
@@ -4535,6 +6056,35 @@
           </a:graphicData>
         </a:graphic>
       </p:graphicFrame>
+      <p:sp>
+        <p:nvSpPr>
+          <p:cNvPr id="4" name="TextBox 3"/>
+          <p:cNvSpPr txBox="1"/>
+          <p:nvPr/>
+        </p:nvSpPr>
+        <p:spPr>
+          <a:xfrm>
+            <a:off x="2491999" y="5828205"/>
+            <a:ext cx="7207999" cy="369332"/>
+          </a:xfrm>
+          <a:prstGeom prst="rect">
+            <a:avLst/>
+          </a:prstGeom>
+          <a:noFill/>
+        </p:spPr>
+        <p:txBody>
+          <a:bodyPr wrap="none" rtlCol="0">
+            <a:spAutoFit/>
+          </a:bodyPr>
+          <a:lstStyle/>
+          <a:p>
+            <a:r>
+              <a:rPr lang="en-US" dirty="0" smtClean="0"/>
+              <a:t>MNIST Dataset, varying the branching factor, k, averaged over 10 runs each</a:t>
+            </a:r>
+          </a:p>
+        </p:txBody>
+      </p:sp>
     </p:spTree>
     <p:extLst>
       <p:ext uri="{BB962C8B-B14F-4D97-AF65-F5344CB8AC3E}">
@@ -4588,39 +6138,133 @@
           </a:p>
         </p:txBody>
       </p:sp>
-      <p:pic>
-        <p:nvPicPr>
-          <p:cNvPr id="5" name="Content Placeholder 4"/>
-          <p:cNvPicPr>
-            <a:picLocks noGrp="1" noChangeAspect="1"/>
-          </p:cNvPicPr>
+      <p:sp>
+        <p:nvSpPr>
+          <p:cNvPr id="3" name="Content Placeholder 2"/>
+          <p:cNvSpPr>
+            <a:spLocks noGrp="1"/>
+          </p:cNvSpPr>
           <p:nvPr>
             <p:ph idx="1"/>
           </p:nvPr>
-        </p:nvPicPr>
-        <p:blipFill>
-          <a:blip r:embed="rId2">
-            <a:extLst>
-              <a:ext uri="{28A0092B-C50C-407E-A947-70E740481C1C}">
-                <a14:useLocalDpi xmlns:a14="http://schemas.microsoft.com/office/drawing/2010/main" val="0"/>
-              </a:ext>
-            </a:extLst>
-          </a:blip>
-          <a:stretch>
-            <a:fillRect/>
-          </a:stretch>
-        </p:blipFill>
-        <p:spPr>
-          <a:xfrm>
-            <a:off x="1813683" y="1690688"/>
-            <a:ext cx="8564633" cy="4351338"/>
-          </a:xfrm>
-        </p:spPr>
-      </p:pic>
+        </p:nvSpPr>
+        <p:spPr/>
+        <p:txBody>
+          <a:bodyPr>
+            <a:normAutofit/>
+          </a:bodyPr>
+          <a:lstStyle/>
+          <a:p>
+            <a:r>
+              <a:rPr lang="en-US" sz="2400" dirty="0" smtClean="0"/>
+              <a:t>Setting </a:t>
+            </a:r>
+            <a:r>
+              <a:rPr lang="en-US" sz="2400" dirty="0" smtClean="0"/>
+              <a:t>the branching factor </a:t>
+            </a:r>
+            <a:r>
+              <a:rPr lang="en-US" sz="2400" dirty="0" smtClean="0"/>
+              <a:t>to between 5 and 10 </a:t>
+            </a:r>
+            <a:r>
+              <a:rPr lang="en-US" sz="2400" dirty="0" smtClean="0"/>
+              <a:t>seemed to be the best if </a:t>
+            </a:r>
+            <a:r>
+              <a:rPr lang="en-US" sz="2400" dirty="0" smtClean="0"/>
+              <a:t>both time </a:t>
+            </a:r>
+            <a:r>
+              <a:rPr lang="en-US" sz="2400" dirty="0" smtClean="0"/>
+              <a:t>and accuracy is a </a:t>
+            </a:r>
+            <a:r>
+              <a:rPr lang="en-US" sz="2400" dirty="0" smtClean="0"/>
+              <a:t>concern</a:t>
+            </a:r>
+          </a:p>
+          <a:p>
+            <a:pPr lvl="1"/>
+            <a:r>
+              <a:rPr lang="en-US" sz="2000" dirty="0"/>
+              <a:t>k</a:t>
+            </a:r>
+            <a:r>
+              <a:rPr lang="en-US" sz="2000" dirty="0" smtClean="0"/>
+              <a:t> &lt; 5 </a:t>
+            </a:r>
+            <a:r>
+              <a:rPr lang="en-US" sz="2000" dirty="0" smtClean="0"/>
+              <a:t>will result in lower accuracy while taking about the same amount of time to train and </a:t>
+            </a:r>
+            <a:r>
+              <a:rPr lang="en-US" sz="2000" dirty="0" smtClean="0"/>
+              <a:t>test</a:t>
+            </a:r>
+            <a:r>
+              <a:rPr lang="en-US" sz="2000" dirty="0"/>
+              <a:t> </a:t>
+            </a:r>
+            <a:r>
+              <a:rPr lang="en-US" sz="2000" dirty="0" smtClean="0"/>
+              <a:t>as k = 5</a:t>
+            </a:r>
+            <a:endParaRPr lang="en-US" sz="2000" dirty="0" smtClean="0"/>
+          </a:p>
+          <a:p>
+            <a:pPr marL="0" indent="0">
+              <a:buNone/>
+            </a:pPr>
+            <a:endParaRPr lang="en-US" sz="2400" dirty="0" smtClean="0"/>
+          </a:p>
+          <a:p>
+            <a:r>
+              <a:rPr lang="en-US" sz="2400" dirty="0" smtClean="0"/>
+              <a:t>With larger branching factors, the training time varies by quite a </a:t>
+            </a:r>
+            <a:r>
+              <a:rPr lang="en-US" sz="2400" dirty="0" smtClean="0"/>
+              <a:t>bit</a:t>
+            </a:r>
+          </a:p>
+          <a:p>
+            <a:pPr lvl="1"/>
+            <a:r>
+              <a:rPr lang="en-US" sz="2000" dirty="0" smtClean="0"/>
+              <a:t>With k = infinity, times </a:t>
+            </a:r>
+            <a:r>
+              <a:rPr lang="en-US" sz="2000" dirty="0" smtClean="0"/>
+              <a:t>ranged from 140 </a:t>
+            </a:r>
+            <a:r>
+              <a:rPr lang="en-US" sz="2000" dirty="0" smtClean="0"/>
+              <a:t>seconds to </a:t>
+            </a:r>
+            <a:r>
+              <a:rPr lang="en-US" sz="2000" dirty="0" smtClean="0"/>
+              <a:t>223 seconds</a:t>
+            </a:r>
+          </a:p>
+          <a:p>
+            <a:pPr lvl="1"/>
+            <a:r>
+              <a:rPr lang="en-US" sz="2000" dirty="0" smtClean="0"/>
+              <a:t>With k </a:t>
+            </a:r>
+            <a:r>
+              <a:rPr lang="en-US" sz="2000" dirty="0" smtClean="0"/>
+              <a:t>= 5, times ranged from 70 seconds to 76 seconds.</a:t>
+            </a:r>
+            <a:endParaRPr lang="en-US" sz="2000" dirty="0"/>
+          </a:p>
+        </p:txBody>
+      </p:sp>
     </p:spTree>
     <p:extLst>
       <p:ext uri="{BB962C8B-B14F-4D97-AF65-F5344CB8AC3E}">
-        <p14:creationId xmlns:p14="http://schemas.microsoft.com/office/powerpoint/2010/main" val="892857440"/>
+        <p14:creationId xmlns:p14="http://schemas.microsoft.com/office/powerpoint/2010/main" val="546644498"/>
       </p:ext>
     </p:extLst>
   </p:cSld>
@@ -4672,11 +6316,13 @@
       </p:sp>
       <p:pic>
         <p:nvPicPr>
-          <p:cNvPr id="3" name="Picture 2"/>
+          <p:cNvPr id="5" name="Content Placeholder 4"/>
           <p:cNvPicPr>
-            <a:picLocks noChangeAspect="1"/>
+            <a:picLocks noGrp="1" noChangeAspect="1"/>
           </p:cNvPicPr>
-          <p:nvPr/>
+          <p:nvPr>
+            <p:ph idx="1"/>
+          </p:nvPr>
         </p:nvPicPr>
         <p:blipFill>
           <a:blip r:embed="rId2">
@@ -4692,18 +6338,45 @@
         </p:blipFill>
         <p:spPr>
           <a:xfrm>
-            <a:off x="2231778" y="1690688"/>
-            <a:ext cx="7728443" cy="4333194"/>
+            <a:off x="1813683" y="1690688"/>
+            <a:ext cx="8564633" cy="4351338"/>
+          </a:xfrm>
+        </p:spPr>
+      </p:pic>
+      <p:sp>
+        <p:nvSpPr>
+          <p:cNvPr id="3" name="Rectangle 2"/>
+          <p:cNvSpPr/>
+          <p:nvPr/>
+        </p:nvSpPr>
+        <p:spPr>
+          <a:xfrm>
+            <a:off x="3047999" y="6042026"/>
+            <a:ext cx="6096000" cy="646331"/>
           </a:xfrm>
           <a:prstGeom prst="rect">
             <a:avLst/>
           </a:prstGeom>
         </p:spPr>
-      </p:pic>
+        <p:txBody>
+          <a:bodyPr>
+            <a:spAutoFit/>
+          </a:bodyPr>
+          <a:lstStyle/>
+          <a:p>
+            <a:pPr lvl="1"/>
+            <a:r>
+              <a:rPr lang="en-US" dirty="0"/>
+              <a:t>While accuracy and testing time plateaued, the time it took to train grew linearly with more examples.</a:t>
+            </a:r>
+            <a:endParaRPr lang="en-US" dirty="0"/>
+          </a:p>
+        </p:txBody>
+      </p:sp>
     </p:spTree>
     <p:extLst>
       <p:ext uri="{BB962C8B-B14F-4D97-AF65-F5344CB8AC3E}">
-        <p14:creationId xmlns:p14="http://schemas.microsoft.com/office/powerpoint/2010/main" val="179380196"/>
+        <p14:creationId xmlns:p14="http://schemas.microsoft.com/office/powerpoint/2010/main" val="892857440"/>
       </p:ext>
     </p:extLst>
   </p:cSld>
@@ -4747,30 +6420,67 @@
           <a:p>
             <a:r>
               <a:rPr lang="en-US" dirty="0" smtClean="0"/>
-              <a:t>Observations (CIFAR10)</a:t>
+              <a:t>Observations (MNIST)</a:t>
             </a:r>
             <a:endParaRPr lang="en-US" dirty="0"/>
           </a:p>
         </p:txBody>
       </p:sp>
+      <p:pic>
+        <p:nvPicPr>
+          <p:cNvPr id="3" name="Picture 2"/>
+          <p:cNvPicPr>
+            <a:picLocks noChangeAspect="1"/>
+          </p:cNvPicPr>
+          <p:nvPr/>
+        </p:nvPicPr>
+        <p:blipFill>
+          <a:blip r:embed="rId2">
+            <a:extLst>
+              <a:ext uri="{28A0092B-C50C-407E-A947-70E740481C1C}">
+                <a14:useLocalDpi xmlns:a14="http://schemas.microsoft.com/office/drawing/2010/main" val="0"/>
+              </a:ext>
+            </a:extLst>
+          </a:blip>
+          <a:stretch>
+            <a:fillRect/>
+          </a:stretch>
+        </p:blipFill>
+        <p:spPr>
+          <a:xfrm>
+            <a:off x="2231778" y="1690688"/>
+            <a:ext cx="7728443" cy="4333194"/>
+          </a:xfrm>
+          <a:prstGeom prst="rect">
+            <a:avLst/>
+          </a:prstGeom>
+        </p:spPr>
+      </p:pic>
       <p:sp>
         <p:nvSpPr>
-          <p:cNvPr id="3" name="Content Placeholder 2"/>
-          <p:cNvSpPr>
-            <a:spLocks noGrp="1"/>
-          </p:cNvSpPr>
-          <p:nvPr>
-            <p:ph idx="1"/>
-          </p:nvPr>
+          <p:cNvPr id="4" name="Rectangle 3"/>
+          <p:cNvSpPr/>
+          <p:nvPr/>
         </p:nvSpPr>
-        <p:spPr/>
+        <p:spPr>
+          <a:xfrm>
+            <a:off x="3047999" y="6042026"/>
+            <a:ext cx="6096000" cy="646331"/>
+          </a:xfrm>
+          <a:prstGeom prst="rect">
+            <a:avLst/>
+          </a:prstGeom>
+        </p:spPr>
         <p:txBody>
-          <a:bodyPr/>
+          <a:bodyPr>
+            <a:spAutoFit/>
+          </a:bodyPr>
           <a:lstStyle/>
           <a:p>
-            <a:r>
-              <a:rPr lang="en-US" dirty="0" smtClean="0"/>
-              <a:t>We saw similar results with the CIFAR10 dataset, although accuracy was never above 27.3% on average.</a:t>
+            <a:pPr lvl="1"/>
+            <a:r>
+              <a:rPr lang="en-US"/>
+              <a:t>While accuracy and testing time plateaued, the time it took to train grew linearly with more examples.</a:t>
             </a:r>
             <a:endParaRPr lang="en-US" dirty="0"/>
           </a:p>
@@ -4779,7 +6489,7 @@
     </p:spTree>
     <p:extLst>
       <p:ext uri="{BB962C8B-B14F-4D97-AF65-F5344CB8AC3E}">
-        <p14:creationId xmlns:p14="http://schemas.microsoft.com/office/powerpoint/2010/main" val="1606722539"/>
+        <p14:creationId xmlns:p14="http://schemas.microsoft.com/office/powerpoint/2010/main" val="179380196"/>
       </p:ext>
     </p:extLst>
   </p:cSld>
@@ -4829,40 +6539,2157 @@
           </a:p>
         </p:txBody>
       </p:sp>
-      <p:pic>
-        <p:nvPicPr>
-          <p:cNvPr id="4" name="Picture 3"/>
-          <p:cNvPicPr>
-            <a:picLocks noChangeAspect="1"/>
-          </p:cNvPicPr>
-          <p:nvPr/>
-        </p:nvPicPr>
-        <p:blipFill>
-          <a:blip r:embed="rId2">
-            <a:extLst>
-              <a:ext uri="{28A0092B-C50C-407E-A947-70E740481C1C}">
-                <a14:useLocalDpi xmlns:a14="http://schemas.microsoft.com/office/drawing/2010/main" val="0"/>
-              </a:ext>
-            </a:extLst>
-          </a:blip>
-          <a:stretch>
-            <a:fillRect/>
-          </a:stretch>
-        </p:blipFill>
-        <p:spPr>
-          <a:xfrm>
-            <a:off x="2301240" y="1690688"/>
-            <a:ext cx="7589520" cy="4559808"/>
-          </a:xfrm>
-          <a:prstGeom prst="rect">
-            <a:avLst/>
-          </a:prstGeom>
-        </p:spPr>
-      </p:pic>
+      <p:sp>
+        <p:nvSpPr>
+          <p:cNvPr id="3" name="Content Placeholder 2"/>
+          <p:cNvSpPr>
+            <a:spLocks noGrp="1"/>
+          </p:cNvSpPr>
+          <p:nvPr>
+            <p:ph idx="1"/>
+          </p:nvPr>
+        </p:nvSpPr>
+        <p:spPr/>
+        <p:txBody>
+          <a:bodyPr/>
+          <a:lstStyle/>
+          <a:p>
+            <a:r>
+              <a:rPr lang="en-US" dirty="0" smtClean="0"/>
+              <a:t>We saw similar results with the CIFAR10 dataset, although accuracy was never above </a:t>
+            </a:r>
+            <a:r>
+              <a:rPr lang="en-US" dirty="0" smtClean="0"/>
+              <a:t>27.7% </a:t>
+            </a:r>
+            <a:r>
+              <a:rPr lang="en-US" dirty="0" smtClean="0"/>
+              <a:t>on average.</a:t>
+            </a:r>
+            <a:endParaRPr lang="en-US" dirty="0"/>
+          </a:p>
+        </p:txBody>
+      </p:sp>
+      <p:graphicFrame>
+        <p:nvGraphicFramePr>
+          <p:cNvPr id="5" name="Table 4"/>
+          <p:cNvGraphicFramePr>
+            <a:graphicFrameLocks noGrp="1"/>
+          </p:cNvGraphicFramePr>
+          <p:nvPr>
+            <p:extLst>
+              <p:ext uri="{D42A27DB-BD31-4B8C-83A1-F6EECF244321}">
+                <p14:modId xmlns:p14="http://schemas.microsoft.com/office/powerpoint/2010/main" val="1577854263"/>
+              </p:ext>
+            </p:extLst>
+          </p:nvPr>
+        </p:nvGraphicFramePr>
+        <p:xfrm>
+          <a:off x="2345802" y="3133343"/>
+          <a:ext cx="7353783" cy="2583180"/>
+        </p:xfrm>
+        <a:graphic>
+          <a:graphicData uri="http://schemas.openxmlformats.org/drawingml/2006/table">
+            <a:tbl>
+              <a:tblPr/>
+              <a:tblGrid>
+                <a:gridCol w="1115028"/>
+                <a:gridCol w="2157691"/>
+                <a:gridCol w="2413171"/>
+                <a:gridCol w="1667893"/>
+              </a:tblGrid>
+              <a:tr h="203200">
+                <a:tc>
+                  <a:txBody>
+                    <a:bodyPr/>
+                    <a:lstStyle/>
+                    <a:p>
+                      <a:pPr algn="l" fontAlgn="b"/>
+                      <a:r>
+                        <a:rPr lang="en-US" sz="1800" b="0" i="0" u="none" strike="noStrike" dirty="0">
+                          <a:solidFill>
+                            <a:srgbClr val="000000"/>
+                          </a:solidFill>
+                          <a:effectLst/>
+                          <a:latin typeface="+mn-lt"/>
+                        </a:rPr>
+                        <a:t>k</a:t>
+                      </a:r>
+                    </a:p>
+                  </a:txBody>
+                  <a:tcPr marL="12700" marR="12700" marT="12700" marB="0" anchor="b">
+                    <a:lnL w="12700" cap="flat" cmpd="sng" algn="ctr">
+                      <a:solidFill>
+                        <a:schemeClr val="tx1"/>
+                      </a:solidFill>
+                      <a:prstDash val="solid"/>
+                      <a:round/>
+                      <a:headEnd type="none" w="med" len="med"/>
+                      <a:tailEnd type="none" w="med" len="med"/>
+                    </a:lnL>
+                    <a:lnR w="12700" cap="flat" cmpd="sng" algn="ctr">
+                      <a:solidFill>
+                        <a:schemeClr val="tx1"/>
+                      </a:solidFill>
+                      <a:prstDash val="solid"/>
+                      <a:round/>
+                      <a:headEnd type="none" w="med" len="med"/>
+                      <a:tailEnd type="none" w="med" len="med"/>
+                    </a:lnR>
+                    <a:lnT w="12700" cap="flat" cmpd="sng" algn="ctr">
+                      <a:solidFill>
+                        <a:schemeClr val="tx1"/>
+                      </a:solidFill>
+                      <a:prstDash val="solid"/>
+                      <a:round/>
+                      <a:headEnd type="none" w="med" len="med"/>
+                      <a:tailEnd type="none" w="med" len="med"/>
+                    </a:lnT>
+                    <a:lnB w="12700" cap="flat" cmpd="sng" algn="ctr">
+                      <a:solidFill>
+                        <a:schemeClr val="tx1"/>
+                      </a:solidFill>
+                      <a:prstDash val="solid"/>
+                      <a:round/>
+                      <a:headEnd type="none" w="med" len="med"/>
+                      <a:tailEnd type="none" w="med" len="med"/>
+                    </a:lnB>
+                  </a:tcPr>
+                </a:tc>
+                <a:tc>
+                  <a:txBody>
+                    <a:bodyPr/>
+                    <a:lstStyle/>
+                    <a:p>
+                      <a:pPr algn="l" fontAlgn="b"/>
+                      <a:r>
+                        <a:rPr lang="en-US" sz="1800" b="0" i="0" u="none" strike="noStrike">
+                          <a:solidFill>
+                            <a:srgbClr val="000000"/>
+                          </a:solidFill>
+                          <a:effectLst/>
+                          <a:latin typeface="+mn-lt"/>
+                        </a:rPr>
+                        <a:t>Training Time (s)</a:t>
+                      </a:r>
+                    </a:p>
+                  </a:txBody>
+                  <a:tcPr marL="12700" marR="12700" marT="12700" marB="0" anchor="b">
+                    <a:lnL w="12700" cap="flat" cmpd="sng" algn="ctr">
+                      <a:solidFill>
+                        <a:schemeClr val="tx1"/>
+                      </a:solidFill>
+                      <a:prstDash val="solid"/>
+                      <a:round/>
+                      <a:headEnd type="none" w="med" len="med"/>
+                      <a:tailEnd type="none" w="med" len="med"/>
+                    </a:lnL>
+                    <a:lnR w="12700" cap="flat" cmpd="sng" algn="ctr">
+                      <a:solidFill>
+                        <a:schemeClr val="tx1"/>
+                      </a:solidFill>
+                      <a:prstDash val="solid"/>
+                      <a:round/>
+                      <a:headEnd type="none" w="med" len="med"/>
+                      <a:tailEnd type="none" w="med" len="med"/>
+                    </a:lnR>
+                    <a:lnT w="12700" cap="flat" cmpd="sng" algn="ctr">
+                      <a:solidFill>
+                        <a:schemeClr val="tx1"/>
+                      </a:solidFill>
+                      <a:prstDash val="solid"/>
+                      <a:round/>
+                      <a:headEnd type="none" w="med" len="med"/>
+                      <a:tailEnd type="none" w="med" len="med"/>
+                    </a:lnT>
+                    <a:lnB w="12700" cap="flat" cmpd="sng" algn="ctr">
+                      <a:solidFill>
+                        <a:schemeClr val="tx1"/>
+                      </a:solidFill>
+                      <a:prstDash val="solid"/>
+                      <a:round/>
+                      <a:headEnd type="none" w="med" len="med"/>
+                      <a:tailEnd type="none" w="med" len="med"/>
+                    </a:lnB>
+                  </a:tcPr>
+                </a:tc>
+                <a:tc>
+                  <a:txBody>
+                    <a:bodyPr/>
+                    <a:lstStyle/>
+                    <a:p>
+                      <a:pPr algn="l" fontAlgn="b"/>
+                      <a:r>
+                        <a:rPr lang="en-US" sz="1800" b="0" i="0" u="none" strike="noStrike">
+                          <a:solidFill>
+                            <a:srgbClr val="000000"/>
+                          </a:solidFill>
+                          <a:effectLst/>
+                          <a:latin typeface="+mn-lt"/>
+                        </a:rPr>
+                        <a:t>Testing Time (s)</a:t>
+                      </a:r>
+                    </a:p>
+                  </a:txBody>
+                  <a:tcPr marL="12700" marR="12700" marT="12700" marB="0" anchor="b">
+                    <a:lnL w="12700" cap="flat" cmpd="sng" algn="ctr">
+                      <a:solidFill>
+                        <a:schemeClr val="tx1"/>
+                      </a:solidFill>
+                      <a:prstDash val="solid"/>
+                      <a:round/>
+                      <a:headEnd type="none" w="med" len="med"/>
+                      <a:tailEnd type="none" w="med" len="med"/>
+                    </a:lnL>
+                    <a:lnR w="12700" cap="flat" cmpd="sng" algn="ctr">
+                      <a:solidFill>
+                        <a:schemeClr val="tx1"/>
+                      </a:solidFill>
+                      <a:prstDash val="solid"/>
+                      <a:round/>
+                      <a:headEnd type="none" w="med" len="med"/>
+                      <a:tailEnd type="none" w="med" len="med"/>
+                    </a:lnR>
+                    <a:lnT w="12700" cap="flat" cmpd="sng" algn="ctr">
+                      <a:solidFill>
+                        <a:schemeClr val="tx1"/>
+                      </a:solidFill>
+                      <a:prstDash val="solid"/>
+                      <a:round/>
+                      <a:headEnd type="none" w="med" len="med"/>
+                      <a:tailEnd type="none" w="med" len="med"/>
+                    </a:lnT>
+                    <a:lnB w="12700" cap="flat" cmpd="sng" algn="ctr">
+                      <a:solidFill>
+                        <a:schemeClr val="tx1"/>
+                      </a:solidFill>
+                      <a:prstDash val="solid"/>
+                      <a:round/>
+                      <a:headEnd type="none" w="med" len="med"/>
+                      <a:tailEnd type="none" w="med" len="med"/>
+                    </a:lnB>
+                  </a:tcPr>
+                </a:tc>
+                <a:tc>
+                  <a:txBody>
+                    <a:bodyPr/>
+                    <a:lstStyle/>
+                    <a:p>
+                      <a:pPr algn="l" fontAlgn="b"/>
+                      <a:r>
+                        <a:rPr lang="en-US" sz="1800" b="0" i="0" u="none" strike="noStrike">
+                          <a:solidFill>
+                            <a:srgbClr val="000000"/>
+                          </a:solidFill>
+                          <a:effectLst/>
+                          <a:latin typeface="+mn-lt"/>
+                        </a:rPr>
+                        <a:t>Accuracy (%)</a:t>
+                      </a:r>
+                    </a:p>
+                  </a:txBody>
+                  <a:tcPr marL="12700" marR="12700" marT="12700" marB="0" anchor="b">
+                    <a:lnL w="12700" cap="flat" cmpd="sng" algn="ctr">
+                      <a:solidFill>
+                        <a:schemeClr val="tx1"/>
+                      </a:solidFill>
+                      <a:prstDash val="solid"/>
+                      <a:round/>
+                      <a:headEnd type="none" w="med" len="med"/>
+                      <a:tailEnd type="none" w="med" len="med"/>
+                    </a:lnL>
+                    <a:lnR w="12700" cap="flat" cmpd="sng" algn="ctr">
+                      <a:solidFill>
+                        <a:schemeClr val="tx1"/>
+                      </a:solidFill>
+                      <a:prstDash val="solid"/>
+                      <a:round/>
+                      <a:headEnd type="none" w="med" len="med"/>
+                      <a:tailEnd type="none" w="med" len="med"/>
+                    </a:lnR>
+                    <a:lnT w="12700" cap="flat" cmpd="sng" algn="ctr">
+                      <a:solidFill>
+                        <a:schemeClr val="tx1"/>
+                      </a:solidFill>
+                      <a:prstDash val="solid"/>
+                      <a:round/>
+                      <a:headEnd type="none" w="med" len="med"/>
+                      <a:tailEnd type="none" w="med" len="med"/>
+                    </a:lnT>
+                    <a:lnB w="12700" cap="flat" cmpd="sng" algn="ctr">
+                      <a:solidFill>
+                        <a:schemeClr val="tx1"/>
+                      </a:solidFill>
+                      <a:prstDash val="solid"/>
+                      <a:round/>
+                      <a:headEnd type="none" w="med" len="med"/>
+                      <a:tailEnd type="none" w="med" len="med"/>
+                    </a:lnB>
+                  </a:tcPr>
+                </a:tc>
+              </a:tr>
+              <a:tr h="203200">
+                <a:tc>
+                  <a:txBody>
+                    <a:bodyPr/>
+                    <a:lstStyle/>
+                    <a:p>
+                      <a:pPr algn="r" fontAlgn="b"/>
+                      <a:r>
+                        <a:rPr lang="is-IS" sz="1800" b="0" i="0" u="none" strike="noStrike" dirty="0">
+                          <a:solidFill>
+                            <a:srgbClr val="000000"/>
+                          </a:solidFill>
+                          <a:effectLst/>
+                          <a:latin typeface="+mn-lt"/>
+                        </a:rPr>
+                        <a:t>2</a:t>
+                      </a:r>
+                    </a:p>
+                  </a:txBody>
+                  <a:tcPr marL="12700" marR="12700" marT="12700" marB="0" anchor="b">
+                    <a:lnL w="12700" cap="flat" cmpd="sng" algn="ctr">
+                      <a:solidFill>
+                        <a:schemeClr val="tx1"/>
+                      </a:solidFill>
+                      <a:prstDash val="solid"/>
+                      <a:round/>
+                      <a:headEnd type="none" w="med" len="med"/>
+                      <a:tailEnd type="none" w="med" len="med"/>
+                    </a:lnL>
+                    <a:lnR w="12700" cap="flat" cmpd="sng" algn="ctr">
+                      <a:solidFill>
+                        <a:schemeClr val="tx1"/>
+                      </a:solidFill>
+                      <a:prstDash val="solid"/>
+                      <a:round/>
+                      <a:headEnd type="none" w="med" len="med"/>
+                      <a:tailEnd type="none" w="med" len="med"/>
+                    </a:lnR>
+                    <a:lnT w="12700" cap="flat" cmpd="sng" algn="ctr">
+                      <a:solidFill>
+                        <a:schemeClr val="tx1"/>
+                      </a:solidFill>
+                      <a:prstDash val="solid"/>
+                      <a:round/>
+                      <a:headEnd type="none" w="med" len="med"/>
+                      <a:tailEnd type="none" w="med" len="med"/>
+                    </a:lnT>
+                    <a:lnB w="12700" cap="flat" cmpd="sng" algn="ctr">
+                      <a:solidFill>
+                        <a:schemeClr val="tx1"/>
+                      </a:solidFill>
+                      <a:prstDash val="solid"/>
+                      <a:round/>
+                      <a:headEnd type="none" w="med" len="med"/>
+                      <a:tailEnd type="none" w="med" len="med"/>
+                    </a:lnB>
+                  </a:tcPr>
+                </a:tc>
+                <a:tc>
+                  <a:txBody>
+                    <a:bodyPr/>
+                    <a:lstStyle/>
+                    <a:p>
+                      <a:pPr algn="r" fontAlgn="b"/>
+                      <a:r>
+                        <a:rPr lang="hr-HR" sz="1800" b="0" i="0" u="none" strike="noStrike" dirty="0">
+                          <a:solidFill>
+                            <a:srgbClr val="000000"/>
+                          </a:solidFill>
+                          <a:effectLst/>
+                          <a:latin typeface="+mn-lt"/>
+                        </a:rPr>
+                        <a:t>31.6216013</a:t>
+                      </a:r>
+                    </a:p>
+                  </a:txBody>
+                  <a:tcPr marL="12700" marR="12700" marT="12700" marB="0" anchor="b">
+                    <a:lnL w="12700" cap="flat" cmpd="sng" algn="ctr">
+                      <a:solidFill>
+                        <a:schemeClr val="tx1"/>
+                      </a:solidFill>
+                      <a:prstDash val="solid"/>
+                      <a:round/>
+                      <a:headEnd type="none" w="med" len="med"/>
+                      <a:tailEnd type="none" w="med" len="med"/>
+                    </a:lnL>
+                    <a:lnR w="12700" cap="flat" cmpd="sng" algn="ctr">
+                      <a:solidFill>
+                        <a:schemeClr val="tx1"/>
+                      </a:solidFill>
+                      <a:prstDash val="solid"/>
+                      <a:round/>
+                      <a:headEnd type="none" w="med" len="med"/>
+                      <a:tailEnd type="none" w="med" len="med"/>
+                    </a:lnR>
+                    <a:lnT w="12700" cap="flat" cmpd="sng" algn="ctr">
+                      <a:solidFill>
+                        <a:schemeClr val="tx1"/>
+                      </a:solidFill>
+                      <a:prstDash val="solid"/>
+                      <a:round/>
+                      <a:headEnd type="none" w="med" len="med"/>
+                      <a:tailEnd type="none" w="med" len="med"/>
+                    </a:lnT>
+                    <a:lnB w="12700" cap="flat" cmpd="sng" algn="ctr">
+                      <a:solidFill>
+                        <a:schemeClr val="tx1"/>
+                      </a:solidFill>
+                      <a:prstDash val="solid"/>
+                      <a:round/>
+                      <a:headEnd type="none" w="med" len="med"/>
+                      <a:tailEnd type="none" w="med" len="med"/>
+                    </a:lnB>
+                  </a:tcPr>
+                </a:tc>
+                <a:tc>
+                  <a:txBody>
+                    <a:bodyPr/>
+                    <a:lstStyle/>
+                    <a:p>
+                      <a:pPr algn="r" fontAlgn="b"/>
+                      <a:r>
+                        <a:rPr lang="is-IS" sz="1800" b="0" i="0" u="none" strike="noStrike">
+                          <a:solidFill>
+                            <a:srgbClr val="000000"/>
+                          </a:solidFill>
+                          <a:effectLst/>
+                          <a:latin typeface="+mn-lt"/>
+                        </a:rPr>
+                        <a:t>10.17820182</a:t>
+                      </a:r>
+                    </a:p>
+                  </a:txBody>
+                  <a:tcPr marL="12700" marR="12700" marT="12700" marB="0" anchor="b">
+                    <a:lnL w="12700" cap="flat" cmpd="sng" algn="ctr">
+                      <a:solidFill>
+                        <a:schemeClr val="tx1"/>
+                      </a:solidFill>
+                      <a:prstDash val="solid"/>
+                      <a:round/>
+                      <a:headEnd type="none" w="med" len="med"/>
+                      <a:tailEnd type="none" w="med" len="med"/>
+                    </a:lnL>
+                    <a:lnR w="12700" cap="flat" cmpd="sng" algn="ctr">
+                      <a:solidFill>
+                        <a:schemeClr val="tx1"/>
+                      </a:solidFill>
+                      <a:prstDash val="solid"/>
+                      <a:round/>
+                      <a:headEnd type="none" w="med" len="med"/>
+                      <a:tailEnd type="none" w="med" len="med"/>
+                    </a:lnR>
+                    <a:lnT w="12700" cap="flat" cmpd="sng" algn="ctr">
+                      <a:solidFill>
+                        <a:schemeClr val="tx1"/>
+                      </a:solidFill>
+                      <a:prstDash val="solid"/>
+                      <a:round/>
+                      <a:headEnd type="none" w="med" len="med"/>
+                      <a:tailEnd type="none" w="med" len="med"/>
+                    </a:lnT>
+                    <a:lnB w="12700" cap="flat" cmpd="sng" algn="ctr">
+                      <a:solidFill>
+                        <a:schemeClr val="tx1"/>
+                      </a:solidFill>
+                      <a:prstDash val="solid"/>
+                      <a:round/>
+                      <a:headEnd type="none" w="med" len="med"/>
+                      <a:tailEnd type="none" w="med" len="med"/>
+                    </a:lnB>
+                  </a:tcPr>
+                </a:tc>
+                <a:tc>
+                  <a:txBody>
+                    <a:bodyPr/>
+                    <a:lstStyle/>
+                    <a:p>
+                      <a:pPr algn="r" fontAlgn="b"/>
+                      <a:r>
+                        <a:rPr lang="hr-HR" sz="1800" b="0" i="0" u="none" strike="noStrike" dirty="0">
+                          <a:solidFill>
+                            <a:srgbClr val="000000"/>
+                          </a:solidFill>
+                          <a:effectLst/>
+                          <a:latin typeface="+mn-lt"/>
+                        </a:rPr>
+                        <a:t>23.928</a:t>
+                      </a:r>
+                    </a:p>
+                  </a:txBody>
+                  <a:tcPr marL="12700" marR="12700" marT="12700" marB="0" anchor="b">
+                    <a:lnL w="12700" cap="flat" cmpd="sng" algn="ctr">
+                      <a:solidFill>
+                        <a:schemeClr val="tx1"/>
+                      </a:solidFill>
+                      <a:prstDash val="solid"/>
+                      <a:round/>
+                      <a:headEnd type="none" w="med" len="med"/>
+                      <a:tailEnd type="none" w="med" len="med"/>
+                    </a:lnL>
+                    <a:lnR w="12700" cap="flat" cmpd="sng" algn="ctr">
+                      <a:solidFill>
+                        <a:schemeClr val="tx1"/>
+                      </a:solidFill>
+                      <a:prstDash val="solid"/>
+                      <a:round/>
+                      <a:headEnd type="none" w="med" len="med"/>
+                      <a:tailEnd type="none" w="med" len="med"/>
+                    </a:lnR>
+                    <a:lnT w="12700" cap="flat" cmpd="sng" algn="ctr">
+                      <a:solidFill>
+                        <a:schemeClr val="tx1"/>
+                      </a:solidFill>
+                      <a:prstDash val="solid"/>
+                      <a:round/>
+                      <a:headEnd type="none" w="med" len="med"/>
+                      <a:tailEnd type="none" w="med" len="med"/>
+                    </a:lnT>
+                    <a:lnB w="12700" cap="flat" cmpd="sng" algn="ctr">
+                      <a:solidFill>
+                        <a:schemeClr val="tx1"/>
+                      </a:solidFill>
+                      <a:prstDash val="solid"/>
+                      <a:round/>
+                      <a:headEnd type="none" w="med" len="med"/>
+                      <a:tailEnd type="none" w="med" len="med"/>
+                    </a:lnB>
+                  </a:tcPr>
+                </a:tc>
+              </a:tr>
+              <a:tr h="203200">
+                <a:tc>
+                  <a:txBody>
+                    <a:bodyPr/>
+                    <a:lstStyle/>
+                    <a:p>
+                      <a:pPr algn="r" fontAlgn="b"/>
+                      <a:r>
+                        <a:rPr lang="en-US" sz="1800" b="0" i="0" u="none" strike="noStrike">
+                          <a:solidFill>
+                            <a:srgbClr val="000000"/>
+                          </a:solidFill>
+                          <a:effectLst/>
+                          <a:latin typeface="+mn-lt"/>
+                        </a:rPr>
+                        <a:t>3</a:t>
+                      </a:r>
+                    </a:p>
+                  </a:txBody>
+                  <a:tcPr marL="12700" marR="12700" marT="12700" marB="0" anchor="b">
+                    <a:lnL w="12700" cap="flat" cmpd="sng" algn="ctr">
+                      <a:solidFill>
+                        <a:schemeClr val="tx1"/>
+                      </a:solidFill>
+                      <a:prstDash val="solid"/>
+                      <a:round/>
+                      <a:headEnd type="none" w="med" len="med"/>
+                      <a:tailEnd type="none" w="med" len="med"/>
+                    </a:lnL>
+                    <a:lnR w="12700" cap="flat" cmpd="sng" algn="ctr">
+                      <a:solidFill>
+                        <a:schemeClr val="tx1"/>
+                      </a:solidFill>
+                      <a:prstDash val="solid"/>
+                      <a:round/>
+                      <a:headEnd type="none" w="med" len="med"/>
+                      <a:tailEnd type="none" w="med" len="med"/>
+                    </a:lnR>
+                    <a:lnT w="12700" cap="flat" cmpd="sng" algn="ctr">
+                      <a:solidFill>
+                        <a:schemeClr val="tx1"/>
+                      </a:solidFill>
+                      <a:prstDash val="solid"/>
+                      <a:round/>
+                      <a:headEnd type="none" w="med" len="med"/>
+                      <a:tailEnd type="none" w="med" len="med"/>
+                    </a:lnT>
+                    <a:lnB w="12700" cap="flat" cmpd="sng" algn="ctr">
+                      <a:solidFill>
+                        <a:schemeClr val="tx1"/>
+                      </a:solidFill>
+                      <a:prstDash val="solid"/>
+                      <a:round/>
+                      <a:headEnd type="none" w="med" len="med"/>
+                      <a:tailEnd type="none" w="med" len="med"/>
+                    </a:lnB>
+                  </a:tcPr>
+                </a:tc>
+                <a:tc>
+                  <a:txBody>
+                    <a:bodyPr/>
+                    <a:lstStyle/>
+                    <a:p>
+                      <a:pPr algn="r" fontAlgn="b"/>
+                      <a:r>
+                        <a:rPr lang="hr-HR" sz="1800" b="0" i="0" u="none" strike="noStrike">
+                          <a:solidFill>
+                            <a:srgbClr val="000000"/>
+                          </a:solidFill>
+                          <a:effectLst/>
+                          <a:latin typeface="+mn-lt"/>
+                        </a:rPr>
+                        <a:t>28.85782518</a:t>
+                      </a:r>
+                    </a:p>
+                  </a:txBody>
+                  <a:tcPr marL="12700" marR="12700" marT="12700" marB="0" anchor="b">
+                    <a:lnL w="12700" cap="flat" cmpd="sng" algn="ctr">
+                      <a:solidFill>
+                        <a:schemeClr val="tx1"/>
+                      </a:solidFill>
+                      <a:prstDash val="solid"/>
+                      <a:round/>
+                      <a:headEnd type="none" w="med" len="med"/>
+                      <a:tailEnd type="none" w="med" len="med"/>
+                    </a:lnL>
+                    <a:lnR w="12700" cap="flat" cmpd="sng" algn="ctr">
+                      <a:solidFill>
+                        <a:schemeClr val="tx1"/>
+                      </a:solidFill>
+                      <a:prstDash val="solid"/>
+                      <a:round/>
+                      <a:headEnd type="none" w="med" len="med"/>
+                      <a:tailEnd type="none" w="med" len="med"/>
+                    </a:lnR>
+                    <a:lnT w="12700" cap="flat" cmpd="sng" algn="ctr">
+                      <a:solidFill>
+                        <a:schemeClr val="tx1"/>
+                      </a:solidFill>
+                      <a:prstDash val="solid"/>
+                      <a:round/>
+                      <a:headEnd type="none" w="med" len="med"/>
+                      <a:tailEnd type="none" w="med" len="med"/>
+                    </a:lnT>
+                    <a:lnB w="12700" cap="flat" cmpd="sng" algn="ctr">
+                      <a:solidFill>
+                        <a:schemeClr val="tx1"/>
+                      </a:solidFill>
+                      <a:prstDash val="solid"/>
+                      <a:round/>
+                      <a:headEnd type="none" w="med" len="med"/>
+                      <a:tailEnd type="none" w="med" len="med"/>
+                    </a:lnB>
+                  </a:tcPr>
+                </a:tc>
+                <a:tc>
+                  <a:txBody>
+                    <a:bodyPr/>
+                    <a:lstStyle/>
+                    <a:p>
+                      <a:pPr algn="r" fontAlgn="b"/>
+                      <a:r>
+                        <a:rPr lang="is-IS" sz="1800" b="0" i="0" u="none" strike="noStrike">
+                          <a:solidFill>
+                            <a:srgbClr val="000000"/>
+                          </a:solidFill>
+                          <a:effectLst/>
+                          <a:latin typeface="+mn-lt"/>
+                        </a:rPr>
+                        <a:t>9.416226149</a:t>
+                      </a:r>
+                    </a:p>
+                  </a:txBody>
+                  <a:tcPr marL="12700" marR="12700" marT="12700" marB="0" anchor="b">
+                    <a:lnL w="12700" cap="flat" cmpd="sng" algn="ctr">
+                      <a:solidFill>
+                        <a:schemeClr val="tx1"/>
+                      </a:solidFill>
+                      <a:prstDash val="solid"/>
+                      <a:round/>
+                      <a:headEnd type="none" w="med" len="med"/>
+                      <a:tailEnd type="none" w="med" len="med"/>
+                    </a:lnL>
+                    <a:lnR w="12700" cap="flat" cmpd="sng" algn="ctr">
+                      <a:solidFill>
+                        <a:schemeClr val="tx1"/>
+                      </a:solidFill>
+                      <a:prstDash val="solid"/>
+                      <a:round/>
+                      <a:headEnd type="none" w="med" len="med"/>
+                      <a:tailEnd type="none" w="med" len="med"/>
+                    </a:lnR>
+                    <a:lnT w="12700" cap="flat" cmpd="sng" algn="ctr">
+                      <a:solidFill>
+                        <a:schemeClr val="tx1"/>
+                      </a:solidFill>
+                      <a:prstDash val="solid"/>
+                      <a:round/>
+                      <a:headEnd type="none" w="med" len="med"/>
+                      <a:tailEnd type="none" w="med" len="med"/>
+                    </a:lnT>
+                    <a:lnB w="12700" cap="flat" cmpd="sng" algn="ctr">
+                      <a:solidFill>
+                        <a:schemeClr val="tx1"/>
+                      </a:solidFill>
+                      <a:prstDash val="solid"/>
+                      <a:round/>
+                      <a:headEnd type="none" w="med" len="med"/>
+                      <a:tailEnd type="none" w="med" len="med"/>
+                    </a:lnB>
+                  </a:tcPr>
+                </a:tc>
+                <a:tc>
+                  <a:txBody>
+                    <a:bodyPr/>
+                    <a:lstStyle/>
+                    <a:p>
+                      <a:pPr algn="r" fontAlgn="b"/>
+                      <a:r>
+                        <a:rPr lang="nb-NO" sz="1800" b="0" i="0" u="none" strike="noStrike">
+                          <a:solidFill>
+                            <a:srgbClr val="000000"/>
+                          </a:solidFill>
+                          <a:effectLst/>
+                          <a:latin typeface="+mn-lt"/>
+                        </a:rPr>
+                        <a:t>25.422</a:t>
+                      </a:r>
+                    </a:p>
+                  </a:txBody>
+                  <a:tcPr marL="12700" marR="12700" marT="12700" marB="0" anchor="b">
+                    <a:lnL w="12700" cap="flat" cmpd="sng" algn="ctr">
+                      <a:solidFill>
+                        <a:schemeClr val="tx1"/>
+                      </a:solidFill>
+                      <a:prstDash val="solid"/>
+                      <a:round/>
+                      <a:headEnd type="none" w="med" len="med"/>
+                      <a:tailEnd type="none" w="med" len="med"/>
+                    </a:lnL>
+                    <a:lnR w="12700" cap="flat" cmpd="sng" algn="ctr">
+                      <a:solidFill>
+                        <a:schemeClr val="tx1"/>
+                      </a:solidFill>
+                      <a:prstDash val="solid"/>
+                      <a:round/>
+                      <a:headEnd type="none" w="med" len="med"/>
+                      <a:tailEnd type="none" w="med" len="med"/>
+                    </a:lnR>
+                    <a:lnT w="12700" cap="flat" cmpd="sng" algn="ctr">
+                      <a:solidFill>
+                        <a:schemeClr val="tx1"/>
+                      </a:solidFill>
+                      <a:prstDash val="solid"/>
+                      <a:round/>
+                      <a:headEnd type="none" w="med" len="med"/>
+                      <a:tailEnd type="none" w="med" len="med"/>
+                    </a:lnT>
+                    <a:lnB w="12700" cap="flat" cmpd="sng" algn="ctr">
+                      <a:solidFill>
+                        <a:schemeClr val="tx1"/>
+                      </a:solidFill>
+                      <a:prstDash val="solid"/>
+                      <a:round/>
+                      <a:headEnd type="none" w="med" len="med"/>
+                      <a:tailEnd type="none" w="med" len="med"/>
+                    </a:lnB>
+                  </a:tcPr>
+                </a:tc>
+              </a:tr>
+              <a:tr h="203200">
+                <a:tc>
+                  <a:txBody>
+                    <a:bodyPr/>
+                    <a:lstStyle/>
+                    <a:p>
+                      <a:pPr algn="r" fontAlgn="b"/>
+                      <a:r>
+                        <a:rPr lang="en-US" sz="1800" b="0" i="0" u="none" strike="noStrike">
+                          <a:solidFill>
+                            <a:srgbClr val="000000"/>
+                          </a:solidFill>
+                          <a:effectLst/>
+                          <a:latin typeface="+mn-lt"/>
+                        </a:rPr>
+                        <a:t>5</a:t>
+                      </a:r>
+                    </a:p>
+                  </a:txBody>
+                  <a:tcPr marL="12700" marR="12700" marT="12700" marB="0" anchor="b">
+                    <a:lnL w="12700" cap="flat" cmpd="sng" algn="ctr">
+                      <a:solidFill>
+                        <a:schemeClr val="tx1"/>
+                      </a:solidFill>
+                      <a:prstDash val="solid"/>
+                      <a:round/>
+                      <a:headEnd type="none" w="med" len="med"/>
+                      <a:tailEnd type="none" w="med" len="med"/>
+                    </a:lnL>
+                    <a:lnR w="12700" cap="flat" cmpd="sng" algn="ctr">
+                      <a:solidFill>
+                        <a:schemeClr val="tx1"/>
+                      </a:solidFill>
+                      <a:prstDash val="solid"/>
+                      <a:round/>
+                      <a:headEnd type="none" w="med" len="med"/>
+                      <a:tailEnd type="none" w="med" len="med"/>
+                    </a:lnR>
+                    <a:lnT w="12700" cap="flat" cmpd="sng" algn="ctr">
+                      <a:solidFill>
+                        <a:schemeClr val="tx1"/>
+                      </a:solidFill>
+                      <a:prstDash val="solid"/>
+                      <a:round/>
+                      <a:headEnd type="none" w="med" len="med"/>
+                      <a:tailEnd type="none" w="med" len="med"/>
+                    </a:lnT>
+                    <a:lnB w="12700" cap="flat" cmpd="sng" algn="ctr">
+                      <a:solidFill>
+                        <a:schemeClr val="tx1"/>
+                      </a:solidFill>
+                      <a:prstDash val="solid"/>
+                      <a:round/>
+                      <a:headEnd type="none" w="med" len="med"/>
+                      <a:tailEnd type="none" w="med" len="med"/>
+                    </a:lnB>
+                  </a:tcPr>
+                </a:tc>
+                <a:tc>
+                  <a:txBody>
+                    <a:bodyPr/>
+                    <a:lstStyle/>
+                    <a:p>
+                      <a:pPr algn="r" fontAlgn="b"/>
+                      <a:r>
+                        <a:rPr lang="nb-NO" sz="1800" b="0" i="0" u="none" strike="noStrike">
+                          <a:solidFill>
+                            <a:srgbClr val="000000"/>
+                          </a:solidFill>
+                          <a:effectLst/>
+                          <a:latin typeface="+mn-lt"/>
+                        </a:rPr>
+                        <a:t>32.36283786</a:t>
+                      </a:r>
+                    </a:p>
+                  </a:txBody>
+                  <a:tcPr marL="12700" marR="12700" marT="12700" marB="0" anchor="b">
+                    <a:lnL w="12700" cap="flat" cmpd="sng" algn="ctr">
+                      <a:solidFill>
+                        <a:schemeClr val="tx1"/>
+                      </a:solidFill>
+                      <a:prstDash val="solid"/>
+                      <a:round/>
+                      <a:headEnd type="none" w="med" len="med"/>
+                      <a:tailEnd type="none" w="med" len="med"/>
+                    </a:lnL>
+                    <a:lnR w="12700" cap="flat" cmpd="sng" algn="ctr">
+                      <a:solidFill>
+                        <a:schemeClr val="tx1"/>
+                      </a:solidFill>
+                      <a:prstDash val="solid"/>
+                      <a:round/>
+                      <a:headEnd type="none" w="med" len="med"/>
+                      <a:tailEnd type="none" w="med" len="med"/>
+                    </a:lnR>
+                    <a:lnT w="12700" cap="flat" cmpd="sng" algn="ctr">
+                      <a:solidFill>
+                        <a:schemeClr val="tx1"/>
+                      </a:solidFill>
+                      <a:prstDash val="solid"/>
+                      <a:round/>
+                      <a:headEnd type="none" w="med" len="med"/>
+                      <a:tailEnd type="none" w="med" len="med"/>
+                    </a:lnT>
+                    <a:lnB w="12700" cap="flat" cmpd="sng" algn="ctr">
+                      <a:solidFill>
+                        <a:schemeClr val="tx1"/>
+                      </a:solidFill>
+                      <a:prstDash val="solid"/>
+                      <a:round/>
+                      <a:headEnd type="none" w="med" len="med"/>
+                      <a:tailEnd type="none" w="med" len="med"/>
+                    </a:lnB>
+                  </a:tcPr>
+                </a:tc>
+                <a:tc>
+                  <a:txBody>
+                    <a:bodyPr/>
+                    <a:lstStyle/>
+                    <a:p>
+                      <a:pPr algn="r" fontAlgn="b"/>
+                      <a:r>
+                        <a:rPr lang="is-IS" sz="1800" b="0" i="0" u="none" strike="noStrike">
+                          <a:solidFill>
+                            <a:srgbClr val="000000"/>
+                          </a:solidFill>
+                          <a:effectLst/>
+                          <a:latin typeface="+mn-lt"/>
+                        </a:rPr>
+                        <a:t>10.46060543</a:t>
+                      </a:r>
+                    </a:p>
+                  </a:txBody>
+                  <a:tcPr marL="12700" marR="12700" marT="12700" marB="0" anchor="b">
+                    <a:lnL w="12700" cap="flat" cmpd="sng" algn="ctr">
+                      <a:solidFill>
+                        <a:schemeClr val="tx1"/>
+                      </a:solidFill>
+                      <a:prstDash val="solid"/>
+                      <a:round/>
+                      <a:headEnd type="none" w="med" len="med"/>
+                      <a:tailEnd type="none" w="med" len="med"/>
+                    </a:lnL>
+                    <a:lnR w="12700" cap="flat" cmpd="sng" algn="ctr">
+                      <a:solidFill>
+                        <a:schemeClr val="tx1"/>
+                      </a:solidFill>
+                      <a:prstDash val="solid"/>
+                      <a:round/>
+                      <a:headEnd type="none" w="med" len="med"/>
+                      <a:tailEnd type="none" w="med" len="med"/>
+                    </a:lnR>
+                    <a:lnT w="12700" cap="flat" cmpd="sng" algn="ctr">
+                      <a:solidFill>
+                        <a:schemeClr val="tx1"/>
+                      </a:solidFill>
+                      <a:prstDash val="solid"/>
+                      <a:round/>
+                      <a:headEnd type="none" w="med" len="med"/>
+                      <a:tailEnd type="none" w="med" len="med"/>
+                    </a:lnT>
+                    <a:lnB w="12700" cap="flat" cmpd="sng" algn="ctr">
+                      <a:solidFill>
+                        <a:schemeClr val="tx1"/>
+                      </a:solidFill>
+                      <a:prstDash val="solid"/>
+                      <a:round/>
+                      <a:headEnd type="none" w="med" len="med"/>
+                      <a:tailEnd type="none" w="med" len="med"/>
+                    </a:lnB>
+                  </a:tcPr>
+                </a:tc>
+                <a:tc>
+                  <a:txBody>
+                    <a:bodyPr/>
+                    <a:lstStyle/>
+                    <a:p>
+                      <a:pPr algn="r" fontAlgn="b"/>
+                      <a:r>
+                        <a:rPr lang="hr-HR" sz="1800" b="0" i="0" u="none" strike="noStrike">
+                          <a:solidFill>
+                            <a:srgbClr val="000000"/>
+                          </a:solidFill>
+                          <a:effectLst/>
+                          <a:latin typeface="+mn-lt"/>
+                        </a:rPr>
+                        <a:t>26.509</a:t>
+                      </a:r>
+                    </a:p>
+                  </a:txBody>
+                  <a:tcPr marL="12700" marR="12700" marT="12700" marB="0" anchor="b">
+                    <a:lnL w="12700" cap="flat" cmpd="sng" algn="ctr">
+                      <a:solidFill>
+                        <a:schemeClr val="tx1"/>
+                      </a:solidFill>
+                      <a:prstDash val="solid"/>
+                      <a:round/>
+                      <a:headEnd type="none" w="med" len="med"/>
+                      <a:tailEnd type="none" w="med" len="med"/>
+                    </a:lnL>
+                    <a:lnR w="12700" cap="flat" cmpd="sng" algn="ctr">
+                      <a:solidFill>
+                        <a:schemeClr val="tx1"/>
+                      </a:solidFill>
+                      <a:prstDash val="solid"/>
+                      <a:round/>
+                      <a:headEnd type="none" w="med" len="med"/>
+                      <a:tailEnd type="none" w="med" len="med"/>
+                    </a:lnR>
+                    <a:lnT w="12700" cap="flat" cmpd="sng" algn="ctr">
+                      <a:solidFill>
+                        <a:schemeClr val="tx1"/>
+                      </a:solidFill>
+                      <a:prstDash val="solid"/>
+                      <a:round/>
+                      <a:headEnd type="none" w="med" len="med"/>
+                      <a:tailEnd type="none" w="med" len="med"/>
+                    </a:lnT>
+                    <a:lnB w="12700" cap="flat" cmpd="sng" algn="ctr">
+                      <a:solidFill>
+                        <a:schemeClr val="tx1"/>
+                      </a:solidFill>
+                      <a:prstDash val="solid"/>
+                      <a:round/>
+                      <a:headEnd type="none" w="med" len="med"/>
+                      <a:tailEnd type="none" w="med" len="med"/>
+                    </a:lnB>
+                  </a:tcPr>
+                </a:tc>
+              </a:tr>
+              <a:tr h="203200">
+                <a:tc>
+                  <a:txBody>
+                    <a:bodyPr/>
+                    <a:lstStyle/>
+                    <a:p>
+                      <a:pPr algn="r" fontAlgn="b"/>
+                      <a:r>
+                        <a:rPr lang="en-US" sz="1800" b="0" i="0" u="none" strike="noStrike">
+                          <a:solidFill>
+                            <a:srgbClr val="000000"/>
+                          </a:solidFill>
+                          <a:effectLst/>
+                          <a:latin typeface="+mn-lt"/>
+                        </a:rPr>
+                        <a:t>10</a:t>
+                      </a:r>
+                    </a:p>
+                  </a:txBody>
+                  <a:tcPr marL="12700" marR="12700" marT="12700" marB="0" anchor="b">
+                    <a:lnL w="12700" cap="flat" cmpd="sng" algn="ctr">
+                      <a:solidFill>
+                        <a:schemeClr val="tx1"/>
+                      </a:solidFill>
+                      <a:prstDash val="solid"/>
+                      <a:round/>
+                      <a:headEnd type="none" w="med" len="med"/>
+                      <a:tailEnd type="none" w="med" len="med"/>
+                    </a:lnL>
+                    <a:lnR w="12700" cap="flat" cmpd="sng" algn="ctr">
+                      <a:solidFill>
+                        <a:schemeClr val="tx1"/>
+                      </a:solidFill>
+                      <a:prstDash val="solid"/>
+                      <a:round/>
+                      <a:headEnd type="none" w="med" len="med"/>
+                      <a:tailEnd type="none" w="med" len="med"/>
+                    </a:lnR>
+                    <a:lnT w="12700" cap="flat" cmpd="sng" algn="ctr">
+                      <a:solidFill>
+                        <a:schemeClr val="tx1"/>
+                      </a:solidFill>
+                      <a:prstDash val="solid"/>
+                      <a:round/>
+                      <a:headEnd type="none" w="med" len="med"/>
+                      <a:tailEnd type="none" w="med" len="med"/>
+                    </a:lnT>
+                    <a:lnB w="12700" cap="flat" cmpd="sng" algn="ctr">
+                      <a:solidFill>
+                        <a:schemeClr val="tx1"/>
+                      </a:solidFill>
+                      <a:prstDash val="solid"/>
+                      <a:round/>
+                      <a:headEnd type="none" w="med" len="med"/>
+                      <a:tailEnd type="none" w="med" len="med"/>
+                    </a:lnB>
+                  </a:tcPr>
+                </a:tc>
+                <a:tc>
+                  <a:txBody>
+                    <a:bodyPr/>
+                    <a:lstStyle/>
+                    <a:p>
+                      <a:pPr algn="r" fontAlgn="b"/>
+                      <a:r>
+                        <a:rPr lang="is-IS" sz="1800" b="0" i="0" u="none" strike="noStrike" dirty="0">
+                          <a:solidFill>
+                            <a:srgbClr val="000000"/>
+                          </a:solidFill>
+                          <a:effectLst/>
+                          <a:latin typeface="+mn-lt"/>
+                        </a:rPr>
+                        <a:t>36.72829039</a:t>
+                      </a:r>
+                    </a:p>
+                  </a:txBody>
+                  <a:tcPr marL="12700" marR="12700" marT="12700" marB="0" anchor="b">
+                    <a:lnL w="12700" cap="flat" cmpd="sng" algn="ctr">
+                      <a:solidFill>
+                        <a:schemeClr val="tx1"/>
+                      </a:solidFill>
+                      <a:prstDash val="solid"/>
+                      <a:round/>
+                      <a:headEnd type="none" w="med" len="med"/>
+                      <a:tailEnd type="none" w="med" len="med"/>
+                    </a:lnL>
+                    <a:lnR w="12700" cap="flat" cmpd="sng" algn="ctr">
+                      <a:solidFill>
+                        <a:schemeClr val="tx1"/>
+                      </a:solidFill>
+                      <a:prstDash val="solid"/>
+                      <a:round/>
+                      <a:headEnd type="none" w="med" len="med"/>
+                      <a:tailEnd type="none" w="med" len="med"/>
+                    </a:lnR>
+                    <a:lnT w="12700" cap="flat" cmpd="sng" algn="ctr">
+                      <a:solidFill>
+                        <a:schemeClr val="tx1"/>
+                      </a:solidFill>
+                      <a:prstDash val="solid"/>
+                      <a:round/>
+                      <a:headEnd type="none" w="med" len="med"/>
+                      <a:tailEnd type="none" w="med" len="med"/>
+                    </a:lnT>
+                    <a:lnB w="12700" cap="flat" cmpd="sng" algn="ctr">
+                      <a:solidFill>
+                        <a:schemeClr val="tx1"/>
+                      </a:solidFill>
+                      <a:prstDash val="solid"/>
+                      <a:round/>
+                      <a:headEnd type="none" w="med" len="med"/>
+                      <a:tailEnd type="none" w="med" len="med"/>
+                    </a:lnB>
+                  </a:tcPr>
+                </a:tc>
+                <a:tc>
+                  <a:txBody>
+                    <a:bodyPr/>
+                    <a:lstStyle/>
+                    <a:p>
+                      <a:pPr algn="r" fontAlgn="b"/>
+                      <a:r>
+                        <a:rPr lang="nb-NO" sz="1800" b="0" i="0" u="none" strike="noStrike">
+                          <a:solidFill>
+                            <a:srgbClr val="000000"/>
+                          </a:solidFill>
+                          <a:effectLst/>
+                          <a:latin typeface="+mn-lt"/>
+                        </a:rPr>
+                        <a:t>12.98402145</a:t>
+                      </a:r>
+                    </a:p>
+                  </a:txBody>
+                  <a:tcPr marL="12700" marR="12700" marT="12700" marB="0" anchor="b">
+                    <a:lnL w="12700" cap="flat" cmpd="sng" algn="ctr">
+                      <a:solidFill>
+                        <a:schemeClr val="tx1"/>
+                      </a:solidFill>
+                      <a:prstDash val="solid"/>
+                      <a:round/>
+                      <a:headEnd type="none" w="med" len="med"/>
+                      <a:tailEnd type="none" w="med" len="med"/>
+                    </a:lnL>
+                    <a:lnR w="12700" cap="flat" cmpd="sng" algn="ctr">
+                      <a:solidFill>
+                        <a:schemeClr val="tx1"/>
+                      </a:solidFill>
+                      <a:prstDash val="solid"/>
+                      <a:round/>
+                      <a:headEnd type="none" w="med" len="med"/>
+                      <a:tailEnd type="none" w="med" len="med"/>
+                    </a:lnR>
+                    <a:lnT w="12700" cap="flat" cmpd="sng" algn="ctr">
+                      <a:solidFill>
+                        <a:schemeClr val="tx1"/>
+                      </a:solidFill>
+                      <a:prstDash val="solid"/>
+                      <a:round/>
+                      <a:headEnd type="none" w="med" len="med"/>
+                      <a:tailEnd type="none" w="med" len="med"/>
+                    </a:lnT>
+                    <a:lnB w="12700" cap="flat" cmpd="sng" algn="ctr">
+                      <a:solidFill>
+                        <a:schemeClr val="tx1"/>
+                      </a:solidFill>
+                      <a:prstDash val="solid"/>
+                      <a:round/>
+                      <a:headEnd type="none" w="med" len="med"/>
+                      <a:tailEnd type="none" w="med" len="med"/>
+                    </a:lnB>
+                  </a:tcPr>
+                </a:tc>
+                <a:tc>
+                  <a:txBody>
+                    <a:bodyPr/>
+                    <a:lstStyle/>
+                    <a:p>
+                      <a:pPr algn="r" fontAlgn="b"/>
+                      <a:r>
+                        <a:rPr lang="is-IS" sz="1800" b="0" i="0" u="none" strike="noStrike">
+                          <a:solidFill>
+                            <a:srgbClr val="000000"/>
+                          </a:solidFill>
+                          <a:effectLst/>
+                          <a:latin typeface="+mn-lt"/>
+                        </a:rPr>
+                        <a:t>27.169</a:t>
+                      </a:r>
+                    </a:p>
+                  </a:txBody>
+                  <a:tcPr marL="12700" marR="12700" marT="12700" marB="0" anchor="b">
+                    <a:lnL w="12700" cap="flat" cmpd="sng" algn="ctr">
+                      <a:solidFill>
+                        <a:schemeClr val="tx1"/>
+                      </a:solidFill>
+                      <a:prstDash val="solid"/>
+                      <a:round/>
+                      <a:headEnd type="none" w="med" len="med"/>
+                      <a:tailEnd type="none" w="med" len="med"/>
+                    </a:lnL>
+                    <a:lnR w="12700" cap="flat" cmpd="sng" algn="ctr">
+                      <a:solidFill>
+                        <a:schemeClr val="tx1"/>
+                      </a:solidFill>
+                      <a:prstDash val="solid"/>
+                      <a:round/>
+                      <a:headEnd type="none" w="med" len="med"/>
+                      <a:tailEnd type="none" w="med" len="med"/>
+                    </a:lnR>
+                    <a:lnT w="12700" cap="flat" cmpd="sng" algn="ctr">
+                      <a:solidFill>
+                        <a:schemeClr val="tx1"/>
+                      </a:solidFill>
+                      <a:prstDash val="solid"/>
+                      <a:round/>
+                      <a:headEnd type="none" w="med" len="med"/>
+                      <a:tailEnd type="none" w="med" len="med"/>
+                    </a:lnT>
+                    <a:lnB w="12700" cap="flat" cmpd="sng" algn="ctr">
+                      <a:solidFill>
+                        <a:schemeClr val="tx1"/>
+                      </a:solidFill>
+                      <a:prstDash val="solid"/>
+                      <a:round/>
+                      <a:headEnd type="none" w="med" len="med"/>
+                      <a:tailEnd type="none" w="med" len="med"/>
+                    </a:lnB>
+                  </a:tcPr>
+                </a:tc>
+              </a:tr>
+              <a:tr h="203200">
+                <a:tc>
+                  <a:txBody>
+                    <a:bodyPr/>
+                    <a:lstStyle/>
+                    <a:p>
+                      <a:pPr algn="r" fontAlgn="b"/>
+                      <a:r>
+                        <a:rPr lang="is-IS" sz="1800" b="0" i="0" u="none" strike="noStrike">
+                          <a:solidFill>
+                            <a:srgbClr val="000000"/>
+                          </a:solidFill>
+                          <a:effectLst/>
+                          <a:latin typeface="+mn-lt"/>
+                        </a:rPr>
+                        <a:t>20</a:t>
+                      </a:r>
+                    </a:p>
+                  </a:txBody>
+                  <a:tcPr marL="12700" marR="12700" marT="12700" marB="0" anchor="b">
+                    <a:lnL w="12700" cap="flat" cmpd="sng" algn="ctr">
+                      <a:solidFill>
+                        <a:schemeClr val="tx1"/>
+                      </a:solidFill>
+                      <a:prstDash val="solid"/>
+                      <a:round/>
+                      <a:headEnd type="none" w="med" len="med"/>
+                      <a:tailEnd type="none" w="med" len="med"/>
+                    </a:lnL>
+                    <a:lnR w="12700" cap="flat" cmpd="sng" algn="ctr">
+                      <a:solidFill>
+                        <a:schemeClr val="tx1"/>
+                      </a:solidFill>
+                      <a:prstDash val="solid"/>
+                      <a:round/>
+                      <a:headEnd type="none" w="med" len="med"/>
+                      <a:tailEnd type="none" w="med" len="med"/>
+                    </a:lnR>
+                    <a:lnT w="12700" cap="flat" cmpd="sng" algn="ctr">
+                      <a:solidFill>
+                        <a:schemeClr val="tx1"/>
+                      </a:solidFill>
+                      <a:prstDash val="solid"/>
+                      <a:round/>
+                      <a:headEnd type="none" w="med" len="med"/>
+                      <a:tailEnd type="none" w="med" len="med"/>
+                    </a:lnT>
+                    <a:lnB w="12700" cap="flat" cmpd="sng" algn="ctr">
+                      <a:solidFill>
+                        <a:schemeClr val="tx1"/>
+                      </a:solidFill>
+                      <a:prstDash val="solid"/>
+                      <a:round/>
+                      <a:headEnd type="none" w="med" len="med"/>
+                      <a:tailEnd type="none" w="med" len="med"/>
+                    </a:lnB>
+                  </a:tcPr>
+                </a:tc>
+                <a:tc>
+                  <a:txBody>
+                    <a:bodyPr/>
+                    <a:lstStyle/>
+                    <a:p>
+                      <a:pPr algn="r" fontAlgn="b"/>
+                      <a:r>
+                        <a:rPr lang="nb-NO" sz="1800" b="0" i="0" u="none" strike="noStrike">
+                          <a:solidFill>
+                            <a:srgbClr val="000000"/>
+                          </a:solidFill>
+                          <a:effectLst/>
+                          <a:latin typeface="+mn-lt"/>
+                        </a:rPr>
+                        <a:t>51.99976389</a:t>
+                      </a:r>
+                    </a:p>
+                  </a:txBody>
+                  <a:tcPr marL="12700" marR="12700" marT="12700" marB="0" anchor="b">
+                    <a:lnL w="12700" cap="flat" cmpd="sng" algn="ctr">
+                      <a:solidFill>
+                        <a:schemeClr val="tx1"/>
+                      </a:solidFill>
+                      <a:prstDash val="solid"/>
+                      <a:round/>
+                      <a:headEnd type="none" w="med" len="med"/>
+                      <a:tailEnd type="none" w="med" len="med"/>
+                    </a:lnL>
+                    <a:lnR w="12700" cap="flat" cmpd="sng" algn="ctr">
+                      <a:solidFill>
+                        <a:schemeClr val="tx1"/>
+                      </a:solidFill>
+                      <a:prstDash val="solid"/>
+                      <a:round/>
+                      <a:headEnd type="none" w="med" len="med"/>
+                      <a:tailEnd type="none" w="med" len="med"/>
+                    </a:lnR>
+                    <a:lnT w="12700" cap="flat" cmpd="sng" algn="ctr">
+                      <a:solidFill>
+                        <a:schemeClr val="tx1"/>
+                      </a:solidFill>
+                      <a:prstDash val="solid"/>
+                      <a:round/>
+                      <a:headEnd type="none" w="med" len="med"/>
+                      <a:tailEnd type="none" w="med" len="med"/>
+                    </a:lnT>
+                    <a:lnB w="12700" cap="flat" cmpd="sng" algn="ctr">
+                      <a:solidFill>
+                        <a:schemeClr val="tx1"/>
+                      </a:solidFill>
+                      <a:prstDash val="solid"/>
+                      <a:round/>
+                      <a:headEnd type="none" w="med" len="med"/>
+                      <a:tailEnd type="none" w="med" len="med"/>
+                    </a:lnB>
+                  </a:tcPr>
+                </a:tc>
+                <a:tc>
+                  <a:txBody>
+                    <a:bodyPr/>
+                    <a:lstStyle/>
+                    <a:p>
+                      <a:pPr algn="r" fontAlgn="b"/>
+                      <a:r>
+                        <a:rPr lang="cs-CZ" sz="1800" b="0" i="0" u="none" strike="noStrike">
+                          <a:solidFill>
+                            <a:srgbClr val="000000"/>
+                          </a:solidFill>
+                          <a:effectLst/>
+                          <a:latin typeface="+mn-lt"/>
+                        </a:rPr>
+                        <a:t>18.62228603</a:t>
+                      </a:r>
+                    </a:p>
+                  </a:txBody>
+                  <a:tcPr marL="12700" marR="12700" marT="12700" marB="0" anchor="b">
+                    <a:lnL w="12700" cap="flat" cmpd="sng" algn="ctr">
+                      <a:solidFill>
+                        <a:schemeClr val="tx1"/>
+                      </a:solidFill>
+                      <a:prstDash val="solid"/>
+                      <a:round/>
+                      <a:headEnd type="none" w="med" len="med"/>
+                      <a:tailEnd type="none" w="med" len="med"/>
+                    </a:lnL>
+                    <a:lnR w="12700" cap="flat" cmpd="sng" algn="ctr">
+                      <a:solidFill>
+                        <a:schemeClr val="tx1"/>
+                      </a:solidFill>
+                      <a:prstDash val="solid"/>
+                      <a:round/>
+                      <a:headEnd type="none" w="med" len="med"/>
+                      <a:tailEnd type="none" w="med" len="med"/>
+                    </a:lnR>
+                    <a:lnT w="12700" cap="flat" cmpd="sng" algn="ctr">
+                      <a:solidFill>
+                        <a:schemeClr val="tx1"/>
+                      </a:solidFill>
+                      <a:prstDash val="solid"/>
+                      <a:round/>
+                      <a:headEnd type="none" w="med" len="med"/>
+                      <a:tailEnd type="none" w="med" len="med"/>
+                    </a:lnT>
+                    <a:lnB w="12700" cap="flat" cmpd="sng" algn="ctr">
+                      <a:solidFill>
+                        <a:schemeClr val="tx1"/>
+                      </a:solidFill>
+                      <a:prstDash val="solid"/>
+                      <a:round/>
+                      <a:headEnd type="none" w="med" len="med"/>
+                      <a:tailEnd type="none" w="med" len="med"/>
+                    </a:lnB>
+                  </a:tcPr>
+                </a:tc>
+                <a:tc>
+                  <a:txBody>
+                    <a:bodyPr/>
+                    <a:lstStyle/>
+                    <a:p>
+                      <a:pPr algn="r" fontAlgn="b"/>
+                      <a:r>
+                        <a:rPr lang="nb-NO" sz="1800" b="0" i="0" u="none" strike="noStrike">
+                          <a:solidFill>
+                            <a:srgbClr val="000000"/>
+                          </a:solidFill>
+                          <a:effectLst/>
+                          <a:latin typeface="+mn-lt"/>
+                        </a:rPr>
+                        <a:t>27.708</a:t>
+                      </a:r>
+                    </a:p>
+                  </a:txBody>
+                  <a:tcPr marL="12700" marR="12700" marT="12700" marB="0" anchor="b">
+                    <a:lnL w="12700" cap="flat" cmpd="sng" algn="ctr">
+                      <a:solidFill>
+                        <a:schemeClr val="tx1"/>
+                      </a:solidFill>
+                      <a:prstDash val="solid"/>
+                      <a:round/>
+                      <a:headEnd type="none" w="med" len="med"/>
+                      <a:tailEnd type="none" w="med" len="med"/>
+                    </a:lnL>
+                    <a:lnR w="12700" cap="flat" cmpd="sng" algn="ctr">
+                      <a:solidFill>
+                        <a:schemeClr val="tx1"/>
+                      </a:solidFill>
+                      <a:prstDash val="solid"/>
+                      <a:round/>
+                      <a:headEnd type="none" w="med" len="med"/>
+                      <a:tailEnd type="none" w="med" len="med"/>
+                    </a:lnR>
+                    <a:lnT w="12700" cap="flat" cmpd="sng" algn="ctr">
+                      <a:solidFill>
+                        <a:schemeClr val="tx1"/>
+                      </a:solidFill>
+                      <a:prstDash val="solid"/>
+                      <a:round/>
+                      <a:headEnd type="none" w="med" len="med"/>
+                      <a:tailEnd type="none" w="med" len="med"/>
+                    </a:lnT>
+                    <a:lnB w="12700" cap="flat" cmpd="sng" algn="ctr">
+                      <a:solidFill>
+                        <a:schemeClr val="tx1"/>
+                      </a:solidFill>
+                      <a:prstDash val="solid"/>
+                      <a:round/>
+                      <a:headEnd type="none" w="med" len="med"/>
+                      <a:tailEnd type="none" w="med" len="med"/>
+                    </a:lnB>
+                  </a:tcPr>
+                </a:tc>
+              </a:tr>
+              <a:tr h="203200">
+                <a:tc>
+                  <a:txBody>
+                    <a:bodyPr/>
+                    <a:lstStyle/>
+                    <a:p>
+                      <a:pPr algn="r" fontAlgn="b"/>
+                      <a:r>
+                        <a:rPr lang="en-US" sz="1800" b="0" i="0" u="none" strike="noStrike">
+                          <a:solidFill>
+                            <a:srgbClr val="000000"/>
+                          </a:solidFill>
+                          <a:effectLst/>
+                          <a:latin typeface="+mn-lt"/>
+                        </a:rPr>
+                        <a:t>50</a:t>
+                      </a:r>
+                    </a:p>
+                  </a:txBody>
+                  <a:tcPr marL="12700" marR="12700" marT="12700" marB="0" anchor="b">
+                    <a:lnL w="12700" cap="flat" cmpd="sng" algn="ctr">
+                      <a:solidFill>
+                        <a:schemeClr val="tx1"/>
+                      </a:solidFill>
+                      <a:prstDash val="solid"/>
+                      <a:round/>
+                      <a:headEnd type="none" w="med" len="med"/>
+                      <a:tailEnd type="none" w="med" len="med"/>
+                    </a:lnL>
+                    <a:lnR w="12700" cap="flat" cmpd="sng" algn="ctr">
+                      <a:solidFill>
+                        <a:schemeClr val="tx1"/>
+                      </a:solidFill>
+                      <a:prstDash val="solid"/>
+                      <a:round/>
+                      <a:headEnd type="none" w="med" len="med"/>
+                      <a:tailEnd type="none" w="med" len="med"/>
+                    </a:lnR>
+                    <a:lnT w="12700" cap="flat" cmpd="sng" algn="ctr">
+                      <a:solidFill>
+                        <a:schemeClr val="tx1"/>
+                      </a:solidFill>
+                      <a:prstDash val="solid"/>
+                      <a:round/>
+                      <a:headEnd type="none" w="med" len="med"/>
+                      <a:tailEnd type="none" w="med" len="med"/>
+                    </a:lnT>
+                    <a:lnB w="12700" cap="flat" cmpd="sng" algn="ctr">
+                      <a:solidFill>
+                        <a:schemeClr val="tx1"/>
+                      </a:solidFill>
+                      <a:prstDash val="solid"/>
+                      <a:round/>
+                      <a:headEnd type="none" w="med" len="med"/>
+                      <a:tailEnd type="none" w="med" len="med"/>
+                    </a:lnB>
+                  </a:tcPr>
+                </a:tc>
+                <a:tc>
+                  <a:txBody>
+                    <a:bodyPr/>
+                    <a:lstStyle/>
+                    <a:p>
+                      <a:pPr algn="r" fontAlgn="b"/>
+                      <a:r>
+                        <a:rPr lang="fi-FI" sz="1800" b="0" i="0" u="none" strike="noStrike">
+                          <a:solidFill>
+                            <a:srgbClr val="000000"/>
+                          </a:solidFill>
+                          <a:effectLst/>
+                          <a:latin typeface="+mn-lt"/>
+                        </a:rPr>
+                        <a:t>79.45825586</a:t>
+                      </a:r>
+                    </a:p>
+                  </a:txBody>
+                  <a:tcPr marL="12700" marR="12700" marT="12700" marB="0" anchor="b">
+                    <a:lnL w="12700" cap="flat" cmpd="sng" algn="ctr">
+                      <a:solidFill>
+                        <a:schemeClr val="tx1"/>
+                      </a:solidFill>
+                      <a:prstDash val="solid"/>
+                      <a:round/>
+                      <a:headEnd type="none" w="med" len="med"/>
+                      <a:tailEnd type="none" w="med" len="med"/>
+                    </a:lnL>
+                    <a:lnR w="12700" cap="flat" cmpd="sng" algn="ctr">
+                      <a:solidFill>
+                        <a:schemeClr val="tx1"/>
+                      </a:solidFill>
+                      <a:prstDash val="solid"/>
+                      <a:round/>
+                      <a:headEnd type="none" w="med" len="med"/>
+                      <a:tailEnd type="none" w="med" len="med"/>
+                    </a:lnR>
+                    <a:lnT w="12700" cap="flat" cmpd="sng" algn="ctr">
+                      <a:solidFill>
+                        <a:schemeClr val="tx1"/>
+                      </a:solidFill>
+                      <a:prstDash val="solid"/>
+                      <a:round/>
+                      <a:headEnd type="none" w="med" len="med"/>
+                      <a:tailEnd type="none" w="med" len="med"/>
+                    </a:lnT>
+                    <a:lnB w="12700" cap="flat" cmpd="sng" algn="ctr">
+                      <a:solidFill>
+                        <a:schemeClr val="tx1"/>
+                      </a:solidFill>
+                      <a:prstDash val="solid"/>
+                      <a:round/>
+                      <a:headEnd type="none" w="med" len="med"/>
+                      <a:tailEnd type="none" w="med" len="med"/>
+                    </a:lnB>
+                  </a:tcPr>
+                </a:tc>
+                <a:tc>
+                  <a:txBody>
+                    <a:bodyPr/>
+                    <a:lstStyle/>
+                    <a:p>
+                      <a:pPr algn="r" fontAlgn="b"/>
+                      <a:r>
+                        <a:rPr lang="is-IS" sz="1800" b="0" i="0" u="none" strike="noStrike">
+                          <a:solidFill>
+                            <a:srgbClr val="000000"/>
+                          </a:solidFill>
+                          <a:effectLst/>
+                          <a:latin typeface="+mn-lt"/>
+                        </a:rPr>
+                        <a:t>29.97079742</a:t>
+                      </a:r>
+                    </a:p>
+                  </a:txBody>
+                  <a:tcPr marL="12700" marR="12700" marT="12700" marB="0" anchor="b">
+                    <a:lnL w="12700" cap="flat" cmpd="sng" algn="ctr">
+                      <a:solidFill>
+                        <a:schemeClr val="tx1"/>
+                      </a:solidFill>
+                      <a:prstDash val="solid"/>
+                      <a:round/>
+                      <a:headEnd type="none" w="med" len="med"/>
+                      <a:tailEnd type="none" w="med" len="med"/>
+                    </a:lnL>
+                    <a:lnR w="12700" cap="flat" cmpd="sng" algn="ctr">
+                      <a:solidFill>
+                        <a:schemeClr val="tx1"/>
+                      </a:solidFill>
+                      <a:prstDash val="solid"/>
+                      <a:round/>
+                      <a:headEnd type="none" w="med" len="med"/>
+                      <a:tailEnd type="none" w="med" len="med"/>
+                    </a:lnR>
+                    <a:lnT w="12700" cap="flat" cmpd="sng" algn="ctr">
+                      <a:solidFill>
+                        <a:schemeClr val="tx1"/>
+                      </a:solidFill>
+                      <a:prstDash val="solid"/>
+                      <a:round/>
+                      <a:headEnd type="none" w="med" len="med"/>
+                      <a:tailEnd type="none" w="med" len="med"/>
+                    </a:lnT>
+                    <a:lnB w="12700" cap="flat" cmpd="sng" algn="ctr">
+                      <a:solidFill>
+                        <a:schemeClr val="tx1"/>
+                      </a:solidFill>
+                      <a:prstDash val="solid"/>
+                      <a:round/>
+                      <a:headEnd type="none" w="med" len="med"/>
+                      <a:tailEnd type="none" w="med" len="med"/>
+                    </a:lnB>
+                  </a:tcPr>
+                </a:tc>
+                <a:tc>
+                  <a:txBody>
+                    <a:bodyPr/>
+                    <a:lstStyle/>
+                    <a:p>
+                      <a:pPr algn="r" fontAlgn="b"/>
+                      <a:r>
+                        <a:rPr lang="nb-NO" sz="1800" b="0" i="0" u="none" strike="noStrike">
+                          <a:solidFill>
+                            <a:srgbClr val="000000"/>
+                          </a:solidFill>
+                          <a:effectLst/>
+                          <a:latin typeface="+mn-lt"/>
+                        </a:rPr>
+                        <a:t>27.453</a:t>
+                      </a:r>
+                    </a:p>
+                  </a:txBody>
+                  <a:tcPr marL="12700" marR="12700" marT="12700" marB="0" anchor="b">
+                    <a:lnL w="12700" cap="flat" cmpd="sng" algn="ctr">
+                      <a:solidFill>
+                        <a:schemeClr val="tx1"/>
+                      </a:solidFill>
+                      <a:prstDash val="solid"/>
+                      <a:round/>
+                      <a:headEnd type="none" w="med" len="med"/>
+                      <a:tailEnd type="none" w="med" len="med"/>
+                    </a:lnL>
+                    <a:lnR w="12700" cap="flat" cmpd="sng" algn="ctr">
+                      <a:solidFill>
+                        <a:schemeClr val="tx1"/>
+                      </a:solidFill>
+                      <a:prstDash val="solid"/>
+                      <a:round/>
+                      <a:headEnd type="none" w="med" len="med"/>
+                      <a:tailEnd type="none" w="med" len="med"/>
+                    </a:lnR>
+                    <a:lnT w="12700" cap="flat" cmpd="sng" algn="ctr">
+                      <a:solidFill>
+                        <a:schemeClr val="tx1"/>
+                      </a:solidFill>
+                      <a:prstDash val="solid"/>
+                      <a:round/>
+                      <a:headEnd type="none" w="med" len="med"/>
+                      <a:tailEnd type="none" w="med" len="med"/>
+                    </a:lnT>
+                    <a:lnB w="12700" cap="flat" cmpd="sng" algn="ctr">
+                      <a:solidFill>
+                        <a:schemeClr val="tx1"/>
+                      </a:solidFill>
+                      <a:prstDash val="solid"/>
+                      <a:round/>
+                      <a:headEnd type="none" w="med" len="med"/>
+                      <a:tailEnd type="none" w="med" len="med"/>
+                    </a:lnB>
+                  </a:tcPr>
+                </a:tc>
+              </a:tr>
+              <a:tr h="203200">
+                <a:tc>
+                  <a:txBody>
+                    <a:bodyPr/>
+                    <a:lstStyle/>
+                    <a:p>
+                      <a:pPr algn="r" fontAlgn="b"/>
+                      <a:r>
+                        <a:rPr lang="is-IS" sz="1800" b="0" i="0" u="none" strike="noStrike" dirty="0">
+                          <a:solidFill>
+                            <a:srgbClr val="000000"/>
+                          </a:solidFill>
+                          <a:effectLst/>
+                          <a:latin typeface="+mn-lt"/>
+                        </a:rPr>
+                        <a:t>100</a:t>
+                      </a:r>
+                    </a:p>
+                  </a:txBody>
+                  <a:tcPr marL="12700" marR="12700" marT="12700" marB="0" anchor="b">
+                    <a:lnL w="12700" cap="flat" cmpd="sng" algn="ctr">
+                      <a:solidFill>
+                        <a:schemeClr val="tx1"/>
+                      </a:solidFill>
+                      <a:prstDash val="solid"/>
+                      <a:round/>
+                      <a:headEnd type="none" w="med" len="med"/>
+                      <a:tailEnd type="none" w="med" len="med"/>
+                    </a:lnL>
+                    <a:lnR w="12700" cap="flat" cmpd="sng" algn="ctr">
+                      <a:solidFill>
+                        <a:schemeClr val="tx1"/>
+                      </a:solidFill>
+                      <a:prstDash val="solid"/>
+                      <a:round/>
+                      <a:headEnd type="none" w="med" len="med"/>
+                      <a:tailEnd type="none" w="med" len="med"/>
+                    </a:lnR>
+                    <a:lnT w="12700" cap="flat" cmpd="sng" algn="ctr">
+                      <a:solidFill>
+                        <a:schemeClr val="tx1"/>
+                      </a:solidFill>
+                      <a:prstDash val="solid"/>
+                      <a:round/>
+                      <a:headEnd type="none" w="med" len="med"/>
+                      <a:tailEnd type="none" w="med" len="med"/>
+                    </a:lnT>
+                    <a:lnB w="12700" cap="flat" cmpd="sng" algn="ctr">
+                      <a:solidFill>
+                        <a:schemeClr val="tx1"/>
+                      </a:solidFill>
+                      <a:prstDash val="solid"/>
+                      <a:round/>
+                      <a:headEnd type="none" w="med" len="med"/>
+                      <a:tailEnd type="none" w="med" len="med"/>
+                    </a:lnB>
+                  </a:tcPr>
+                </a:tc>
+                <a:tc>
+                  <a:txBody>
+                    <a:bodyPr/>
+                    <a:lstStyle/>
+                    <a:p>
+                      <a:pPr algn="r" fontAlgn="b"/>
+                      <a:r>
+                        <a:rPr lang="is-IS" sz="1800" b="0" i="0" u="none" strike="noStrike" dirty="0">
+                          <a:solidFill>
+                            <a:srgbClr val="000000"/>
+                          </a:solidFill>
+                          <a:effectLst/>
+                          <a:latin typeface="+mn-lt"/>
+                        </a:rPr>
+                        <a:t>98.72666419</a:t>
+                      </a:r>
+                    </a:p>
+                  </a:txBody>
+                  <a:tcPr marL="12700" marR="12700" marT="12700" marB="0" anchor="b">
+                    <a:lnL w="12700" cap="flat" cmpd="sng" algn="ctr">
+                      <a:solidFill>
+                        <a:schemeClr val="tx1"/>
+                      </a:solidFill>
+                      <a:prstDash val="solid"/>
+                      <a:round/>
+                      <a:headEnd type="none" w="med" len="med"/>
+                      <a:tailEnd type="none" w="med" len="med"/>
+                    </a:lnL>
+                    <a:lnR w="12700" cap="flat" cmpd="sng" algn="ctr">
+                      <a:solidFill>
+                        <a:schemeClr val="tx1"/>
+                      </a:solidFill>
+                      <a:prstDash val="solid"/>
+                      <a:round/>
+                      <a:headEnd type="none" w="med" len="med"/>
+                      <a:tailEnd type="none" w="med" len="med"/>
+                    </a:lnR>
+                    <a:lnT w="12700" cap="flat" cmpd="sng" algn="ctr">
+                      <a:solidFill>
+                        <a:schemeClr val="tx1"/>
+                      </a:solidFill>
+                      <a:prstDash val="solid"/>
+                      <a:round/>
+                      <a:headEnd type="none" w="med" len="med"/>
+                      <a:tailEnd type="none" w="med" len="med"/>
+                    </a:lnT>
+                    <a:lnB w="12700" cap="flat" cmpd="sng" algn="ctr">
+                      <a:solidFill>
+                        <a:schemeClr val="tx1"/>
+                      </a:solidFill>
+                      <a:prstDash val="solid"/>
+                      <a:round/>
+                      <a:headEnd type="none" w="med" len="med"/>
+                      <a:tailEnd type="none" w="med" len="med"/>
+                    </a:lnB>
+                  </a:tcPr>
+                </a:tc>
+                <a:tc>
+                  <a:txBody>
+                    <a:bodyPr/>
+                    <a:lstStyle/>
+                    <a:p>
+                      <a:pPr algn="r" fontAlgn="b"/>
+                      <a:r>
+                        <a:rPr lang="hr-HR" sz="1800" b="0" i="0" u="none" strike="noStrike">
+                          <a:solidFill>
+                            <a:srgbClr val="000000"/>
+                          </a:solidFill>
+                          <a:effectLst/>
+                          <a:latin typeface="+mn-lt"/>
+                        </a:rPr>
+                        <a:t>38.09738462</a:t>
+                      </a:r>
+                    </a:p>
+                  </a:txBody>
+                  <a:tcPr marL="12700" marR="12700" marT="12700" marB="0" anchor="b">
+                    <a:lnL w="12700" cap="flat" cmpd="sng" algn="ctr">
+                      <a:solidFill>
+                        <a:schemeClr val="tx1"/>
+                      </a:solidFill>
+                      <a:prstDash val="solid"/>
+                      <a:round/>
+                      <a:headEnd type="none" w="med" len="med"/>
+                      <a:tailEnd type="none" w="med" len="med"/>
+                    </a:lnL>
+                    <a:lnR w="12700" cap="flat" cmpd="sng" algn="ctr">
+                      <a:solidFill>
+                        <a:schemeClr val="tx1"/>
+                      </a:solidFill>
+                      <a:prstDash val="solid"/>
+                      <a:round/>
+                      <a:headEnd type="none" w="med" len="med"/>
+                      <a:tailEnd type="none" w="med" len="med"/>
+                    </a:lnR>
+                    <a:lnT w="12700" cap="flat" cmpd="sng" algn="ctr">
+                      <a:solidFill>
+                        <a:schemeClr val="tx1"/>
+                      </a:solidFill>
+                      <a:prstDash val="solid"/>
+                      <a:round/>
+                      <a:headEnd type="none" w="med" len="med"/>
+                      <a:tailEnd type="none" w="med" len="med"/>
+                    </a:lnT>
+                    <a:lnB w="12700" cap="flat" cmpd="sng" algn="ctr">
+                      <a:solidFill>
+                        <a:schemeClr val="tx1"/>
+                      </a:solidFill>
+                      <a:prstDash val="solid"/>
+                      <a:round/>
+                      <a:headEnd type="none" w="med" len="med"/>
+                      <a:tailEnd type="none" w="med" len="med"/>
+                    </a:lnB>
+                  </a:tcPr>
+                </a:tc>
+                <a:tc>
+                  <a:txBody>
+                    <a:bodyPr/>
+                    <a:lstStyle/>
+                    <a:p>
+                      <a:pPr algn="r" fontAlgn="b"/>
+                      <a:r>
+                        <a:rPr lang="nb-NO" sz="1800" b="0" i="0" u="none" strike="noStrike" smtClean="0">
+                          <a:solidFill>
+                            <a:srgbClr val="000000"/>
+                          </a:solidFill>
+                          <a:effectLst/>
+                          <a:latin typeface="+mn-lt"/>
+                        </a:rPr>
+                        <a:t>27.629</a:t>
+                      </a:r>
+                      <a:endParaRPr lang="nb-NO" sz="1800" b="0" i="0" u="none" strike="noStrike" dirty="0">
+                        <a:solidFill>
+                          <a:srgbClr val="000000"/>
+                        </a:solidFill>
+                        <a:effectLst/>
+                        <a:latin typeface="+mn-lt"/>
+                      </a:endParaRPr>
+                    </a:p>
+                  </a:txBody>
+                  <a:tcPr marL="12700" marR="12700" marT="12700" marB="0" anchor="b">
+                    <a:lnL w="12700" cap="flat" cmpd="sng" algn="ctr">
+                      <a:solidFill>
+                        <a:schemeClr val="tx1"/>
+                      </a:solidFill>
+                      <a:prstDash val="solid"/>
+                      <a:round/>
+                      <a:headEnd type="none" w="med" len="med"/>
+                      <a:tailEnd type="none" w="med" len="med"/>
+                    </a:lnL>
+                    <a:lnR w="12700" cap="flat" cmpd="sng" algn="ctr">
+                      <a:solidFill>
+                        <a:schemeClr val="tx1"/>
+                      </a:solidFill>
+                      <a:prstDash val="solid"/>
+                      <a:round/>
+                      <a:headEnd type="none" w="med" len="med"/>
+                      <a:tailEnd type="none" w="med" len="med"/>
+                    </a:lnR>
+                    <a:lnT w="12700" cap="flat" cmpd="sng" algn="ctr">
+                      <a:solidFill>
+                        <a:schemeClr val="tx1"/>
+                      </a:solidFill>
+                      <a:prstDash val="solid"/>
+                      <a:round/>
+                      <a:headEnd type="none" w="med" len="med"/>
+                      <a:tailEnd type="none" w="med" len="med"/>
+                    </a:lnT>
+                    <a:lnB w="12700" cap="flat" cmpd="sng" algn="ctr">
+                      <a:solidFill>
+                        <a:schemeClr val="tx1"/>
+                      </a:solidFill>
+                      <a:prstDash val="solid"/>
+                      <a:round/>
+                      <a:headEnd type="none" w="med" len="med"/>
+                      <a:tailEnd type="none" w="med" len="med"/>
+                    </a:lnB>
+                  </a:tcPr>
+                </a:tc>
+              </a:tr>
+              <a:tr h="203200">
+                <a:tc>
+                  <a:txBody>
+                    <a:bodyPr/>
+                    <a:lstStyle/>
+                    <a:p>
+                      <a:pPr algn="r" fontAlgn="b"/>
+                      <a:r>
+                        <a:rPr lang="en-US" sz="1800" b="0" i="0" u="none" strike="noStrike" dirty="0" smtClean="0">
+                          <a:solidFill>
+                            <a:srgbClr val="000000"/>
+                          </a:solidFill>
+                          <a:effectLst/>
+                          <a:latin typeface="+mn-lt"/>
+                        </a:rPr>
+                        <a:t>infinity</a:t>
+                      </a:r>
+                      <a:endParaRPr lang="mr-IN" sz="1800" b="0" i="0" u="none" strike="noStrike" dirty="0">
+                        <a:solidFill>
+                          <a:srgbClr val="000000"/>
+                        </a:solidFill>
+                        <a:effectLst/>
+                        <a:latin typeface="+mn-lt"/>
+                      </a:endParaRPr>
+                    </a:p>
+                  </a:txBody>
+                  <a:tcPr marL="12700" marR="12700" marT="12700" marB="0" anchor="b">
+                    <a:lnL w="12700" cap="flat" cmpd="sng" algn="ctr">
+                      <a:solidFill>
+                        <a:schemeClr val="tx1"/>
+                      </a:solidFill>
+                      <a:prstDash val="solid"/>
+                      <a:round/>
+                      <a:headEnd type="none" w="med" len="med"/>
+                      <a:tailEnd type="none" w="med" len="med"/>
+                    </a:lnL>
+                    <a:lnR w="12700" cap="flat" cmpd="sng" algn="ctr">
+                      <a:solidFill>
+                        <a:schemeClr val="tx1"/>
+                      </a:solidFill>
+                      <a:prstDash val="solid"/>
+                      <a:round/>
+                      <a:headEnd type="none" w="med" len="med"/>
+                      <a:tailEnd type="none" w="med" len="med"/>
+                    </a:lnR>
+                    <a:lnT w="12700" cap="flat" cmpd="sng" algn="ctr">
+                      <a:solidFill>
+                        <a:schemeClr val="tx1"/>
+                      </a:solidFill>
+                      <a:prstDash val="solid"/>
+                      <a:round/>
+                      <a:headEnd type="none" w="med" len="med"/>
+                      <a:tailEnd type="none" w="med" len="med"/>
+                    </a:lnT>
+                    <a:lnB w="12700" cap="flat" cmpd="sng" algn="ctr">
+                      <a:solidFill>
+                        <a:schemeClr val="tx1"/>
+                      </a:solidFill>
+                      <a:prstDash val="solid"/>
+                      <a:round/>
+                      <a:headEnd type="none" w="med" len="med"/>
+                      <a:tailEnd type="none" w="med" len="med"/>
+                    </a:lnB>
+                  </a:tcPr>
+                </a:tc>
+                <a:tc>
+                  <a:txBody>
+                    <a:bodyPr/>
+                    <a:lstStyle/>
+                    <a:p>
+                      <a:pPr algn="r" fontAlgn="b"/>
+                      <a:r>
+                        <a:rPr lang="is-IS" sz="1800" b="0" i="0" u="none" strike="noStrike" dirty="0">
+                          <a:solidFill>
+                            <a:srgbClr val="000000"/>
+                          </a:solidFill>
+                          <a:effectLst/>
+                          <a:latin typeface="+mn-lt"/>
+                        </a:rPr>
+                        <a:t>125.9124599</a:t>
+                      </a:r>
+                    </a:p>
+                  </a:txBody>
+                  <a:tcPr marL="12700" marR="12700" marT="12700" marB="0" anchor="b">
+                    <a:lnL w="12700" cap="flat" cmpd="sng" algn="ctr">
+                      <a:solidFill>
+                        <a:schemeClr val="tx1"/>
+                      </a:solidFill>
+                      <a:prstDash val="solid"/>
+                      <a:round/>
+                      <a:headEnd type="none" w="med" len="med"/>
+                      <a:tailEnd type="none" w="med" len="med"/>
+                    </a:lnL>
+                    <a:lnR w="12700" cap="flat" cmpd="sng" algn="ctr">
+                      <a:solidFill>
+                        <a:schemeClr val="tx1"/>
+                      </a:solidFill>
+                      <a:prstDash val="solid"/>
+                      <a:round/>
+                      <a:headEnd type="none" w="med" len="med"/>
+                      <a:tailEnd type="none" w="med" len="med"/>
+                    </a:lnR>
+                    <a:lnT w="12700" cap="flat" cmpd="sng" algn="ctr">
+                      <a:solidFill>
+                        <a:schemeClr val="tx1"/>
+                      </a:solidFill>
+                      <a:prstDash val="solid"/>
+                      <a:round/>
+                      <a:headEnd type="none" w="med" len="med"/>
+                      <a:tailEnd type="none" w="med" len="med"/>
+                    </a:lnT>
+                    <a:lnB w="12700" cap="flat" cmpd="sng" algn="ctr">
+                      <a:solidFill>
+                        <a:schemeClr val="tx1"/>
+                      </a:solidFill>
+                      <a:prstDash val="solid"/>
+                      <a:round/>
+                      <a:headEnd type="none" w="med" len="med"/>
+                      <a:tailEnd type="none" w="med" len="med"/>
+                    </a:lnB>
+                  </a:tcPr>
+                </a:tc>
+                <a:tc>
+                  <a:txBody>
+                    <a:bodyPr/>
+                    <a:lstStyle/>
+                    <a:p>
+                      <a:pPr algn="r" fontAlgn="b"/>
+                      <a:r>
+                        <a:rPr lang="is-IS" sz="1800" b="0" i="0" u="none" strike="noStrike" dirty="0">
+                          <a:solidFill>
+                            <a:srgbClr val="000000"/>
+                          </a:solidFill>
+                          <a:effectLst/>
+                          <a:latin typeface="+mn-lt"/>
+                        </a:rPr>
+                        <a:t>54.22032864</a:t>
+                      </a:r>
+                    </a:p>
+                  </a:txBody>
+                  <a:tcPr marL="12700" marR="12700" marT="12700" marB="0" anchor="b">
+                    <a:lnL w="12700" cap="flat" cmpd="sng" algn="ctr">
+                      <a:solidFill>
+                        <a:schemeClr val="tx1"/>
+                      </a:solidFill>
+                      <a:prstDash val="solid"/>
+                      <a:round/>
+                      <a:headEnd type="none" w="med" len="med"/>
+                      <a:tailEnd type="none" w="med" len="med"/>
+                    </a:lnL>
+                    <a:lnR w="12700" cap="flat" cmpd="sng" algn="ctr">
+                      <a:solidFill>
+                        <a:schemeClr val="tx1"/>
+                      </a:solidFill>
+                      <a:prstDash val="solid"/>
+                      <a:round/>
+                      <a:headEnd type="none" w="med" len="med"/>
+                      <a:tailEnd type="none" w="med" len="med"/>
+                    </a:lnR>
+                    <a:lnT w="12700" cap="flat" cmpd="sng" algn="ctr">
+                      <a:solidFill>
+                        <a:schemeClr val="tx1"/>
+                      </a:solidFill>
+                      <a:prstDash val="solid"/>
+                      <a:round/>
+                      <a:headEnd type="none" w="med" len="med"/>
+                      <a:tailEnd type="none" w="med" len="med"/>
+                    </a:lnT>
+                    <a:lnB w="12700" cap="flat" cmpd="sng" algn="ctr">
+                      <a:solidFill>
+                        <a:schemeClr val="tx1"/>
+                      </a:solidFill>
+                      <a:prstDash val="solid"/>
+                      <a:round/>
+                      <a:headEnd type="none" w="med" len="med"/>
+                      <a:tailEnd type="none" w="med" len="med"/>
+                    </a:lnB>
+                  </a:tcPr>
+                </a:tc>
+                <a:tc>
+                  <a:txBody>
+                    <a:bodyPr/>
+                    <a:lstStyle/>
+                    <a:p>
+                      <a:pPr algn="r" fontAlgn="b"/>
+                      <a:r>
+                        <a:rPr lang="nb-NO" sz="1800" b="0" i="0" u="none" strike="noStrike" dirty="0">
+                          <a:solidFill>
+                            <a:srgbClr val="000000"/>
+                          </a:solidFill>
+                          <a:effectLst/>
+                          <a:latin typeface="+mn-lt"/>
+                        </a:rPr>
+                        <a:t>27.283</a:t>
+                      </a:r>
+                    </a:p>
+                  </a:txBody>
+                  <a:tcPr marL="12700" marR="12700" marT="12700" marB="0" anchor="b">
+                    <a:lnL w="12700" cap="flat" cmpd="sng" algn="ctr">
+                      <a:solidFill>
+                        <a:schemeClr val="tx1"/>
+                      </a:solidFill>
+                      <a:prstDash val="solid"/>
+                      <a:round/>
+                      <a:headEnd type="none" w="med" len="med"/>
+                      <a:tailEnd type="none" w="med" len="med"/>
+                    </a:lnL>
+                    <a:lnR w="12700" cap="flat" cmpd="sng" algn="ctr">
+                      <a:solidFill>
+                        <a:schemeClr val="tx1"/>
+                      </a:solidFill>
+                      <a:prstDash val="solid"/>
+                      <a:round/>
+                      <a:headEnd type="none" w="med" len="med"/>
+                      <a:tailEnd type="none" w="med" len="med"/>
+                    </a:lnR>
+                    <a:lnT w="12700" cap="flat" cmpd="sng" algn="ctr">
+                      <a:solidFill>
+                        <a:schemeClr val="tx1"/>
+                      </a:solidFill>
+                      <a:prstDash val="solid"/>
+                      <a:round/>
+                      <a:headEnd type="none" w="med" len="med"/>
+                      <a:tailEnd type="none" w="med" len="med"/>
+                    </a:lnT>
+                    <a:lnB w="12700" cap="flat" cmpd="sng" algn="ctr">
+                      <a:solidFill>
+                        <a:schemeClr val="tx1"/>
+                      </a:solidFill>
+                      <a:prstDash val="solid"/>
+                      <a:round/>
+                      <a:headEnd type="none" w="med" len="med"/>
+                      <a:tailEnd type="none" w="med" len="med"/>
+                    </a:lnB>
+                  </a:tcPr>
+                </a:tc>
+              </a:tr>
+            </a:tbl>
+          </a:graphicData>
+        </a:graphic>
+      </p:graphicFrame>
     </p:spTree>
     <p:extLst>
       <p:ext uri="{BB962C8B-B14F-4D97-AF65-F5344CB8AC3E}">
-        <p14:creationId xmlns:p14="http://schemas.microsoft.com/office/powerpoint/2010/main" val="271554950"/>
+        <p14:creationId xmlns:p14="http://schemas.microsoft.com/office/powerpoint/2010/main" val="1606722539"/>
       </p:ext>
     </p:extLst>
   </p:cSld>
@@ -4914,7 +8741,7 @@
       </p:sp>
       <p:pic>
         <p:nvPicPr>
-          <p:cNvPr id="5" name="Picture 4"/>
+          <p:cNvPr id="4" name="Picture 3"/>
           <p:cNvPicPr>
             <a:picLocks noChangeAspect="1"/>
           </p:cNvPicPr>
@@ -4934,18 +8761,48 @@
         </p:blipFill>
         <p:spPr>
           <a:xfrm>
-            <a:off x="2308050" y="1690688"/>
-            <a:ext cx="7575900" cy="4552113"/>
+            <a:off x="2301240" y="1690688"/>
+            <a:ext cx="7589520" cy="4559808"/>
           </a:xfrm>
           <a:prstGeom prst="rect">
             <a:avLst/>
           </a:prstGeom>
         </p:spPr>
       </p:pic>
+      <p:sp>
+        <p:nvSpPr>
+          <p:cNvPr id="3" name="TextBox 2"/>
+          <p:cNvSpPr txBox="1"/>
+          <p:nvPr/>
+        </p:nvSpPr>
+        <p:spPr>
+          <a:xfrm>
+            <a:off x="232696" y="6288451"/>
+            <a:ext cx="11726608" cy="369332"/>
+          </a:xfrm>
+          <a:prstGeom prst="rect">
+            <a:avLst/>
+          </a:prstGeom>
+          <a:noFill/>
+        </p:spPr>
+        <p:txBody>
+          <a:bodyPr wrap="none" rtlCol="0">
+            <a:spAutoFit/>
+          </a:bodyPr>
+          <a:lstStyle/>
+          <a:p>
+            <a:r>
+              <a:rPr lang="en-US" dirty="0" smtClean="0"/>
+              <a:t>Graphs are similar to the MNIST graphs, with the accuracy and testing time plateauing, and training time continuing to grow</a:t>
+            </a:r>
+            <a:endParaRPr lang="en-US" dirty="0"/>
+          </a:p>
+        </p:txBody>
+      </p:sp>
     </p:spTree>
     <p:extLst>
       <p:ext uri="{BB962C8B-B14F-4D97-AF65-F5344CB8AC3E}">
-        <p14:creationId xmlns:p14="http://schemas.microsoft.com/office/powerpoint/2010/main" val="1726553305"/>
+        <p14:creationId xmlns:p14="http://schemas.microsoft.com/office/powerpoint/2010/main" val="271554950"/>
       </p:ext>
     </p:extLst>
   </p:cSld>
@@ -5214,4 +9071,265 @@
     </a:ext>
   </a:extLst>
 </a:theme>
+</file>
+
+<file path=ppt/theme/theme2.xml><?xml version="1.0" encoding="utf-8"?>
+<a:theme xmlns:a="http://schemas.openxmlformats.org/drawingml/2006/main" name="Office Theme">
+  <a:themeElements>
+    <a:clrScheme name="Office">
+      <a:dk1>
+        <a:sysClr val="windowText" lastClr="000000"/>
+      </a:dk1>
+      <a:lt1>
+        <a:sysClr val="window" lastClr="FFFFFF"/>
+      </a:lt1>
+      <a:dk2>
+        <a:srgbClr val="44546A"/>
+      </a:dk2>
+      <a:lt2>
+        <a:srgbClr val="E7E6E6"/>
+      </a:lt2>
+      <a:accent1>
+        <a:srgbClr val="5B9BD5"/>
+      </a:accent1>
+      <a:accent2>
+        <a:srgbClr val="ED7D31"/>
+      </a:accent2>
+      <a:accent3>
+        <a:srgbClr val="A5A5A5"/>
+      </a:accent3>
+      <a:accent4>
+        <a:srgbClr val="FFC000"/>
+      </a:accent4>
+      <a:accent5>
+        <a:srgbClr val="4472C4"/>
+      </a:accent5>
+      <a:accent6>
+        <a:srgbClr val="70AD47"/>
+      </a:accent6>
+      <a:hlink>
+        <a:srgbClr val="0563C1"/>
+      </a:hlink>
+      <a:folHlink>
+        <a:srgbClr val="954F72"/>
+      </a:folHlink>
+    </a:clrScheme>
+    <a:fontScheme name="Office">
+      <a:majorFont>
+        <a:latin typeface="Calibri Light" panose="020F0302020204030204"/>
+        <a:ea typeface=""/>
+        <a:cs typeface=""/>
+        <a:font script="Jpan" typeface="Yu Gothic Light"/>
+        <a:font script="Hang" typeface="맑은 고딕"/>
+        <a:font script="Hans" typeface="DengXian Light"/>
+        <a:font script="Hant" typeface="新細明體"/>
+        <a:font script="Arab" typeface="Times New Roman"/>
+        <a:font script="Hebr" typeface="Times New Roman"/>
+        <a:font script="Thai" typeface="Angsana New"/>
+        <a:font script="Ethi" typeface="Nyala"/>
+        <a:font script="Beng" typeface="Vrinda"/>
+        <a:font script="Gujr" typeface="Shruti"/>
+        <a:font script="Khmr" typeface="MoolBoran"/>
+        <a:font script="Knda" typeface="Tunga"/>
+        <a:font script="Guru" typeface="Raavi"/>
+        <a:font script="Cans" typeface="Euphemia"/>
+        <a:font script="Cher" typeface="Plantagenet Cherokee"/>
+        <a:font script="Yiii" typeface="Microsoft Yi Baiti"/>
+        <a:font script="Tibt" typeface="Microsoft Himalaya"/>
+        <a:font script="Thaa" typeface="MV Boli"/>
+        <a:font script="Deva" typeface="Mangal"/>
+        <a:font script="Telu" typeface="Gautami"/>
+        <a:font script="Taml" typeface="Latha"/>
+        <a:font script="Syrc" typeface="Estrangelo Edessa"/>
+        <a:font script="Orya" typeface="Kalinga"/>
+        <a:font script="Mlym" typeface="Kartika"/>
+        <a:font script="Laoo" typeface="DokChampa"/>
+        <a:font script="Sinh" typeface="Iskoola Pota"/>
+        <a:font script="Mong" typeface="Mongolian Baiti"/>
+        <a:font script="Viet" typeface="Times New Roman"/>
+        <a:font script="Uigh" typeface="Microsoft Uighur"/>
+        <a:font script="Geor" typeface="Sylfaen"/>
+      </a:majorFont>
+      <a:minorFont>
+        <a:latin typeface="Calibri" panose="020F0502020204030204"/>
+        <a:ea typeface=""/>
+        <a:cs typeface=""/>
+        <a:font script="Jpan" typeface="Yu Gothic"/>
+        <a:font script="Hang" typeface="맑은 고딕"/>
+        <a:font script="Hans" typeface="DengXian"/>
+        <a:font script="Hant" typeface="新細明體"/>
+        <a:font script="Arab" typeface="Arial"/>
+        <a:font script="Hebr" typeface="Arial"/>
+        <a:font script="Thai" typeface="Cordia New"/>
+        <a:font script="Ethi" typeface="Nyala"/>
+        <a:font script="Beng" typeface="Vrinda"/>
+        <a:font script="Gujr" typeface="Shruti"/>
+        <a:font script="Khmr" typeface="DaunPenh"/>
+        <a:font script="Knda" typeface="Tunga"/>
+        <a:font script="Guru" typeface="Raavi"/>
+        <a:font script="Cans" typeface="Euphemia"/>
+        <a:font script="Cher" typeface="Plantagenet Cherokee"/>
+        <a:font script="Yiii" typeface="Microsoft Yi Baiti"/>
+        <a:font script="Tibt" typeface="Microsoft Himalaya"/>
+        <a:font script="Thaa" typeface="MV Boli"/>
+        <a:font script="Deva" typeface="Mangal"/>
+        <a:font script="Telu" typeface="Gautami"/>
+        <a:font script="Taml" typeface="Latha"/>
+        <a:font script="Syrc" typeface="Estrangelo Edessa"/>
+        <a:font script="Orya" typeface="Kalinga"/>
+        <a:font script="Mlym" typeface="Kartika"/>
+        <a:font script="Laoo" typeface="DokChampa"/>
+        <a:font script="Sinh" typeface="Iskoola Pota"/>
+        <a:font script="Mong" typeface="Mongolian Baiti"/>
+        <a:font script="Viet" typeface="Arial"/>
+        <a:font script="Uigh" typeface="Microsoft Uighur"/>
+        <a:font script="Geor" typeface="Sylfaen"/>
+      </a:minorFont>
+    </a:fontScheme>
+    <a:fmtScheme name="Office">
+      <a:fillStyleLst>
+        <a:solidFill>
+          <a:schemeClr val="phClr"/>
+        </a:solidFill>
+        <a:gradFill rotWithShape="1">
+          <a:gsLst>
+            <a:gs pos="0">
+              <a:schemeClr val="phClr">
+                <a:lumMod val="110000"/>
+                <a:satMod val="105000"/>
+                <a:tint val="67000"/>
+              </a:schemeClr>
+            </a:gs>
+            <a:gs pos="50000">
+              <a:schemeClr val="phClr">
+                <a:lumMod val="105000"/>
+                <a:satMod val="103000"/>
+                <a:tint val="73000"/>
+              </a:schemeClr>
+            </a:gs>
+            <a:gs pos="100000">
+              <a:schemeClr val="phClr">
+                <a:lumMod val="105000"/>
+                <a:satMod val="109000"/>
+                <a:tint val="81000"/>
+              </a:schemeClr>
+            </a:gs>
+          </a:gsLst>
+          <a:lin ang="5400000" scaled="0"/>
+        </a:gradFill>
+        <a:gradFill rotWithShape="1">
+          <a:gsLst>
+            <a:gs pos="0">
+              <a:schemeClr val="phClr">
+                <a:satMod val="103000"/>
+                <a:lumMod val="102000"/>
+                <a:tint val="94000"/>
+              </a:schemeClr>
+            </a:gs>
+            <a:gs pos="50000">
+              <a:schemeClr val="phClr">
+                <a:satMod val="110000"/>
+                <a:lumMod val="100000"/>
+                <a:shade val="100000"/>
+              </a:schemeClr>
+            </a:gs>
+            <a:gs pos="100000">
+              <a:schemeClr val="phClr">
+                <a:lumMod val="99000"/>
+                <a:satMod val="120000"/>
+                <a:shade val="78000"/>
+              </a:schemeClr>
+            </a:gs>
+          </a:gsLst>
+          <a:lin ang="5400000" scaled="0"/>
+        </a:gradFill>
+      </a:fillStyleLst>
+      <a:lnStyleLst>
+        <a:ln w="6350" cap="flat" cmpd="sng" algn="ctr">
+          <a:solidFill>
+            <a:schemeClr val="phClr"/>
+          </a:solidFill>
+          <a:prstDash val="solid"/>
+          <a:miter lim="800000"/>
+        </a:ln>
+        <a:ln w="12700" cap="flat" cmpd="sng" algn="ctr">
+          <a:solidFill>
+            <a:schemeClr val="phClr"/>
+          </a:solidFill>
+          <a:prstDash val="solid"/>
+          <a:miter lim="800000"/>
+        </a:ln>
+        <a:ln w="19050" cap="flat" cmpd="sng" algn="ctr">
+          <a:solidFill>
+            <a:schemeClr val="phClr"/>
+          </a:solidFill>
+          <a:prstDash val="solid"/>
+          <a:miter lim="800000"/>
+        </a:ln>
+      </a:lnStyleLst>
+      <a:effectStyleLst>
+        <a:effectStyle>
+          <a:effectLst/>
+        </a:effectStyle>
+        <a:effectStyle>
+          <a:effectLst/>
+        </a:effectStyle>
+        <a:effectStyle>
+          <a:effectLst>
+            <a:outerShdw blurRad="57150" dist="19050" dir="5400000" algn="ctr" rotWithShape="0">
+              <a:srgbClr val="000000">
+                <a:alpha val="63000"/>
+              </a:srgbClr>
+            </a:outerShdw>
+          </a:effectLst>
+        </a:effectStyle>
+      </a:effectStyleLst>
+      <a:bgFillStyleLst>
+        <a:solidFill>
+          <a:schemeClr val="phClr"/>
+        </a:solidFill>
+        <a:solidFill>
+          <a:schemeClr val="phClr">
+            <a:tint val="95000"/>
+            <a:satMod val="170000"/>
+          </a:schemeClr>
+        </a:solidFill>
+        <a:gradFill rotWithShape="1">
+          <a:gsLst>
+            <a:gs pos="0">
+              <a:schemeClr val="phClr">
+                <a:tint val="93000"/>
+                <a:satMod val="150000"/>
+                <a:shade val="98000"/>
+                <a:lumMod val="102000"/>
+              </a:schemeClr>
+            </a:gs>
+            <a:gs pos="50000">
+              <a:schemeClr val="phClr">
+                <a:tint val="98000"/>
+                <a:satMod val="130000"/>
+                <a:shade val="90000"/>
+                <a:lumMod val="103000"/>
+              </a:schemeClr>
+            </a:gs>
+            <a:gs pos="100000">
+              <a:schemeClr val="phClr">
+                <a:shade val="63000"/>
+                <a:satMod val="120000"/>
+              </a:schemeClr>
+            </a:gs>
+          </a:gsLst>
+          <a:lin ang="5400000" scaled="0"/>
+        </a:gradFill>
+      </a:bgFillStyleLst>
+    </a:fmtScheme>
+  </a:themeElements>
+  <a:objectDefaults/>
+  <a:extraClrSchemeLst/>
+  <a:extLst>
+    <a:ext uri="{05A4C25C-085E-4340-85A3-A5531E510DB2}">
+      <thm15:themeFamily xmlns:thm15="http://schemas.microsoft.com/office/thememl/2012/main" name="Office Theme" id="{62F939B6-93AF-4DB8-9C6B-D6C7DFDC589F}" vid="{4A3C46E8-61CC-4603-A589-7422A47A8E4A}"/>
+    </a:ext>
+  </a:extLst>
+</a:theme>
 </file>
--- a/Project/aipresentation.pptx
+++ b/Project/aipresentation.pptx
@@ -5,19 +5,21 @@
     <p:sldMasterId id="2147483648" r:id="rId1"/>
   </p:sldMasterIdLst>
   <p:notesMasterIdLst>
-    <p:notesMasterId r:id="rId12"/>
+    <p:notesMasterId r:id="rId14"/>
   </p:notesMasterIdLst>
   <p:sldIdLst>
-    <p:sldId id="256" r:id="rId2"/>
-    <p:sldId id="259" r:id="rId3"/>
-    <p:sldId id="257" r:id="rId4"/>
-    <p:sldId id="260" r:id="rId5"/>
-    <p:sldId id="266" r:id="rId6"/>
-    <p:sldId id="261" r:id="rId7"/>
-    <p:sldId id="262" r:id="rId8"/>
-    <p:sldId id="258" r:id="rId9"/>
-    <p:sldId id="263" r:id="rId10"/>
-    <p:sldId id="265" r:id="rId11"/>
+    <p:sldId id="267" r:id="rId2"/>
+    <p:sldId id="256" r:id="rId3"/>
+    <p:sldId id="268" r:id="rId4"/>
+    <p:sldId id="259" r:id="rId5"/>
+    <p:sldId id="257" r:id="rId6"/>
+    <p:sldId id="260" r:id="rId7"/>
+    <p:sldId id="266" r:id="rId8"/>
+    <p:sldId id="261" r:id="rId9"/>
+    <p:sldId id="262" r:id="rId10"/>
+    <p:sldId id="258" r:id="rId11"/>
+    <p:sldId id="263" r:id="rId12"/>
+    <p:sldId id="265" r:id="rId13"/>
   </p:sldIdLst>
   <p:sldSz cx="12192000" cy="6858000"/>
   <p:notesSz cx="6858000" cy="9144000"/>
@@ -568,7 +570,7 @@
           <a:p>
             <a:fld id="{24A6CD3F-3A72-AA4D-A876-4F0BF2DA7416}" type="slidenum">
               <a:rPr lang="en-US" smtClean="0"/>
-              <a:t>5</a:t>
+              <a:t>7</a:t>
             </a:fld>
             <a:endParaRPr lang="en-US"/>
           </a:p>
@@ -3451,7 +3453,7 @@
             <a:spLocks noGrp="1"/>
           </p:cNvSpPr>
           <p:nvPr>
-            <p:ph type="ctrTitle"/>
+            <p:ph type="title"/>
           </p:nvPr>
         </p:nvSpPr>
         <p:spPr/>
@@ -3461,7 +3463,82 @@
           <a:p>
             <a:r>
               <a:rPr lang="en-US" dirty="0" smtClean="0"/>
-              <a:t>Boundary Trees</a:t>
+              <a:t>Project Motivation</a:t>
+            </a:r>
+            <a:endParaRPr lang="en-US" dirty="0"/>
+          </a:p>
+        </p:txBody>
+      </p:sp>
+      <p:sp>
+        <p:nvSpPr>
+          <p:cNvPr id="3" name="Content Placeholder 2"/>
+          <p:cNvSpPr>
+            <a:spLocks noGrp="1"/>
+          </p:cNvSpPr>
+          <p:nvPr>
+            <p:ph idx="1"/>
+          </p:nvPr>
+        </p:nvSpPr>
+        <p:spPr/>
+        <p:txBody>
+          <a:bodyPr>
+            <a:normAutofit/>
+          </a:bodyPr>
+          <a:lstStyle/>
+          <a:p>
+            <a:r>
+              <a:rPr lang="en-US" dirty="0" smtClean="0"/>
+              <a:t>The </a:t>
+            </a:r>
+            <a:r>
+              <a:rPr lang="en-US" dirty="0"/>
+              <a:t>motivation for this project comes from trying to understand, implement, and test datasets on a </a:t>
+            </a:r>
+            <a:r>
+              <a:rPr lang="en-US" dirty="0" smtClean="0"/>
+              <a:t>machine </a:t>
+            </a:r>
+            <a:r>
+              <a:rPr lang="en-US" dirty="0"/>
+              <a:t>learning technique presented in the paper </a:t>
+            </a:r>
+            <a:r>
+              <a:rPr lang="en-US" dirty="0" smtClean="0"/>
+              <a:t>“Learning </a:t>
+            </a:r>
+            <a:r>
+              <a:rPr lang="en-US" dirty="0"/>
+              <a:t>Deep Nearest Neighbor Representations Using Differentiable Boundary Trees” (Zoran et. al.), which builds upon work presented in </a:t>
+            </a:r>
+            <a:r>
+              <a:rPr lang="en-US" dirty="0" smtClean="0"/>
+              <a:t>“The </a:t>
+            </a:r>
+            <a:r>
+              <a:rPr lang="en-US" dirty="0"/>
+              <a:t>Boundary Forest Algorithm for Online Supervised and Unsupervised Learning”. (</a:t>
+            </a:r>
+            <a:r>
+              <a:rPr lang="en-US" dirty="0" err="1"/>
+              <a:t>Derbinsky</a:t>
+            </a:r>
+            <a:r>
+              <a:rPr lang="en-US" dirty="0"/>
+              <a:t>, et. al.) </a:t>
+            </a:r>
+            <a:endParaRPr lang="en-US" dirty="0"/>
+          </a:p>
+          <a:p>
+            <a:endParaRPr lang="en-US" dirty="0" smtClean="0"/>
+          </a:p>
+          <a:p>
+            <a:r>
+              <a:rPr lang="en-US" dirty="0" smtClean="0"/>
+              <a:t>To understand Differentiable Boundary Trees, we first have to understand Boundary </a:t>
+            </a:r>
+            <a:r>
+              <a:rPr lang="en-US" smtClean="0"/>
+              <a:t>Trees themselves.</a:t>
             </a:r>
             <a:endParaRPr lang="en-US" dirty="0"/>
           </a:p>
@@ -3470,7 +3547,7 @@
     </p:spTree>
     <p:extLst>
       <p:ext uri="{BB962C8B-B14F-4D97-AF65-F5344CB8AC3E}">
-        <p14:creationId xmlns:p14="http://schemas.microsoft.com/office/powerpoint/2010/main" val="1684394426"/>
+        <p14:creationId xmlns:p14="http://schemas.microsoft.com/office/powerpoint/2010/main" val="111420136"/>
       </p:ext>
     </p:extLst>
   </p:cSld>
@@ -3481,6 +3558,2319 @@
 </file>
 
 <file path=ppt/slides/slide10.xml><?xml version="1.0" encoding="utf-8"?>
+<p:sld xmlns:a="http://schemas.openxmlformats.org/drawingml/2006/main" xmlns:r="http://schemas.openxmlformats.org/officeDocument/2006/relationships" xmlns:p="http://schemas.openxmlformats.org/presentationml/2006/main">
+  <p:cSld>
+    <p:spTree>
+      <p:nvGrpSpPr>
+        <p:cNvPr id="1" name=""/>
+        <p:cNvGrpSpPr/>
+        <p:nvPr/>
+      </p:nvGrpSpPr>
+      <p:grpSpPr>
+        <a:xfrm>
+          <a:off x="0" y="0"/>
+          <a:ext cx="0" cy="0"/>
+          <a:chOff x="0" y="0"/>
+          <a:chExt cx="0" cy="0"/>
+        </a:xfrm>
+      </p:grpSpPr>
+      <p:sp>
+        <p:nvSpPr>
+          <p:cNvPr id="2" name="Title 1"/>
+          <p:cNvSpPr>
+            <a:spLocks noGrp="1"/>
+          </p:cNvSpPr>
+          <p:nvPr>
+            <p:ph type="title"/>
+          </p:nvPr>
+        </p:nvSpPr>
+        <p:spPr/>
+        <p:txBody>
+          <a:bodyPr/>
+          <a:lstStyle/>
+          <a:p>
+            <a:r>
+              <a:rPr lang="en-US" dirty="0" smtClean="0"/>
+              <a:t>Observations (CIFAR10)</a:t>
+            </a:r>
+            <a:endParaRPr lang="en-US" dirty="0"/>
+          </a:p>
+        </p:txBody>
+      </p:sp>
+      <p:sp>
+        <p:nvSpPr>
+          <p:cNvPr id="3" name="Content Placeholder 2"/>
+          <p:cNvSpPr>
+            <a:spLocks noGrp="1"/>
+          </p:cNvSpPr>
+          <p:nvPr>
+            <p:ph idx="1"/>
+          </p:nvPr>
+        </p:nvSpPr>
+        <p:spPr/>
+        <p:txBody>
+          <a:bodyPr/>
+          <a:lstStyle/>
+          <a:p>
+            <a:r>
+              <a:rPr lang="en-US" dirty="0" smtClean="0"/>
+              <a:t>We saw similar results with the CIFAR10 dataset, although accuracy was never above </a:t>
+            </a:r>
+            <a:r>
+              <a:rPr lang="en-US" dirty="0" smtClean="0"/>
+              <a:t>27.7% </a:t>
+            </a:r>
+            <a:r>
+              <a:rPr lang="en-US" dirty="0" smtClean="0"/>
+              <a:t>on average.</a:t>
+            </a:r>
+            <a:endParaRPr lang="en-US" dirty="0"/>
+          </a:p>
+        </p:txBody>
+      </p:sp>
+      <p:graphicFrame>
+        <p:nvGraphicFramePr>
+          <p:cNvPr id="5" name="Table 4"/>
+          <p:cNvGraphicFramePr>
+            <a:graphicFrameLocks noGrp="1"/>
+          </p:cNvGraphicFramePr>
+          <p:nvPr>
+            <p:extLst>
+              <p:ext uri="{D42A27DB-BD31-4B8C-83A1-F6EECF244321}">
+                <p14:modId xmlns:p14="http://schemas.microsoft.com/office/powerpoint/2010/main" val="1577854263"/>
+              </p:ext>
+            </p:extLst>
+          </p:nvPr>
+        </p:nvGraphicFramePr>
+        <p:xfrm>
+          <a:off x="2345802" y="3133343"/>
+          <a:ext cx="7353783" cy="2583180"/>
+        </p:xfrm>
+        <a:graphic>
+          <a:graphicData uri="http://schemas.openxmlformats.org/drawingml/2006/table">
+            <a:tbl>
+              <a:tblPr/>
+              <a:tblGrid>
+                <a:gridCol w="1115028"/>
+                <a:gridCol w="2157691"/>
+                <a:gridCol w="2413171"/>
+                <a:gridCol w="1667893"/>
+              </a:tblGrid>
+              <a:tr h="203200">
+                <a:tc>
+                  <a:txBody>
+                    <a:bodyPr/>
+                    <a:lstStyle/>
+                    <a:p>
+                      <a:pPr algn="l" fontAlgn="b"/>
+                      <a:r>
+                        <a:rPr lang="en-US" sz="1800" b="0" i="0" u="none" strike="noStrike" dirty="0">
+                          <a:solidFill>
+                            <a:srgbClr val="000000"/>
+                          </a:solidFill>
+                          <a:effectLst/>
+                          <a:latin typeface="+mn-lt"/>
+                        </a:rPr>
+                        <a:t>k</a:t>
+                      </a:r>
+                    </a:p>
+                  </a:txBody>
+                  <a:tcPr marL="12700" marR="12700" marT="12700" marB="0" anchor="b">
+                    <a:lnL w="12700" cap="flat" cmpd="sng" algn="ctr">
+                      <a:solidFill>
+                        <a:schemeClr val="tx1"/>
+                      </a:solidFill>
+                      <a:prstDash val="solid"/>
+                      <a:round/>
+                      <a:headEnd type="none" w="med" len="med"/>
+                      <a:tailEnd type="none" w="med" len="med"/>
+                    </a:lnL>
+                    <a:lnR w="12700" cap="flat" cmpd="sng" algn="ctr">
+                      <a:solidFill>
+                        <a:schemeClr val="tx1"/>
+                      </a:solidFill>
+                      <a:prstDash val="solid"/>
+                      <a:round/>
+                      <a:headEnd type="none" w="med" len="med"/>
+                      <a:tailEnd type="none" w="med" len="med"/>
+                    </a:lnR>
+                    <a:lnT w="12700" cap="flat" cmpd="sng" algn="ctr">
+                      <a:solidFill>
+                        <a:schemeClr val="tx1"/>
+                      </a:solidFill>
+                      <a:prstDash val="solid"/>
+                      <a:round/>
+                      <a:headEnd type="none" w="med" len="med"/>
+                      <a:tailEnd type="none" w="med" len="med"/>
+                    </a:lnT>
+                    <a:lnB w="12700" cap="flat" cmpd="sng" algn="ctr">
+                      <a:solidFill>
+                        <a:schemeClr val="tx1"/>
+                      </a:solidFill>
+                      <a:prstDash val="solid"/>
+                      <a:round/>
+                      <a:headEnd type="none" w="med" len="med"/>
+                      <a:tailEnd type="none" w="med" len="med"/>
+                    </a:lnB>
+                  </a:tcPr>
+                </a:tc>
+                <a:tc>
+                  <a:txBody>
+                    <a:bodyPr/>
+                    <a:lstStyle/>
+                    <a:p>
+                      <a:pPr algn="l" fontAlgn="b"/>
+                      <a:r>
+                        <a:rPr lang="en-US" sz="1800" b="0" i="0" u="none" strike="noStrike">
+                          <a:solidFill>
+                            <a:srgbClr val="000000"/>
+                          </a:solidFill>
+                          <a:effectLst/>
+                          <a:latin typeface="+mn-lt"/>
+                        </a:rPr>
+                        <a:t>Training Time (s)</a:t>
+                      </a:r>
+                    </a:p>
+                  </a:txBody>
+                  <a:tcPr marL="12700" marR="12700" marT="12700" marB="0" anchor="b">
+                    <a:lnL w="12700" cap="flat" cmpd="sng" algn="ctr">
+                      <a:solidFill>
+                        <a:schemeClr val="tx1"/>
+                      </a:solidFill>
+                      <a:prstDash val="solid"/>
+                      <a:round/>
+                      <a:headEnd type="none" w="med" len="med"/>
+                      <a:tailEnd type="none" w="med" len="med"/>
+                    </a:lnL>
+                    <a:lnR w="12700" cap="flat" cmpd="sng" algn="ctr">
+                      <a:solidFill>
+                        <a:schemeClr val="tx1"/>
+                      </a:solidFill>
+                      <a:prstDash val="solid"/>
+                      <a:round/>
+                      <a:headEnd type="none" w="med" len="med"/>
+                      <a:tailEnd type="none" w="med" len="med"/>
+                    </a:lnR>
+                    <a:lnT w="12700" cap="flat" cmpd="sng" algn="ctr">
+                      <a:solidFill>
+                        <a:schemeClr val="tx1"/>
+                      </a:solidFill>
+                      <a:prstDash val="solid"/>
+                      <a:round/>
+                      <a:headEnd type="none" w="med" len="med"/>
+                      <a:tailEnd type="none" w="med" len="med"/>
+                    </a:lnT>
+                    <a:lnB w="12700" cap="flat" cmpd="sng" algn="ctr">
+                      <a:solidFill>
+                        <a:schemeClr val="tx1"/>
+                      </a:solidFill>
+                      <a:prstDash val="solid"/>
+                      <a:round/>
+                      <a:headEnd type="none" w="med" len="med"/>
+                      <a:tailEnd type="none" w="med" len="med"/>
+                    </a:lnB>
+                  </a:tcPr>
+                </a:tc>
+                <a:tc>
+                  <a:txBody>
+                    <a:bodyPr/>
+                    <a:lstStyle/>
+                    <a:p>
+                      <a:pPr algn="l" fontAlgn="b"/>
+                      <a:r>
+                        <a:rPr lang="en-US" sz="1800" b="0" i="0" u="none" strike="noStrike">
+                          <a:solidFill>
+                            <a:srgbClr val="000000"/>
+                          </a:solidFill>
+                          <a:effectLst/>
+                          <a:latin typeface="+mn-lt"/>
+                        </a:rPr>
+                        <a:t>Testing Time (s)</a:t>
+                      </a:r>
+                    </a:p>
+                  </a:txBody>
+                  <a:tcPr marL="12700" marR="12700" marT="12700" marB="0" anchor="b">
+                    <a:lnL w="12700" cap="flat" cmpd="sng" algn="ctr">
+                      <a:solidFill>
+                        <a:schemeClr val="tx1"/>
+                      </a:solidFill>
+                      <a:prstDash val="solid"/>
+                      <a:round/>
+                      <a:headEnd type="none" w="med" len="med"/>
+                      <a:tailEnd type="none" w="med" len="med"/>
+                    </a:lnL>
+                    <a:lnR w="12700" cap="flat" cmpd="sng" algn="ctr">
+                      <a:solidFill>
+                        <a:schemeClr val="tx1"/>
+                      </a:solidFill>
+                      <a:prstDash val="solid"/>
+                      <a:round/>
+                      <a:headEnd type="none" w="med" len="med"/>
+                      <a:tailEnd type="none" w="med" len="med"/>
+                    </a:lnR>
+                    <a:lnT w="12700" cap="flat" cmpd="sng" algn="ctr">
+                      <a:solidFill>
+                        <a:schemeClr val="tx1"/>
+                      </a:solidFill>
+                      <a:prstDash val="solid"/>
+                      <a:round/>
+                      <a:headEnd type="none" w="med" len="med"/>
+                      <a:tailEnd type="none" w="med" len="med"/>
+                    </a:lnT>
+                    <a:lnB w="12700" cap="flat" cmpd="sng" algn="ctr">
+                      <a:solidFill>
+                        <a:schemeClr val="tx1"/>
+                      </a:solidFill>
+                      <a:prstDash val="solid"/>
+                      <a:round/>
+                      <a:headEnd type="none" w="med" len="med"/>
+                      <a:tailEnd type="none" w="med" len="med"/>
+                    </a:lnB>
+                  </a:tcPr>
+                </a:tc>
+                <a:tc>
+                  <a:txBody>
+                    <a:bodyPr/>
+                    <a:lstStyle/>
+                    <a:p>
+                      <a:pPr algn="l" fontAlgn="b"/>
+                      <a:r>
+                        <a:rPr lang="en-US" sz="1800" b="0" i="0" u="none" strike="noStrike">
+                          <a:solidFill>
+                            <a:srgbClr val="000000"/>
+                          </a:solidFill>
+                          <a:effectLst/>
+                          <a:latin typeface="+mn-lt"/>
+                        </a:rPr>
+                        <a:t>Accuracy (%)</a:t>
+                      </a:r>
+                    </a:p>
+                  </a:txBody>
+                  <a:tcPr marL="12700" marR="12700" marT="12700" marB="0" anchor="b">
+                    <a:lnL w="12700" cap="flat" cmpd="sng" algn="ctr">
+                      <a:solidFill>
+                        <a:schemeClr val="tx1"/>
+                      </a:solidFill>
+                      <a:prstDash val="solid"/>
+                      <a:round/>
+                      <a:headEnd type="none" w="med" len="med"/>
+                      <a:tailEnd type="none" w="med" len="med"/>
+                    </a:lnL>
+                    <a:lnR w="12700" cap="flat" cmpd="sng" algn="ctr">
+                      <a:solidFill>
+                        <a:schemeClr val="tx1"/>
+                      </a:solidFill>
+                      <a:prstDash val="solid"/>
+                      <a:round/>
+                      <a:headEnd type="none" w="med" len="med"/>
+                      <a:tailEnd type="none" w="med" len="med"/>
+                    </a:lnR>
+                    <a:lnT w="12700" cap="flat" cmpd="sng" algn="ctr">
+                      <a:solidFill>
+                        <a:schemeClr val="tx1"/>
+                      </a:solidFill>
+                      <a:prstDash val="solid"/>
+                      <a:round/>
+                      <a:headEnd type="none" w="med" len="med"/>
+                      <a:tailEnd type="none" w="med" len="med"/>
+                    </a:lnT>
+                    <a:lnB w="12700" cap="flat" cmpd="sng" algn="ctr">
+                      <a:solidFill>
+                        <a:schemeClr val="tx1"/>
+                      </a:solidFill>
+                      <a:prstDash val="solid"/>
+                      <a:round/>
+                      <a:headEnd type="none" w="med" len="med"/>
+                      <a:tailEnd type="none" w="med" len="med"/>
+                    </a:lnB>
+                  </a:tcPr>
+                </a:tc>
+              </a:tr>
+              <a:tr h="203200">
+                <a:tc>
+                  <a:txBody>
+                    <a:bodyPr/>
+                    <a:lstStyle/>
+                    <a:p>
+                      <a:pPr algn="r" fontAlgn="b"/>
+                      <a:r>
+                        <a:rPr lang="is-IS" sz="1800" b="0" i="0" u="none" strike="noStrike" dirty="0">
+                          <a:solidFill>
+                            <a:srgbClr val="000000"/>
+                          </a:solidFill>
+                          <a:effectLst/>
+                          <a:latin typeface="+mn-lt"/>
+                        </a:rPr>
+                        <a:t>2</a:t>
+                      </a:r>
+                    </a:p>
+                  </a:txBody>
+                  <a:tcPr marL="12700" marR="12700" marT="12700" marB="0" anchor="b">
+                    <a:lnL w="12700" cap="flat" cmpd="sng" algn="ctr">
+                      <a:solidFill>
+                        <a:schemeClr val="tx1"/>
+                      </a:solidFill>
+                      <a:prstDash val="solid"/>
+                      <a:round/>
+                      <a:headEnd type="none" w="med" len="med"/>
+                      <a:tailEnd type="none" w="med" len="med"/>
+                    </a:lnL>
+                    <a:lnR w="12700" cap="flat" cmpd="sng" algn="ctr">
+                      <a:solidFill>
+                        <a:schemeClr val="tx1"/>
+                      </a:solidFill>
+                      <a:prstDash val="solid"/>
+                      <a:round/>
+                      <a:headEnd type="none" w="med" len="med"/>
+                      <a:tailEnd type="none" w="med" len="med"/>
+                    </a:lnR>
+                    <a:lnT w="12700" cap="flat" cmpd="sng" algn="ctr">
+                      <a:solidFill>
+                        <a:schemeClr val="tx1"/>
+                      </a:solidFill>
+                      <a:prstDash val="solid"/>
+                      <a:round/>
+                      <a:headEnd type="none" w="med" len="med"/>
+                      <a:tailEnd type="none" w="med" len="med"/>
+                    </a:lnT>
+                    <a:lnB w="12700" cap="flat" cmpd="sng" algn="ctr">
+                      <a:solidFill>
+                        <a:schemeClr val="tx1"/>
+                      </a:solidFill>
+                      <a:prstDash val="solid"/>
+                      <a:round/>
+                      <a:headEnd type="none" w="med" len="med"/>
+                      <a:tailEnd type="none" w="med" len="med"/>
+                    </a:lnB>
+                  </a:tcPr>
+                </a:tc>
+                <a:tc>
+                  <a:txBody>
+                    <a:bodyPr/>
+                    <a:lstStyle/>
+                    <a:p>
+                      <a:pPr algn="r" fontAlgn="b"/>
+                      <a:r>
+                        <a:rPr lang="hr-HR" sz="1800" b="0" i="0" u="none" strike="noStrike" dirty="0">
+                          <a:solidFill>
+                            <a:srgbClr val="000000"/>
+                          </a:solidFill>
+                          <a:effectLst/>
+                          <a:latin typeface="+mn-lt"/>
+                        </a:rPr>
+                        <a:t>31.6216013</a:t>
+                      </a:r>
+                    </a:p>
+                  </a:txBody>
+                  <a:tcPr marL="12700" marR="12700" marT="12700" marB="0" anchor="b">
+                    <a:lnL w="12700" cap="flat" cmpd="sng" algn="ctr">
+                      <a:solidFill>
+                        <a:schemeClr val="tx1"/>
+                      </a:solidFill>
+                      <a:prstDash val="solid"/>
+                      <a:round/>
+                      <a:headEnd type="none" w="med" len="med"/>
+                      <a:tailEnd type="none" w="med" len="med"/>
+                    </a:lnL>
+                    <a:lnR w="12700" cap="flat" cmpd="sng" algn="ctr">
+                      <a:solidFill>
+                        <a:schemeClr val="tx1"/>
+                      </a:solidFill>
+                      <a:prstDash val="solid"/>
+                      <a:round/>
+                      <a:headEnd type="none" w="med" len="med"/>
+                      <a:tailEnd type="none" w="med" len="med"/>
+                    </a:lnR>
+                    <a:lnT w="12700" cap="flat" cmpd="sng" algn="ctr">
+                      <a:solidFill>
+                        <a:schemeClr val="tx1"/>
+                      </a:solidFill>
+                      <a:prstDash val="solid"/>
+                      <a:round/>
+                      <a:headEnd type="none" w="med" len="med"/>
+                      <a:tailEnd type="none" w="med" len="med"/>
+                    </a:lnT>
+                    <a:lnB w="12700" cap="flat" cmpd="sng" algn="ctr">
+                      <a:solidFill>
+                        <a:schemeClr val="tx1"/>
+                      </a:solidFill>
+                      <a:prstDash val="solid"/>
+                      <a:round/>
+                      <a:headEnd type="none" w="med" len="med"/>
+                      <a:tailEnd type="none" w="med" len="med"/>
+                    </a:lnB>
+                  </a:tcPr>
+                </a:tc>
+                <a:tc>
+                  <a:txBody>
+                    <a:bodyPr/>
+                    <a:lstStyle/>
+                    <a:p>
+                      <a:pPr algn="r" fontAlgn="b"/>
+                      <a:r>
+                        <a:rPr lang="is-IS" sz="1800" b="0" i="0" u="none" strike="noStrike">
+                          <a:solidFill>
+                            <a:srgbClr val="000000"/>
+                          </a:solidFill>
+                          <a:effectLst/>
+                          <a:latin typeface="+mn-lt"/>
+                        </a:rPr>
+                        <a:t>10.17820182</a:t>
+                      </a:r>
+                    </a:p>
+                  </a:txBody>
+                  <a:tcPr marL="12700" marR="12700" marT="12700" marB="0" anchor="b">
+                    <a:lnL w="12700" cap="flat" cmpd="sng" algn="ctr">
+                      <a:solidFill>
+                        <a:schemeClr val="tx1"/>
+                      </a:solidFill>
+                      <a:prstDash val="solid"/>
+                      <a:round/>
+                      <a:headEnd type="none" w="med" len="med"/>
+                      <a:tailEnd type="none" w="med" len="med"/>
+                    </a:lnL>
+                    <a:lnR w="12700" cap="flat" cmpd="sng" algn="ctr">
+                      <a:solidFill>
+                        <a:schemeClr val="tx1"/>
+                      </a:solidFill>
+                      <a:prstDash val="solid"/>
+                      <a:round/>
+                      <a:headEnd type="none" w="med" len="med"/>
+                      <a:tailEnd type="none" w="med" len="med"/>
+                    </a:lnR>
+                    <a:lnT w="12700" cap="flat" cmpd="sng" algn="ctr">
+                      <a:solidFill>
+                        <a:schemeClr val="tx1"/>
+                      </a:solidFill>
+                      <a:prstDash val="solid"/>
+                      <a:round/>
+                      <a:headEnd type="none" w="med" len="med"/>
+                      <a:tailEnd type="none" w="med" len="med"/>
+                    </a:lnT>
+                    <a:lnB w="12700" cap="flat" cmpd="sng" algn="ctr">
+                      <a:solidFill>
+                        <a:schemeClr val="tx1"/>
+                      </a:solidFill>
+                      <a:prstDash val="solid"/>
+                      <a:round/>
+                      <a:headEnd type="none" w="med" len="med"/>
+                      <a:tailEnd type="none" w="med" len="med"/>
+                    </a:lnB>
+                  </a:tcPr>
+                </a:tc>
+                <a:tc>
+                  <a:txBody>
+                    <a:bodyPr/>
+                    <a:lstStyle/>
+                    <a:p>
+                      <a:pPr algn="r" fontAlgn="b"/>
+                      <a:r>
+                        <a:rPr lang="hr-HR" sz="1800" b="0" i="0" u="none" strike="noStrike" dirty="0">
+                          <a:solidFill>
+                            <a:srgbClr val="000000"/>
+                          </a:solidFill>
+                          <a:effectLst/>
+                          <a:latin typeface="+mn-lt"/>
+                        </a:rPr>
+                        <a:t>23.928</a:t>
+                      </a:r>
+                    </a:p>
+                  </a:txBody>
+                  <a:tcPr marL="12700" marR="12700" marT="12700" marB="0" anchor="b">
+                    <a:lnL w="12700" cap="flat" cmpd="sng" algn="ctr">
+                      <a:solidFill>
+                        <a:schemeClr val="tx1"/>
+                      </a:solidFill>
+                      <a:prstDash val="solid"/>
+                      <a:round/>
+                      <a:headEnd type="none" w="med" len="med"/>
+                      <a:tailEnd type="none" w="med" len="med"/>
+                    </a:lnL>
+                    <a:lnR w="12700" cap="flat" cmpd="sng" algn="ctr">
+                      <a:solidFill>
+                        <a:schemeClr val="tx1"/>
+                      </a:solidFill>
+                      <a:prstDash val="solid"/>
+                      <a:round/>
+                      <a:headEnd type="none" w="med" len="med"/>
+                      <a:tailEnd type="none" w="med" len="med"/>
+                    </a:lnR>
+                    <a:lnT w="12700" cap="flat" cmpd="sng" algn="ctr">
+                      <a:solidFill>
+                        <a:schemeClr val="tx1"/>
+                      </a:solidFill>
+                      <a:prstDash val="solid"/>
+                      <a:round/>
+                      <a:headEnd type="none" w="med" len="med"/>
+                      <a:tailEnd type="none" w="med" len="med"/>
+                    </a:lnT>
+                    <a:lnB w="12700" cap="flat" cmpd="sng" algn="ctr">
+                      <a:solidFill>
+                        <a:schemeClr val="tx1"/>
+                      </a:solidFill>
+                      <a:prstDash val="solid"/>
+                      <a:round/>
+                      <a:headEnd type="none" w="med" len="med"/>
+                      <a:tailEnd type="none" w="med" len="med"/>
+                    </a:lnB>
+                  </a:tcPr>
+                </a:tc>
+              </a:tr>
+              <a:tr h="203200">
+                <a:tc>
+                  <a:txBody>
+                    <a:bodyPr/>
+                    <a:lstStyle/>
+                    <a:p>
+                      <a:pPr algn="r" fontAlgn="b"/>
+                      <a:r>
+                        <a:rPr lang="en-US" sz="1800" b="0" i="0" u="none" strike="noStrike">
+                          <a:solidFill>
+                            <a:srgbClr val="000000"/>
+                          </a:solidFill>
+                          <a:effectLst/>
+                          <a:latin typeface="+mn-lt"/>
+                        </a:rPr>
+                        <a:t>3</a:t>
+                      </a:r>
+                    </a:p>
+                  </a:txBody>
+                  <a:tcPr marL="12700" marR="12700" marT="12700" marB="0" anchor="b">
+                    <a:lnL w="12700" cap="flat" cmpd="sng" algn="ctr">
+                      <a:solidFill>
+                        <a:schemeClr val="tx1"/>
+                      </a:solidFill>
+                      <a:prstDash val="solid"/>
+                      <a:round/>
+                      <a:headEnd type="none" w="med" len="med"/>
+                      <a:tailEnd type="none" w="med" len="med"/>
+                    </a:lnL>
+                    <a:lnR w="12700" cap="flat" cmpd="sng" algn="ctr">
+                      <a:solidFill>
+                        <a:schemeClr val="tx1"/>
+                      </a:solidFill>
+                      <a:prstDash val="solid"/>
+                      <a:round/>
+                      <a:headEnd type="none" w="med" len="med"/>
+                      <a:tailEnd type="none" w="med" len="med"/>
+                    </a:lnR>
+                    <a:lnT w="12700" cap="flat" cmpd="sng" algn="ctr">
+                      <a:solidFill>
+                        <a:schemeClr val="tx1"/>
+                      </a:solidFill>
+                      <a:prstDash val="solid"/>
+                      <a:round/>
+                      <a:headEnd type="none" w="med" len="med"/>
+                      <a:tailEnd type="none" w="med" len="med"/>
+                    </a:lnT>
+                    <a:lnB w="12700" cap="flat" cmpd="sng" algn="ctr">
+                      <a:solidFill>
+                        <a:schemeClr val="tx1"/>
+                      </a:solidFill>
+                      <a:prstDash val="solid"/>
+                      <a:round/>
+                      <a:headEnd type="none" w="med" len="med"/>
+                      <a:tailEnd type="none" w="med" len="med"/>
+                    </a:lnB>
+                  </a:tcPr>
+                </a:tc>
+                <a:tc>
+                  <a:txBody>
+                    <a:bodyPr/>
+                    <a:lstStyle/>
+                    <a:p>
+                      <a:pPr algn="r" fontAlgn="b"/>
+                      <a:r>
+                        <a:rPr lang="hr-HR" sz="1800" b="0" i="0" u="none" strike="noStrike">
+                          <a:solidFill>
+                            <a:srgbClr val="000000"/>
+                          </a:solidFill>
+                          <a:effectLst/>
+                          <a:latin typeface="+mn-lt"/>
+                        </a:rPr>
+                        <a:t>28.85782518</a:t>
+                      </a:r>
+                    </a:p>
+                  </a:txBody>
+                  <a:tcPr marL="12700" marR="12700" marT="12700" marB="0" anchor="b">
+                    <a:lnL w="12700" cap="flat" cmpd="sng" algn="ctr">
+                      <a:solidFill>
+                        <a:schemeClr val="tx1"/>
+                      </a:solidFill>
+                      <a:prstDash val="solid"/>
+                      <a:round/>
+                      <a:headEnd type="none" w="med" len="med"/>
+                      <a:tailEnd type="none" w="med" len="med"/>
+                    </a:lnL>
+                    <a:lnR w="12700" cap="flat" cmpd="sng" algn="ctr">
+                      <a:solidFill>
+                        <a:schemeClr val="tx1"/>
+                      </a:solidFill>
+                      <a:prstDash val="solid"/>
+                      <a:round/>
+                      <a:headEnd type="none" w="med" len="med"/>
+                      <a:tailEnd type="none" w="med" len="med"/>
+                    </a:lnR>
+                    <a:lnT w="12700" cap="flat" cmpd="sng" algn="ctr">
+                      <a:solidFill>
+                        <a:schemeClr val="tx1"/>
+                      </a:solidFill>
+                      <a:prstDash val="solid"/>
+                      <a:round/>
+                      <a:headEnd type="none" w="med" len="med"/>
+                      <a:tailEnd type="none" w="med" len="med"/>
+                    </a:lnT>
+                    <a:lnB w="12700" cap="flat" cmpd="sng" algn="ctr">
+                      <a:solidFill>
+                        <a:schemeClr val="tx1"/>
+                      </a:solidFill>
+                      <a:prstDash val="solid"/>
+                      <a:round/>
+                      <a:headEnd type="none" w="med" len="med"/>
+                      <a:tailEnd type="none" w="med" len="med"/>
+                    </a:lnB>
+                  </a:tcPr>
+                </a:tc>
+                <a:tc>
+                  <a:txBody>
+                    <a:bodyPr/>
+                    <a:lstStyle/>
+                    <a:p>
+                      <a:pPr algn="r" fontAlgn="b"/>
+                      <a:r>
+                        <a:rPr lang="is-IS" sz="1800" b="0" i="0" u="none" strike="noStrike">
+                          <a:solidFill>
+                            <a:srgbClr val="000000"/>
+                          </a:solidFill>
+                          <a:effectLst/>
+                          <a:latin typeface="+mn-lt"/>
+                        </a:rPr>
+                        <a:t>9.416226149</a:t>
+                      </a:r>
+                    </a:p>
+                  </a:txBody>
+                  <a:tcPr marL="12700" marR="12700" marT="12700" marB="0" anchor="b">
+                    <a:lnL w="12700" cap="flat" cmpd="sng" algn="ctr">
+                      <a:solidFill>
+                        <a:schemeClr val="tx1"/>
+                      </a:solidFill>
+                      <a:prstDash val="solid"/>
+                      <a:round/>
+                      <a:headEnd type="none" w="med" len="med"/>
+                      <a:tailEnd type="none" w="med" len="med"/>
+                    </a:lnL>
+                    <a:lnR w="12700" cap="flat" cmpd="sng" algn="ctr">
+                      <a:solidFill>
+                        <a:schemeClr val="tx1"/>
+                      </a:solidFill>
+                      <a:prstDash val="solid"/>
+                      <a:round/>
+                      <a:headEnd type="none" w="med" len="med"/>
+                      <a:tailEnd type="none" w="med" len="med"/>
+                    </a:lnR>
+                    <a:lnT w="12700" cap="flat" cmpd="sng" algn="ctr">
+                      <a:solidFill>
+                        <a:schemeClr val="tx1"/>
+                      </a:solidFill>
+                      <a:prstDash val="solid"/>
+                      <a:round/>
+                      <a:headEnd type="none" w="med" len="med"/>
+                      <a:tailEnd type="none" w="med" len="med"/>
+                    </a:lnT>
+                    <a:lnB w="12700" cap="flat" cmpd="sng" algn="ctr">
+                      <a:solidFill>
+                        <a:schemeClr val="tx1"/>
+                      </a:solidFill>
+                      <a:prstDash val="solid"/>
+                      <a:round/>
+                      <a:headEnd type="none" w="med" len="med"/>
+                      <a:tailEnd type="none" w="med" len="med"/>
+                    </a:lnB>
+                  </a:tcPr>
+                </a:tc>
+                <a:tc>
+                  <a:txBody>
+                    <a:bodyPr/>
+                    <a:lstStyle/>
+                    <a:p>
+                      <a:pPr algn="r" fontAlgn="b"/>
+                      <a:r>
+                        <a:rPr lang="nb-NO" sz="1800" b="0" i="0" u="none" strike="noStrike">
+                          <a:solidFill>
+                            <a:srgbClr val="000000"/>
+                          </a:solidFill>
+                          <a:effectLst/>
+                          <a:latin typeface="+mn-lt"/>
+                        </a:rPr>
+                        <a:t>25.422</a:t>
+                      </a:r>
+                    </a:p>
+                  </a:txBody>
+                  <a:tcPr marL="12700" marR="12700" marT="12700" marB="0" anchor="b">
+                    <a:lnL w="12700" cap="flat" cmpd="sng" algn="ctr">
+                      <a:solidFill>
+                        <a:schemeClr val="tx1"/>
+                      </a:solidFill>
+                      <a:prstDash val="solid"/>
+                      <a:round/>
+                      <a:headEnd type="none" w="med" len="med"/>
+                      <a:tailEnd type="none" w="med" len="med"/>
+                    </a:lnL>
+                    <a:lnR w="12700" cap="flat" cmpd="sng" algn="ctr">
+                      <a:solidFill>
+                        <a:schemeClr val="tx1"/>
+                      </a:solidFill>
+                      <a:prstDash val="solid"/>
+                      <a:round/>
+                      <a:headEnd type="none" w="med" len="med"/>
+                      <a:tailEnd type="none" w="med" len="med"/>
+                    </a:lnR>
+                    <a:lnT w="12700" cap="flat" cmpd="sng" algn="ctr">
+                      <a:solidFill>
+                        <a:schemeClr val="tx1"/>
+                      </a:solidFill>
+                      <a:prstDash val="solid"/>
+                      <a:round/>
+                      <a:headEnd type="none" w="med" len="med"/>
+                      <a:tailEnd type="none" w="med" len="med"/>
+                    </a:lnT>
+                    <a:lnB w="12700" cap="flat" cmpd="sng" algn="ctr">
+                      <a:solidFill>
+                        <a:schemeClr val="tx1"/>
+                      </a:solidFill>
+                      <a:prstDash val="solid"/>
+                      <a:round/>
+                      <a:headEnd type="none" w="med" len="med"/>
+                      <a:tailEnd type="none" w="med" len="med"/>
+                    </a:lnB>
+                  </a:tcPr>
+                </a:tc>
+              </a:tr>
+              <a:tr h="203200">
+                <a:tc>
+                  <a:txBody>
+                    <a:bodyPr/>
+                    <a:lstStyle/>
+                    <a:p>
+                      <a:pPr algn="r" fontAlgn="b"/>
+                      <a:r>
+                        <a:rPr lang="en-US" sz="1800" b="0" i="0" u="none" strike="noStrike">
+                          <a:solidFill>
+                            <a:srgbClr val="000000"/>
+                          </a:solidFill>
+                          <a:effectLst/>
+                          <a:latin typeface="+mn-lt"/>
+                        </a:rPr>
+                        <a:t>5</a:t>
+                      </a:r>
+                    </a:p>
+                  </a:txBody>
+                  <a:tcPr marL="12700" marR="12700" marT="12700" marB="0" anchor="b">
+                    <a:lnL w="12700" cap="flat" cmpd="sng" algn="ctr">
+                      <a:solidFill>
+                        <a:schemeClr val="tx1"/>
+                      </a:solidFill>
+                      <a:prstDash val="solid"/>
+                      <a:round/>
+                      <a:headEnd type="none" w="med" len="med"/>
+                      <a:tailEnd type="none" w="med" len="med"/>
+                    </a:lnL>
+                    <a:lnR w="12700" cap="flat" cmpd="sng" algn="ctr">
+                      <a:solidFill>
+                        <a:schemeClr val="tx1"/>
+                      </a:solidFill>
+                      <a:prstDash val="solid"/>
+                      <a:round/>
+                      <a:headEnd type="none" w="med" len="med"/>
+                      <a:tailEnd type="none" w="med" len="med"/>
+                    </a:lnR>
+                    <a:lnT w="12700" cap="flat" cmpd="sng" algn="ctr">
+                      <a:solidFill>
+                        <a:schemeClr val="tx1"/>
+                      </a:solidFill>
+                      <a:prstDash val="solid"/>
+                      <a:round/>
+                      <a:headEnd type="none" w="med" len="med"/>
+                      <a:tailEnd type="none" w="med" len="med"/>
+                    </a:lnT>
+                    <a:lnB w="12700" cap="flat" cmpd="sng" algn="ctr">
+                      <a:solidFill>
+                        <a:schemeClr val="tx1"/>
+                      </a:solidFill>
+                      <a:prstDash val="solid"/>
+                      <a:round/>
+                      <a:headEnd type="none" w="med" len="med"/>
+                      <a:tailEnd type="none" w="med" len="med"/>
+                    </a:lnB>
+                  </a:tcPr>
+                </a:tc>
+                <a:tc>
+                  <a:txBody>
+                    <a:bodyPr/>
+                    <a:lstStyle/>
+                    <a:p>
+                      <a:pPr algn="r" fontAlgn="b"/>
+                      <a:r>
+                        <a:rPr lang="nb-NO" sz="1800" b="0" i="0" u="none" strike="noStrike">
+                          <a:solidFill>
+                            <a:srgbClr val="000000"/>
+                          </a:solidFill>
+                          <a:effectLst/>
+                          <a:latin typeface="+mn-lt"/>
+                        </a:rPr>
+                        <a:t>32.36283786</a:t>
+                      </a:r>
+                    </a:p>
+                  </a:txBody>
+                  <a:tcPr marL="12700" marR="12700" marT="12700" marB="0" anchor="b">
+                    <a:lnL w="12700" cap="flat" cmpd="sng" algn="ctr">
+                      <a:solidFill>
+                        <a:schemeClr val="tx1"/>
+                      </a:solidFill>
+                      <a:prstDash val="solid"/>
+                      <a:round/>
+                      <a:headEnd type="none" w="med" len="med"/>
+                      <a:tailEnd type="none" w="med" len="med"/>
+                    </a:lnL>
+                    <a:lnR w="12700" cap="flat" cmpd="sng" algn="ctr">
+                      <a:solidFill>
+                        <a:schemeClr val="tx1"/>
+                      </a:solidFill>
+                      <a:prstDash val="solid"/>
+                      <a:round/>
+                      <a:headEnd type="none" w="med" len="med"/>
+                      <a:tailEnd type="none" w="med" len="med"/>
+                    </a:lnR>
+                    <a:lnT w="12700" cap="flat" cmpd="sng" algn="ctr">
+                      <a:solidFill>
+                        <a:schemeClr val="tx1"/>
+                      </a:solidFill>
+                      <a:prstDash val="solid"/>
+                      <a:round/>
+                      <a:headEnd type="none" w="med" len="med"/>
+                      <a:tailEnd type="none" w="med" len="med"/>
+                    </a:lnT>
+                    <a:lnB w="12700" cap="flat" cmpd="sng" algn="ctr">
+                      <a:solidFill>
+                        <a:schemeClr val="tx1"/>
+                      </a:solidFill>
+                      <a:prstDash val="solid"/>
+                      <a:round/>
+                      <a:headEnd type="none" w="med" len="med"/>
+                      <a:tailEnd type="none" w="med" len="med"/>
+                    </a:lnB>
+                  </a:tcPr>
+                </a:tc>
+                <a:tc>
+                  <a:txBody>
+                    <a:bodyPr/>
+                    <a:lstStyle/>
+                    <a:p>
+                      <a:pPr algn="r" fontAlgn="b"/>
+                      <a:r>
+                        <a:rPr lang="is-IS" sz="1800" b="0" i="0" u="none" strike="noStrike">
+                          <a:solidFill>
+                            <a:srgbClr val="000000"/>
+                          </a:solidFill>
+                          <a:effectLst/>
+                          <a:latin typeface="+mn-lt"/>
+                        </a:rPr>
+                        <a:t>10.46060543</a:t>
+                      </a:r>
+                    </a:p>
+                  </a:txBody>
+                  <a:tcPr marL="12700" marR="12700" marT="12700" marB="0" anchor="b">
+                    <a:lnL w="12700" cap="flat" cmpd="sng" algn="ctr">
+                      <a:solidFill>
+                        <a:schemeClr val="tx1"/>
+                      </a:solidFill>
+                      <a:prstDash val="solid"/>
+                      <a:round/>
+                      <a:headEnd type="none" w="med" len="med"/>
+                      <a:tailEnd type="none" w="med" len="med"/>
+                    </a:lnL>
+                    <a:lnR w="12700" cap="flat" cmpd="sng" algn="ctr">
+                      <a:solidFill>
+                        <a:schemeClr val="tx1"/>
+                      </a:solidFill>
+                      <a:prstDash val="solid"/>
+                      <a:round/>
+                      <a:headEnd type="none" w="med" len="med"/>
+                      <a:tailEnd type="none" w="med" len="med"/>
+                    </a:lnR>
+                    <a:lnT w="12700" cap="flat" cmpd="sng" algn="ctr">
+                      <a:solidFill>
+                        <a:schemeClr val="tx1"/>
+                      </a:solidFill>
+                      <a:prstDash val="solid"/>
+                      <a:round/>
+                      <a:headEnd type="none" w="med" len="med"/>
+                      <a:tailEnd type="none" w="med" len="med"/>
+                    </a:lnT>
+                    <a:lnB w="12700" cap="flat" cmpd="sng" algn="ctr">
+                      <a:solidFill>
+                        <a:schemeClr val="tx1"/>
+                      </a:solidFill>
+                      <a:prstDash val="solid"/>
+                      <a:round/>
+                      <a:headEnd type="none" w="med" len="med"/>
+                      <a:tailEnd type="none" w="med" len="med"/>
+                    </a:lnB>
+                  </a:tcPr>
+                </a:tc>
+                <a:tc>
+                  <a:txBody>
+                    <a:bodyPr/>
+                    <a:lstStyle/>
+                    <a:p>
+                      <a:pPr algn="r" fontAlgn="b"/>
+                      <a:r>
+                        <a:rPr lang="hr-HR" sz="1800" b="0" i="0" u="none" strike="noStrike">
+                          <a:solidFill>
+                            <a:srgbClr val="000000"/>
+                          </a:solidFill>
+                          <a:effectLst/>
+                          <a:latin typeface="+mn-lt"/>
+                        </a:rPr>
+                        <a:t>26.509</a:t>
+                      </a:r>
+                    </a:p>
+                  </a:txBody>
+                  <a:tcPr marL="12700" marR="12700" marT="12700" marB="0" anchor="b">
+                    <a:lnL w="12700" cap="flat" cmpd="sng" algn="ctr">
+                      <a:solidFill>
+                        <a:schemeClr val="tx1"/>
+                      </a:solidFill>
+                      <a:prstDash val="solid"/>
+                      <a:round/>
+                      <a:headEnd type="none" w="med" len="med"/>
+                      <a:tailEnd type="none" w="med" len="med"/>
+                    </a:lnL>
+                    <a:lnR w="12700" cap="flat" cmpd="sng" algn="ctr">
+                      <a:solidFill>
+                        <a:schemeClr val="tx1"/>
+                      </a:solidFill>
+                      <a:prstDash val="solid"/>
+                      <a:round/>
+                      <a:headEnd type="none" w="med" len="med"/>
+                      <a:tailEnd type="none" w="med" len="med"/>
+                    </a:lnR>
+                    <a:lnT w="12700" cap="flat" cmpd="sng" algn="ctr">
+                      <a:solidFill>
+                        <a:schemeClr val="tx1"/>
+                      </a:solidFill>
+                      <a:prstDash val="solid"/>
+                      <a:round/>
+                      <a:headEnd type="none" w="med" len="med"/>
+                      <a:tailEnd type="none" w="med" len="med"/>
+                    </a:lnT>
+                    <a:lnB w="12700" cap="flat" cmpd="sng" algn="ctr">
+                      <a:solidFill>
+                        <a:schemeClr val="tx1"/>
+                      </a:solidFill>
+                      <a:prstDash val="solid"/>
+                      <a:round/>
+                      <a:headEnd type="none" w="med" len="med"/>
+                      <a:tailEnd type="none" w="med" len="med"/>
+                    </a:lnB>
+                  </a:tcPr>
+                </a:tc>
+              </a:tr>
+              <a:tr h="203200">
+                <a:tc>
+                  <a:txBody>
+                    <a:bodyPr/>
+                    <a:lstStyle/>
+                    <a:p>
+                      <a:pPr algn="r" fontAlgn="b"/>
+                      <a:r>
+                        <a:rPr lang="en-US" sz="1800" b="0" i="0" u="none" strike="noStrike">
+                          <a:solidFill>
+                            <a:srgbClr val="000000"/>
+                          </a:solidFill>
+                          <a:effectLst/>
+                          <a:latin typeface="+mn-lt"/>
+                        </a:rPr>
+                        <a:t>10</a:t>
+                      </a:r>
+                    </a:p>
+                  </a:txBody>
+                  <a:tcPr marL="12700" marR="12700" marT="12700" marB="0" anchor="b">
+                    <a:lnL w="12700" cap="flat" cmpd="sng" algn="ctr">
+                      <a:solidFill>
+                        <a:schemeClr val="tx1"/>
+                      </a:solidFill>
+                      <a:prstDash val="solid"/>
+                      <a:round/>
+                      <a:headEnd type="none" w="med" len="med"/>
+                      <a:tailEnd type="none" w="med" len="med"/>
+                    </a:lnL>
+                    <a:lnR w="12700" cap="flat" cmpd="sng" algn="ctr">
+                      <a:solidFill>
+                        <a:schemeClr val="tx1"/>
+                      </a:solidFill>
+                      <a:prstDash val="solid"/>
+                      <a:round/>
+                      <a:headEnd type="none" w="med" len="med"/>
+                      <a:tailEnd type="none" w="med" len="med"/>
+                    </a:lnR>
+                    <a:lnT w="12700" cap="flat" cmpd="sng" algn="ctr">
+                      <a:solidFill>
+                        <a:schemeClr val="tx1"/>
+                      </a:solidFill>
+                      <a:prstDash val="solid"/>
+                      <a:round/>
+                      <a:headEnd type="none" w="med" len="med"/>
+                      <a:tailEnd type="none" w="med" len="med"/>
+                    </a:lnT>
+                    <a:lnB w="12700" cap="flat" cmpd="sng" algn="ctr">
+                      <a:solidFill>
+                        <a:schemeClr val="tx1"/>
+                      </a:solidFill>
+                      <a:prstDash val="solid"/>
+                      <a:round/>
+                      <a:headEnd type="none" w="med" len="med"/>
+                      <a:tailEnd type="none" w="med" len="med"/>
+                    </a:lnB>
+                  </a:tcPr>
+                </a:tc>
+                <a:tc>
+                  <a:txBody>
+                    <a:bodyPr/>
+                    <a:lstStyle/>
+                    <a:p>
+                      <a:pPr algn="r" fontAlgn="b"/>
+                      <a:r>
+                        <a:rPr lang="is-IS" sz="1800" b="0" i="0" u="none" strike="noStrike" dirty="0">
+                          <a:solidFill>
+                            <a:srgbClr val="000000"/>
+                          </a:solidFill>
+                          <a:effectLst/>
+                          <a:latin typeface="+mn-lt"/>
+                        </a:rPr>
+                        <a:t>36.72829039</a:t>
+                      </a:r>
+                    </a:p>
+                  </a:txBody>
+                  <a:tcPr marL="12700" marR="12700" marT="12700" marB="0" anchor="b">
+                    <a:lnL w="12700" cap="flat" cmpd="sng" algn="ctr">
+                      <a:solidFill>
+                        <a:schemeClr val="tx1"/>
+                      </a:solidFill>
+                      <a:prstDash val="solid"/>
+                      <a:round/>
+                      <a:headEnd type="none" w="med" len="med"/>
+                      <a:tailEnd type="none" w="med" len="med"/>
+                    </a:lnL>
+                    <a:lnR w="12700" cap="flat" cmpd="sng" algn="ctr">
+                      <a:solidFill>
+                        <a:schemeClr val="tx1"/>
+                      </a:solidFill>
+                      <a:prstDash val="solid"/>
+                      <a:round/>
+                      <a:headEnd type="none" w="med" len="med"/>
+                      <a:tailEnd type="none" w="med" len="med"/>
+                    </a:lnR>
+                    <a:lnT w="12700" cap="flat" cmpd="sng" algn="ctr">
+                      <a:solidFill>
+                        <a:schemeClr val="tx1"/>
+                      </a:solidFill>
+                      <a:prstDash val="solid"/>
+                      <a:round/>
+                      <a:headEnd type="none" w="med" len="med"/>
+                      <a:tailEnd type="none" w="med" len="med"/>
+                    </a:lnT>
+                    <a:lnB w="12700" cap="flat" cmpd="sng" algn="ctr">
+                      <a:solidFill>
+                        <a:schemeClr val="tx1"/>
+                      </a:solidFill>
+                      <a:prstDash val="solid"/>
+                      <a:round/>
+                      <a:headEnd type="none" w="med" len="med"/>
+                      <a:tailEnd type="none" w="med" len="med"/>
+                    </a:lnB>
+                  </a:tcPr>
+                </a:tc>
+                <a:tc>
+                  <a:txBody>
+                    <a:bodyPr/>
+                    <a:lstStyle/>
+                    <a:p>
+                      <a:pPr algn="r" fontAlgn="b"/>
+                      <a:r>
+                        <a:rPr lang="nb-NO" sz="1800" b="0" i="0" u="none" strike="noStrike">
+                          <a:solidFill>
+                            <a:srgbClr val="000000"/>
+                          </a:solidFill>
+                          <a:effectLst/>
+                          <a:latin typeface="+mn-lt"/>
+                        </a:rPr>
+                        <a:t>12.98402145</a:t>
+                      </a:r>
+                    </a:p>
+                  </a:txBody>
+                  <a:tcPr marL="12700" marR="12700" marT="12700" marB="0" anchor="b">
+                    <a:lnL w="12700" cap="flat" cmpd="sng" algn="ctr">
+                      <a:solidFill>
+                        <a:schemeClr val="tx1"/>
+                      </a:solidFill>
+                      <a:prstDash val="solid"/>
+                      <a:round/>
+                      <a:headEnd type="none" w="med" len="med"/>
+                      <a:tailEnd type="none" w="med" len="med"/>
+                    </a:lnL>
+                    <a:lnR w="12700" cap="flat" cmpd="sng" algn="ctr">
+                      <a:solidFill>
+                        <a:schemeClr val="tx1"/>
+                      </a:solidFill>
+                      <a:prstDash val="solid"/>
+                      <a:round/>
+                      <a:headEnd type="none" w="med" len="med"/>
+                      <a:tailEnd type="none" w="med" len="med"/>
+                    </a:lnR>
+                    <a:lnT w="12700" cap="flat" cmpd="sng" algn="ctr">
+                      <a:solidFill>
+                        <a:schemeClr val="tx1"/>
+                      </a:solidFill>
+                      <a:prstDash val="solid"/>
+                      <a:round/>
+                      <a:headEnd type="none" w="med" len="med"/>
+                      <a:tailEnd type="none" w="med" len="med"/>
+                    </a:lnT>
+                    <a:lnB w="12700" cap="flat" cmpd="sng" algn="ctr">
+                      <a:solidFill>
+                        <a:schemeClr val="tx1"/>
+                      </a:solidFill>
+                      <a:prstDash val="solid"/>
+                      <a:round/>
+                      <a:headEnd type="none" w="med" len="med"/>
+                      <a:tailEnd type="none" w="med" len="med"/>
+                    </a:lnB>
+                  </a:tcPr>
+                </a:tc>
+                <a:tc>
+                  <a:txBody>
+                    <a:bodyPr/>
+                    <a:lstStyle/>
+                    <a:p>
+                      <a:pPr algn="r" fontAlgn="b"/>
+                      <a:r>
+                        <a:rPr lang="is-IS" sz="1800" b="0" i="0" u="none" strike="noStrike">
+                          <a:solidFill>
+                            <a:srgbClr val="000000"/>
+                          </a:solidFill>
+                          <a:effectLst/>
+                          <a:latin typeface="+mn-lt"/>
+                        </a:rPr>
+                        <a:t>27.169</a:t>
+                      </a:r>
+                    </a:p>
+                  </a:txBody>
+                  <a:tcPr marL="12700" marR="12700" marT="12700" marB="0" anchor="b">
+                    <a:lnL w="12700" cap="flat" cmpd="sng" algn="ctr">
+                      <a:solidFill>
+                        <a:schemeClr val="tx1"/>
+                      </a:solidFill>
+                      <a:prstDash val="solid"/>
+                      <a:round/>
+                      <a:headEnd type="none" w="med" len="med"/>
+                      <a:tailEnd type="none" w="med" len="med"/>
+                    </a:lnL>
+                    <a:lnR w="12700" cap="flat" cmpd="sng" algn="ctr">
+                      <a:solidFill>
+                        <a:schemeClr val="tx1"/>
+                      </a:solidFill>
+                      <a:prstDash val="solid"/>
+                      <a:round/>
+                      <a:headEnd type="none" w="med" len="med"/>
+                      <a:tailEnd type="none" w="med" len="med"/>
+                    </a:lnR>
+                    <a:lnT w="12700" cap="flat" cmpd="sng" algn="ctr">
+                      <a:solidFill>
+                        <a:schemeClr val="tx1"/>
+                      </a:solidFill>
+                      <a:prstDash val="solid"/>
+                      <a:round/>
+                      <a:headEnd type="none" w="med" len="med"/>
+                      <a:tailEnd type="none" w="med" len="med"/>
+                    </a:lnT>
+                    <a:lnB w="12700" cap="flat" cmpd="sng" algn="ctr">
+                      <a:solidFill>
+                        <a:schemeClr val="tx1"/>
+                      </a:solidFill>
+                      <a:prstDash val="solid"/>
+                      <a:round/>
+                      <a:headEnd type="none" w="med" len="med"/>
+                      <a:tailEnd type="none" w="med" len="med"/>
+                    </a:lnB>
+                  </a:tcPr>
+                </a:tc>
+              </a:tr>
+              <a:tr h="203200">
+                <a:tc>
+                  <a:txBody>
+                    <a:bodyPr/>
+                    <a:lstStyle/>
+                    <a:p>
+                      <a:pPr algn="r" fontAlgn="b"/>
+                      <a:r>
+                        <a:rPr lang="is-IS" sz="1800" b="0" i="0" u="none" strike="noStrike">
+                          <a:solidFill>
+                            <a:srgbClr val="000000"/>
+                          </a:solidFill>
+                          <a:effectLst/>
+                          <a:latin typeface="+mn-lt"/>
+                        </a:rPr>
+                        <a:t>20</a:t>
+                      </a:r>
+                    </a:p>
+                  </a:txBody>
+                  <a:tcPr marL="12700" marR="12700" marT="12700" marB="0" anchor="b">
+                    <a:lnL w="12700" cap="flat" cmpd="sng" algn="ctr">
+                      <a:solidFill>
+                        <a:schemeClr val="tx1"/>
+                      </a:solidFill>
+                      <a:prstDash val="solid"/>
+                      <a:round/>
+                      <a:headEnd type="none" w="med" len="med"/>
+                      <a:tailEnd type="none" w="med" len="med"/>
+                    </a:lnL>
+                    <a:lnR w="12700" cap="flat" cmpd="sng" algn="ctr">
+                      <a:solidFill>
+                        <a:schemeClr val="tx1"/>
+                      </a:solidFill>
+                      <a:prstDash val="solid"/>
+                      <a:round/>
+                      <a:headEnd type="none" w="med" len="med"/>
+                      <a:tailEnd type="none" w="med" len="med"/>
+                    </a:lnR>
+                    <a:lnT w="12700" cap="flat" cmpd="sng" algn="ctr">
+                      <a:solidFill>
+                        <a:schemeClr val="tx1"/>
+                      </a:solidFill>
+                      <a:prstDash val="solid"/>
+                      <a:round/>
+                      <a:headEnd type="none" w="med" len="med"/>
+                      <a:tailEnd type="none" w="med" len="med"/>
+                    </a:lnT>
+                    <a:lnB w="12700" cap="flat" cmpd="sng" algn="ctr">
+                      <a:solidFill>
+                        <a:schemeClr val="tx1"/>
+                      </a:solidFill>
+                      <a:prstDash val="solid"/>
+                      <a:round/>
+                      <a:headEnd type="none" w="med" len="med"/>
+                      <a:tailEnd type="none" w="med" len="med"/>
+                    </a:lnB>
+                  </a:tcPr>
+                </a:tc>
+                <a:tc>
+                  <a:txBody>
+                    <a:bodyPr/>
+                    <a:lstStyle/>
+                    <a:p>
+                      <a:pPr algn="r" fontAlgn="b"/>
+                      <a:r>
+                        <a:rPr lang="nb-NO" sz="1800" b="0" i="0" u="none" strike="noStrike">
+                          <a:solidFill>
+                            <a:srgbClr val="000000"/>
+                          </a:solidFill>
+                          <a:effectLst/>
+                          <a:latin typeface="+mn-lt"/>
+                        </a:rPr>
+                        <a:t>51.99976389</a:t>
+                      </a:r>
+                    </a:p>
+                  </a:txBody>
+                  <a:tcPr marL="12700" marR="12700" marT="12700" marB="0" anchor="b">
+                    <a:lnL w="12700" cap="flat" cmpd="sng" algn="ctr">
+                      <a:solidFill>
+                        <a:schemeClr val="tx1"/>
+                      </a:solidFill>
+                      <a:prstDash val="solid"/>
+                      <a:round/>
+                      <a:headEnd type="none" w="med" len="med"/>
+                      <a:tailEnd type="none" w="med" len="med"/>
+                    </a:lnL>
+                    <a:lnR w="12700" cap="flat" cmpd="sng" algn="ctr">
+                      <a:solidFill>
+                        <a:schemeClr val="tx1"/>
+                      </a:solidFill>
+                      <a:prstDash val="solid"/>
+                      <a:round/>
+                      <a:headEnd type="none" w="med" len="med"/>
+                      <a:tailEnd type="none" w="med" len="med"/>
+                    </a:lnR>
+                    <a:lnT w="12700" cap="flat" cmpd="sng" algn="ctr">
+                      <a:solidFill>
+                        <a:schemeClr val="tx1"/>
+                      </a:solidFill>
+                      <a:prstDash val="solid"/>
+                      <a:round/>
+                      <a:headEnd type="none" w="med" len="med"/>
+                      <a:tailEnd type="none" w="med" len="med"/>
+                    </a:lnT>
+                    <a:lnB w="12700" cap="flat" cmpd="sng" algn="ctr">
+                      <a:solidFill>
+                        <a:schemeClr val="tx1"/>
+                      </a:solidFill>
+                      <a:prstDash val="solid"/>
+                      <a:round/>
+                      <a:headEnd type="none" w="med" len="med"/>
+                      <a:tailEnd type="none" w="med" len="med"/>
+                    </a:lnB>
+                  </a:tcPr>
+                </a:tc>
+                <a:tc>
+                  <a:txBody>
+                    <a:bodyPr/>
+                    <a:lstStyle/>
+                    <a:p>
+                      <a:pPr algn="r" fontAlgn="b"/>
+                      <a:r>
+                        <a:rPr lang="cs-CZ" sz="1800" b="0" i="0" u="none" strike="noStrike">
+                          <a:solidFill>
+                            <a:srgbClr val="000000"/>
+                          </a:solidFill>
+                          <a:effectLst/>
+                          <a:latin typeface="+mn-lt"/>
+                        </a:rPr>
+                        <a:t>18.62228603</a:t>
+                      </a:r>
+                    </a:p>
+                  </a:txBody>
+                  <a:tcPr marL="12700" marR="12700" marT="12700" marB="0" anchor="b">
+                    <a:lnL w="12700" cap="flat" cmpd="sng" algn="ctr">
+                      <a:solidFill>
+                        <a:schemeClr val="tx1"/>
+                      </a:solidFill>
+                      <a:prstDash val="solid"/>
+                      <a:round/>
+                      <a:headEnd type="none" w="med" len="med"/>
+                      <a:tailEnd type="none" w="med" len="med"/>
+                    </a:lnL>
+                    <a:lnR w="12700" cap="flat" cmpd="sng" algn="ctr">
+                      <a:solidFill>
+                        <a:schemeClr val="tx1"/>
+                      </a:solidFill>
+                      <a:prstDash val="solid"/>
+                      <a:round/>
+                      <a:headEnd type="none" w="med" len="med"/>
+                      <a:tailEnd type="none" w="med" len="med"/>
+                    </a:lnR>
+                    <a:lnT w="12700" cap="flat" cmpd="sng" algn="ctr">
+                      <a:solidFill>
+                        <a:schemeClr val="tx1"/>
+                      </a:solidFill>
+                      <a:prstDash val="solid"/>
+                      <a:round/>
+                      <a:headEnd type="none" w="med" len="med"/>
+                      <a:tailEnd type="none" w="med" len="med"/>
+                    </a:lnT>
+                    <a:lnB w="12700" cap="flat" cmpd="sng" algn="ctr">
+                      <a:solidFill>
+                        <a:schemeClr val="tx1"/>
+                      </a:solidFill>
+                      <a:prstDash val="solid"/>
+                      <a:round/>
+                      <a:headEnd type="none" w="med" len="med"/>
+                      <a:tailEnd type="none" w="med" len="med"/>
+                    </a:lnB>
+                  </a:tcPr>
+                </a:tc>
+                <a:tc>
+                  <a:txBody>
+                    <a:bodyPr/>
+                    <a:lstStyle/>
+                    <a:p>
+                      <a:pPr algn="r" fontAlgn="b"/>
+                      <a:r>
+                        <a:rPr lang="nb-NO" sz="1800" b="0" i="0" u="none" strike="noStrike">
+                          <a:solidFill>
+                            <a:srgbClr val="000000"/>
+                          </a:solidFill>
+                          <a:effectLst/>
+                          <a:latin typeface="+mn-lt"/>
+                        </a:rPr>
+                        <a:t>27.708</a:t>
+                      </a:r>
+                    </a:p>
+                  </a:txBody>
+                  <a:tcPr marL="12700" marR="12700" marT="12700" marB="0" anchor="b">
+                    <a:lnL w="12700" cap="flat" cmpd="sng" algn="ctr">
+                      <a:solidFill>
+                        <a:schemeClr val="tx1"/>
+                      </a:solidFill>
+                      <a:prstDash val="solid"/>
+                      <a:round/>
+                      <a:headEnd type="none" w="med" len="med"/>
+                      <a:tailEnd type="none" w="med" len="med"/>
+                    </a:lnL>
+                    <a:lnR w="12700" cap="flat" cmpd="sng" algn="ctr">
+                      <a:solidFill>
+                        <a:schemeClr val="tx1"/>
+                      </a:solidFill>
+                      <a:prstDash val="solid"/>
+                      <a:round/>
+                      <a:headEnd type="none" w="med" len="med"/>
+                      <a:tailEnd type="none" w="med" len="med"/>
+                    </a:lnR>
+                    <a:lnT w="12700" cap="flat" cmpd="sng" algn="ctr">
+                      <a:solidFill>
+                        <a:schemeClr val="tx1"/>
+                      </a:solidFill>
+                      <a:prstDash val="solid"/>
+                      <a:round/>
+                      <a:headEnd type="none" w="med" len="med"/>
+                      <a:tailEnd type="none" w="med" len="med"/>
+                    </a:lnT>
+                    <a:lnB w="12700" cap="flat" cmpd="sng" algn="ctr">
+                      <a:solidFill>
+                        <a:schemeClr val="tx1"/>
+                      </a:solidFill>
+                      <a:prstDash val="solid"/>
+                      <a:round/>
+                      <a:headEnd type="none" w="med" len="med"/>
+                      <a:tailEnd type="none" w="med" len="med"/>
+                    </a:lnB>
+                  </a:tcPr>
+                </a:tc>
+              </a:tr>
+              <a:tr h="203200">
+                <a:tc>
+                  <a:txBody>
+                    <a:bodyPr/>
+                    <a:lstStyle/>
+                    <a:p>
+                      <a:pPr algn="r" fontAlgn="b"/>
+                      <a:r>
+                        <a:rPr lang="en-US" sz="1800" b="0" i="0" u="none" strike="noStrike">
+                          <a:solidFill>
+                            <a:srgbClr val="000000"/>
+                          </a:solidFill>
+                          <a:effectLst/>
+                          <a:latin typeface="+mn-lt"/>
+                        </a:rPr>
+                        <a:t>50</a:t>
+                      </a:r>
+                    </a:p>
+                  </a:txBody>
+                  <a:tcPr marL="12700" marR="12700" marT="12700" marB="0" anchor="b">
+                    <a:lnL w="12700" cap="flat" cmpd="sng" algn="ctr">
+                      <a:solidFill>
+                        <a:schemeClr val="tx1"/>
+                      </a:solidFill>
+                      <a:prstDash val="solid"/>
+                      <a:round/>
+                      <a:headEnd type="none" w="med" len="med"/>
+                      <a:tailEnd type="none" w="med" len="med"/>
+                    </a:lnL>
+                    <a:lnR w="12700" cap="flat" cmpd="sng" algn="ctr">
+                      <a:solidFill>
+                        <a:schemeClr val="tx1"/>
+                      </a:solidFill>
+                      <a:prstDash val="solid"/>
+                      <a:round/>
+                      <a:headEnd type="none" w="med" len="med"/>
+                      <a:tailEnd type="none" w="med" len="med"/>
+                    </a:lnR>
+                    <a:lnT w="12700" cap="flat" cmpd="sng" algn="ctr">
+                      <a:solidFill>
+                        <a:schemeClr val="tx1"/>
+                      </a:solidFill>
+                      <a:prstDash val="solid"/>
+                      <a:round/>
+                      <a:headEnd type="none" w="med" len="med"/>
+                      <a:tailEnd type="none" w="med" len="med"/>
+                    </a:lnT>
+                    <a:lnB w="12700" cap="flat" cmpd="sng" algn="ctr">
+                      <a:solidFill>
+                        <a:schemeClr val="tx1"/>
+                      </a:solidFill>
+                      <a:prstDash val="solid"/>
+                      <a:round/>
+                      <a:headEnd type="none" w="med" len="med"/>
+                      <a:tailEnd type="none" w="med" len="med"/>
+                    </a:lnB>
+                  </a:tcPr>
+                </a:tc>
+                <a:tc>
+                  <a:txBody>
+                    <a:bodyPr/>
+                    <a:lstStyle/>
+                    <a:p>
+                      <a:pPr algn="r" fontAlgn="b"/>
+                      <a:r>
+                        <a:rPr lang="fi-FI" sz="1800" b="0" i="0" u="none" strike="noStrike">
+                          <a:solidFill>
+                            <a:srgbClr val="000000"/>
+                          </a:solidFill>
+                          <a:effectLst/>
+                          <a:latin typeface="+mn-lt"/>
+                        </a:rPr>
+                        <a:t>79.45825586</a:t>
+                      </a:r>
+                    </a:p>
+                  </a:txBody>
+                  <a:tcPr marL="12700" marR="12700" marT="12700" marB="0" anchor="b">
+                    <a:lnL w="12700" cap="flat" cmpd="sng" algn="ctr">
+                      <a:solidFill>
+                        <a:schemeClr val="tx1"/>
+                      </a:solidFill>
+                      <a:prstDash val="solid"/>
+                      <a:round/>
+                      <a:headEnd type="none" w="med" len="med"/>
+                      <a:tailEnd type="none" w="med" len="med"/>
+                    </a:lnL>
+                    <a:lnR w="12700" cap="flat" cmpd="sng" algn="ctr">
+                      <a:solidFill>
+                        <a:schemeClr val="tx1"/>
+                      </a:solidFill>
+                      <a:prstDash val="solid"/>
+                      <a:round/>
+                      <a:headEnd type="none" w="med" len="med"/>
+                      <a:tailEnd type="none" w="med" len="med"/>
+                    </a:lnR>
+                    <a:lnT w="12700" cap="flat" cmpd="sng" algn="ctr">
+                      <a:solidFill>
+                        <a:schemeClr val="tx1"/>
+                      </a:solidFill>
+                      <a:prstDash val="solid"/>
+                      <a:round/>
+                      <a:headEnd type="none" w="med" len="med"/>
+                      <a:tailEnd type="none" w="med" len="med"/>
+                    </a:lnT>
+                    <a:lnB w="12700" cap="flat" cmpd="sng" algn="ctr">
+                      <a:solidFill>
+                        <a:schemeClr val="tx1"/>
+                      </a:solidFill>
+                      <a:prstDash val="solid"/>
+                      <a:round/>
+                      <a:headEnd type="none" w="med" len="med"/>
+                      <a:tailEnd type="none" w="med" len="med"/>
+                    </a:lnB>
+                  </a:tcPr>
+                </a:tc>
+                <a:tc>
+                  <a:txBody>
+                    <a:bodyPr/>
+                    <a:lstStyle/>
+                    <a:p>
+                      <a:pPr algn="r" fontAlgn="b"/>
+                      <a:r>
+                        <a:rPr lang="is-IS" sz="1800" b="0" i="0" u="none" strike="noStrike">
+                          <a:solidFill>
+                            <a:srgbClr val="000000"/>
+                          </a:solidFill>
+                          <a:effectLst/>
+                          <a:latin typeface="+mn-lt"/>
+                        </a:rPr>
+                        <a:t>29.97079742</a:t>
+                      </a:r>
+                    </a:p>
+                  </a:txBody>
+                  <a:tcPr marL="12700" marR="12700" marT="12700" marB="0" anchor="b">
+                    <a:lnL w="12700" cap="flat" cmpd="sng" algn="ctr">
+                      <a:solidFill>
+                        <a:schemeClr val="tx1"/>
+                      </a:solidFill>
+                      <a:prstDash val="solid"/>
+                      <a:round/>
+                      <a:headEnd type="none" w="med" len="med"/>
+                      <a:tailEnd type="none" w="med" len="med"/>
+                    </a:lnL>
+                    <a:lnR w="12700" cap="flat" cmpd="sng" algn="ctr">
+                      <a:solidFill>
+                        <a:schemeClr val="tx1"/>
+                      </a:solidFill>
+                      <a:prstDash val="solid"/>
+                      <a:round/>
+                      <a:headEnd type="none" w="med" len="med"/>
+                      <a:tailEnd type="none" w="med" len="med"/>
+                    </a:lnR>
+                    <a:lnT w="12700" cap="flat" cmpd="sng" algn="ctr">
+                      <a:solidFill>
+                        <a:schemeClr val="tx1"/>
+                      </a:solidFill>
+                      <a:prstDash val="solid"/>
+                      <a:round/>
+                      <a:headEnd type="none" w="med" len="med"/>
+                      <a:tailEnd type="none" w="med" len="med"/>
+                    </a:lnT>
+                    <a:lnB w="12700" cap="flat" cmpd="sng" algn="ctr">
+                      <a:solidFill>
+                        <a:schemeClr val="tx1"/>
+                      </a:solidFill>
+                      <a:prstDash val="solid"/>
+                      <a:round/>
+                      <a:headEnd type="none" w="med" len="med"/>
+                      <a:tailEnd type="none" w="med" len="med"/>
+                    </a:lnB>
+                  </a:tcPr>
+                </a:tc>
+                <a:tc>
+                  <a:txBody>
+                    <a:bodyPr/>
+                    <a:lstStyle/>
+                    <a:p>
+                      <a:pPr algn="r" fontAlgn="b"/>
+                      <a:r>
+                        <a:rPr lang="nb-NO" sz="1800" b="0" i="0" u="none" strike="noStrike">
+                          <a:solidFill>
+                            <a:srgbClr val="000000"/>
+                          </a:solidFill>
+                          <a:effectLst/>
+                          <a:latin typeface="+mn-lt"/>
+                        </a:rPr>
+                        <a:t>27.453</a:t>
+                      </a:r>
+                    </a:p>
+                  </a:txBody>
+                  <a:tcPr marL="12700" marR="12700" marT="12700" marB="0" anchor="b">
+                    <a:lnL w="12700" cap="flat" cmpd="sng" algn="ctr">
+                      <a:solidFill>
+                        <a:schemeClr val="tx1"/>
+                      </a:solidFill>
+                      <a:prstDash val="solid"/>
+                      <a:round/>
+                      <a:headEnd type="none" w="med" len="med"/>
+                      <a:tailEnd type="none" w="med" len="med"/>
+                    </a:lnL>
+                    <a:lnR w="12700" cap="flat" cmpd="sng" algn="ctr">
+                      <a:solidFill>
+                        <a:schemeClr val="tx1"/>
+                      </a:solidFill>
+                      <a:prstDash val="solid"/>
+                      <a:round/>
+                      <a:headEnd type="none" w="med" len="med"/>
+                      <a:tailEnd type="none" w="med" len="med"/>
+                    </a:lnR>
+                    <a:lnT w="12700" cap="flat" cmpd="sng" algn="ctr">
+                      <a:solidFill>
+                        <a:schemeClr val="tx1"/>
+                      </a:solidFill>
+                      <a:prstDash val="solid"/>
+                      <a:round/>
+                      <a:headEnd type="none" w="med" len="med"/>
+                      <a:tailEnd type="none" w="med" len="med"/>
+                    </a:lnT>
+                    <a:lnB w="12700" cap="flat" cmpd="sng" algn="ctr">
+                      <a:solidFill>
+                        <a:schemeClr val="tx1"/>
+                      </a:solidFill>
+                      <a:prstDash val="solid"/>
+                      <a:round/>
+                      <a:headEnd type="none" w="med" len="med"/>
+                      <a:tailEnd type="none" w="med" len="med"/>
+                    </a:lnB>
+                  </a:tcPr>
+                </a:tc>
+              </a:tr>
+              <a:tr h="203200">
+                <a:tc>
+                  <a:txBody>
+                    <a:bodyPr/>
+                    <a:lstStyle/>
+                    <a:p>
+                      <a:pPr algn="r" fontAlgn="b"/>
+                      <a:r>
+                        <a:rPr lang="is-IS" sz="1800" b="0" i="0" u="none" strike="noStrike" dirty="0">
+                          <a:solidFill>
+                            <a:srgbClr val="000000"/>
+                          </a:solidFill>
+                          <a:effectLst/>
+                          <a:latin typeface="+mn-lt"/>
+                        </a:rPr>
+                        <a:t>100</a:t>
+                      </a:r>
+                    </a:p>
+                  </a:txBody>
+                  <a:tcPr marL="12700" marR="12700" marT="12700" marB="0" anchor="b">
+                    <a:lnL w="12700" cap="flat" cmpd="sng" algn="ctr">
+                      <a:solidFill>
+                        <a:schemeClr val="tx1"/>
+                      </a:solidFill>
+                      <a:prstDash val="solid"/>
+                      <a:round/>
+                      <a:headEnd type="none" w="med" len="med"/>
+                      <a:tailEnd type="none" w="med" len="med"/>
+                    </a:lnL>
+                    <a:lnR w="12700" cap="flat" cmpd="sng" algn="ctr">
+                      <a:solidFill>
+                        <a:schemeClr val="tx1"/>
+                      </a:solidFill>
+                      <a:prstDash val="solid"/>
+                      <a:round/>
+                      <a:headEnd type="none" w="med" len="med"/>
+                      <a:tailEnd type="none" w="med" len="med"/>
+                    </a:lnR>
+                    <a:lnT w="12700" cap="flat" cmpd="sng" algn="ctr">
+                      <a:solidFill>
+                        <a:schemeClr val="tx1"/>
+                      </a:solidFill>
+                      <a:prstDash val="solid"/>
+                      <a:round/>
+                      <a:headEnd type="none" w="med" len="med"/>
+                      <a:tailEnd type="none" w="med" len="med"/>
+                    </a:lnT>
+                    <a:lnB w="12700" cap="flat" cmpd="sng" algn="ctr">
+                      <a:solidFill>
+                        <a:schemeClr val="tx1"/>
+                      </a:solidFill>
+                      <a:prstDash val="solid"/>
+                      <a:round/>
+                      <a:headEnd type="none" w="med" len="med"/>
+                      <a:tailEnd type="none" w="med" len="med"/>
+                    </a:lnB>
+                  </a:tcPr>
+                </a:tc>
+                <a:tc>
+                  <a:txBody>
+                    <a:bodyPr/>
+                    <a:lstStyle/>
+                    <a:p>
+                      <a:pPr algn="r" fontAlgn="b"/>
+                      <a:r>
+                        <a:rPr lang="is-IS" sz="1800" b="0" i="0" u="none" strike="noStrike" dirty="0">
+                          <a:solidFill>
+                            <a:srgbClr val="000000"/>
+                          </a:solidFill>
+                          <a:effectLst/>
+                          <a:latin typeface="+mn-lt"/>
+                        </a:rPr>
+                        <a:t>98.72666419</a:t>
+                      </a:r>
+                    </a:p>
+                  </a:txBody>
+                  <a:tcPr marL="12700" marR="12700" marT="12700" marB="0" anchor="b">
+                    <a:lnL w="12700" cap="flat" cmpd="sng" algn="ctr">
+                      <a:solidFill>
+                        <a:schemeClr val="tx1"/>
+                      </a:solidFill>
+                      <a:prstDash val="solid"/>
+                      <a:round/>
+                      <a:headEnd type="none" w="med" len="med"/>
+                      <a:tailEnd type="none" w="med" len="med"/>
+                    </a:lnL>
+                    <a:lnR w="12700" cap="flat" cmpd="sng" algn="ctr">
+                      <a:solidFill>
+                        <a:schemeClr val="tx1"/>
+                      </a:solidFill>
+                      <a:prstDash val="solid"/>
+                      <a:round/>
+                      <a:headEnd type="none" w="med" len="med"/>
+                      <a:tailEnd type="none" w="med" len="med"/>
+                    </a:lnR>
+                    <a:lnT w="12700" cap="flat" cmpd="sng" algn="ctr">
+                      <a:solidFill>
+                        <a:schemeClr val="tx1"/>
+                      </a:solidFill>
+                      <a:prstDash val="solid"/>
+                      <a:round/>
+                      <a:headEnd type="none" w="med" len="med"/>
+                      <a:tailEnd type="none" w="med" len="med"/>
+                    </a:lnT>
+                    <a:lnB w="12700" cap="flat" cmpd="sng" algn="ctr">
+                      <a:solidFill>
+                        <a:schemeClr val="tx1"/>
+                      </a:solidFill>
+                      <a:prstDash val="solid"/>
+                      <a:round/>
+                      <a:headEnd type="none" w="med" len="med"/>
+                      <a:tailEnd type="none" w="med" len="med"/>
+                    </a:lnB>
+                  </a:tcPr>
+                </a:tc>
+                <a:tc>
+                  <a:txBody>
+                    <a:bodyPr/>
+                    <a:lstStyle/>
+                    <a:p>
+                      <a:pPr algn="r" fontAlgn="b"/>
+                      <a:r>
+                        <a:rPr lang="hr-HR" sz="1800" b="0" i="0" u="none" strike="noStrike">
+                          <a:solidFill>
+                            <a:srgbClr val="000000"/>
+                          </a:solidFill>
+                          <a:effectLst/>
+                          <a:latin typeface="+mn-lt"/>
+                        </a:rPr>
+                        <a:t>38.09738462</a:t>
+                      </a:r>
+                    </a:p>
+                  </a:txBody>
+                  <a:tcPr marL="12700" marR="12700" marT="12700" marB="0" anchor="b">
+                    <a:lnL w="12700" cap="flat" cmpd="sng" algn="ctr">
+                      <a:solidFill>
+                        <a:schemeClr val="tx1"/>
+                      </a:solidFill>
+                      <a:prstDash val="solid"/>
+                      <a:round/>
+                      <a:headEnd type="none" w="med" len="med"/>
+                      <a:tailEnd type="none" w="med" len="med"/>
+                    </a:lnL>
+                    <a:lnR w="12700" cap="flat" cmpd="sng" algn="ctr">
+                      <a:solidFill>
+                        <a:schemeClr val="tx1"/>
+                      </a:solidFill>
+                      <a:prstDash val="solid"/>
+                      <a:round/>
+                      <a:headEnd type="none" w="med" len="med"/>
+                      <a:tailEnd type="none" w="med" len="med"/>
+                    </a:lnR>
+                    <a:lnT w="12700" cap="flat" cmpd="sng" algn="ctr">
+                      <a:solidFill>
+                        <a:schemeClr val="tx1"/>
+                      </a:solidFill>
+                      <a:prstDash val="solid"/>
+                      <a:round/>
+                      <a:headEnd type="none" w="med" len="med"/>
+                      <a:tailEnd type="none" w="med" len="med"/>
+                    </a:lnT>
+                    <a:lnB w="12700" cap="flat" cmpd="sng" algn="ctr">
+                      <a:solidFill>
+                        <a:schemeClr val="tx1"/>
+                      </a:solidFill>
+                      <a:prstDash val="solid"/>
+                      <a:round/>
+                      <a:headEnd type="none" w="med" len="med"/>
+                      <a:tailEnd type="none" w="med" len="med"/>
+                    </a:lnB>
+                  </a:tcPr>
+                </a:tc>
+                <a:tc>
+                  <a:txBody>
+                    <a:bodyPr/>
+                    <a:lstStyle/>
+                    <a:p>
+                      <a:pPr algn="r" fontAlgn="b"/>
+                      <a:r>
+                        <a:rPr lang="nb-NO" sz="1800" b="0" i="0" u="none" strike="noStrike" smtClean="0">
+                          <a:solidFill>
+                            <a:srgbClr val="000000"/>
+                          </a:solidFill>
+                          <a:effectLst/>
+                          <a:latin typeface="+mn-lt"/>
+                        </a:rPr>
+                        <a:t>27.629</a:t>
+                      </a:r>
+                      <a:endParaRPr lang="nb-NO" sz="1800" b="0" i="0" u="none" strike="noStrike" dirty="0">
+                        <a:solidFill>
+                          <a:srgbClr val="000000"/>
+                        </a:solidFill>
+                        <a:effectLst/>
+                        <a:latin typeface="+mn-lt"/>
+                      </a:endParaRPr>
+                    </a:p>
+                  </a:txBody>
+                  <a:tcPr marL="12700" marR="12700" marT="12700" marB="0" anchor="b">
+                    <a:lnL w="12700" cap="flat" cmpd="sng" algn="ctr">
+                      <a:solidFill>
+                        <a:schemeClr val="tx1"/>
+                      </a:solidFill>
+                      <a:prstDash val="solid"/>
+                      <a:round/>
+                      <a:headEnd type="none" w="med" len="med"/>
+                      <a:tailEnd type="none" w="med" len="med"/>
+                    </a:lnL>
+                    <a:lnR w="12700" cap="flat" cmpd="sng" algn="ctr">
+                      <a:solidFill>
+                        <a:schemeClr val="tx1"/>
+                      </a:solidFill>
+                      <a:prstDash val="solid"/>
+                      <a:round/>
+                      <a:headEnd type="none" w="med" len="med"/>
+                      <a:tailEnd type="none" w="med" len="med"/>
+                    </a:lnR>
+                    <a:lnT w="12700" cap="flat" cmpd="sng" algn="ctr">
+                      <a:solidFill>
+                        <a:schemeClr val="tx1"/>
+                      </a:solidFill>
+                      <a:prstDash val="solid"/>
+                      <a:round/>
+                      <a:headEnd type="none" w="med" len="med"/>
+                      <a:tailEnd type="none" w="med" len="med"/>
+                    </a:lnT>
+                    <a:lnB w="12700" cap="flat" cmpd="sng" algn="ctr">
+                      <a:solidFill>
+                        <a:schemeClr val="tx1"/>
+                      </a:solidFill>
+                      <a:prstDash val="solid"/>
+                      <a:round/>
+                      <a:headEnd type="none" w="med" len="med"/>
+                      <a:tailEnd type="none" w="med" len="med"/>
+                    </a:lnB>
+                  </a:tcPr>
+                </a:tc>
+              </a:tr>
+              <a:tr h="203200">
+                <a:tc>
+                  <a:txBody>
+                    <a:bodyPr/>
+                    <a:lstStyle/>
+                    <a:p>
+                      <a:pPr algn="r" fontAlgn="b"/>
+                      <a:r>
+                        <a:rPr lang="en-US" sz="1800" b="0" i="0" u="none" strike="noStrike" dirty="0" smtClean="0">
+                          <a:solidFill>
+                            <a:srgbClr val="000000"/>
+                          </a:solidFill>
+                          <a:effectLst/>
+                          <a:latin typeface="+mn-lt"/>
+                        </a:rPr>
+                        <a:t>infinity</a:t>
+                      </a:r>
+                      <a:endParaRPr lang="mr-IN" sz="1800" b="0" i="0" u="none" strike="noStrike" dirty="0">
+                        <a:solidFill>
+                          <a:srgbClr val="000000"/>
+                        </a:solidFill>
+                        <a:effectLst/>
+                        <a:latin typeface="+mn-lt"/>
+                      </a:endParaRPr>
+                    </a:p>
+                  </a:txBody>
+                  <a:tcPr marL="12700" marR="12700" marT="12700" marB="0" anchor="b">
+                    <a:lnL w="12700" cap="flat" cmpd="sng" algn="ctr">
+                      <a:solidFill>
+                        <a:schemeClr val="tx1"/>
+                      </a:solidFill>
+                      <a:prstDash val="solid"/>
+                      <a:round/>
+                      <a:headEnd type="none" w="med" len="med"/>
+                      <a:tailEnd type="none" w="med" len="med"/>
+                    </a:lnL>
+                    <a:lnR w="12700" cap="flat" cmpd="sng" algn="ctr">
+                      <a:solidFill>
+                        <a:schemeClr val="tx1"/>
+                      </a:solidFill>
+                      <a:prstDash val="solid"/>
+                      <a:round/>
+                      <a:headEnd type="none" w="med" len="med"/>
+                      <a:tailEnd type="none" w="med" len="med"/>
+                    </a:lnR>
+                    <a:lnT w="12700" cap="flat" cmpd="sng" algn="ctr">
+                      <a:solidFill>
+                        <a:schemeClr val="tx1"/>
+                      </a:solidFill>
+                      <a:prstDash val="solid"/>
+                      <a:round/>
+                      <a:headEnd type="none" w="med" len="med"/>
+                      <a:tailEnd type="none" w="med" len="med"/>
+                    </a:lnT>
+                    <a:lnB w="12700" cap="flat" cmpd="sng" algn="ctr">
+                      <a:solidFill>
+                        <a:schemeClr val="tx1"/>
+                      </a:solidFill>
+                      <a:prstDash val="solid"/>
+                      <a:round/>
+                      <a:headEnd type="none" w="med" len="med"/>
+                      <a:tailEnd type="none" w="med" len="med"/>
+                    </a:lnB>
+                  </a:tcPr>
+                </a:tc>
+                <a:tc>
+                  <a:txBody>
+                    <a:bodyPr/>
+                    <a:lstStyle/>
+                    <a:p>
+                      <a:pPr algn="r" fontAlgn="b"/>
+                      <a:r>
+                        <a:rPr lang="is-IS" sz="1800" b="0" i="0" u="none" strike="noStrike" dirty="0">
+                          <a:solidFill>
+                            <a:srgbClr val="000000"/>
+                          </a:solidFill>
+                          <a:effectLst/>
+                          <a:latin typeface="+mn-lt"/>
+                        </a:rPr>
+                        <a:t>125.9124599</a:t>
+                      </a:r>
+                    </a:p>
+                  </a:txBody>
+                  <a:tcPr marL="12700" marR="12700" marT="12700" marB="0" anchor="b">
+                    <a:lnL w="12700" cap="flat" cmpd="sng" algn="ctr">
+                      <a:solidFill>
+                        <a:schemeClr val="tx1"/>
+                      </a:solidFill>
+                      <a:prstDash val="solid"/>
+                      <a:round/>
+                      <a:headEnd type="none" w="med" len="med"/>
+                      <a:tailEnd type="none" w="med" len="med"/>
+                    </a:lnL>
+                    <a:lnR w="12700" cap="flat" cmpd="sng" algn="ctr">
+                      <a:solidFill>
+                        <a:schemeClr val="tx1"/>
+                      </a:solidFill>
+                      <a:prstDash val="solid"/>
+                      <a:round/>
+                      <a:headEnd type="none" w="med" len="med"/>
+                      <a:tailEnd type="none" w="med" len="med"/>
+                    </a:lnR>
+                    <a:lnT w="12700" cap="flat" cmpd="sng" algn="ctr">
+                      <a:solidFill>
+                        <a:schemeClr val="tx1"/>
+                      </a:solidFill>
+                      <a:prstDash val="solid"/>
+                      <a:round/>
+                      <a:headEnd type="none" w="med" len="med"/>
+                      <a:tailEnd type="none" w="med" len="med"/>
+                    </a:lnT>
+                    <a:lnB w="12700" cap="flat" cmpd="sng" algn="ctr">
+                      <a:solidFill>
+                        <a:schemeClr val="tx1"/>
+                      </a:solidFill>
+                      <a:prstDash val="solid"/>
+                      <a:round/>
+                      <a:headEnd type="none" w="med" len="med"/>
+                      <a:tailEnd type="none" w="med" len="med"/>
+                    </a:lnB>
+                  </a:tcPr>
+                </a:tc>
+                <a:tc>
+                  <a:txBody>
+                    <a:bodyPr/>
+                    <a:lstStyle/>
+                    <a:p>
+                      <a:pPr algn="r" fontAlgn="b"/>
+                      <a:r>
+                        <a:rPr lang="is-IS" sz="1800" b="0" i="0" u="none" strike="noStrike" dirty="0">
+                          <a:solidFill>
+                            <a:srgbClr val="000000"/>
+                          </a:solidFill>
+                          <a:effectLst/>
+                          <a:latin typeface="+mn-lt"/>
+                        </a:rPr>
+                        <a:t>54.22032864</a:t>
+                      </a:r>
+                    </a:p>
+                  </a:txBody>
+                  <a:tcPr marL="12700" marR="12700" marT="12700" marB="0" anchor="b">
+                    <a:lnL w="12700" cap="flat" cmpd="sng" algn="ctr">
+                      <a:solidFill>
+                        <a:schemeClr val="tx1"/>
+                      </a:solidFill>
+                      <a:prstDash val="solid"/>
+                      <a:round/>
+                      <a:headEnd type="none" w="med" len="med"/>
+                      <a:tailEnd type="none" w="med" len="med"/>
+                    </a:lnL>
+                    <a:lnR w="12700" cap="flat" cmpd="sng" algn="ctr">
+                      <a:solidFill>
+                        <a:schemeClr val="tx1"/>
+                      </a:solidFill>
+                      <a:prstDash val="solid"/>
+                      <a:round/>
+                      <a:headEnd type="none" w="med" len="med"/>
+                      <a:tailEnd type="none" w="med" len="med"/>
+                    </a:lnR>
+                    <a:lnT w="12700" cap="flat" cmpd="sng" algn="ctr">
+                      <a:solidFill>
+                        <a:schemeClr val="tx1"/>
+                      </a:solidFill>
+                      <a:prstDash val="solid"/>
+                      <a:round/>
+                      <a:headEnd type="none" w="med" len="med"/>
+                      <a:tailEnd type="none" w="med" len="med"/>
+                    </a:lnT>
+                    <a:lnB w="12700" cap="flat" cmpd="sng" algn="ctr">
+                      <a:solidFill>
+                        <a:schemeClr val="tx1"/>
+                      </a:solidFill>
+                      <a:prstDash val="solid"/>
+                      <a:round/>
+                      <a:headEnd type="none" w="med" len="med"/>
+                      <a:tailEnd type="none" w="med" len="med"/>
+                    </a:lnB>
+                  </a:tcPr>
+                </a:tc>
+                <a:tc>
+                  <a:txBody>
+                    <a:bodyPr/>
+                    <a:lstStyle/>
+                    <a:p>
+                      <a:pPr algn="r" fontAlgn="b"/>
+                      <a:r>
+                        <a:rPr lang="nb-NO" sz="1800" b="0" i="0" u="none" strike="noStrike" dirty="0">
+                          <a:solidFill>
+                            <a:srgbClr val="000000"/>
+                          </a:solidFill>
+                          <a:effectLst/>
+                          <a:latin typeface="+mn-lt"/>
+                        </a:rPr>
+                        <a:t>27.283</a:t>
+                      </a:r>
+                    </a:p>
+                  </a:txBody>
+                  <a:tcPr marL="12700" marR="12700" marT="12700" marB="0" anchor="b">
+                    <a:lnL w="12700" cap="flat" cmpd="sng" algn="ctr">
+                      <a:solidFill>
+                        <a:schemeClr val="tx1"/>
+                      </a:solidFill>
+                      <a:prstDash val="solid"/>
+                      <a:round/>
+                      <a:headEnd type="none" w="med" len="med"/>
+                      <a:tailEnd type="none" w="med" len="med"/>
+                    </a:lnL>
+                    <a:lnR w="12700" cap="flat" cmpd="sng" algn="ctr">
+                      <a:solidFill>
+                        <a:schemeClr val="tx1"/>
+                      </a:solidFill>
+                      <a:prstDash val="solid"/>
+                      <a:round/>
+                      <a:headEnd type="none" w="med" len="med"/>
+                      <a:tailEnd type="none" w="med" len="med"/>
+                    </a:lnR>
+                    <a:lnT w="12700" cap="flat" cmpd="sng" algn="ctr">
+                      <a:solidFill>
+                        <a:schemeClr val="tx1"/>
+                      </a:solidFill>
+                      <a:prstDash val="solid"/>
+                      <a:round/>
+                      <a:headEnd type="none" w="med" len="med"/>
+                      <a:tailEnd type="none" w="med" len="med"/>
+                    </a:lnT>
+                    <a:lnB w="12700" cap="flat" cmpd="sng" algn="ctr">
+                      <a:solidFill>
+                        <a:schemeClr val="tx1"/>
+                      </a:solidFill>
+                      <a:prstDash val="solid"/>
+                      <a:round/>
+                      <a:headEnd type="none" w="med" len="med"/>
+                      <a:tailEnd type="none" w="med" len="med"/>
+                    </a:lnB>
+                  </a:tcPr>
+                </a:tc>
+              </a:tr>
+            </a:tbl>
+          </a:graphicData>
+        </a:graphic>
+      </p:graphicFrame>
+    </p:spTree>
+    <p:extLst>
+      <p:ext uri="{BB962C8B-B14F-4D97-AF65-F5344CB8AC3E}">
+        <p14:creationId xmlns:p14="http://schemas.microsoft.com/office/powerpoint/2010/main" val="1606722539"/>
+      </p:ext>
+    </p:extLst>
+  </p:cSld>
+  <p:clrMapOvr>
+    <a:masterClrMapping/>
+  </p:clrMapOvr>
+</p:sld>
+</file>
+
+<file path=ppt/slides/slide11.xml><?xml version="1.0" encoding="utf-8"?>
+<p:sld xmlns:a="http://schemas.openxmlformats.org/drawingml/2006/main" xmlns:r="http://schemas.openxmlformats.org/officeDocument/2006/relationships" xmlns:p="http://schemas.openxmlformats.org/presentationml/2006/main">
+  <p:cSld>
+    <p:spTree>
+      <p:nvGrpSpPr>
+        <p:cNvPr id="1" name=""/>
+        <p:cNvGrpSpPr/>
+        <p:nvPr/>
+      </p:nvGrpSpPr>
+      <p:grpSpPr>
+        <a:xfrm>
+          <a:off x="0" y="0"/>
+          <a:ext cx="0" cy="0"/>
+          <a:chOff x="0" y="0"/>
+          <a:chExt cx="0" cy="0"/>
+        </a:xfrm>
+      </p:grpSpPr>
+      <p:sp>
+        <p:nvSpPr>
+          <p:cNvPr id="2" name="Title 1"/>
+          <p:cNvSpPr>
+            <a:spLocks noGrp="1"/>
+          </p:cNvSpPr>
+          <p:nvPr>
+            <p:ph type="title"/>
+          </p:nvPr>
+        </p:nvSpPr>
+        <p:spPr/>
+        <p:txBody>
+          <a:bodyPr/>
+          <a:lstStyle/>
+          <a:p>
+            <a:r>
+              <a:rPr lang="en-US" dirty="0" smtClean="0"/>
+              <a:t>Observations (CIFAR10)</a:t>
+            </a:r>
+            <a:endParaRPr lang="en-US" dirty="0"/>
+          </a:p>
+        </p:txBody>
+      </p:sp>
+      <p:pic>
+        <p:nvPicPr>
+          <p:cNvPr id="4" name="Picture 3"/>
+          <p:cNvPicPr>
+            <a:picLocks noChangeAspect="1"/>
+          </p:cNvPicPr>
+          <p:nvPr/>
+        </p:nvPicPr>
+        <p:blipFill>
+          <a:blip r:embed="rId2">
+            <a:extLst>
+              <a:ext uri="{28A0092B-C50C-407E-A947-70E740481C1C}">
+                <a14:useLocalDpi xmlns:a14="http://schemas.microsoft.com/office/drawing/2010/main" val="0"/>
+              </a:ext>
+            </a:extLst>
+          </a:blip>
+          <a:stretch>
+            <a:fillRect/>
+          </a:stretch>
+        </p:blipFill>
+        <p:spPr>
+          <a:xfrm>
+            <a:off x="2301240" y="1690688"/>
+            <a:ext cx="7589520" cy="4559808"/>
+          </a:xfrm>
+          <a:prstGeom prst="rect">
+            <a:avLst/>
+          </a:prstGeom>
+        </p:spPr>
+      </p:pic>
+      <p:sp>
+        <p:nvSpPr>
+          <p:cNvPr id="3" name="TextBox 2"/>
+          <p:cNvSpPr txBox="1"/>
+          <p:nvPr/>
+        </p:nvSpPr>
+        <p:spPr>
+          <a:xfrm>
+            <a:off x="232696" y="6288451"/>
+            <a:ext cx="11726608" cy="369332"/>
+          </a:xfrm>
+          <a:prstGeom prst="rect">
+            <a:avLst/>
+          </a:prstGeom>
+          <a:noFill/>
+        </p:spPr>
+        <p:txBody>
+          <a:bodyPr wrap="none" rtlCol="0">
+            <a:spAutoFit/>
+          </a:bodyPr>
+          <a:lstStyle/>
+          <a:p>
+            <a:r>
+              <a:rPr lang="en-US" dirty="0" smtClean="0"/>
+              <a:t>Graphs are similar to the MNIST graphs, with the accuracy and testing time plateauing, and training time continuing to grow</a:t>
+            </a:r>
+            <a:endParaRPr lang="en-US" dirty="0"/>
+          </a:p>
+        </p:txBody>
+      </p:sp>
+    </p:spTree>
+    <p:extLst>
+      <p:ext uri="{BB962C8B-B14F-4D97-AF65-F5344CB8AC3E}">
+        <p14:creationId xmlns:p14="http://schemas.microsoft.com/office/powerpoint/2010/main" val="271554950"/>
+      </p:ext>
+    </p:extLst>
+  </p:cSld>
+  <p:clrMapOvr>
+    <a:masterClrMapping/>
+  </p:clrMapOvr>
+</p:sld>
+</file>
+
+<file path=ppt/slides/slide12.xml><?xml version="1.0" encoding="utf-8"?>
 <p:sld xmlns:a="http://schemas.openxmlformats.org/drawingml/2006/main" xmlns:r="http://schemas.openxmlformats.org/officeDocument/2006/relationships" xmlns:p="http://schemas.openxmlformats.org/presentationml/2006/main">
   <p:cSld>
     <p:spTree>
@@ -3587,7 +5977,7 @@
             <a:spLocks noGrp="1"/>
           </p:cNvSpPr>
           <p:nvPr>
-            <p:ph type="title"/>
+            <p:ph type="ctrTitle"/>
           </p:nvPr>
         </p:nvSpPr>
         <p:spPr/>
@@ -3597,104 +5987,7 @@
           <a:p>
             <a:r>
               <a:rPr lang="en-US" dirty="0" smtClean="0"/>
-              <a:t>How?</a:t>
-            </a:r>
-            <a:endParaRPr lang="en-US" dirty="0"/>
-          </a:p>
-        </p:txBody>
-      </p:sp>
-      <p:sp>
-        <p:nvSpPr>
-          <p:cNvPr id="3" name="Content Placeholder 2"/>
-          <p:cNvSpPr>
-            <a:spLocks noGrp="1"/>
-          </p:cNvSpPr>
-          <p:nvPr>
-            <p:ph idx="1"/>
-          </p:nvPr>
-        </p:nvSpPr>
-        <p:spPr/>
-        <p:txBody>
-          <a:bodyPr>
-            <a:normAutofit/>
-          </a:bodyPr>
-          <a:lstStyle/>
-          <a:p>
-            <a:r>
-              <a:rPr lang="en-US" dirty="0" smtClean="0"/>
-              <a:t>To train the Boundary:</a:t>
-            </a:r>
-          </a:p>
-          <a:p>
-            <a:pPr lvl="1"/>
-            <a:r>
-              <a:rPr lang="en-US" smtClean="0"/>
-              <a:t>Query </a:t>
-            </a:r>
-            <a:r>
-              <a:rPr lang="en-US" dirty="0" smtClean="0"/>
-              <a:t>the existing tree using the </a:t>
-            </a:r>
-            <a:r>
-              <a:rPr lang="en-US" dirty="0" smtClean="0"/>
-              <a:t>examples from the training set as </a:t>
-            </a:r>
-            <a:r>
-              <a:rPr lang="en-US" dirty="0" smtClean="0"/>
-              <a:t>an input, looking for the closest node (using a Euclidean distance as the distance function</a:t>
-            </a:r>
-            <a:r>
-              <a:rPr lang="en-US" dirty="0" smtClean="0"/>
-              <a:t>).</a:t>
-            </a:r>
-          </a:p>
-          <a:p>
-            <a:pPr lvl="1"/>
-            <a:r>
-              <a:rPr lang="en-US" dirty="0" smtClean="0"/>
-              <a:t>When </a:t>
-            </a:r>
-            <a:r>
-              <a:rPr lang="en-US" dirty="0" smtClean="0"/>
-              <a:t>it finds the closest node, if the example is not the same as the closest node, it will add a new node to the tree containing the </a:t>
-            </a:r>
-            <a:r>
-              <a:rPr lang="en-US" dirty="0" smtClean="0"/>
-              <a:t>example, along with its classification.</a:t>
-            </a:r>
-            <a:endParaRPr lang="en-US" dirty="0" smtClean="0"/>
-          </a:p>
-          <a:p>
-            <a:r>
-              <a:rPr lang="en-US" dirty="0" smtClean="0"/>
-              <a:t>To test the </a:t>
-            </a:r>
-            <a:r>
-              <a:rPr lang="en-US" dirty="0" smtClean="0"/>
-              <a:t>Boundary </a:t>
-            </a:r>
-            <a:r>
-              <a:rPr lang="en-US" dirty="0" smtClean="0"/>
-              <a:t>Tree: </a:t>
-            </a:r>
-          </a:p>
-          <a:p>
-            <a:pPr lvl="1"/>
-            <a:r>
-              <a:rPr lang="en-US" dirty="0" smtClean="0"/>
-              <a:t>Query </a:t>
-            </a:r>
-            <a:r>
-              <a:rPr lang="en-US" dirty="0" smtClean="0"/>
-              <a:t>the existing tree </a:t>
-            </a:r>
-            <a:r>
-              <a:rPr lang="en-US" dirty="0" smtClean="0"/>
-              <a:t>using examples </a:t>
-            </a:r>
-            <a:r>
-              <a:rPr lang="en-US" dirty="0" smtClean="0"/>
-              <a:t>from the test set. The Boundary Tree determines the class of the example by the class associated with the closest node.</a:t>
+              <a:t>Boundary Trees</a:t>
             </a:r>
             <a:endParaRPr lang="en-US" dirty="0"/>
           </a:p>
@@ -3703,7 +5996,7 @@
     </p:spTree>
     <p:extLst>
       <p:ext uri="{BB962C8B-B14F-4D97-AF65-F5344CB8AC3E}">
-        <p14:creationId xmlns:p14="http://schemas.microsoft.com/office/powerpoint/2010/main" val="2097589872"/>
+        <p14:creationId xmlns:p14="http://schemas.microsoft.com/office/powerpoint/2010/main" val="1684394426"/>
       </p:ext>
     </p:extLst>
   </p:cSld>
@@ -3747,7 +6040,7 @@
           <a:p>
             <a:r>
               <a:rPr lang="en-US" dirty="0" smtClean="0"/>
-              <a:t>Observations</a:t>
+              <a:t>Introduction</a:t>
             </a:r>
             <a:endParaRPr lang="en-US" dirty="0"/>
           </a:p>
@@ -3770,6 +6063,266 @@
           <a:p>
             <a:r>
               <a:rPr lang="en-US" dirty="0" smtClean="0"/>
+              <a:t>Features are the individual attributes that make up a single example, or instance.</a:t>
+            </a:r>
+          </a:p>
+          <a:p>
+            <a:pPr lvl="1"/>
+            <a:endParaRPr lang="en-US" dirty="0" smtClean="0"/>
+          </a:p>
+          <a:p>
+            <a:r>
+              <a:rPr lang="en-US" dirty="0" smtClean="0"/>
+              <a:t>The goal is to learn from a training set, and then be able to classify each example correctly from the testing set into different classes.</a:t>
+            </a:r>
+          </a:p>
+          <a:p>
+            <a:pPr marL="0" indent="0">
+              <a:buNone/>
+            </a:pPr>
+            <a:endParaRPr lang="en-US" dirty="0" smtClean="0"/>
+          </a:p>
+          <a:p>
+            <a:pPr lvl="1"/>
+            <a:r>
+              <a:rPr lang="en-US" dirty="0" smtClean="0"/>
+              <a:t>With the MNIST dataset, there are 10 classes: each digit from 0-9.</a:t>
+            </a:r>
+          </a:p>
+          <a:p>
+            <a:pPr lvl="1"/>
+            <a:r>
+              <a:rPr lang="en-US" dirty="0" smtClean="0"/>
+              <a:t>With the CIFAR10 dataset, there are also 10 classes: airplane, automobile, bird, cat, deer, dog, frog, horse, ship, and truck.</a:t>
+            </a:r>
+            <a:endParaRPr lang="en-US" dirty="0"/>
+          </a:p>
+        </p:txBody>
+      </p:sp>
+    </p:spTree>
+    <p:extLst>
+      <p:ext uri="{BB962C8B-B14F-4D97-AF65-F5344CB8AC3E}">
+        <p14:creationId xmlns:p14="http://schemas.microsoft.com/office/powerpoint/2010/main" val="812411308"/>
+      </p:ext>
+    </p:extLst>
+  </p:cSld>
+  <p:clrMapOvr>
+    <a:masterClrMapping/>
+  </p:clrMapOvr>
+</p:sld>
+</file>
+
+<file path=ppt/slides/slide4.xml><?xml version="1.0" encoding="utf-8"?>
+<p:sld xmlns:a="http://schemas.openxmlformats.org/drawingml/2006/main" xmlns:r="http://schemas.openxmlformats.org/officeDocument/2006/relationships" xmlns:p="http://schemas.openxmlformats.org/presentationml/2006/main">
+  <p:cSld>
+    <p:spTree>
+      <p:nvGrpSpPr>
+        <p:cNvPr id="1" name=""/>
+        <p:cNvGrpSpPr/>
+        <p:nvPr/>
+      </p:nvGrpSpPr>
+      <p:grpSpPr>
+        <a:xfrm>
+          <a:off x="0" y="0"/>
+          <a:ext cx="0" cy="0"/>
+          <a:chOff x="0" y="0"/>
+          <a:chExt cx="0" cy="0"/>
+        </a:xfrm>
+      </p:grpSpPr>
+      <p:sp>
+        <p:nvSpPr>
+          <p:cNvPr id="2" name="Title 1"/>
+          <p:cNvSpPr>
+            <a:spLocks noGrp="1"/>
+          </p:cNvSpPr>
+          <p:nvPr>
+            <p:ph type="title"/>
+          </p:nvPr>
+        </p:nvSpPr>
+        <p:spPr/>
+        <p:txBody>
+          <a:bodyPr/>
+          <a:lstStyle/>
+          <a:p>
+            <a:r>
+              <a:rPr lang="en-US" dirty="0" smtClean="0"/>
+              <a:t>How?</a:t>
+            </a:r>
+            <a:endParaRPr lang="en-US" dirty="0"/>
+          </a:p>
+        </p:txBody>
+      </p:sp>
+      <p:sp>
+        <p:nvSpPr>
+          <p:cNvPr id="3" name="Content Placeholder 2"/>
+          <p:cNvSpPr>
+            <a:spLocks noGrp="1"/>
+          </p:cNvSpPr>
+          <p:nvPr>
+            <p:ph idx="1"/>
+          </p:nvPr>
+        </p:nvSpPr>
+        <p:spPr/>
+        <p:txBody>
+          <a:bodyPr>
+            <a:normAutofit/>
+          </a:bodyPr>
+          <a:lstStyle/>
+          <a:p>
+            <a:r>
+              <a:rPr lang="en-US" dirty="0" smtClean="0"/>
+              <a:t>To train the Boundary:</a:t>
+            </a:r>
+          </a:p>
+          <a:p>
+            <a:pPr lvl="1"/>
+            <a:r>
+              <a:rPr lang="en-US" dirty="0" smtClean="0"/>
+              <a:t>Query </a:t>
+            </a:r>
+            <a:r>
+              <a:rPr lang="en-US" dirty="0" smtClean="0"/>
+              <a:t>the existing tree using the </a:t>
+            </a:r>
+            <a:r>
+              <a:rPr lang="en-US" dirty="0" smtClean="0"/>
+              <a:t>examples from the training set as </a:t>
+            </a:r>
+            <a:r>
+              <a:rPr lang="en-US" dirty="0" smtClean="0"/>
+              <a:t>an input, looking for the closest node (using a Euclidean distance as the distance function</a:t>
+            </a:r>
+            <a:r>
+              <a:rPr lang="en-US" dirty="0" smtClean="0"/>
+              <a:t>).</a:t>
+            </a:r>
+          </a:p>
+          <a:p>
+            <a:pPr lvl="1"/>
+            <a:r>
+              <a:rPr lang="en-US" dirty="0" smtClean="0"/>
+              <a:t>When </a:t>
+            </a:r>
+            <a:r>
+              <a:rPr lang="en-US" dirty="0" smtClean="0"/>
+              <a:t>it finds the closest node, if the example is not the same as the closest node, it will add a new node to the tree containing the </a:t>
+            </a:r>
+            <a:r>
+              <a:rPr lang="en-US" dirty="0" smtClean="0"/>
+              <a:t>example, along with its classification.</a:t>
+            </a:r>
+            <a:endParaRPr lang="en-US" dirty="0" smtClean="0"/>
+          </a:p>
+          <a:p>
+            <a:r>
+              <a:rPr lang="en-US" dirty="0" smtClean="0"/>
+              <a:t>To test the </a:t>
+            </a:r>
+            <a:r>
+              <a:rPr lang="en-US" dirty="0" smtClean="0"/>
+              <a:t>Boundary </a:t>
+            </a:r>
+            <a:r>
+              <a:rPr lang="en-US" dirty="0" smtClean="0"/>
+              <a:t>Tree: </a:t>
+            </a:r>
+          </a:p>
+          <a:p>
+            <a:pPr lvl="1"/>
+            <a:r>
+              <a:rPr lang="en-US" dirty="0" smtClean="0"/>
+              <a:t>Query </a:t>
+            </a:r>
+            <a:r>
+              <a:rPr lang="en-US" dirty="0" smtClean="0"/>
+              <a:t>the existing tree </a:t>
+            </a:r>
+            <a:r>
+              <a:rPr lang="en-US" dirty="0" smtClean="0"/>
+              <a:t>using examples </a:t>
+            </a:r>
+            <a:r>
+              <a:rPr lang="en-US" dirty="0" smtClean="0"/>
+              <a:t>from the test set. The Boundary Tree determines the class of the example by the class associated with the closest node</a:t>
+            </a:r>
+            <a:r>
+              <a:rPr lang="en-US" dirty="0" smtClean="0"/>
+              <a:t>.</a:t>
+            </a:r>
+            <a:endParaRPr lang="en-US" dirty="0"/>
+          </a:p>
+        </p:txBody>
+      </p:sp>
+    </p:spTree>
+    <p:extLst>
+      <p:ext uri="{BB962C8B-B14F-4D97-AF65-F5344CB8AC3E}">
+        <p14:creationId xmlns:p14="http://schemas.microsoft.com/office/powerpoint/2010/main" val="2097589872"/>
+      </p:ext>
+    </p:extLst>
+  </p:cSld>
+  <p:clrMapOvr>
+    <a:masterClrMapping/>
+  </p:clrMapOvr>
+</p:sld>
+</file>
+
+<file path=ppt/slides/slide5.xml><?xml version="1.0" encoding="utf-8"?>
+<p:sld xmlns:a="http://schemas.openxmlformats.org/drawingml/2006/main" xmlns:r="http://schemas.openxmlformats.org/officeDocument/2006/relationships" xmlns:p="http://schemas.openxmlformats.org/presentationml/2006/main">
+  <p:cSld>
+    <p:spTree>
+      <p:nvGrpSpPr>
+        <p:cNvPr id="1" name=""/>
+        <p:cNvGrpSpPr/>
+        <p:nvPr/>
+      </p:nvGrpSpPr>
+      <p:grpSpPr>
+        <a:xfrm>
+          <a:off x="0" y="0"/>
+          <a:ext cx="0" cy="0"/>
+          <a:chOff x="0" y="0"/>
+          <a:chExt cx="0" cy="0"/>
+        </a:xfrm>
+      </p:grpSpPr>
+      <p:sp>
+        <p:nvSpPr>
+          <p:cNvPr id="2" name="Title 1"/>
+          <p:cNvSpPr>
+            <a:spLocks noGrp="1"/>
+          </p:cNvSpPr>
+          <p:nvPr>
+            <p:ph type="title"/>
+          </p:nvPr>
+        </p:nvSpPr>
+        <p:spPr/>
+        <p:txBody>
+          <a:bodyPr/>
+          <a:lstStyle/>
+          <a:p>
+            <a:r>
+              <a:rPr lang="en-US" dirty="0" smtClean="0"/>
+              <a:t>Observations</a:t>
+            </a:r>
+            <a:endParaRPr lang="en-US" dirty="0"/>
+          </a:p>
+        </p:txBody>
+      </p:sp>
+      <p:sp>
+        <p:nvSpPr>
+          <p:cNvPr id="3" name="Content Placeholder 2"/>
+          <p:cNvSpPr>
+            <a:spLocks noGrp="1"/>
+          </p:cNvSpPr>
+          <p:nvPr>
+            <p:ph idx="1"/>
+          </p:nvPr>
+        </p:nvSpPr>
+        <p:spPr/>
+        <p:txBody>
+          <a:bodyPr/>
+          <a:lstStyle/>
+          <a:p>
+            <a:r>
+              <a:rPr lang="en-US" dirty="0" smtClean="0"/>
               <a:t>In testing the Boundary Trees with the </a:t>
             </a:r>
             <a:r>
@@ -3850,7 +6403,7 @@
 </p:sld>
 </file>
 
-<file path=ppt/slides/slide4.xml><?xml version="1.0" encoding="utf-8"?>
+<file path=ppt/slides/slide6.xml><?xml version="1.0" encoding="utf-8"?>
 <p:sld xmlns:a="http://schemas.openxmlformats.org/drawingml/2006/main" xmlns:r="http://schemas.openxmlformats.org/officeDocument/2006/relationships" xmlns:p="http://schemas.openxmlformats.org/presentationml/2006/main">
   <p:cSld>
     <p:spTree>
@@ -6098,7 +8651,7 @@
 </p:sld>
 </file>
 
-<file path=ppt/slides/slide5.xml><?xml version="1.0" encoding="utf-8"?>
+<file path=ppt/slides/slide7.xml><?xml version="1.0" encoding="utf-8"?>
 <p:sld xmlns:a="http://schemas.openxmlformats.org/drawingml/2006/main" xmlns:r="http://schemas.openxmlformats.org/officeDocument/2006/relationships" xmlns:p="http://schemas.openxmlformats.org/presentationml/2006/main">
   <p:cSld>
     <p:spTree>
@@ -6274,7 +8827,7 @@
 </p:sld>
 </file>
 
-<file path=ppt/slides/slide6.xml><?xml version="1.0" encoding="utf-8"?>
+<file path=ppt/slides/slide8.xml><?xml version="1.0" encoding="utf-8"?>
 <p:sld xmlns:a="http://schemas.openxmlformats.org/drawingml/2006/main" xmlns:r="http://schemas.openxmlformats.org/officeDocument/2006/relationships" xmlns:p="http://schemas.openxmlformats.org/presentationml/2006/main">
   <p:cSld>
     <p:spTree>
@@ -6386,7 +8939,7 @@
 </p:sld>
 </file>
 
-<file path=ppt/slides/slide7.xml><?xml version="1.0" encoding="utf-8"?>
+<file path=ppt/slides/slide9.xml><?xml version="1.0" encoding="utf-8"?>
 <p:sld xmlns:a="http://schemas.openxmlformats.org/drawingml/2006/main" xmlns:r="http://schemas.openxmlformats.org/officeDocument/2006/relationships" xmlns:p="http://schemas.openxmlformats.org/presentationml/2006/main">
   <p:cSld>
     <p:spTree>
@@ -6490,2319 +9043,6 @@
     <p:extLst>
       <p:ext uri="{BB962C8B-B14F-4D97-AF65-F5344CB8AC3E}">
         <p14:creationId xmlns:p14="http://schemas.microsoft.com/office/powerpoint/2010/main" val="179380196"/>
-      </p:ext>
-    </p:extLst>
-  </p:cSld>
-  <p:clrMapOvr>
-    <a:masterClrMapping/>
-  </p:clrMapOvr>
-</p:sld>
-</file>
-
-<file path=ppt/slides/slide8.xml><?xml version="1.0" encoding="utf-8"?>
-<p:sld xmlns:a="http://schemas.openxmlformats.org/drawingml/2006/main" xmlns:r="http://schemas.openxmlformats.org/officeDocument/2006/relationships" xmlns:p="http://schemas.openxmlformats.org/presentationml/2006/main">
-  <p:cSld>
-    <p:spTree>
-      <p:nvGrpSpPr>
-        <p:cNvPr id="1" name=""/>
-        <p:cNvGrpSpPr/>
-        <p:nvPr/>
-      </p:nvGrpSpPr>
-      <p:grpSpPr>
-        <a:xfrm>
-          <a:off x="0" y="0"/>
-          <a:ext cx="0" cy="0"/>
-          <a:chOff x="0" y="0"/>
-          <a:chExt cx="0" cy="0"/>
-        </a:xfrm>
-      </p:grpSpPr>
-      <p:sp>
-        <p:nvSpPr>
-          <p:cNvPr id="2" name="Title 1"/>
-          <p:cNvSpPr>
-            <a:spLocks noGrp="1"/>
-          </p:cNvSpPr>
-          <p:nvPr>
-            <p:ph type="title"/>
-          </p:nvPr>
-        </p:nvSpPr>
-        <p:spPr/>
-        <p:txBody>
-          <a:bodyPr/>
-          <a:lstStyle/>
-          <a:p>
-            <a:r>
-              <a:rPr lang="en-US" dirty="0" smtClean="0"/>
-              <a:t>Observations (CIFAR10)</a:t>
-            </a:r>
-            <a:endParaRPr lang="en-US" dirty="0"/>
-          </a:p>
-        </p:txBody>
-      </p:sp>
-      <p:sp>
-        <p:nvSpPr>
-          <p:cNvPr id="3" name="Content Placeholder 2"/>
-          <p:cNvSpPr>
-            <a:spLocks noGrp="1"/>
-          </p:cNvSpPr>
-          <p:nvPr>
-            <p:ph idx="1"/>
-          </p:nvPr>
-        </p:nvSpPr>
-        <p:spPr/>
-        <p:txBody>
-          <a:bodyPr/>
-          <a:lstStyle/>
-          <a:p>
-            <a:r>
-              <a:rPr lang="en-US" dirty="0" smtClean="0"/>
-              <a:t>We saw similar results with the CIFAR10 dataset, although accuracy was never above </a:t>
-            </a:r>
-            <a:r>
-              <a:rPr lang="en-US" dirty="0" smtClean="0"/>
-              <a:t>27.7% </a:t>
-            </a:r>
-            <a:r>
-              <a:rPr lang="en-US" dirty="0" smtClean="0"/>
-              <a:t>on average.</a:t>
-            </a:r>
-            <a:endParaRPr lang="en-US" dirty="0"/>
-          </a:p>
-        </p:txBody>
-      </p:sp>
-      <p:graphicFrame>
-        <p:nvGraphicFramePr>
-          <p:cNvPr id="5" name="Table 4"/>
-          <p:cNvGraphicFramePr>
-            <a:graphicFrameLocks noGrp="1"/>
-          </p:cNvGraphicFramePr>
-          <p:nvPr>
-            <p:extLst>
-              <p:ext uri="{D42A27DB-BD31-4B8C-83A1-F6EECF244321}">
-                <p14:modId xmlns:p14="http://schemas.microsoft.com/office/powerpoint/2010/main" val="1577854263"/>
-              </p:ext>
-            </p:extLst>
-          </p:nvPr>
-        </p:nvGraphicFramePr>
-        <p:xfrm>
-          <a:off x="2345802" y="3133343"/>
-          <a:ext cx="7353783" cy="2583180"/>
-        </p:xfrm>
-        <a:graphic>
-          <a:graphicData uri="http://schemas.openxmlformats.org/drawingml/2006/table">
-            <a:tbl>
-              <a:tblPr/>
-              <a:tblGrid>
-                <a:gridCol w="1115028"/>
-                <a:gridCol w="2157691"/>
-                <a:gridCol w="2413171"/>
-                <a:gridCol w="1667893"/>
-              </a:tblGrid>
-              <a:tr h="203200">
-                <a:tc>
-                  <a:txBody>
-                    <a:bodyPr/>
-                    <a:lstStyle/>
-                    <a:p>
-                      <a:pPr algn="l" fontAlgn="b"/>
-                      <a:r>
-                        <a:rPr lang="en-US" sz="1800" b="0" i="0" u="none" strike="noStrike" dirty="0">
-                          <a:solidFill>
-                            <a:srgbClr val="000000"/>
-                          </a:solidFill>
-                          <a:effectLst/>
-                          <a:latin typeface="+mn-lt"/>
-                        </a:rPr>
-                        <a:t>k</a:t>
-                      </a:r>
-                    </a:p>
-                  </a:txBody>
-                  <a:tcPr marL="12700" marR="12700" marT="12700" marB="0" anchor="b">
-                    <a:lnL w="12700" cap="flat" cmpd="sng" algn="ctr">
-                      <a:solidFill>
-                        <a:schemeClr val="tx1"/>
-                      </a:solidFill>
-                      <a:prstDash val="solid"/>
-                      <a:round/>
-                      <a:headEnd type="none" w="med" len="med"/>
-                      <a:tailEnd type="none" w="med" len="med"/>
-                    </a:lnL>
-                    <a:lnR w="12700" cap="flat" cmpd="sng" algn="ctr">
-                      <a:solidFill>
-                        <a:schemeClr val="tx1"/>
-                      </a:solidFill>
-                      <a:prstDash val="solid"/>
-                      <a:round/>
-                      <a:headEnd type="none" w="med" len="med"/>
-                      <a:tailEnd type="none" w="med" len="med"/>
-                    </a:lnR>
-                    <a:lnT w="12700" cap="flat" cmpd="sng" algn="ctr">
-                      <a:solidFill>
-                        <a:schemeClr val="tx1"/>
-                      </a:solidFill>
-                      <a:prstDash val="solid"/>
-                      <a:round/>
-                      <a:headEnd type="none" w="med" len="med"/>
-                      <a:tailEnd type="none" w="med" len="med"/>
-                    </a:lnT>
-                    <a:lnB w="12700" cap="flat" cmpd="sng" algn="ctr">
-                      <a:solidFill>
-                        <a:schemeClr val="tx1"/>
-                      </a:solidFill>
-                      <a:prstDash val="solid"/>
-                      <a:round/>
-                      <a:headEnd type="none" w="med" len="med"/>
-                      <a:tailEnd type="none" w="med" len="med"/>
-                    </a:lnB>
-                  </a:tcPr>
-                </a:tc>
-                <a:tc>
-                  <a:txBody>
-                    <a:bodyPr/>
-                    <a:lstStyle/>
-                    <a:p>
-                      <a:pPr algn="l" fontAlgn="b"/>
-                      <a:r>
-                        <a:rPr lang="en-US" sz="1800" b="0" i="0" u="none" strike="noStrike">
-                          <a:solidFill>
-                            <a:srgbClr val="000000"/>
-                          </a:solidFill>
-                          <a:effectLst/>
-                          <a:latin typeface="+mn-lt"/>
-                        </a:rPr>
-                        <a:t>Training Time (s)</a:t>
-                      </a:r>
-                    </a:p>
-                  </a:txBody>
-                  <a:tcPr marL="12700" marR="12700" marT="12700" marB="0" anchor="b">
-                    <a:lnL w="12700" cap="flat" cmpd="sng" algn="ctr">
-                      <a:solidFill>
-                        <a:schemeClr val="tx1"/>
-                      </a:solidFill>
-                      <a:prstDash val="solid"/>
-                      <a:round/>
-                      <a:headEnd type="none" w="med" len="med"/>
-                      <a:tailEnd type="none" w="med" len="med"/>
-                    </a:lnL>
-                    <a:lnR w="12700" cap="flat" cmpd="sng" algn="ctr">
-                      <a:solidFill>
-                        <a:schemeClr val="tx1"/>
-                      </a:solidFill>
-                      <a:prstDash val="solid"/>
-                      <a:round/>
-                      <a:headEnd type="none" w="med" len="med"/>
-                      <a:tailEnd type="none" w="med" len="med"/>
-                    </a:lnR>
-                    <a:lnT w="12700" cap="flat" cmpd="sng" algn="ctr">
-                      <a:solidFill>
-                        <a:schemeClr val="tx1"/>
-                      </a:solidFill>
-                      <a:prstDash val="solid"/>
-                      <a:round/>
-                      <a:headEnd type="none" w="med" len="med"/>
-                      <a:tailEnd type="none" w="med" len="med"/>
-                    </a:lnT>
-                    <a:lnB w="12700" cap="flat" cmpd="sng" algn="ctr">
-                      <a:solidFill>
-                        <a:schemeClr val="tx1"/>
-                      </a:solidFill>
-                      <a:prstDash val="solid"/>
-                      <a:round/>
-                      <a:headEnd type="none" w="med" len="med"/>
-                      <a:tailEnd type="none" w="med" len="med"/>
-                    </a:lnB>
-                  </a:tcPr>
-                </a:tc>
-                <a:tc>
-                  <a:txBody>
-                    <a:bodyPr/>
-                    <a:lstStyle/>
-                    <a:p>
-                      <a:pPr algn="l" fontAlgn="b"/>
-                      <a:r>
-                        <a:rPr lang="en-US" sz="1800" b="0" i="0" u="none" strike="noStrike">
-                          <a:solidFill>
-                            <a:srgbClr val="000000"/>
-                          </a:solidFill>
-                          <a:effectLst/>
-                          <a:latin typeface="+mn-lt"/>
-                        </a:rPr>
-                        <a:t>Testing Time (s)</a:t>
-                      </a:r>
-                    </a:p>
-                  </a:txBody>
-                  <a:tcPr marL="12700" marR="12700" marT="12700" marB="0" anchor="b">
-                    <a:lnL w="12700" cap="flat" cmpd="sng" algn="ctr">
-                      <a:solidFill>
-                        <a:schemeClr val="tx1"/>
-                      </a:solidFill>
-                      <a:prstDash val="solid"/>
-                      <a:round/>
-                      <a:headEnd type="none" w="med" len="med"/>
-                      <a:tailEnd type="none" w="med" len="med"/>
-                    </a:lnL>
-                    <a:lnR w="12700" cap="flat" cmpd="sng" algn="ctr">
-                      <a:solidFill>
-                        <a:schemeClr val="tx1"/>
-                      </a:solidFill>
-                      <a:prstDash val="solid"/>
-                      <a:round/>
-                      <a:headEnd type="none" w="med" len="med"/>
-                      <a:tailEnd type="none" w="med" len="med"/>
-                    </a:lnR>
-                    <a:lnT w="12700" cap="flat" cmpd="sng" algn="ctr">
-                      <a:solidFill>
-                        <a:schemeClr val="tx1"/>
-                      </a:solidFill>
-                      <a:prstDash val="solid"/>
-                      <a:round/>
-                      <a:headEnd type="none" w="med" len="med"/>
-                      <a:tailEnd type="none" w="med" len="med"/>
-                    </a:lnT>
-                    <a:lnB w="12700" cap="flat" cmpd="sng" algn="ctr">
-                      <a:solidFill>
-                        <a:schemeClr val="tx1"/>
-                      </a:solidFill>
-                      <a:prstDash val="solid"/>
-                      <a:round/>
-                      <a:headEnd type="none" w="med" len="med"/>
-                      <a:tailEnd type="none" w="med" len="med"/>
-                    </a:lnB>
-                  </a:tcPr>
-                </a:tc>
-                <a:tc>
-                  <a:txBody>
-                    <a:bodyPr/>
-                    <a:lstStyle/>
-                    <a:p>
-                      <a:pPr algn="l" fontAlgn="b"/>
-                      <a:r>
-                        <a:rPr lang="en-US" sz="1800" b="0" i="0" u="none" strike="noStrike">
-                          <a:solidFill>
-                            <a:srgbClr val="000000"/>
-                          </a:solidFill>
-                          <a:effectLst/>
-                          <a:latin typeface="+mn-lt"/>
-                        </a:rPr>
-                        <a:t>Accuracy (%)</a:t>
-                      </a:r>
-                    </a:p>
-                  </a:txBody>
-                  <a:tcPr marL="12700" marR="12700" marT="12700" marB="0" anchor="b">
-                    <a:lnL w="12700" cap="flat" cmpd="sng" algn="ctr">
-                      <a:solidFill>
-                        <a:schemeClr val="tx1"/>
-                      </a:solidFill>
-                      <a:prstDash val="solid"/>
-                      <a:round/>
-                      <a:headEnd type="none" w="med" len="med"/>
-                      <a:tailEnd type="none" w="med" len="med"/>
-                    </a:lnL>
-                    <a:lnR w="12700" cap="flat" cmpd="sng" algn="ctr">
-                      <a:solidFill>
-                        <a:schemeClr val="tx1"/>
-                      </a:solidFill>
-                      <a:prstDash val="solid"/>
-                      <a:round/>
-                      <a:headEnd type="none" w="med" len="med"/>
-                      <a:tailEnd type="none" w="med" len="med"/>
-                    </a:lnR>
-                    <a:lnT w="12700" cap="flat" cmpd="sng" algn="ctr">
-                      <a:solidFill>
-                        <a:schemeClr val="tx1"/>
-                      </a:solidFill>
-                      <a:prstDash val="solid"/>
-                      <a:round/>
-                      <a:headEnd type="none" w="med" len="med"/>
-                      <a:tailEnd type="none" w="med" len="med"/>
-                    </a:lnT>
-                    <a:lnB w="12700" cap="flat" cmpd="sng" algn="ctr">
-                      <a:solidFill>
-                        <a:schemeClr val="tx1"/>
-                      </a:solidFill>
-                      <a:prstDash val="solid"/>
-                      <a:round/>
-                      <a:headEnd type="none" w="med" len="med"/>
-                      <a:tailEnd type="none" w="med" len="med"/>
-                    </a:lnB>
-                  </a:tcPr>
-                </a:tc>
-              </a:tr>
-              <a:tr h="203200">
-                <a:tc>
-                  <a:txBody>
-                    <a:bodyPr/>
-                    <a:lstStyle/>
-                    <a:p>
-                      <a:pPr algn="r" fontAlgn="b"/>
-                      <a:r>
-                        <a:rPr lang="is-IS" sz="1800" b="0" i="0" u="none" strike="noStrike" dirty="0">
-                          <a:solidFill>
-                            <a:srgbClr val="000000"/>
-                          </a:solidFill>
-                          <a:effectLst/>
-                          <a:latin typeface="+mn-lt"/>
-                        </a:rPr>
-                        <a:t>2</a:t>
-                      </a:r>
-                    </a:p>
-                  </a:txBody>
-                  <a:tcPr marL="12700" marR="12700" marT="12700" marB="0" anchor="b">
-                    <a:lnL w="12700" cap="flat" cmpd="sng" algn="ctr">
-                      <a:solidFill>
-                        <a:schemeClr val="tx1"/>
-                      </a:solidFill>
-                      <a:prstDash val="solid"/>
-                      <a:round/>
-                      <a:headEnd type="none" w="med" len="med"/>
-                      <a:tailEnd type="none" w="med" len="med"/>
-                    </a:lnL>
-                    <a:lnR w="12700" cap="flat" cmpd="sng" algn="ctr">
-                      <a:solidFill>
-                        <a:schemeClr val="tx1"/>
-                      </a:solidFill>
-                      <a:prstDash val="solid"/>
-                      <a:round/>
-                      <a:headEnd type="none" w="med" len="med"/>
-                      <a:tailEnd type="none" w="med" len="med"/>
-                    </a:lnR>
-                    <a:lnT w="12700" cap="flat" cmpd="sng" algn="ctr">
-                      <a:solidFill>
-                        <a:schemeClr val="tx1"/>
-                      </a:solidFill>
-                      <a:prstDash val="solid"/>
-                      <a:round/>
-                      <a:headEnd type="none" w="med" len="med"/>
-                      <a:tailEnd type="none" w="med" len="med"/>
-                    </a:lnT>
-                    <a:lnB w="12700" cap="flat" cmpd="sng" algn="ctr">
-                      <a:solidFill>
-                        <a:schemeClr val="tx1"/>
-                      </a:solidFill>
-                      <a:prstDash val="solid"/>
-                      <a:round/>
-                      <a:headEnd type="none" w="med" len="med"/>
-                      <a:tailEnd type="none" w="med" len="med"/>
-                    </a:lnB>
-                  </a:tcPr>
-                </a:tc>
-                <a:tc>
-                  <a:txBody>
-                    <a:bodyPr/>
-                    <a:lstStyle/>
-                    <a:p>
-                      <a:pPr algn="r" fontAlgn="b"/>
-                      <a:r>
-                        <a:rPr lang="hr-HR" sz="1800" b="0" i="0" u="none" strike="noStrike" dirty="0">
-                          <a:solidFill>
-                            <a:srgbClr val="000000"/>
-                          </a:solidFill>
-                          <a:effectLst/>
-                          <a:latin typeface="+mn-lt"/>
-                        </a:rPr>
-                        <a:t>31.6216013</a:t>
-                      </a:r>
-                    </a:p>
-                  </a:txBody>
-                  <a:tcPr marL="12700" marR="12700" marT="12700" marB="0" anchor="b">
-                    <a:lnL w="12700" cap="flat" cmpd="sng" algn="ctr">
-                      <a:solidFill>
-                        <a:schemeClr val="tx1"/>
-                      </a:solidFill>
-                      <a:prstDash val="solid"/>
-                      <a:round/>
-                      <a:headEnd type="none" w="med" len="med"/>
-                      <a:tailEnd type="none" w="med" len="med"/>
-                    </a:lnL>
-                    <a:lnR w="12700" cap="flat" cmpd="sng" algn="ctr">
-                      <a:solidFill>
-                        <a:schemeClr val="tx1"/>
-                      </a:solidFill>
-                      <a:prstDash val="solid"/>
-                      <a:round/>
-                      <a:headEnd type="none" w="med" len="med"/>
-                      <a:tailEnd type="none" w="med" len="med"/>
-                    </a:lnR>
-                    <a:lnT w="12700" cap="flat" cmpd="sng" algn="ctr">
-                      <a:solidFill>
-                        <a:schemeClr val="tx1"/>
-                      </a:solidFill>
-                      <a:prstDash val="solid"/>
-                      <a:round/>
-                      <a:headEnd type="none" w="med" len="med"/>
-                      <a:tailEnd type="none" w="med" len="med"/>
-                    </a:lnT>
-                    <a:lnB w="12700" cap="flat" cmpd="sng" algn="ctr">
-                      <a:solidFill>
-                        <a:schemeClr val="tx1"/>
-                      </a:solidFill>
-                      <a:prstDash val="solid"/>
-                      <a:round/>
-                      <a:headEnd type="none" w="med" len="med"/>
-                      <a:tailEnd type="none" w="med" len="med"/>
-                    </a:lnB>
-                  </a:tcPr>
-                </a:tc>
-                <a:tc>
-                  <a:txBody>
-                    <a:bodyPr/>
-                    <a:lstStyle/>
-                    <a:p>
-                      <a:pPr algn="r" fontAlgn="b"/>
-                      <a:r>
-                        <a:rPr lang="is-IS" sz="1800" b="0" i="0" u="none" strike="noStrike">
-                          <a:solidFill>
-                            <a:srgbClr val="000000"/>
-                          </a:solidFill>
-                          <a:effectLst/>
-                          <a:latin typeface="+mn-lt"/>
-                        </a:rPr>
-                        <a:t>10.17820182</a:t>
-                      </a:r>
-                    </a:p>
-                  </a:txBody>
-                  <a:tcPr marL="12700" marR="12700" marT="12700" marB="0" anchor="b">
-                    <a:lnL w="12700" cap="flat" cmpd="sng" algn="ctr">
-                      <a:solidFill>
-                        <a:schemeClr val="tx1"/>
-                      </a:solidFill>
-                      <a:prstDash val="solid"/>
-                      <a:round/>
-                      <a:headEnd type="none" w="med" len="med"/>
-                      <a:tailEnd type="none" w="med" len="med"/>
-                    </a:lnL>
-                    <a:lnR w="12700" cap="flat" cmpd="sng" algn="ctr">
-                      <a:solidFill>
-                        <a:schemeClr val="tx1"/>
-                      </a:solidFill>
-                      <a:prstDash val="solid"/>
-                      <a:round/>
-                      <a:headEnd type="none" w="med" len="med"/>
-                      <a:tailEnd type="none" w="med" len="med"/>
-                    </a:lnR>
-                    <a:lnT w="12700" cap="flat" cmpd="sng" algn="ctr">
-                      <a:solidFill>
-                        <a:schemeClr val="tx1"/>
-                      </a:solidFill>
-                      <a:prstDash val="solid"/>
-                      <a:round/>
-                      <a:headEnd type="none" w="med" len="med"/>
-                      <a:tailEnd type="none" w="med" len="med"/>
-                    </a:lnT>
-                    <a:lnB w="12700" cap="flat" cmpd="sng" algn="ctr">
-                      <a:solidFill>
-                        <a:schemeClr val="tx1"/>
-                      </a:solidFill>
-                      <a:prstDash val="solid"/>
-                      <a:round/>
-                      <a:headEnd type="none" w="med" len="med"/>
-                      <a:tailEnd type="none" w="med" len="med"/>
-                    </a:lnB>
-                  </a:tcPr>
-                </a:tc>
-                <a:tc>
-                  <a:txBody>
-                    <a:bodyPr/>
-                    <a:lstStyle/>
-                    <a:p>
-                      <a:pPr algn="r" fontAlgn="b"/>
-                      <a:r>
-                        <a:rPr lang="hr-HR" sz="1800" b="0" i="0" u="none" strike="noStrike" dirty="0">
-                          <a:solidFill>
-                            <a:srgbClr val="000000"/>
-                          </a:solidFill>
-                          <a:effectLst/>
-                          <a:latin typeface="+mn-lt"/>
-                        </a:rPr>
-                        <a:t>23.928</a:t>
-                      </a:r>
-                    </a:p>
-                  </a:txBody>
-                  <a:tcPr marL="12700" marR="12700" marT="12700" marB="0" anchor="b">
-                    <a:lnL w="12700" cap="flat" cmpd="sng" algn="ctr">
-                      <a:solidFill>
-                        <a:schemeClr val="tx1"/>
-                      </a:solidFill>
-                      <a:prstDash val="solid"/>
-                      <a:round/>
-                      <a:headEnd type="none" w="med" len="med"/>
-                      <a:tailEnd type="none" w="med" len="med"/>
-                    </a:lnL>
-                    <a:lnR w="12700" cap="flat" cmpd="sng" algn="ctr">
-                      <a:solidFill>
-                        <a:schemeClr val="tx1"/>
-                      </a:solidFill>
-                      <a:prstDash val="solid"/>
-                      <a:round/>
-                      <a:headEnd type="none" w="med" len="med"/>
-                      <a:tailEnd type="none" w="med" len="med"/>
-                    </a:lnR>
-                    <a:lnT w="12700" cap="flat" cmpd="sng" algn="ctr">
-                      <a:solidFill>
-                        <a:schemeClr val="tx1"/>
-                      </a:solidFill>
-                      <a:prstDash val="solid"/>
-                      <a:round/>
-                      <a:headEnd type="none" w="med" len="med"/>
-                      <a:tailEnd type="none" w="med" len="med"/>
-                    </a:lnT>
-                    <a:lnB w="12700" cap="flat" cmpd="sng" algn="ctr">
-                      <a:solidFill>
-                        <a:schemeClr val="tx1"/>
-                      </a:solidFill>
-                      <a:prstDash val="solid"/>
-                      <a:round/>
-                      <a:headEnd type="none" w="med" len="med"/>
-                      <a:tailEnd type="none" w="med" len="med"/>
-                    </a:lnB>
-                  </a:tcPr>
-                </a:tc>
-              </a:tr>
-              <a:tr h="203200">
-                <a:tc>
-                  <a:txBody>
-                    <a:bodyPr/>
-                    <a:lstStyle/>
-                    <a:p>
-                      <a:pPr algn="r" fontAlgn="b"/>
-                      <a:r>
-                        <a:rPr lang="en-US" sz="1800" b="0" i="0" u="none" strike="noStrike">
-                          <a:solidFill>
-                            <a:srgbClr val="000000"/>
-                          </a:solidFill>
-                          <a:effectLst/>
-                          <a:latin typeface="+mn-lt"/>
-                        </a:rPr>
-                        <a:t>3</a:t>
-                      </a:r>
-                    </a:p>
-                  </a:txBody>
-                  <a:tcPr marL="12700" marR="12700" marT="12700" marB="0" anchor="b">
-                    <a:lnL w="12700" cap="flat" cmpd="sng" algn="ctr">
-                      <a:solidFill>
-                        <a:schemeClr val="tx1"/>
-                      </a:solidFill>
-                      <a:prstDash val="solid"/>
-                      <a:round/>
-                      <a:headEnd type="none" w="med" len="med"/>
-                      <a:tailEnd type="none" w="med" len="med"/>
-                    </a:lnL>
-                    <a:lnR w="12700" cap="flat" cmpd="sng" algn="ctr">
-                      <a:solidFill>
-                        <a:schemeClr val="tx1"/>
-                      </a:solidFill>
-                      <a:prstDash val="solid"/>
-                      <a:round/>
-                      <a:headEnd type="none" w="med" len="med"/>
-                      <a:tailEnd type="none" w="med" len="med"/>
-                    </a:lnR>
-                    <a:lnT w="12700" cap="flat" cmpd="sng" algn="ctr">
-                      <a:solidFill>
-                        <a:schemeClr val="tx1"/>
-                      </a:solidFill>
-                      <a:prstDash val="solid"/>
-                      <a:round/>
-                      <a:headEnd type="none" w="med" len="med"/>
-                      <a:tailEnd type="none" w="med" len="med"/>
-                    </a:lnT>
-                    <a:lnB w="12700" cap="flat" cmpd="sng" algn="ctr">
-                      <a:solidFill>
-                        <a:schemeClr val="tx1"/>
-                      </a:solidFill>
-                      <a:prstDash val="solid"/>
-                      <a:round/>
-                      <a:headEnd type="none" w="med" len="med"/>
-                      <a:tailEnd type="none" w="med" len="med"/>
-                    </a:lnB>
-                  </a:tcPr>
-                </a:tc>
-                <a:tc>
-                  <a:txBody>
-                    <a:bodyPr/>
-                    <a:lstStyle/>
-                    <a:p>
-                      <a:pPr algn="r" fontAlgn="b"/>
-                      <a:r>
-                        <a:rPr lang="hr-HR" sz="1800" b="0" i="0" u="none" strike="noStrike">
-                          <a:solidFill>
-                            <a:srgbClr val="000000"/>
-                          </a:solidFill>
-                          <a:effectLst/>
-                          <a:latin typeface="+mn-lt"/>
-                        </a:rPr>
-                        <a:t>28.85782518</a:t>
-                      </a:r>
-                    </a:p>
-                  </a:txBody>
-                  <a:tcPr marL="12700" marR="12700" marT="12700" marB="0" anchor="b">
-                    <a:lnL w="12700" cap="flat" cmpd="sng" algn="ctr">
-                      <a:solidFill>
-                        <a:schemeClr val="tx1"/>
-                      </a:solidFill>
-                      <a:prstDash val="solid"/>
-                      <a:round/>
-                      <a:headEnd type="none" w="med" len="med"/>
-                      <a:tailEnd type="none" w="med" len="med"/>
-                    </a:lnL>
-                    <a:lnR w="12700" cap="flat" cmpd="sng" algn="ctr">
-                      <a:solidFill>
-                        <a:schemeClr val="tx1"/>
-                      </a:solidFill>
-                      <a:prstDash val="solid"/>
-                      <a:round/>
-                      <a:headEnd type="none" w="med" len="med"/>
-                      <a:tailEnd type="none" w="med" len="med"/>
-                    </a:lnR>
-                    <a:lnT w="12700" cap="flat" cmpd="sng" algn="ctr">
-                      <a:solidFill>
-                        <a:schemeClr val="tx1"/>
-                      </a:solidFill>
-                      <a:prstDash val="solid"/>
-                      <a:round/>
-                      <a:headEnd type="none" w="med" len="med"/>
-                      <a:tailEnd type="none" w="med" len="med"/>
-                    </a:lnT>
-                    <a:lnB w="12700" cap="flat" cmpd="sng" algn="ctr">
-                      <a:solidFill>
-                        <a:schemeClr val="tx1"/>
-                      </a:solidFill>
-                      <a:prstDash val="solid"/>
-                      <a:round/>
-                      <a:headEnd type="none" w="med" len="med"/>
-                      <a:tailEnd type="none" w="med" len="med"/>
-                    </a:lnB>
-                  </a:tcPr>
-                </a:tc>
-                <a:tc>
-                  <a:txBody>
-                    <a:bodyPr/>
-                    <a:lstStyle/>
-                    <a:p>
-                      <a:pPr algn="r" fontAlgn="b"/>
-                      <a:r>
-                        <a:rPr lang="is-IS" sz="1800" b="0" i="0" u="none" strike="noStrike">
-                          <a:solidFill>
-                            <a:srgbClr val="000000"/>
-                          </a:solidFill>
-                          <a:effectLst/>
-                          <a:latin typeface="+mn-lt"/>
-                        </a:rPr>
-                        <a:t>9.416226149</a:t>
-                      </a:r>
-                    </a:p>
-                  </a:txBody>
-                  <a:tcPr marL="12700" marR="12700" marT="12700" marB="0" anchor="b">
-                    <a:lnL w="12700" cap="flat" cmpd="sng" algn="ctr">
-                      <a:solidFill>
-                        <a:schemeClr val="tx1"/>
-                      </a:solidFill>
-                      <a:prstDash val="solid"/>
-                      <a:round/>
-                      <a:headEnd type="none" w="med" len="med"/>
-                      <a:tailEnd type="none" w="med" len="med"/>
-                    </a:lnL>
-                    <a:lnR w="12700" cap="flat" cmpd="sng" algn="ctr">
-                      <a:solidFill>
-                        <a:schemeClr val="tx1"/>
-                      </a:solidFill>
-                      <a:prstDash val="solid"/>
-                      <a:round/>
-                      <a:headEnd type="none" w="med" len="med"/>
-                      <a:tailEnd type="none" w="med" len="med"/>
-                    </a:lnR>
-                    <a:lnT w="12700" cap="flat" cmpd="sng" algn="ctr">
-                      <a:solidFill>
-                        <a:schemeClr val="tx1"/>
-                      </a:solidFill>
-                      <a:prstDash val="solid"/>
-                      <a:round/>
-                      <a:headEnd type="none" w="med" len="med"/>
-                      <a:tailEnd type="none" w="med" len="med"/>
-                    </a:lnT>
-                    <a:lnB w="12700" cap="flat" cmpd="sng" algn="ctr">
-                      <a:solidFill>
-                        <a:schemeClr val="tx1"/>
-                      </a:solidFill>
-                      <a:prstDash val="solid"/>
-                      <a:round/>
-                      <a:headEnd type="none" w="med" len="med"/>
-                      <a:tailEnd type="none" w="med" len="med"/>
-                    </a:lnB>
-                  </a:tcPr>
-                </a:tc>
-                <a:tc>
-                  <a:txBody>
-                    <a:bodyPr/>
-                    <a:lstStyle/>
-                    <a:p>
-                      <a:pPr algn="r" fontAlgn="b"/>
-                      <a:r>
-                        <a:rPr lang="nb-NO" sz="1800" b="0" i="0" u="none" strike="noStrike">
-                          <a:solidFill>
-                            <a:srgbClr val="000000"/>
-                          </a:solidFill>
-                          <a:effectLst/>
-                          <a:latin typeface="+mn-lt"/>
-                        </a:rPr>
-                        <a:t>25.422</a:t>
-                      </a:r>
-                    </a:p>
-                  </a:txBody>
-                  <a:tcPr marL="12700" marR="12700" marT="12700" marB="0" anchor="b">
-                    <a:lnL w="12700" cap="flat" cmpd="sng" algn="ctr">
-                      <a:solidFill>
-                        <a:schemeClr val="tx1"/>
-                      </a:solidFill>
-                      <a:prstDash val="solid"/>
-                      <a:round/>
-                      <a:headEnd type="none" w="med" len="med"/>
-                      <a:tailEnd type="none" w="med" len="med"/>
-                    </a:lnL>
-                    <a:lnR w="12700" cap="flat" cmpd="sng" algn="ctr">
-                      <a:solidFill>
-                        <a:schemeClr val="tx1"/>
-                      </a:solidFill>
-                      <a:prstDash val="solid"/>
-                      <a:round/>
-                      <a:headEnd type="none" w="med" len="med"/>
-                      <a:tailEnd type="none" w="med" len="med"/>
-                    </a:lnR>
-                    <a:lnT w="12700" cap="flat" cmpd="sng" algn="ctr">
-                      <a:solidFill>
-                        <a:schemeClr val="tx1"/>
-                      </a:solidFill>
-                      <a:prstDash val="solid"/>
-                      <a:round/>
-                      <a:headEnd type="none" w="med" len="med"/>
-                      <a:tailEnd type="none" w="med" len="med"/>
-                    </a:lnT>
-                    <a:lnB w="12700" cap="flat" cmpd="sng" algn="ctr">
-                      <a:solidFill>
-                        <a:schemeClr val="tx1"/>
-                      </a:solidFill>
-                      <a:prstDash val="solid"/>
-                      <a:round/>
-                      <a:headEnd type="none" w="med" len="med"/>
-                      <a:tailEnd type="none" w="med" len="med"/>
-                    </a:lnB>
-                  </a:tcPr>
-                </a:tc>
-              </a:tr>
-              <a:tr h="203200">
-                <a:tc>
-                  <a:txBody>
-                    <a:bodyPr/>
-                    <a:lstStyle/>
-                    <a:p>
-                      <a:pPr algn="r" fontAlgn="b"/>
-                      <a:r>
-                        <a:rPr lang="en-US" sz="1800" b="0" i="0" u="none" strike="noStrike">
-                          <a:solidFill>
-                            <a:srgbClr val="000000"/>
-                          </a:solidFill>
-                          <a:effectLst/>
-                          <a:latin typeface="+mn-lt"/>
-                        </a:rPr>
-                        <a:t>5</a:t>
-                      </a:r>
-                    </a:p>
-                  </a:txBody>
-                  <a:tcPr marL="12700" marR="12700" marT="12700" marB="0" anchor="b">
-                    <a:lnL w="12700" cap="flat" cmpd="sng" algn="ctr">
-                      <a:solidFill>
-                        <a:schemeClr val="tx1"/>
-                      </a:solidFill>
-                      <a:prstDash val="solid"/>
-                      <a:round/>
-                      <a:headEnd type="none" w="med" len="med"/>
-                      <a:tailEnd type="none" w="med" len="med"/>
-                    </a:lnL>
-                    <a:lnR w="12700" cap="flat" cmpd="sng" algn="ctr">
-                      <a:solidFill>
-                        <a:schemeClr val="tx1"/>
-                      </a:solidFill>
-                      <a:prstDash val="solid"/>
-                      <a:round/>
-                      <a:headEnd type="none" w="med" len="med"/>
-                      <a:tailEnd type="none" w="med" len="med"/>
-                    </a:lnR>
-                    <a:lnT w="12700" cap="flat" cmpd="sng" algn="ctr">
-                      <a:solidFill>
-                        <a:schemeClr val="tx1"/>
-                      </a:solidFill>
-                      <a:prstDash val="solid"/>
-                      <a:round/>
-                      <a:headEnd type="none" w="med" len="med"/>
-                      <a:tailEnd type="none" w="med" len="med"/>
-                    </a:lnT>
-                    <a:lnB w="12700" cap="flat" cmpd="sng" algn="ctr">
-                      <a:solidFill>
-                        <a:schemeClr val="tx1"/>
-                      </a:solidFill>
-                      <a:prstDash val="solid"/>
-                      <a:round/>
-                      <a:headEnd type="none" w="med" len="med"/>
-                      <a:tailEnd type="none" w="med" len="med"/>
-                    </a:lnB>
-                  </a:tcPr>
-                </a:tc>
-                <a:tc>
-                  <a:txBody>
-                    <a:bodyPr/>
-                    <a:lstStyle/>
-                    <a:p>
-                      <a:pPr algn="r" fontAlgn="b"/>
-                      <a:r>
-                        <a:rPr lang="nb-NO" sz="1800" b="0" i="0" u="none" strike="noStrike">
-                          <a:solidFill>
-                            <a:srgbClr val="000000"/>
-                          </a:solidFill>
-                          <a:effectLst/>
-                          <a:latin typeface="+mn-lt"/>
-                        </a:rPr>
-                        <a:t>32.36283786</a:t>
-                      </a:r>
-                    </a:p>
-                  </a:txBody>
-                  <a:tcPr marL="12700" marR="12700" marT="12700" marB="0" anchor="b">
-                    <a:lnL w="12700" cap="flat" cmpd="sng" algn="ctr">
-                      <a:solidFill>
-                        <a:schemeClr val="tx1"/>
-                      </a:solidFill>
-                      <a:prstDash val="solid"/>
-                      <a:round/>
-                      <a:headEnd type="none" w="med" len="med"/>
-                      <a:tailEnd type="none" w="med" len="med"/>
-                    </a:lnL>
-                    <a:lnR w="12700" cap="flat" cmpd="sng" algn="ctr">
-                      <a:solidFill>
-                        <a:schemeClr val="tx1"/>
-                      </a:solidFill>
-                      <a:prstDash val="solid"/>
-                      <a:round/>
-                      <a:headEnd type="none" w="med" len="med"/>
-                      <a:tailEnd type="none" w="med" len="med"/>
-                    </a:lnR>
-                    <a:lnT w="12700" cap="flat" cmpd="sng" algn="ctr">
-                      <a:solidFill>
-                        <a:schemeClr val="tx1"/>
-                      </a:solidFill>
-                      <a:prstDash val="solid"/>
-                      <a:round/>
-                      <a:headEnd type="none" w="med" len="med"/>
-                      <a:tailEnd type="none" w="med" len="med"/>
-                    </a:lnT>
-                    <a:lnB w="12700" cap="flat" cmpd="sng" algn="ctr">
-                      <a:solidFill>
-                        <a:schemeClr val="tx1"/>
-                      </a:solidFill>
-                      <a:prstDash val="solid"/>
-                      <a:round/>
-                      <a:headEnd type="none" w="med" len="med"/>
-                      <a:tailEnd type="none" w="med" len="med"/>
-                    </a:lnB>
-                  </a:tcPr>
-                </a:tc>
-                <a:tc>
-                  <a:txBody>
-                    <a:bodyPr/>
-                    <a:lstStyle/>
-                    <a:p>
-                      <a:pPr algn="r" fontAlgn="b"/>
-                      <a:r>
-                        <a:rPr lang="is-IS" sz="1800" b="0" i="0" u="none" strike="noStrike">
-                          <a:solidFill>
-                            <a:srgbClr val="000000"/>
-                          </a:solidFill>
-                          <a:effectLst/>
-                          <a:latin typeface="+mn-lt"/>
-                        </a:rPr>
-                        <a:t>10.46060543</a:t>
-                      </a:r>
-                    </a:p>
-                  </a:txBody>
-                  <a:tcPr marL="12700" marR="12700" marT="12700" marB="0" anchor="b">
-                    <a:lnL w="12700" cap="flat" cmpd="sng" algn="ctr">
-                      <a:solidFill>
-                        <a:schemeClr val="tx1"/>
-                      </a:solidFill>
-                      <a:prstDash val="solid"/>
-                      <a:round/>
-                      <a:headEnd type="none" w="med" len="med"/>
-                      <a:tailEnd type="none" w="med" len="med"/>
-                    </a:lnL>
-                    <a:lnR w="12700" cap="flat" cmpd="sng" algn="ctr">
-                      <a:solidFill>
-                        <a:schemeClr val="tx1"/>
-                      </a:solidFill>
-                      <a:prstDash val="solid"/>
-                      <a:round/>
-                      <a:headEnd type="none" w="med" len="med"/>
-                      <a:tailEnd type="none" w="med" len="med"/>
-                    </a:lnR>
-                    <a:lnT w="12700" cap="flat" cmpd="sng" algn="ctr">
-                      <a:solidFill>
-                        <a:schemeClr val="tx1"/>
-                      </a:solidFill>
-                      <a:prstDash val="solid"/>
-                      <a:round/>
-                      <a:headEnd type="none" w="med" len="med"/>
-                      <a:tailEnd type="none" w="med" len="med"/>
-                    </a:lnT>
-                    <a:lnB w="12700" cap="flat" cmpd="sng" algn="ctr">
-                      <a:solidFill>
-                        <a:schemeClr val="tx1"/>
-                      </a:solidFill>
-                      <a:prstDash val="solid"/>
-                      <a:round/>
-                      <a:headEnd type="none" w="med" len="med"/>
-                      <a:tailEnd type="none" w="med" len="med"/>
-                    </a:lnB>
-                  </a:tcPr>
-                </a:tc>
-                <a:tc>
-                  <a:txBody>
-                    <a:bodyPr/>
-                    <a:lstStyle/>
-                    <a:p>
-                      <a:pPr algn="r" fontAlgn="b"/>
-                      <a:r>
-                        <a:rPr lang="hr-HR" sz="1800" b="0" i="0" u="none" strike="noStrike">
-                          <a:solidFill>
-                            <a:srgbClr val="000000"/>
-                          </a:solidFill>
-                          <a:effectLst/>
-                          <a:latin typeface="+mn-lt"/>
-                        </a:rPr>
-                        <a:t>26.509</a:t>
-                      </a:r>
-                    </a:p>
-                  </a:txBody>
-                  <a:tcPr marL="12700" marR="12700" marT="12700" marB="0" anchor="b">
-                    <a:lnL w="12700" cap="flat" cmpd="sng" algn="ctr">
-                      <a:solidFill>
-                        <a:schemeClr val="tx1"/>
-                      </a:solidFill>
-                      <a:prstDash val="solid"/>
-                      <a:round/>
-                      <a:headEnd type="none" w="med" len="med"/>
-                      <a:tailEnd type="none" w="med" len="med"/>
-                    </a:lnL>
-                    <a:lnR w="12700" cap="flat" cmpd="sng" algn="ctr">
-                      <a:solidFill>
-                        <a:schemeClr val="tx1"/>
-                      </a:solidFill>
-                      <a:prstDash val="solid"/>
-                      <a:round/>
-                      <a:headEnd type="none" w="med" len="med"/>
-                      <a:tailEnd type="none" w="med" len="med"/>
-                    </a:lnR>
-                    <a:lnT w="12700" cap="flat" cmpd="sng" algn="ctr">
-                      <a:solidFill>
-                        <a:schemeClr val="tx1"/>
-                      </a:solidFill>
-                      <a:prstDash val="solid"/>
-                      <a:round/>
-                      <a:headEnd type="none" w="med" len="med"/>
-                      <a:tailEnd type="none" w="med" len="med"/>
-                    </a:lnT>
-                    <a:lnB w="12700" cap="flat" cmpd="sng" algn="ctr">
-                      <a:solidFill>
-                        <a:schemeClr val="tx1"/>
-                      </a:solidFill>
-                      <a:prstDash val="solid"/>
-                      <a:round/>
-                      <a:headEnd type="none" w="med" len="med"/>
-                      <a:tailEnd type="none" w="med" len="med"/>
-                    </a:lnB>
-                  </a:tcPr>
-                </a:tc>
-              </a:tr>
-              <a:tr h="203200">
-                <a:tc>
-                  <a:txBody>
-                    <a:bodyPr/>
-                    <a:lstStyle/>
-                    <a:p>
-                      <a:pPr algn="r" fontAlgn="b"/>
-                      <a:r>
-                        <a:rPr lang="en-US" sz="1800" b="0" i="0" u="none" strike="noStrike">
-                          <a:solidFill>
-                            <a:srgbClr val="000000"/>
-                          </a:solidFill>
-                          <a:effectLst/>
-                          <a:latin typeface="+mn-lt"/>
-                        </a:rPr>
-                        <a:t>10</a:t>
-                      </a:r>
-                    </a:p>
-                  </a:txBody>
-                  <a:tcPr marL="12700" marR="12700" marT="12700" marB="0" anchor="b">
-                    <a:lnL w="12700" cap="flat" cmpd="sng" algn="ctr">
-                      <a:solidFill>
-                        <a:schemeClr val="tx1"/>
-                      </a:solidFill>
-                      <a:prstDash val="solid"/>
-                      <a:round/>
-                      <a:headEnd type="none" w="med" len="med"/>
-                      <a:tailEnd type="none" w="med" len="med"/>
-                    </a:lnL>
-                    <a:lnR w="12700" cap="flat" cmpd="sng" algn="ctr">
-                      <a:solidFill>
-                        <a:schemeClr val="tx1"/>
-                      </a:solidFill>
-                      <a:prstDash val="solid"/>
-                      <a:round/>
-                      <a:headEnd type="none" w="med" len="med"/>
-                      <a:tailEnd type="none" w="med" len="med"/>
-                    </a:lnR>
-                    <a:lnT w="12700" cap="flat" cmpd="sng" algn="ctr">
-                      <a:solidFill>
-                        <a:schemeClr val="tx1"/>
-                      </a:solidFill>
-                      <a:prstDash val="solid"/>
-                      <a:round/>
-                      <a:headEnd type="none" w="med" len="med"/>
-                      <a:tailEnd type="none" w="med" len="med"/>
-                    </a:lnT>
-                    <a:lnB w="12700" cap="flat" cmpd="sng" algn="ctr">
-                      <a:solidFill>
-                        <a:schemeClr val="tx1"/>
-                      </a:solidFill>
-                      <a:prstDash val="solid"/>
-                      <a:round/>
-                      <a:headEnd type="none" w="med" len="med"/>
-                      <a:tailEnd type="none" w="med" len="med"/>
-                    </a:lnB>
-                  </a:tcPr>
-                </a:tc>
-                <a:tc>
-                  <a:txBody>
-                    <a:bodyPr/>
-                    <a:lstStyle/>
-                    <a:p>
-                      <a:pPr algn="r" fontAlgn="b"/>
-                      <a:r>
-                        <a:rPr lang="is-IS" sz="1800" b="0" i="0" u="none" strike="noStrike" dirty="0">
-                          <a:solidFill>
-                            <a:srgbClr val="000000"/>
-                          </a:solidFill>
-                          <a:effectLst/>
-                          <a:latin typeface="+mn-lt"/>
-                        </a:rPr>
-                        <a:t>36.72829039</a:t>
-                      </a:r>
-                    </a:p>
-                  </a:txBody>
-                  <a:tcPr marL="12700" marR="12700" marT="12700" marB="0" anchor="b">
-                    <a:lnL w="12700" cap="flat" cmpd="sng" algn="ctr">
-                      <a:solidFill>
-                        <a:schemeClr val="tx1"/>
-                      </a:solidFill>
-                      <a:prstDash val="solid"/>
-                      <a:round/>
-                      <a:headEnd type="none" w="med" len="med"/>
-                      <a:tailEnd type="none" w="med" len="med"/>
-                    </a:lnL>
-                    <a:lnR w="12700" cap="flat" cmpd="sng" algn="ctr">
-                      <a:solidFill>
-                        <a:schemeClr val="tx1"/>
-                      </a:solidFill>
-                      <a:prstDash val="solid"/>
-                      <a:round/>
-                      <a:headEnd type="none" w="med" len="med"/>
-                      <a:tailEnd type="none" w="med" len="med"/>
-                    </a:lnR>
-                    <a:lnT w="12700" cap="flat" cmpd="sng" algn="ctr">
-                      <a:solidFill>
-                        <a:schemeClr val="tx1"/>
-                      </a:solidFill>
-                      <a:prstDash val="solid"/>
-                      <a:round/>
-                      <a:headEnd type="none" w="med" len="med"/>
-                      <a:tailEnd type="none" w="med" len="med"/>
-                    </a:lnT>
-                    <a:lnB w="12700" cap="flat" cmpd="sng" algn="ctr">
-                      <a:solidFill>
-                        <a:schemeClr val="tx1"/>
-                      </a:solidFill>
-                      <a:prstDash val="solid"/>
-                      <a:round/>
-                      <a:headEnd type="none" w="med" len="med"/>
-                      <a:tailEnd type="none" w="med" len="med"/>
-                    </a:lnB>
-                  </a:tcPr>
-                </a:tc>
-                <a:tc>
-                  <a:txBody>
-                    <a:bodyPr/>
-                    <a:lstStyle/>
-                    <a:p>
-                      <a:pPr algn="r" fontAlgn="b"/>
-                      <a:r>
-                        <a:rPr lang="nb-NO" sz="1800" b="0" i="0" u="none" strike="noStrike">
-                          <a:solidFill>
-                            <a:srgbClr val="000000"/>
-                          </a:solidFill>
-                          <a:effectLst/>
-                          <a:latin typeface="+mn-lt"/>
-                        </a:rPr>
-                        <a:t>12.98402145</a:t>
-                      </a:r>
-                    </a:p>
-                  </a:txBody>
-                  <a:tcPr marL="12700" marR="12700" marT="12700" marB="0" anchor="b">
-                    <a:lnL w="12700" cap="flat" cmpd="sng" algn="ctr">
-                      <a:solidFill>
-                        <a:schemeClr val="tx1"/>
-                      </a:solidFill>
-                      <a:prstDash val="solid"/>
-                      <a:round/>
-                      <a:headEnd type="none" w="med" len="med"/>
-                      <a:tailEnd type="none" w="med" len="med"/>
-                    </a:lnL>
-                    <a:lnR w="12700" cap="flat" cmpd="sng" algn="ctr">
-                      <a:solidFill>
-                        <a:schemeClr val="tx1"/>
-                      </a:solidFill>
-                      <a:prstDash val="solid"/>
-                      <a:round/>
-                      <a:headEnd type="none" w="med" len="med"/>
-                      <a:tailEnd type="none" w="med" len="med"/>
-                    </a:lnR>
-                    <a:lnT w="12700" cap="flat" cmpd="sng" algn="ctr">
-                      <a:solidFill>
-                        <a:schemeClr val="tx1"/>
-                      </a:solidFill>
-                      <a:prstDash val="solid"/>
-                      <a:round/>
-                      <a:headEnd type="none" w="med" len="med"/>
-                      <a:tailEnd type="none" w="med" len="med"/>
-                    </a:lnT>
-                    <a:lnB w="12700" cap="flat" cmpd="sng" algn="ctr">
-                      <a:solidFill>
-                        <a:schemeClr val="tx1"/>
-                      </a:solidFill>
-                      <a:prstDash val="solid"/>
-                      <a:round/>
-                      <a:headEnd type="none" w="med" len="med"/>
-                      <a:tailEnd type="none" w="med" len="med"/>
-                    </a:lnB>
-                  </a:tcPr>
-                </a:tc>
-                <a:tc>
-                  <a:txBody>
-                    <a:bodyPr/>
-                    <a:lstStyle/>
-                    <a:p>
-                      <a:pPr algn="r" fontAlgn="b"/>
-                      <a:r>
-                        <a:rPr lang="is-IS" sz="1800" b="0" i="0" u="none" strike="noStrike">
-                          <a:solidFill>
-                            <a:srgbClr val="000000"/>
-                          </a:solidFill>
-                          <a:effectLst/>
-                          <a:latin typeface="+mn-lt"/>
-                        </a:rPr>
-                        <a:t>27.169</a:t>
-                      </a:r>
-                    </a:p>
-                  </a:txBody>
-                  <a:tcPr marL="12700" marR="12700" marT="12700" marB="0" anchor="b">
-                    <a:lnL w="12700" cap="flat" cmpd="sng" algn="ctr">
-                      <a:solidFill>
-                        <a:schemeClr val="tx1"/>
-                      </a:solidFill>
-                      <a:prstDash val="solid"/>
-                      <a:round/>
-                      <a:headEnd type="none" w="med" len="med"/>
-                      <a:tailEnd type="none" w="med" len="med"/>
-                    </a:lnL>
-                    <a:lnR w="12700" cap="flat" cmpd="sng" algn="ctr">
-                      <a:solidFill>
-                        <a:schemeClr val="tx1"/>
-                      </a:solidFill>
-                      <a:prstDash val="solid"/>
-                      <a:round/>
-                      <a:headEnd type="none" w="med" len="med"/>
-                      <a:tailEnd type="none" w="med" len="med"/>
-                    </a:lnR>
-                    <a:lnT w="12700" cap="flat" cmpd="sng" algn="ctr">
-                      <a:solidFill>
-                        <a:schemeClr val="tx1"/>
-                      </a:solidFill>
-                      <a:prstDash val="solid"/>
-                      <a:round/>
-                      <a:headEnd type="none" w="med" len="med"/>
-                      <a:tailEnd type="none" w="med" len="med"/>
-                    </a:lnT>
-                    <a:lnB w="12700" cap="flat" cmpd="sng" algn="ctr">
-                      <a:solidFill>
-                        <a:schemeClr val="tx1"/>
-                      </a:solidFill>
-                      <a:prstDash val="solid"/>
-                      <a:round/>
-                      <a:headEnd type="none" w="med" len="med"/>
-                      <a:tailEnd type="none" w="med" len="med"/>
-                    </a:lnB>
-                  </a:tcPr>
-                </a:tc>
-              </a:tr>
-              <a:tr h="203200">
-                <a:tc>
-                  <a:txBody>
-                    <a:bodyPr/>
-                    <a:lstStyle/>
-                    <a:p>
-                      <a:pPr algn="r" fontAlgn="b"/>
-                      <a:r>
-                        <a:rPr lang="is-IS" sz="1800" b="0" i="0" u="none" strike="noStrike">
-                          <a:solidFill>
-                            <a:srgbClr val="000000"/>
-                          </a:solidFill>
-                          <a:effectLst/>
-                          <a:latin typeface="+mn-lt"/>
-                        </a:rPr>
-                        <a:t>20</a:t>
-                      </a:r>
-                    </a:p>
-                  </a:txBody>
-                  <a:tcPr marL="12700" marR="12700" marT="12700" marB="0" anchor="b">
-                    <a:lnL w="12700" cap="flat" cmpd="sng" algn="ctr">
-                      <a:solidFill>
-                        <a:schemeClr val="tx1"/>
-                      </a:solidFill>
-                      <a:prstDash val="solid"/>
-                      <a:round/>
-                      <a:headEnd type="none" w="med" len="med"/>
-                      <a:tailEnd type="none" w="med" len="med"/>
-                    </a:lnL>
-                    <a:lnR w="12700" cap="flat" cmpd="sng" algn="ctr">
-                      <a:solidFill>
-                        <a:schemeClr val="tx1"/>
-                      </a:solidFill>
-                      <a:prstDash val="solid"/>
-                      <a:round/>
-                      <a:headEnd type="none" w="med" len="med"/>
-                      <a:tailEnd type="none" w="med" len="med"/>
-                    </a:lnR>
-                    <a:lnT w="12700" cap="flat" cmpd="sng" algn="ctr">
-                      <a:solidFill>
-                        <a:schemeClr val="tx1"/>
-                      </a:solidFill>
-                      <a:prstDash val="solid"/>
-                      <a:round/>
-                      <a:headEnd type="none" w="med" len="med"/>
-                      <a:tailEnd type="none" w="med" len="med"/>
-                    </a:lnT>
-                    <a:lnB w="12700" cap="flat" cmpd="sng" algn="ctr">
-                      <a:solidFill>
-                        <a:schemeClr val="tx1"/>
-                      </a:solidFill>
-                      <a:prstDash val="solid"/>
-                      <a:round/>
-                      <a:headEnd type="none" w="med" len="med"/>
-                      <a:tailEnd type="none" w="med" len="med"/>
-                    </a:lnB>
-                  </a:tcPr>
-                </a:tc>
-                <a:tc>
-                  <a:txBody>
-                    <a:bodyPr/>
-                    <a:lstStyle/>
-                    <a:p>
-                      <a:pPr algn="r" fontAlgn="b"/>
-                      <a:r>
-                        <a:rPr lang="nb-NO" sz="1800" b="0" i="0" u="none" strike="noStrike">
-                          <a:solidFill>
-                            <a:srgbClr val="000000"/>
-                          </a:solidFill>
-                          <a:effectLst/>
-                          <a:latin typeface="+mn-lt"/>
-                        </a:rPr>
-                        <a:t>51.99976389</a:t>
-                      </a:r>
-                    </a:p>
-                  </a:txBody>
-                  <a:tcPr marL="12700" marR="12700" marT="12700" marB="0" anchor="b">
-                    <a:lnL w="12700" cap="flat" cmpd="sng" algn="ctr">
-                      <a:solidFill>
-                        <a:schemeClr val="tx1"/>
-                      </a:solidFill>
-                      <a:prstDash val="solid"/>
-                      <a:round/>
-                      <a:headEnd type="none" w="med" len="med"/>
-                      <a:tailEnd type="none" w="med" len="med"/>
-                    </a:lnL>
-                    <a:lnR w="12700" cap="flat" cmpd="sng" algn="ctr">
-                      <a:solidFill>
-                        <a:schemeClr val="tx1"/>
-                      </a:solidFill>
-                      <a:prstDash val="solid"/>
-                      <a:round/>
-                      <a:headEnd type="none" w="med" len="med"/>
-                      <a:tailEnd type="none" w="med" len="med"/>
-                    </a:lnR>
-                    <a:lnT w="12700" cap="flat" cmpd="sng" algn="ctr">
-                      <a:solidFill>
-                        <a:schemeClr val="tx1"/>
-                      </a:solidFill>
-                      <a:prstDash val="solid"/>
-                      <a:round/>
-                      <a:headEnd type="none" w="med" len="med"/>
-                      <a:tailEnd type="none" w="med" len="med"/>
-                    </a:lnT>
-                    <a:lnB w="12700" cap="flat" cmpd="sng" algn="ctr">
-                      <a:solidFill>
-                        <a:schemeClr val="tx1"/>
-                      </a:solidFill>
-                      <a:prstDash val="solid"/>
-                      <a:round/>
-                      <a:headEnd type="none" w="med" len="med"/>
-                      <a:tailEnd type="none" w="med" len="med"/>
-                    </a:lnB>
-                  </a:tcPr>
-                </a:tc>
-                <a:tc>
-                  <a:txBody>
-                    <a:bodyPr/>
-                    <a:lstStyle/>
-                    <a:p>
-                      <a:pPr algn="r" fontAlgn="b"/>
-                      <a:r>
-                        <a:rPr lang="cs-CZ" sz="1800" b="0" i="0" u="none" strike="noStrike">
-                          <a:solidFill>
-                            <a:srgbClr val="000000"/>
-                          </a:solidFill>
-                          <a:effectLst/>
-                          <a:latin typeface="+mn-lt"/>
-                        </a:rPr>
-                        <a:t>18.62228603</a:t>
-                      </a:r>
-                    </a:p>
-                  </a:txBody>
-                  <a:tcPr marL="12700" marR="12700" marT="12700" marB="0" anchor="b">
-                    <a:lnL w="12700" cap="flat" cmpd="sng" algn="ctr">
-                      <a:solidFill>
-                        <a:schemeClr val="tx1"/>
-                      </a:solidFill>
-                      <a:prstDash val="solid"/>
-                      <a:round/>
-                      <a:headEnd type="none" w="med" len="med"/>
-                      <a:tailEnd type="none" w="med" len="med"/>
-                    </a:lnL>
-                    <a:lnR w="12700" cap="flat" cmpd="sng" algn="ctr">
-                      <a:solidFill>
-                        <a:schemeClr val="tx1"/>
-                      </a:solidFill>
-                      <a:prstDash val="solid"/>
-                      <a:round/>
-                      <a:headEnd type="none" w="med" len="med"/>
-                      <a:tailEnd type="none" w="med" len="med"/>
-                    </a:lnR>
-                    <a:lnT w="12700" cap="flat" cmpd="sng" algn="ctr">
-                      <a:solidFill>
-                        <a:schemeClr val="tx1"/>
-                      </a:solidFill>
-                      <a:prstDash val="solid"/>
-                      <a:round/>
-                      <a:headEnd type="none" w="med" len="med"/>
-                      <a:tailEnd type="none" w="med" len="med"/>
-                    </a:lnT>
-                    <a:lnB w="12700" cap="flat" cmpd="sng" algn="ctr">
-                      <a:solidFill>
-                        <a:schemeClr val="tx1"/>
-                      </a:solidFill>
-                      <a:prstDash val="solid"/>
-                      <a:round/>
-                      <a:headEnd type="none" w="med" len="med"/>
-                      <a:tailEnd type="none" w="med" len="med"/>
-                    </a:lnB>
-                  </a:tcPr>
-                </a:tc>
-                <a:tc>
-                  <a:txBody>
-                    <a:bodyPr/>
-                    <a:lstStyle/>
-                    <a:p>
-                      <a:pPr algn="r" fontAlgn="b"/>
-                      <a:r>
-                        <a:rPr lang="nb-NO" sz="1800" b="0" i="0" u="none" strike="noStrike">
-                          <a:solidFill>
-                            <a:srgbClr val="000000"/>
-                          </a:solidFill>
-                          <a:effectLst/>
-                          <a:latin typeface="+mn-lt"/>
-                        </a:rPr>
-                        <a:t>27.708</a:t>
-                      </a:r>
-                    </a:p>
-                  </a:txBody>
-                  <a:tcPr marL="12700" marR="12700" marT="12700" marB="0" anchor="b">
-                    <a:lnL w="12700" cap="flat" cmpd="sng" algn="ctr">
-                      <a:solidFill>
-                        <a:schemeClr val="tx1"/>
-                      </a:solidFill>
-                      <a:prstDash val="solid"/>
-                      <a:round/>
-                      <a:headEnd type="none" w="med" len="med"/>
-                      <a:tailEnd type="none" w="med" len="med"/>
-                    </a:lnL>
-                    <a:lnR w="12700" cap="flat" cmpd="sng" algn="ctr">
-                      <a:solidFill>
-                        <a:schemeClr val="tx1"/>
-                      </a:solidFill>
-                      <a:prstDash val="solid"/>
-                      <a:round/>
-                      <a:headEnd type="none" w="med" len="med"/>
-                      <a:tailEnd type="none" w="med" len="med"/>
-                    </a:lnR>
-                    <a:lnT w="12700" cap="flat" cmpd="sng" algn="ctr">
-                      <a:solidFill>
-                        <a:schemeClr val="tx1"/>
-                      </a:solidFill>
-                      <a:prstDash val="solid"/>
-                      <a:round/>
-                      <a:headEnd type="none" w="med" len="med"/>
-                      <a:tailEnd type="none" w="med" len="med"/>
-                    </a:lnT>
-                    <a:lnB w="12700" cap="flat" cmpd="sng" algn="ctr">
-                      <a:solidFill>
-                        <a:schemeClr val="tx1"/>
-                      </a:solidFill>
-                      <a:prstDash val="solid"/>
-                      <a:round/>
-                      <a:headEnd type="none" w="med" len="med"/>
-                      <a:tailEnd type="none" w="med" len="med"/>
-                    </a:lnB>
-                  </a:tcPr>
-                </a:tc>
-              </a:tr>
-              <a:tr h="203200">
-                <a:tc>
-                  <a:txBody>
-                    <a:bodyPr/>
-                    <a:lstStyle/>
-                    <a:p>
-                      <a:pPr algn="r" fontAlgn="b"/>
-                      <a:r>
-                        <a:rPr lang="en-US" sz="1800" b="0" i="0" u="none" strike="noStrike">
-                          <a:solidFill>
-                            <a:srgbClr val="000000"/>
-                          </a:solidFill>
-                          <a:effectLst/>
-                          <a:latin typeface="+mn-lt"/>
-                        </a:rPr>
-                        <a:t>50</a:t>
-                      </a:r>
-                    </a:p>
-                  </a:txBody>
-                  <a:tcPr marL="12700" marR="12700" marT="12700" marB="0" anchor="b">
-                    <a:lnL w="12700" cap="flat" cmpd="sng" algn="ctr">
-                      <a:solidFill>
-                        <a:schemeClr val="tx1"/>
-                      </a:solidFill>
-                      <a:prstDash val="solid"/>
-                      <a:round/>
-                      <a:headEnd type="none" w="med" len="med"/>
-                      <a:tailEnd type="none" w="med" len="med"/>
-                    </a:lnL>
-                    <a:lnR w="12700" cap="flat" cmpd="sng" algn="ctr">
-                      <a:solidFill>
-                        <a:schemeClr val="tx1"/>
-                      </a:solidFill>
-                      <a:prstDash val="solid"/>
-                      <a:round/>
-                      <a:headEnd type="none" w="med" len="med"/>
-                      <a:tailEnd type="none" w="med" len="med"/>
-                    </a:lnR>
-                    <a:lnT w="12700" cap="flat" cmpd="sng" algn="ctr">
-                      <a:solidFill>
-                        <a:schemeClr val="tx1"/>
-                      </a:solidFill>
-                      <a:prstDash val="solid"/>
-                      <a:round/>
-                      <a:headEnd type="none" w="med" len="med"/>
-                      <a:tailEnd type="none" w="med" len="med"/>
-                    </a:lnT>
-                    <a:lnB w="12700" cap="flat" cmpd="sng" algn="ctr">
-                      <a:solidFill>
-                        <a:schemeClr val="tx1"/>
-                      </a:solidFill>
-                      <a:prstDash val="solid"/>
-                      <a:round/>
-                      <a:headEnd type="none" w="med" len="med"/>
-                      <a:tailEnd type="none" w="med" len="med"/>
-                    </a:lnB>
-                  </a:tcPr>
-                </a:tc>
-                <a:tc>
-                  <a:txBody>
-                    <a:bodyPr/>
-                    <a:lstStyle/>
-                    <a:p>
-                      <a:pPr algn="r" fontAlgn="b"/>
-                      <a:r>
-                        <a:rPr lang="fi-FI" sz="1800" b="0" i="0" u="none" strike="noStrike">
-                          <a:solidFill>
-                            <a:srgbClr val="000000"/>
-                          </a:solidFill>
-                          <a:effectLst/>
-                          <a:latin typeface="+mn-lt"/>
-                        </a:rPr>
-                        <a:t>79.45825586</a:t>
-                      </a:r>
-                    </a:p>
-                  </a:txBody>
-                  <a:tcPr marL="12700" marR="12700" marT="12700" marB="0" anchor="b">
-                    <a:lnL w="12700" cap="flat" cmpd="sng" algn="ctr">
-                      <a:solidFill>
-                        <a:schemeClr val="tx1"/>
-                      </a:solidFill>
-                      <a:prstDash val="solid"/>
-                      <a:round/>
-                      <a:headEnd type="none" w="med" len="med"/>
-                      <a:tailEnd type="none" w="med" len="med"/>
-                    </a:lnL>
-                    <a:lnR w="12700" cap="flat" cmpd="sng" algn="ctr">
-                      <a:solidFill>
-                        <a:schemeClr val="tx1"/>
-                      </a:solidFill>
-                      <a:prstDash val="solid"/>
-                      <a:round/>
-                      <a:headEnd type="none" w="med" len="med"/>
-                      <a:tailEnd type="none" w="med" len="med"/>
-                    </a:lnR>
-                    <a:lnT w="12700" cap="flat" cmpd="sng" algn="ctr">
-                      <a:solidFill>
-                        <a:schemeClr val="tx1"/>
-                      </a:solidFill>
-                      <a:prstDash val="solid"/>
-                      <a:round/>
-                      <a:headEnd type="none" w="med" len="med"/>
-                      <a:tailEnd type="none" w="med" len="med"/>
-                    </a:lnT>
-                    <a:lnB w="12700" cap="flat" cmpd="sng" algn="ctr">
-                      <a:solidFill>
-                        <a:schemeClr val="tx1"/>
-                      </a:solidFill>
-                      <a:prstDash val="solid"/>
-                      <a:round/>
-                      <a:headEnd type="none" w="med" len="med"/>
-                      <a:tailEnd type="none" w="med" len="med"/>
-                    </a:lnB>
-                  </a:tcPr>
-                </a:tc>
-                <a:tc>
-                  <a:txBody>
-                    <a:bodyPr/>
-                    <a:lstStyle/>
-                    <a:p>
-                      <a:pPr algn="r" fontAlgn="b"/>
-                      <a:r>
-                        <a:rPr lang="is-IS" sz="1800" b="0" i="0" u="none" strike="noStrike">
-                          <a:solidFill>
-                            <a:srgbClr val="000000"/>
-                          </a:solidFill>
-                          <a:effectLst/>
-                          <a:latin typeface="+mn-lt"/>
-                        </a:rPr>
-                        <a:t>29.97079742</a:t>
-                      </a:r>
-                    </a:p>
-                  </a:txBody>
-                  <a:tcPr marL="12700" marR="12700" marT="12700" marB="0" anchor="b">
-                    <a:lnL w="12700" cap="flat" cmpd="sng" algn="ctr">
-                      <a:solidFill>
-                        <a:schemeClr val="tx1"/>
-                      </a:solidFill>
-                      <a:prstDash val="solid"/>
-                      <a:round/>
-                      <a:headEnd type="none" w="med" len="med"/>
-                      <a:tailEnd type="none" w="med" len="med"/>
-                    </a:lnL>
-                    <a:lnR w="12700" cap="flat" cmpd="sng" algn="ctr">
-                      <a:solidFill>
-                        <a:schemeClr val="tx1"/>
-                      </a:solidFill>
-                      <a:prstDash val="solid"/>
-                      <a:round/>
-                      <a:headEnd type="none" w="med" len="med"/>
-                      <a:tailEnd type="none" w="med" len="med"/>
-                    </a:lnR>
-                    <a:lnT w="12700" cap="flat" cmpd="sng" algn="ctr">
-                      <a:solidFill>
-                        <a:schemeClr val="tx1"/>
-                      </a:solidFill>
-                      <a:prstDash val="solid"/>
-                      <a:round/>
-                      <a:headEnd type="none" w="med" len="med"/>
-                      <a:tailEnd type="none" w="med" len="med"/>
-                    </a:lnT>
-                    <a:lnB w="12700" cap="flat" cmpd="sng" algn="ctr">
-                      <a:solidFill>
-                        <a:schemeClr val="tx1"/>
-                      </a:solidFill>
-                      <a:prstDash val="solid"/>
-                      <a:round/>
-                      <a:headEnd type="none" w="med" len="med"/>
-                      <a:tailEnd type="none" w="med" len="med"/>
-                    </a:lnB>
-                  </a:tcPr>
-                </a:tc>
-                <a:tc>
-                  <a:txBody>
-                    <a:bodyPr/>
-                    <a:lstStyle/>
-                    <a:p>
-                      <a:pPr algn="r" fontAlgn="b"/>
-                      <a:r>
-                        <a:rPr lang="nb-NO" sz="1800" b="0" i="0" u="none" strike="noStrike">
-                          <a:solidFill>
-                            <a:srgbClr val="000000"/>
-                          </a:solidFill>
-                          <a:effectLst/>
-                          <a:latin typeface="+mn-lt"/>
-                        </a:rPr>
-                        <a:t>27.453</a:t>
-                      </a:r>
-                    </a:p>
-                  </a:txBody>
-                  <a:tcPr marL="12700" marR="12700" marT="12700" marB="0" anchor="b">
-                    <a:lnL w="12700" cap="flat" cmpd="sng" algn="ctr">
-                      <a:solidFill>
-                        <a:schemeClr val="tx1"/>
-                      </a:solidFill>
-                      <a:prstDash val="solid"/>
-                      <a:round/>
-                      <a:headEnd type="none" w="med" len="med"/>
-                      <a:tailEnd type="none" w="med" len="med"/>
-                    </a:lnL>
-                    <a:lnR w="12700" cap="flat" cmpd="sng" algn="ctr">
-                      <a:solidFill>
-                        <a:schemeClr val="tx1"/>
-                      </a:solidFill>
-                      <a:prstDash val="solid"/>
-                      <a:round/>
-                      <a:headEnd type="none" w="med" len="med"/>
-                      <a:tailEnd type="none" w="med" len="med"/>
-                    </a:lnR>
-                    <a:lnT w="12700" cap="flat" cmpd="sng" algn="ctr">
-                      <a:solidFill>
-                        <a:schemeClr val="tx1"/>
-                      </a:solidFill>
-                      <a:prstDash val="solid"/>
-                      <a:round/>
-                      <a:headEnd type="none" w="med" len="med"/>
-                      <a:tailEnd type="none" w="med" len="med"/>
-                    </a:lnT>
-                    <a:lnB w="12700" cap="flat" cmpd="sng" algn="ctr">
-                      <a:solidFill>
-                        <a:schemeClr val="tx1"/>
-                      </a:solidFill>
-                      <a:prstDash val="solid"/>
-                      <a:round/>
-                      <a:headEnd type="none" w="med" len="med"/>
-                      <a:tailEnd type="none" w="med" len="med"/>
-                    </a:lnB>
-                  </a:tcPr>
-                </a:tc>
-              </a:tr>
-              <a:tr h="203200">
-                <a:tc>
-                  <a:txBody>
-                    <a:bodyPr/>
-                    <a:lstStyle/>
-                    <a:p>
-                      <a:pPr algn="r" fontAlgn="b"/>
-                      <a:r>
-                        <a:rPr lang="is-IS" sz="1800" b="0" i="0" u="none" strike="noStrike" dirty="0">
-                          <a:solidFill>
-                            <a:srgbClr val="000000"/>
-                          </a:solidFill>
-                          <a:effectLst/>
-                          <a:latin typeface="+mn-lt"/>
-                        </a:rPr>
-                        <a:t>100</a:t>
-                      </a:r>
-                    </a:p>
-                  </a:txBody>
-                  <a:tcPr marL="12700" marR="12700" marT="12700" marB="0" anchor="b">
-                    <a:lnL w="12700" cap="flat" cmpd="sng" algn="ctr">
-                      <a:solidFill>
-                        <a:schemeClr val="tx1"/>
-                      </a:solidFill>
-                      <a:prstDash val="solid"/>
-                      <a:round/>
-                      <a:headEnd type="none" w="med" len="med"/>
-                      <a:tailEnd type="none" w="med" len="med"/>
-                    </a:lnL>
-                    <a:lnR w="12700" cap="flat" cmpd="sng" algn="ctr">
-                      <a:solidFill>
-                        <a:schemeClr val="tx1"/>
-                      </a:solidFill>
-                      <a:prstDash val="solid"/>
-                      <a:round/>
-                      <a:headEnd type="none" w="med" len="med"/>
-                      <a:tailEnd type="none" w="med" len="med"/>
-                    </a:lnR>
-                    <a:lnT w="12700" cap="flat" cmpd="sng" algn="ctr">
-                      <a:solidFill>
-                        <a:schemeClr val="tx1"/>
-                      </a:solidFill>
-                      <a:prstDash val="solid"/>
-                      <a:round/>
-                      <a:headEnd type="none" w="med" len="med"/>
-                      <a:tailEnd type="none" w="med" len="med"/>
-                    </a:lnT>
-                    <a:lnB w="12700" cap="flat" cmpd="sng" algn="ctr">
-                      <a:solidFill>
-                        <a:schemeClr val="tx1"/>
-                      </a:solidFill>
-                      <a:prstDash val="solid"/>
-                      <a:round/>
-                      <a:headEnd type="none" w="med" len="med"/>
-                      <a:tailEnd type="none" w="med" len="med"/>
-                    </a:lnB>
-                  </a:tcPr>
-                </a:tc>
-                <a:tc>
-                  <a:txBody>
-                    <a:bodyPr/>
-                    <a:lstStyle/>
-                    <a:p>
-                      <a:pPr algn="r" fontAlgn="b"/>
-                      <a:r>
-                        <a:rPr lang="is-IS" sz="1800" b="0" i="0" u="none" strike="noStrike" dirty="0">
-                          <a:solidFill>
-                            <a:srgbClr val="000000"/>
-                          </a:solidFill>
-                          <a:effectLst/>
-                          <a:latin typeface="+mn-lt"/>
-                        </a:rPr>
-                        <a:t>98.72666419</a:t>
-                      </a:r>
-                    </a:p>
-                  </a:txBody>
-                  <a:tcPr marL="12700" marR="12700" marT="12700" marB="0" anchor="b">
-                    <a:lnL w="12700" cap="flat" cmpd="sng" algn="ctr">
-                      <a:solidFill>
-                        <a:schemeClr val="tx1"/>
-                      </a:solidFill>
-                      <a:prstDash val="solid"/>
-                      <a:round/>
-                      <a:headEnd type="none" w="med" len="med"/>
-                      <a:tailEnd type="none" w="med" len="med"/>
-                    </a:lnL>
-                    <a:lnR w="12700" cap="flat" cmpd="sng" algn="ctr">
-                      <a:solidFill>
-                        <a:schemeClr val="tx1"/>
-                      </a:solidFill>
-                      <a:prstDash val="solid"/>
-                      <a:round/>
-                      <a:headEnd type="none" w="med" len="med"/>
-                      <a:tailEnd type="none" w="med" len="med"/>
-                    </a:lnR>
-                    <a:lnT w="12700" cap="flat" cmpd="sng" algn="ctr">
-                      <a:solidFill>
-                        <a:schemeClr val="tx1"/>
-                      </a:solidFill>
-                      <a:prstDash val="solid"/>
-                      <a:round/>
-                      <a:headEnd type="none" w="med" len="med"/>
-                      <a:tailEnd type="none" w="med" len="med"/>
-                    </a:lnT>
-                    <a:lnB w="12700" cap="flat" cmpd="sng" algn="ctr">
-                      <a:solidFill>
-                        <a:schemeClr val="tx1"/>
-                      </a:solidFill>
-                      <a:prstDash val="solid"/>
-                      <a:round/>
-                      <a:headEnd type="none" w="med" len="med"/>
-                      <a:tailEnd type="none" w="med" len="med"/>
-                    </a:lnB>
-                  </a:tcPr>
-                </a:tc>
-                <a:tc>
-                  <a:txBody>
-                    <a:bodyPr/>
-                    <a:lstStyle/>
-                    <a:p>
-                      <a:pPr algn="r" fontAlgn="b"/>
-                      <a:r>
-                        <a:rPr lang="hr-HR" sz="1800" b="0" i="0" u="none" strike="noStrike">
-                          <a:solidFill>
-                            <a:srgbClr val="000000"/>
-                          </a:solidFill>
-                          <a:effectLst/>
-                          <a:latin typeface="+mn-lt"/>
-                        </a:rPr>
-                        <a:t>38.09738462</a:t>
-                      </a:r>
-                    </a:p>
-                  </a:txBody>
-                  <a:tcPr marL="12700" marR="12700" marT="12700" marB="0" anchor="b">
-                    <a:lnL w="12700" cap="flat" cmpd="sng" algn="ctr">
-                      <a:solidFill>
-                        <a:schemeClr val="tx1"/>
-                      </a:solidFill>
-                      <a:prstDash val="solid"/>
-                      <a:round/>
-                      <a:headEnd type="none" w="med" len="med"/>
-                      <a:tailEnd type="none" w="med" len="med"/>
-                    </a:lnL>
-                    <a:lnR w="12700" cap="flat" cmpd="sng" algn="ctr">
-                      <a:solidFill>
-                        <a:schemeClr val="tx1"/>
-                      </a:solidFill>
-                      <a:prstDash val="solid"/>
-                      <a:round/>
-                      <a:headEnd type="none" w="med" len="med"/>
-                      <a:tailEnd type="none" w="med" len="med"/>
-                    </a:lnR>
-                    <a:lnT w="12700" cap="flat" cmpd="sng" algn="ctr">
-                      <a:solidFill>
-                        <a:schemeClr val="tx1"/>
-                      </a:solidFill>
-                      <a:prstDash val="solid"/>
-                      <a:round/>
-                      <a:headEnd type="none" w="med" len="med"/>
-                      <a:tailEnd type="none" w="med" len="med"/>
-                    </a:lnT>
-                    <a:lnB w="12700" cap="flat" cmpd="sng" algn="ctr">
-                      <a:solidFill>
-                        <a:schemeClr val="tx1"/>
-                      </a:solidFill>
-                      <a:prstDash val="solid"/>
-                      <a:round/>
-                      <a:headEnd type="none" w="med" len="med"/>
-                      <a:tailEnd type="none" w="med" len="med"/>
-                    </a:lnB>
-                  </a:tcPr>
-                </a:tc>
-                <a:tc>
-                  <a:txBody>
-                    <a:bodyPr/>
-                    <a:lstStyle/>
-                    <a:p>
-                      <a:pPr algn="r" fontAlgn="b"/>
-                      <a:r>
-                        <a:rPr lang="nb-NO" sz="1800" b="0" i="0" u="none" strike="noStrike" smtClean="0">
-                          <a:solidFill>
-                            <a:srgbClr val="000000"/>
-                          </a:solidFill>
-                          <a:effectLst/>
-                          <a:latin typeface="+mn-lt"/>
-                        </a:rPr>
-                        <a:t>27.629</a:t>
-                      </a:r>
-                      <a:endParaRPr lang="nb-NO" sz="1800" b="0" i="0" u="none" strike="noStrike" dirty="0">
-                        <a:solidFill>
-                          <a:srgbClr val="000000"/>
-                        </a:solidFill>
-                        <a:effectLst/>
-                        <a:latin typeface="+mn-lt"/>
-                      </a:endParaRPr>
-                    </a:p>
-                  </a:txBody>
-                  <a:tcPr marL="12700" marR="12700" marT="12700" marB="0" anchor="b">
-                    <a:lnL w="12700" cap="flat" cmpd="sng" algn="ctr">
-                      <a:solidFill>
-                        <a:schemeClr val="tx1"/>
-                      </a:solidFill>
-                      <a:prstDash val="solid"/>
-                      <a:round/>
-                      <a:headEnd type="none" w="med" len="med"/>
-                      <a:tailEnd type="none" w="med" len="med"/>
-                    </a:lnL>
-                    <a:lnR w="12700" cap="flat" cmpd="sng" algn="ctr">
-                      <a:solidFill>
-                        <a:schemeClr val="tx1"/>
-                      </a:solidFill>
-                      <a:prstDash val="solid"/>
-                      <a:round/>
-                      <a:headEnd type="none" w="med" len="med"/>
-                      <a:tailEnd type="none" w="med" len="med"/>
-                    </a:lnR>
-                    <a:lnT w="12700" cap="flat" cmpd="sng" algn="ctr">
-                      <a:solidFill>
-                        <a:schemeClr val="tx1"/>
-                      </a:solidFill>
-                      <a:prstDash val="solid"/>
-                      <a:round/>
-                      <a:headEnd type="none" w="med" len="med"/>
-                      <a:tailEnd type="none" w="med" len="med"/>
-                    </a:lnT>
-                    <a:lnB w="12700" cap="flat" cmpd="sng" algn="ctr">
-                      <a:solidFill>
-                        <a:schemeClr val="tx1"/>
-                      </a:solidFill>
-                      <a:prstDash val="solid"/>
-                      <a:round/>
-                      <a:headEnd type="none" w="med" len="med"/>
-                      <a:tailEnd type="none" w="med" len="med"/>
-                    </a:lnB>
-                  </a:tcPr>
-                </a:tc>
-              </a:tr>
-              <a:tr h="203200">
-                <a:tc>
-                  <a:txBody>
-                    <a:bodyPr/>
-                    <a:lstStyle/>
-                    <a:p>
-                      <a:pPr algn="r" fontAlgn="b"/>
-                      <a:r>
-                        <a:rPr lang="en-US" sz="1800" b="0" i="0" u="none" strike="noStrike" dirty="0" smtClean="0">
-                          <a:solidFill>
-                            <a:srgbClr val="000000"/>
-                          </a:solidFill>
-                          <a:effectLst/>
-                          <a:latin typeface="+mn-lt"/>
-                        </a:rPr>
-                        <a:t>infinity</a:t>
-                      </a:r>
-                      <a:endParaRPr lang="mr-IN" sz="1800" b="0" i="0" u="none" strike="noStrike" dirty="0">
-                        <a:solidFill>
-                          <a:srgbClr val="000000"/>
-                        </a:solidFill>
-                        <a:effectLst/>
-                        <a:latin typeface="+mn-lt"/>
-                      </a:endParaRPr>
-                    </a:p>
-                  </a:txBody>
-                  <a:tcPr marL="12700" marR="12700" marT="12700" marB="0" anchor="b">
-                    <a:lnL w="12700" cap="flat" cmpd="sng" algn="ctr">
-                      <a:solidFill>
-                        <a:schemeClr val="tx1"/>
-                      </a:solidFill>
-                      <a:prstDash val="solid"/>
-                      <a:round/>
-                      <a:headEnd type="none" w="med" len="med"/>
-                      <a:tailEnd type="none" w="med" len="med"/>
-                    </a:lnL>
-                    <a:lnR w="12700" cap="flat" cmpd="sng" algn="ctr">
-                      <a:solidFill>
-                        <a:schemeClr val="tx1"/>
-                      </a:solidFill>
-                      <a:prstDash val="solid"/>
-                      <a:round/>
-                      <a:headEnd type="none" w="med" len="med"/>
-                      <a:tailEnd type="none" w="med" len="med"/>
-                    </a:lnR>
-                    <a:lnT w="12700" cap="flat" cmpd="sng" algn="ctr">
-                      <a:solidFill>
-                        <a:schemeClr val="tx1"/>
-                      </a:solidFill>
-                      <a:prstDash val="solid"/>
-                      <a:round/>
-                      <a:headEnd type="none" w="med" len="med"/>
-                      <a:tailEnd type="none" w="med" len="med"/>
-                    </a:lnT>
-                    <a:lnB w="12700" cap="flat" cmpd="sng" algn="ctr">
-                      <a:solidFill>
-                        <a:schemeClr val="tx1"/>
-                      </a:solidFill>
-                      <a:prstDash val="solid"/>
-                      <a:round/>
-                      <a:headEnd type="none" w="med" len="med"/>
-                      <a:tailEnd type="none" w="med" len="med"/>
-                    </a:lnB>
-                  </a:tcPr>
-                </a:tc>
-                <a:tc>
-                  <a:txBody>
-                    <a:bodyPr/>
-                    <a:lstStyle/>
-                    <a:p>
-                      <a:pPr algn="r" fontAlgn="b"/>
-                      <a:r>
-                        <a:rPr lang="is-IS" sz="1800" b="0" i="0" u="none" strike="noStrike" dirty="0">
-                          <a:solidFill>
-                            <a:srgbClr val="000000"/>
-                          </a:solidFill>
-                          <a:effectLst/>
-                          <a:latin typeface="+mn-lt"/>
-                        </a:rPr>
-                        <a:t>125.9124599</a:t>
-                      </a:r>
-                    </a:p>
-                  </a:txBody>
-                  <a:tcPr marL="12700" marR="12700" marT="12700" marB="0" anchor="b">
-                    <a:lnL w="12700" cap="flat" cmpd="sng" algn="ctr">
-                      <a:solidFill>
-                        <a:schemeClr val="tx1"/>
-                      </a:solidFill>
-                      <a:prstDash val="solid"/>
-                      <a:round/>
-                      <a:headEnd type="none" w="med" len="med"/>
-                      <a:tailEnd type="none" w="med" len="med"/>
-                    </a:lnL>
-                    <a:lnR w="12700" cap="flat" cmpd="sng" algn="ctr">
-                      <a:solidFill>
-                        <a:schemeClr val="tx1"/>
-                      </a:solidFill>
-                      <a:prstDash val="solid"/>
-                      <a:round/>
-                      <a:headEnd type="none" w="med" len="med"/>
-                      <a:tailEnd type="none" w="med" len="med"/>
-                    </a:lnR>
-                    <a:lnT w="12700" cap="flat" cmpd="sng" algn="ctr">
-                      <a:solidFill>
-                        <a:schemeClr val="tx1"/>
-                      </a:solidFill>
-                      <a:prstDash val="solid"/>
-                      <a:round/>
-                      <a:headEnd type="none" w="med" len="med"/>
-                      <a:tailEnd type="none" w="med" len="med"/>
-                    </a:lnT>
-                    <a:lnB w="12700" cap="flat" cmpd="sng" algn="ctr">
-                      <a:solidFill>
-                        <a:schemeClr val="tx1"/>
-                      </a:solidFill>
-                      <a:prstDash val="solid"/>
-                      <a:round/>
-                      <a:headEnd type="none" w="med" len="med"/>
-                      <a:tailEnd type="none" w="med" len="med"/>
-                    </a:lnB>
-                  </a:tcPr>
-                </a:tc>
-                <a:tc>
-                  <a:txBody>
-                    <a:bodyPr/>
-                    <a:lstStyle/>
-                    <a:p>
-                      <a:pPr algn="r" fontAlgn="b"/>
-                      <a:r>
-                        <a:rPr lang="is-IS" sz="1800" b="0" i="0" u="none" strike="noStrike" dirty="0">
-                          <a:solidFill>
-                            <a:srgbClr val="000000"/>
-                          </a:solidFill>
-                          <a:effectLst/>
-                          <a:latin typeface="+mn-lt"/>
-                        </a:rPr>
-                        <a:t>54.22032864</a:t>
-                      </a:r>
-                    </a:p>
-                  </a:txBody>
-                  <a:tcPr marL="12700" marR="12700" marT="12700" marB="0" anchor="b">
-                    <a:lnL w="12700" cap="flat" cmpd="sng" algn="ctr">
-                      <a:solidFill>
-                        <a:schemeClr val="tx1"/>
-                      </a:solidFill>
-                      <a:prstDash val="solid"/>
-                      <a:round/>
-                      <a:headEnd type="none" w="med" len="med"/>
-                      <a:tailEnd type="none" w="med" len="med"/>
-                    </a:lnL>
-                    <a:lnR w="12700" cap="flat" cmpd="sng" algn="ctr">
-                      <a:solidFill>
-                        <a:schemeClr val="tx1"/>
-                      </a:solidFill>
-                      <a:prstDash val="solid"/>
-                      <a:round/>
-                      <a:headEnd type="none" w="med" len="med"/>
-                      <a:tailEnd type="none" w="med" len="med"/>
-                    </a:lnR>
-                    <a:lnT w="12700" cap="flat" cmpd="sng" algn="ctr">
-                      <a:solidFill>
-                        <a:schemeClr val="tx1"/>
-                      </a:solidFill>
-                      <a:prstDash val="solid"/>
-                      <a:round/>
-                      <a:headEnd type="none" w="med" len="med"/>
-                      <a:tailEnd type="none" w="med" len="med"/>
-                    </a:lnT>
-                    <a:lnB w="12700" cap="flat" cmpd="sng" algn="ctr">
-                      <a:solidFill>
-                        <a:schemeClr val="tx1"/>
-                      </a:solidFill>
-                      <a:prstDash val="solid"/>
-                      <a:round/>
-                      <a:headEnd type="none" w="med" len="med"/>
-                      <a:tailEnd type="none" w="med" len="med"/>
-                    </a:lnB>
-                  </a:tcPr>
-                </a:tc>
-                <a:tc>
-                  <a:txBody>
-                    <a:bodyPr/>
-                    <a:lstStyle/>
-                    <a:p>
-                      <a:pPr algn="r" fontAlgn="b"/>
-                      <a:r>
-                        <a:rPr lang="nb-NO" sz="1800" b="0" i="0" u="none" strike="noStrike" dirty="0">
-                          <a:solidFill>
-                            <a:srgbClr val="000000"/>
-                          </a:solidFill>
-                          <a:effectLst/>
-                          <a:latin typeface="+mn-lt"/>
-                        </a:rPr>
-                        <a:t>27.283</a:t>
-                      </a:r>
-                    </a:p>
-                  </a:txBody>
-                  <a:tcPr marL="12700" marR="12700" marT="12700" marB="0" anchor="b">
-                    <a:lnL w="12700" cap="flat" cmpd="sng" algn="ctr">
-                      <a:solidFill>
-                        <a:schemeClr val="tx1"/>
-                      </a:solidFill>
-                      <a:prstDash val="solid"/>
-                      <a:round/>
-                      <a:headEnd type="none" w="med" len="med"/>
-                      <a:tailEnd type="none" w="med" len="med"/>
-                    </a:lnL>
-                    <a:lnR w="12700" cap="flat" cmpd="sng" algn="ctr">
-                      <a:solidFill>
-                        <a:schemeClr val="tx1"/>
-                      </a:solidFill>
-                      <a:prstDash val="solid"/>
-                      <a:round/>
-                      <a:headEnd type="none" w="med" len="med"/>
-                      <a:tailEnd type="none" w="med" len="med"/>
-                    </a:lnR>
-                    <a:lnT w="12700" cap="flat" cmpd="sng" algn="ctr">
-                      <a:solidFill>
-                        <a:schemeClr val="tx1"/>
-                      </a:solidFill>
-                      <a:prstDash val="solid"/>
-                      <a:round/>
-                      <a:headEnd type="none" w="med" len="med"/>
-                      <a:tailEnd type="none" w="med" len="med"/>
-                    </a:lnT>
-                    <a:lnB w="12700" cap="flat" cmpd="sng" algn="ctr">
-                      <a:solidFill>
-                        <a:schemeClr val="tx1"/>
-                      </a:solidFill>
-                      <a:prstDash val="solid"/>
-                      <a:round/>
-                      <a:headEnd type="none" w="med" len="med"/>
-                      <a:tailEnd type="none" w="med" len="med"/>
-                    </a:lnB>
-                  </a:tcPr>
-                </a:tc>
-              </a:tr>
-            </a:tbl>
-          </a:graphicData>
-        </a:graphic>
-      </p:graphicFrame>
-    </p:spTree>
-    <p:extLst>
-      <p:ext uri="{BB962C8B-B14F-4D97-AF65-F5344CB8AC3E}">
-        <p14:creationId xmlns:p14="http://schemas.microsoft.com/office/powerpoint/2010/main" val="1606722539"/>
-      </p:ext>
-    </p:extLst>
-  </p:cSld>
-  <p:clrMapOvr>
-    <a:masterClrMapping/>
-  </p:clrMapOvr>
-</p:sld>
-</file>
-
-<file path=ppt/slides/slide9.xml><?xml version="1.0" encoding="utf-8"?>
-<p:sld xmlns:a="http://schemas.openxmlformats.org/drawingml/2006/main" xmlns:r="http://schemas.openxmlformats.org/officeDocument/2006/relationships" xmlns:p="http://schemas.openxmlformats.org/presentationml/2006/main">
-  <p:cSld>
-    <p:spTree>
-      <p:nvGrpSpPr>
-        <p:cNvPr id="1" name=""/>
-        <p:cNvGrpSpPr/>
-        <p:nvPr/>
-      </p:nvGrpSpPr>
-      <p:grpSpPr>
-        <a:xfrm>
-          <a:off x="0" y="0"/>
-          <a:ext cx="0" cy="0"/>
-          <a:chOff x="0" y="0"/>
-          <a:chExt cx="0" cy="0"/>
-        </a:xfrm>
-      </p:grpSpPr>
-      <p:sp>
-        <p:nvSpPr>
-          <p:cNvPr id="2" name="Title 1"/>
-          <p:cNvSpPr>
-            <a:spLocks noGrp="1"/>
-          </p:cNvSpPr>
-          <p:nvPr>
-            <p:ph type="title"/>
-          </p:nvPr>
-        </p:nvSpPr>
-        <p:spPr/>
-        <p:txBody>
-          <a:bodyPr/>
-          <a:lstStyle/>
-          <a:p>
-            <a:r>
-              <a:rPr lang="en-US" dirty="0" smtClean="0"/>
-              <a:t>Observations (CIFAR10)</a:t>
-            </a:r>
-            <a:endParaRPr lang="en-US" dirty="0"/>
-          </a:p>
-        </p:txBody>
-      </p:sp>
-      <p:pic>
-        <p:nvPicPr>
-          <p:cNvPr id="4" name="Picture 3"/>
-          <p:cNvPicPr>
-            <a:picLocks noChangeAspect="1"/>
-          </p:cNvPicPr>
-          <p:nvPr/>
-        </p:nvPicPr>
-        <p:blipFill>
-          <a:blip r:embed="rId2">
-            <a:extLst>
-              <a:ext uri="{28A0092B-C50C-407E-A947-70E740481C1C}">
-                <a14:useLocalDpi xmlns:a14="http://schemas.microsoft.com/office/drawing/2010/main" val="0"/>
-              </a:ext>
-            </a:extLst>
-          </a:blip>
-          <a:stretch>
-            <a:fillRect/>
-          </a:stretch>
-        </p:blipFill>
-        <p:spPr>
-          <a:xfrm>
-            <a:off x="2301240" y="1690688"/>
-            <a:ext cx="7589520" cy="4559808"/>
-          </a:xfrm>
-          <a:prstGeom prst="rect">
-            <a:avLst/>
-          </a:prstGeom>
-        </p:spPr>
-      </p:pic>
-      <p:sp>
-        <p:nvSpPr>
-          <p:cNvPr id="3" name="TextBox 2"/>
-          <p:cNvSpPr txBox="1"/>
-          <p:nvPr/>
-        </p:nvSpPr>
-        <p:spPr>
-          <a:xfrm>
-            <a:off x="232696" y="6288451"/>
-            <a:ext cx="11726608" cy="369332"/>
-          </a:xfrm>
-          <a:prstGeom prst="rect">
-            <a:avLst/>
-          </a:prstGeom>
-          <a:noFill/>
-        </p:spPr>
-        <p:txBody>
-          <a:bodyPr wrap="none" rtlCol="0">
-            <a:spAutoFit/>
-          </a:bodyPr>
-          <a:lstStyle/>
-          <a:p>
-            <a:r>
-              <a:rPr lang="en-US" dirty="0" smtClean="0"/>
-              <a:t>Graphs are similar to the MNIST graphs, with the accuracy and testing time plateauing, and training time continuing to grow</a:t>
-            </a:r>
-            <a:endParaRPr lang="en-US" dirty="0"/>
-          </a:p>
-        </p:txBody>
-      </p:sp>
-    </p:spTree>
-    <p:extLst>
-      <p:ext uri="{BB962C8B-B14F-4D97-AF65-F5344CB8AC3E}">
-        <p14:creationId xmlns:p14="http://schemas.microsoft.com/office/powerpoint/2010/main" val="271554950"/>
       </p:ext>
     </p:extLst>
   </p:cSld>
